--- a/22.최영욱Book.pptx
+++ b/22.최영욱Book.pptx
@@ -1,19 +1,24 @@
 
 <file path=ppt/presentation.xml><?xml version="1.0" encoding="utf-8"?>
-<p:presentation xmlns:a="http://schemas.openxmlformats.org/drawingml/2006/main" xmlns:r="http://schemas.openxmlformats.org/officeDocument/2006/relationships" xmlns:p="http://schemas.openxmlformats.org/presentationml/2006/main" autoCompressPictures="0">
+<p:presentation xmlns:r="http://schemas.openxmlformats.org/officeDocument/2006/relationships" xmlns:c="http://schemas.openxmlformats.org/drawingml/2006/chart" xmlns:a="http://schemas.openxmlformats.org/drawingml/2006/main" xmlns:dgm="http://schemas.openxmlformats.org/drawingml/2006/diagram" xmlns:dsp="http://schemas.microsoft.com/office/drawing/2008/diagram" xmlns:p="http://schemas.openxmlformats.org/presentationml/2006/main" autoCompressPictures="0">
   <p:sldMasterIdLst>
-    <p:sldMasterId id="2147483737" r:id="rId1"/>
+    <p:sldMasterId id="2147483763" r:id="rId1"/>
   </p:sldMasterIdLst>
   <p:sldIdLst>
     <p:sldId id="256" r:id="rId2"/>
-    <p:sldId id="258" r:id="rId3"/>
-    <p:sldId id="257" r:id="rId4"/>
+    <p:sldId id="257" r:id="rId3"/>
+    <p:sldId id="258" r:id="rId4"/>
     <p:sldId id="259" r:id="rId5"/>
-    <p:sldId id="262" r:id="rId6"/>
-    <p:sldId id="260" r:id="rId7"/>
-    <p:sldId id="261" r:id="rId8"/>
+    <p:sldId id="260" r:id="rId6"/>
+    <p:sldId id="261" r:id="rId7"/>
+    <p:sldId id="262" r:id="rId8"/>
     <p:sldId id="263" r:id="rId9"/>
     <p:sldId id="264" r:id="rId10"/>
+    <p:sldId id="265" r:id="rId11"/>
+    <p:sldId id="266" r:id="rId12"/>
+    <p:sldId id="267" r:id="rId13"/>
+    <p:sldId id="268" r:id="rId14"/>
+    <p:sldId id="269" r:id="rId15"/>
   </p:sldIdLst>
   <p:sldSz cx="12192000" cy="6858000"/>
   <p:notesSz cx="6858000" cy="9144000"/>
@@ -113,8 +118,27 @@
     </a:lvl9pPr>
   </p:defaultTextStyle>
   <p:extLst>
-    <p:ext uri="{EFAFB233-063F-42B5-8137-9DF3F51BA10A}">
-      <p15:sldGuideLst xmlns:p15="http://schemas.microsoft.com/office/powerpoint/2012/main"/>
+    <p:ext uri="{521415D9-36F7-43E2-AB2F-B90AF26B5E84}">
+      <p14:sectionLst xmlns:p14="http://schemas.microsoft.com/office/powerpoint/2010/main">
+        <p14:section id="{5B297473-0FD7-44A4-8D12-B2776EE601DA}" name="기본 구역">
+          <p14:sldIdLst>
+            <p14:sldId id="256"/>
+            <p14:sldId id="257"/>
+            <p14:sldId id="258"/>
+            <p14:sldId id="259"/>
+            <p14:sldId id="260"/>
+            <p14:sldId id="261"/>
+            <p14:sldId id="262"/>
+            <p14:sldId id="263"/>
+            <p14:sldId id="264"/>
+            <p14:sldId id="265"/>
+            <p14:sldId id="266"/>
+            <p14:sldId id="267"/>
+            <p14:sldId id="268"/>
+            <p14:sldId id="269"/>
+          </p14:sldIdLst>
+        </p14:section>
+      </p14:sectionLst>
     </p:ext>
   </p:extLst>
 </p:presentation>
@@ -6003,6 +6027,3269 @@
     <p:extLst>
       <p:ext uri="{BB962C8B-B14F-4D97-AF65-F5344CB8AC3E}">
         <p14:creationId xmlns:p14="http://schemas.microsoft.com/office/powerpoint/2010/main" val="745358657"/>
+      </p:ext>
+    </p:extLst>
+  </p:cSld>
+  <p:clrMapOvr>
+    <a:masterClrMapping/>
+  </p:clrMapOvr>
+  <p:timing>
+    <p:tnLst>
+      <p:par>
+        <p:cTn id="1" dur="indefinite" restart="never" nodeType="tmRoot"/>
+      </p:par>
+    </p:tnLst>
+  </p:timing>
+</p:sld>
+</file>
+
+<file path=ppt/slides/slide10.xml><?xml version="1.0" encoding="utf-8"?>
+<p:sld xmlns:r="http://schemas.openxmlformats.org/officeDocument/2006/relationships" xmlns:c="http://schemas.openxmlformats.org/drawingml/2006/chart" xmlns:a="http://schemas.openxmlformats.org/drawingml/2006/main" xmlns:dgm="http://schemas.openxmlformats.org/drawingml/2006/diagram" xmlns:dsp="http://schemas.microsoft.com/office/drawing/2008/diagram" xmlns:p="http://schemas.openxmlformats.org/presentationml/2006/main">
+  <p:cSld>
+    <p:spTree>
+      <p:nvGrpSpPr>
+        <p:cNvPr id="1" name=""/>
+        <p:cNvGrpSpPr/>
+        <p:nvPr/>
+      </p:nvGrpSpPr>
+      <p:grpSpPr>
+        <a:xfrm>
+          <a:off x="0" y="0"/>
+          <a:ext cx="0" cy="0"/>
+          <a:chOff x="0" y="0"/>
+          <a:chExt cx="0" cy="0"/>
+        </a:xfrm>
+      </p:grpSpPr>
+      <p:sp>
+        <p:nvSpPr>
+          <p:cNvPr id="2" name="Title 1"/>
+          <p:cNvSpPr>
+            <a:spLocks noGrp="1"/>
+          </p:cNvSpPr>
+          <p:nvPr>
+            <p:ph type="title" idx="0"/>
+          </p:nvPr>
+        </p:nvSpPr>
+        <p:spPr>
+          <a:xfrm>
+            <a:off x="1295402" y="982132"/>
+            <a:ext cx="9601196" cy="801158"/>
+          </a:xfrm>
+        </p:spPr>
+        <p:txBody>
+          <a:bodyPr/>
+          <a:lstStyle/>
+          <a:p>
+            <a:pPr>
+              <a:defRPr/>
+            </a:pPr>
+            <a:r>
+              <a:rPr lang="ko-KR" altLang="en-US"/>
+              <a:t>상단페이지</a:t>
+            </a:r>
+            <a:endParaRPr lang="ko-KR" altLang="en-US"/>
+          </a:p>
+        </p:txBody>
+      </p:sp>
+      <p:sp>
+        <p:nvSpPr>
+          <p:cNvPr id="3" name="Content Placeholder 2"/>
+          <p:cNvSpPr>
+            <a:spLocks noGrp="1"/>
+          </p:cNvSpPr>
+          <p:nvPr>
+            <p:ph sz="half" idx="1"/>
+          </p:nvPr>
+        </p:nvSpPr>
+        <p:spPr/>
+        <p:txBody>
+          <a:bodyPr/>
+          <a:lstStyle/>
+          <a:p>
+            <a:pPr marL="0" indent="0" algn="l" defTabSz="457200" rtl="0" eaLnBrk="1" latinLnBrk="1" hangingPunct="1">
+              <a:lnSpc>
+                <a:spcPct val="100000"/>
+              </a:lnSpc>
+              <a:spcBef>
+                <a:spcPct val="20000"/>
+              </a:spcBef>
+              <a:spcAft>
+                <a:spcPts val="600"/>
+              </a:spcAft>
+              <a:buClr>
+                <a:schemeClr val="accent1"/>
+              </a:buClr>
+              <a:buSzPct val="115000"/>
+              <a:buFont typeface="Arial"/>
+              <a:buNone/>
+              <a:defRPr/>
+            </a:pPr>
+            <a:r>
+              <a:rPr lang="en-US" altLang="ko-KR"/>
+              <a:t>1.</a:t>
+            </a:r>
+            <a:r>
+              <a:rPr lang="ko-KR" altLang="en-US"/>
+              <a:t>헤더</a:t>
+            </a:r>
+            <a:endParaRPr lang="ko-KR" altLang="en-US"/>
+          </a:p>
+          <a:p>
+            <a:pPr marL="0" indent="0">
+              <a:buNone/>
+              <a:defRPr/>
+            </a:pPr>
+            <a:r>
+              <a:rPr lang="ko-KR" altLang="en-US"/>
+              <a:t>로고 </a:t>
+            </a:r>
+            <a:r>
+              <a:rPr lang="en-US" altLang="ko-KR"/>
+              <a:t>/</a:t>
+            </a:r>
+            <a:r>
+              <a:rPr lang="ko-KR" altLang="en-US"/>
+              <a:t> 검색창 </a:t>
+            </a:r>
+            <a:r>
+              <a:rPr lang="en-US" altLang="ko-KR"/>
+              <a:t>/</a:t>
+            </a:r>
+            <a:r>
+              <a:rPr lang="ko-KR" altLang="en-US"/>
+              <a:t> 로그인메뉴</a:t>
+            </a:r>
+            <a:endParaRPr lang="ko-KR" altLang="en-US"/>
+          </a:p>
+        </p:txBody>
+      </p:sp>
+      <p:sp>
+        <p:nvSpPr>
+          <p:cNvPr id="4" name="Content Placeholder 3"/>
+          <p:cNvSpPr>
+            <a:spLocks noGrp="1"/>
+          </p:cNvSpPr>
+          <p:nvPr>
+            <p:ph sz="half" idx="2"/>
+          </p:nvPr>
+        </p:nvSpPr>
+        <p:spPr/>
+        <p:txBody>
+          <a:bodyPr/>
+          <a:lstStyle/>
+          <a:p>
+            <a:pPr marL="0" indent="0">
+              <a:buNone/>
+              <a:defRPr/>
+            </a:pPr>
+            <a:r>
+              <a:rPr lang="ko-KR" altLang="en-US"/>
+              <a:t>코드</a:t>
+            </a:r>
+            <a:endParaRPr lang="ko-KR" altLang="en-US"/>
+          </a:p>
+          <a:p>
+            <a:pPr marL="0" indent="0">
+              <a:buNone/>
+              <a:defRPr/>
+            </a:pPr>
+            <a:endParaRPr lang="ko-KR" altLang="en-US"/>
+          </a:p>
+        </p:txBody>
+      </p:sp>
+      <p:pic>
+        <p:nvPicPr>
+          <p:cNvPr id="16" name=""/>
+          <p:cNvPicPr>
+            <a:picLocks noChangeAspect="1"/>
+          </p:cNvPicPr>
+          <p:nvPr/>
+        </p:nvPicPr>
+        <p:blipFill rotWithShape="1">
+          <a:blip r:embed="rId2"/>
+          <a:stretch>
+            <a:fillRect/>
+          </a:stretch>
+        </p:blipFill>
+        <p:spPr>
+          <a:xfrm>
+            <a:off x="554493" y="3956277"/>
+            <a:ext cx="5541507" cy="1064890"/>
+          </a:xfrm>
+          <a:prstGeom prst="rect">
+            <a:avLst/>
+          </a:prstGeom>
+        </p:spPr>
+      </p:pic>
+      <p:pic>
+        <p:nvPicPr>
+          <p:cNvPr id="17" name=""/>
+          <p:cNvPicPr>
+            <a:picLocks noChangeAspect="1"/>
+          </p:cNvPicPr>
+          <p:nvPr/>
+        </p:nvPicPr>
+        <p:blipFill rotWithShape="1">
+          <a:blip r:embed="rId3"/>
+          <a:stretch>
+            <a:fillRect/>
+          </a:stretch>
+        </p:blipFill>
+        <p:spPr>
+          <a:xfrm>
+            <a:off x="6096001" y="4620986"/>
+            <a:ext cx="5245553" cy="1579109"/>
+          </a:xfrm>
+          <a:prstGeom prst="rect">
+            <a:avLst/>
+          </a:prstGeom>
+        </p:spPr>
+      </p:pic>
+      <p:pic>
+        <p:nvPicPr>
+          <p:cNvPr id="18" name=""/>
+          <p:cNvPicPr>
+            <a:picLocks noChangeAspect="1"/>
+          </p:cNvPicPr>
+          <p:nvPr/>
+        </p:nvPicPr>
+        <p:blipFill rotWithShape="1">
+          <a:blip r:embed="rId4"/>
+          <a:stretch>
+            <a:fillRect/>
+          </a:stretch>
+        </p:blipFill>
+        <p:spPr>
+          <a:xfrm>
+            <a:off x="6095998" y="3057185"/>
+            <a:ext cx="5177519" cy="1406978"/>
+          </a:xfrm>
+          <a:prstGeom prst="rect">
+            <a:avLst/>
+          </a:prstGeom>
+        </p:spPr>
+      </p:pic>
+    </p:spTree>
+  </p:cSld>
+  <p:clrMapOvr>
+    <a:masterClrMapping/>
+  </p:clrMapOvr>
+  <mc:AlternateContent xmlns:mc="http://schemas.openxmlformats.org/markup-compatibility/2006">
+    <mc:Choice xmlns:p14="http://schemas.microsoft.com/office/powerpoint/2010/main" Requires="p14">
+      <p:transition xmlns:mc="http://schemas.openxmlformats.org/markup-compatibility/2006" xmlns:p14="http://schemas.microsoft.com/office/powerpoint/2010/main" mc:Ignorable="p14" p14:dur="500"/>
+    </mc:Choice>
+    <mc:Fallback>
+      <p:transition/>
+    </mc:Fallback>
+  </mc:AlternateContent>
+</p:sld>
+</file>
+
+<file path=ppt/slides/slide11.xml><?xml version="1.0" encoding="utf-8"?>
+<p:sld xmlns:a="http://schemas.openxmlformats.org/drawingml/2006/main" xmlns:r="http://schemas.openxmlformats.org/officeDocument/2006/relationships" xmlns:p="http://schemas.openxmlformats.org/presentationml/2006/main">
+  <p:cSld>
+    <p:spTree>
+      <p:nvGrpSpPr>
+        <p:cNvPr id="1" name=""/>
+        <p:cNvGrpSpPr/>
+        <p:nvPr/>
+      </p:nvGrpSpPr>
+      <p:grpSpPr>
+        <a:xfrm>
+          <a:off x="0" y="0"/>
+          <a:ext cx="0" cy="0"/>
+          <a:chOff x="0" y="0"/>
+          <a:chExt cx="0" cy="0"/>
+        </a:xfrm>
+      </p:grpSpPr>
+      <p:sp>
+        <p:nvSpPr>
+          <p:cNvPr id="9" name="직사각형 8"/>
+          <p:cNvSpPr/>
+          <p:nvPr/>
+        </p:nvSpPr>
+        <p:spPr>
+          <a:xfrm>
+            <a:off x="822036" y="711199"/>
+            <a:ext cx="1071419" cy="757383"/>
+          </a:xfrm>
+          <a:prstGeom prst="rect">
+            <a:avLst/>
+          </a:prstGeom>
+        </p:spPr>
+        <p:style>
+          <a:lnRef idx="2">
+            <a:schemeClr val="dk1"/>
+          </a:lnRef>
+          <a:fillRef idx="1">
+            <a:schemeClr val="lt1"/>
+          </a:fillRef>
+          <a:effectRef idx="0">
+            <a:schemeClr val="dk1"/>
+          </a:effectRef>
+          <a:fontRef idx="minor">
+            <a:schemeClr val="dk1"/>
+          </a:fontRef>
+        </p:style>
+        <p:txBody>
+          <a:bodyPr rtlCol="0" anchor="ctr"/>
+          <a:lstStyle/>
+          <a:p>
+            <a:r>
+              <a:rPr lang="en-US" altLang="ko-KR" b="1" dirty="0" smtClean="0">
+                <a:solidFill>
+                  <a:schemeClr val="accent4"/>
+                </a:solidFill>
+              </a:rPr>
+              <a:t> c Book</a:t>
+            </a:r>
+          </a:p>
+          <a:p>
+            <a:r>
+              <a:rPr lang="en-US" altLang="ko-KR" b="1" dirty="0" smtClean="0">
+                <a:solidFill>
+                  <a:schemeClr val="accent4"/>
+                </a:solidFill>
+              </a:rPr>
+              <a:t> (</a:t>
+            </a:r>
+            <a:r>
+              <a:rPr lang="ko-KR" altLang="en-US" b="1" dirty="0" smtClean="0">
+                <a:solidFill>
+                  <a:schemeClr val="accent4"/>
+                </a:solidFill>
+              </a:rPr>
+              <a:t>로고</a:t>
+            </a:r>
+            <a:r>
+              <a:rPr lang="en-US" altLang="ko-KR" b="1" dirty="0" smtClean="0">
+                <a:solidFill>
+                  <a:schemeClr val="accent4"/>
+                </a:solidFill>
+              </a:rPr>
+              <a:t>)</a:t>
+            </a:r>
+            <a:endParaRPr lang="ko-KR" altLang="en-US" b="1" dirty="0">
+              <a:solidFill>
+                <a:schemeClr val="accent4"/>
+              </a:solidFill>
+            </a:endParaRPr>
+          </a:p>
+        </p:txBody>
+      </p:sp>
+      <p:sp>
+        <p:nvSpPr>
+          <p:cNvPr id="10" name="직사각형 9"/>
+          <p:cNvSpPr/>
+          <p:nvPr/>
+        </p:nvSpPr>
+        <p:spPr>
+          <a:xfrm>
+            <a:off x="2004291" y="724932"/>
+            <a:ext cx="9347200" cy="757383"/>
+          </a:xfrm>
+          <a:prstGeom prst="rect">
+            <a:avLst/>
+          </a:prstGeom>
+          <a:solidFill>
+            <a:schemeClr val="accent1">
+              <a:alpha val="0"/>
+            </a:schemeClr>
+          </a:solidFill>
+          <a:ln>
+            <a:solidFill>
+              <a:schemeClr val="tx1"/>
+            </a:solidFill>
+          </a:ln>
+        </p:spPr>
+        <p:style>
+          <a:lnRef idx="2">
+            <a:schemeClr val="accent1">
+              <a:shade val="50000"/>
+            </a:schemeClr>
+          </a:lnRef>
+          <a:fillRef idx="1">
+            <a:schemeClr val="accent1"/>
+          </a:fillRef>
+          <a:effectRef idx="0">
+            <a:schemeClr val="accent1"/>
+          </a:effectRef>
+          <a:fontRef idx="minor">
+            <a:schemeClr val="lt1"/>
+          </a:fontRef>
+        </p:style>
+        <p:txBody>
+          <a:bodyPr rtlCol="0" anchor="ctr"/>
+          <a:lstStyle/>
+          <a:p>
+            <a:pPr algn="ctr"/>
+            <a:endParaRPr lang="ko-KR" altLang="en-US" dirty="0"/>
+          </a:p>
+        </p:txBody>
+      </p:sp>
+      <p:sp>
+        <p:nvSpPr>
+          <p:cNvPr id="11" name="TextBox 10"/>
+          <p:cNvSpPr txBox="1"/>
+          <p:nvPr/>
+        </p:nvSpPr>
+        <p:spPr>
+          <a:xfrm>
+            <a:off x="9125527" y="724932"/>
+            <a:ext cx="1570182" cy="276999"/>
+          </a:xfrm>
+          <a:prstGeom prst="rect">
+            <a:avLst/>
+          </a:prstGeom>
+          <a:noFill/>
+          <a:ln>
+            <a:solidFill>
+              <a:schemeClr val="tx1"/>
+            </a:solidFill>
+          </a:ln>
+        </p:spPr>
+        <p:txBody>
+          <a:bodyPr wrap="square" rtlCol="0">
+            <a:spAutoFit/>
+          </a:bodyPr>
+          <a:lstStyle/>
+          <a:p>
+            <a:r>
+              <a:rPr lang="ko-KR" altLang="en-US" sz="1200" dirty="0" smtClean="0"/>
+              <a:t>로그인 및 회원가입</a:t>
+            </a:r>
+            <a:endParaRPr lang="ko-KR" altLang="en-US" sz="1200" dirty="0"/>
+          </a:p>
+        </p:txBody>
+      </p:sp>
+      <p:sp>
+        <p:nvSpPr>
+          <p:cNvPr id="12" name="직사각형 11"/>
+          <p:cNvSpPr/>
+          <p:nvPr/>
+        </p:nvSpPr>
+        <p:spPr>
+          <a:xfrm>
+            <a:off x="10695709" y="724932"/>
+            <a:ext cx="655782" cy="471055"/>
+          </a:xfrm>
+          <a:prstGeom prst="rect">
+            <a:avLst/>
+          </a:prstGeom>
+          <a:solidFill>
+            <a:schemeClr val="tx1">
+              <a:alpha val="0"/>
+            </a:schemeClr>
+          </a:solidFill>
+        </p:spPr>
+        <p:style>
+          <a:lnRef idx="2">
+            <a:schemeClr val="accent1">
+              <a:shade val="50000"/>
+            </a:schemeClr>
+          </a:lnRef>
+          <a:fillRef idx="1">
+            <a:schemeClr val="accent1"/>
+          </a:fillRef>
+          <a:effectRef idx="0">
+            <a:schemeClr val="accent1"/>
+          </a:effectRef>
+          <a:fontRef idx="minor">
+            <a:schemeClr val="lt1"/>
+          </a:fontRef>
+        </p:style>
+        <p:txBody>
+          <a:bodyPr rtlCol="0" anchor="ctr"/>
+          <a:lstStyle/>
+          <a:p>
+            <a:pPr algn="ctr"/>
+            <a:r>
+              <a:rPr lang="ko-KR" altLang="en-US" sz="1600" b="1" dirty="0" smtClean="0">
+                <a:solidFill>
+                  <a:schemeClr val="tx1"/>
+                </a:solidFill>
+              </a:rPr>
+              <a:t>메뉴</a:t>
+            </a:r>
+            <a:endParaRPr lang="ko-KR" altLang="en-US" sz="1600" b="1" dirty="0">
+              <a:solidFill>
+                <a:schemeClr val="tx1"/>
+              </a:solidFill>
+            </a:endParaRPr>
+          </a:p>
+        </p:txBody>
+      </p:sp>
+      <p:sp>
+        <p:nvSpPr>
+          <p:cNvPr id="13" name="모서리가 둥근 직사각형 12"/>
+          <p:cNvSpPr/>
+          <p:nvPr/>
+        </p:nvSpPr>
+        <p:spPr>
+          <a:xfrm>
+            <a:off x="1237673" y="2115127"/>
+            <a:ext cx="9809018" cy="1228436"/>
+          </a:xfrm>
+          <a:prstGeom prst="roundRect">
+            <a:avLst/>
+          </a:prstGeom>
+          <a:solidFill>
+            <a:schemeClr val="accent6">
+              <a:alpha val="63000"/>
+            </a:schemeClr>
+          </a:solidFill>
+          <a:ln>
+            <a:solidFill>
+              <a:schemeClr val="accent4"/>
+            </a:solidFill>
+          </a:ln>
+        </p:spPr>
+        <p:style>
+          <a:lnRef idx="2">
+            <a:schemeClr val="accent1">
+              <a:shade val="50000"/>
+            </a:schemeClr>
+          </a:lnRef>
+          <a:fillRef idx="1">
+            <a:schemeClr val="accent1"/>
+          </a:fillRef>
+          <a:effectRef idx="0">
+            <a:schemeClr val="accent1"/>
+          </a:effectRef>
+          <a:fontRef idx="minor">
+            <a:schemeClr val="lt1"/>
+          </a:fontRef>
+        </p:style>
+        <p:txBody>
+          <a:bodyPr rtlCol="0" anchor="ctr"/>
+          <a:lstStyle/>
+          <a:p>
+            <a:pPr algn="ctr"/>
+            <a:r>
+              <a:rPr lang="ko-KR" altLang="en-US" dirty="0" smtClean="0">
+                <a:solidFill>
+                  <a:schemeClr val="accent4"/>
+                </a:solidFill>
+              </a:rPr>
+              <a:t>베스트 셀러</a:t>
+            </a:r>
+            <a:endParaRPr lang="ko-KR" altLang="en-US" dirty="0">
+              <a:solidFill>
+                <a:schemeClr val="accent4"/>
+              </a:solidFill>
+            </a:endParaRPr>
+          </a:p>
+        </p:txBody>
+      </p:sp>
+      <p:sp>
+        <p:nvSpPr>
+          <p:cNvPr id="14" name="모서리가 둥근 직사각형 13"/>
+          <p:cNvSpPr/>
+          <p:nvPr/>
+        </p:nvSpPr>
+        <p:spPr>
+          <a:xfrm>
+            <a:off x="1237673" y="3763818"/>
+            <a:ext cx="9809018" cy="1228436"/>
+          </a:xfrm>
+          <a:prstGeom prst="roundRect">
+            <a:avLst/>
+          </a:prstGeom>
+          <a:solidFill>
+            <a:schemeClr val="accent6">
+              <a:alpha val="63000"/>
+            </a:schemeClr>
+          </a:solidFill>
+          <a:ln>
+            <a:solidFill>
+              <a:schemeClr val="accent4"/>
+            </a:solidFill>
+          </a:ln>
+        </p:spPr>
+        <p:style>
+          <a:lnRef idx="2">
+            <a:schemeClr val="accent1">
+              <a:shade val="50000"/>
+            </a:schemeClr>
+          </a:lnRef>
+          <a:fillRef idx="1">
+            <a:schemeClr val="accent1"/>
+          </a:fillRef>
+          <a:effectRef idx="0">
+            <a:schemeClr val="accent1"/>
+          </a:effectRef>
+          <a:fontRef idx="minor">
+            <a:schemeClr val="lt1"/>
+          </a:fontRef>
+        </p:style>
+        <p:txBody>
+          <a:bodyPr rtlCol="0" anchor="ctr"/>
+          <a:lstStyle/>
+          <a:p>
+            <a:pPr algn="ctr"/>
+            <a:r>
+              <a:rPr lang="ko-KR" altLang="en-US" dirty="0" smtClean="0">
+                <a:solidFill>
+                  <a:schemeClr val="accent4"/>
+                </a:solidFill>
+              </a:rPr>
+              <a:t>사용자 추천도서</a:t>
+            </a:r>
+            <a:endParaRPr lang="en-US" altLang="ko-KR" dirty="0" smtClean="0">
+              <a:solidFill>
+                <a:schemeClr val="accent4"/>
+              </a:solidFill>
+            </a:endParaRPr>
+          </a:p>
+          <a:p>
+            <a:pPr algn="ctr"/>
+            <a:r>
+              <a:rPr lang="en-US" altLang="ko-KR" sz="1000" dirty="0" smtClean="0">
+                <a:solidFill>
+                  <a:schemeClr val="accent4"/>
+                </a:solidFill>
+              </a:rPr>
+              <a:t>(</a:t>
+            </a:r>
+            <a:r>
+              <a:rPr lang="ko-KR" altLang="en-US" sz="1000" dirty="0" smtClean="0">
+                <a:solidFill>
+                  <a:schemeClr val="accent4"/>
+                </a:solidFill>
+              </a:rPr>
+              <a:t>데이터를 기반한 사용자의 취향</a:t>
+            </a:r>
+            <a:r>
+              <a:rPr lang="en-US" altLang="ko-KR" sz="1000" dirty="0" smtClean="0">
+                <a:solidFill>
+                  <a:schemeClr val="accent4"/>
+                </a:solidFill>
+              </a:rPr>
+              <a:t>)</a:t>
+            </a:r>
+            <a:endParaRPr lang="ko-KR" altLang="en-US" sz="1000" dirty="0">
+              <a:solidFill>
+                <a:schemeClr val="accent4"/>
+              </a:solidFill>
+            </a:endParaRPr>
+          </a:p>
+        </p:txBody>
+      </p:sp>
+      <p:grpSp>
+        <p:nvGrpSpPr>
+          <p:cNvPr id="29" name="그룹 28"/>
+          <p:cNvGrpSpPr/>
+          <p:nvPr/>
+        </p:nvGrpSpPr>
+        <p:grpSpPr>
+          <a:xfrm>
+            <a:off x="2880000" y="1052196"/>
+            <a:ext cx="6720271" cy="360921"/>
+            <a:chOff x="2131854" y="1049378"/>
+            <a:chExt cx="6720271" cy="433014"/>
+          </a:xfrm>
+        </p:grpSpPr>
+        <p:sp>
+          <p:nvSpPr>
+            <p:cNvPr id="17" name="직사각형 16"/>
+            <p:cNvSpPr/>
+            <p:nvPr/>
+          </p:nvSpPr>
+          <p:spPr>
+            <a:xfrm>
+              <a:off x="2131854" y="1082736"/>
+              <a:ext cx="914400" cy="397168"/>
+            </a:xfrm>
+            <a:prstGeom prst="rect">
+              <a:avLst/>
+            </a:prstGeom>
+            <a:solidFill>
+              <a:schemeClr val="accent6">
+                <a:alpha val="41000"/>
+              </a:schemeClr>
+            </a:solidFill>
+            <a:ln>
+              <a:solidFill>
+                <a:schemeClr val="accent4"/>
+              </a:solidFill>
+            </a:ln>
+            <a:effectLst>
+              <a:outerShdw blurRad="1270000" sx="1000" sy="1000" algn="ctr" rotWithShape="0">
+                <a:srgbClr val="000000">
+                  <a:alpha val="43137"/>
+                </a:srgbClr>
+              </a:outerShdw>
+            </a:effectLst>
+          </p:spPr>
+          <p:style>
+            <a:lnRef idx="2">
+              <a:schemeClr val="accent1">
+                <a:shade val="50000"/>
+              </a:schemeClr>
+            </a:lnRef>
+            <a:fillRef idx="1">
+              <a:schemeClr val="accent1"/>
+            </a:fillRef>
+            <a:effectRef idx="0">
+              <a:schemeClr val="accent1"/>
+            </a:effectRef>
+            <a:fontRef idx="minor">
+              <a:schemeClr val="lt1"/>
+            </a:fontRef>
+          </p:style>
+          <p:txBody>
+            <a:bodyPr rtlCol="0" anchor="ctr"/>
+            <a:lstStyle/>
+            <a:p>
+              <a:pPr algn="ctr"/>
+              <a:r>
+                <a:rPr lang="ko-KR" altLang="en-US" sz="900" b="1" dirty="0" smtClean="0">
+                  <a:solidFill>
+                    <a:schemeClr val="tx1"/>
+                  </a:solidFill>
+                </a:rPr>
+                <a:t>메인카테고리</a:t>
+              </a:r>
+              <a:endParaRPr lang="ko-KR" altLang="en-US" sz="900" b="1" dirty="0">
+                <a:solidFill>
+                  <a:schemeClr val="tx1"/>
+                </a:solidFill>
+              </a:endParaRPr>
+            </a:p>
+          </p:txBody>
+        </p:sp>
+        <p:sp>
+          <p:nvSpPr>
+            <p:cNvPr id="24" name="직사각형 23"/>
+            <p:cNvSpPr/>
+            <p:nvPr/>
+          </p:nvSpPr>
+          <p:spPr>
+            <a:xfrm>
+              <a:off x="3243118" y="1085224"/>
+              <a:ext cx="914400" cy="397168"/>
+            </a:xfrm>
+            <a:prstGeom prst="rect">
+              <a:avLst/>
+            </a:prstGeom>
+            <a:solidFill>
+              <a:schemeClr val="accent6">
+                <a:alpha val="41000"/>
+              </a:schemeClr>
+            </a:solidFill>
+            <a:ln>
+              <a:solidFill>
+                <a:schemeClr val="accent4"/>
+              </a:solidFill>
+            </a:ln>
+            <a:effectLst>
+              <a:outerShdw blurRad="1270000" sx="1000" sy="1000" algn="ctr" rotWithShape="0">
+                <a:srgbClr val="000000">
+                  <a:alpha val="43137"/>
+                </a:srgbClr>
+              </a:outerShdw>
+            </a:effectLst>
+          </p:spPr>
+          <p:style>
+            <a:lnRef idx="2">
+              <a:schemeClr val="accent1">
+                <a:shade val="50000"/>
+              </a:schemeClr>
+            </a:lnRef>
+            <a:fillRef idx="1">
+              <a:schemeClr val="accent1"/>
+            </a:fillRef>
+            <a:effectRef idx="0">
+              <a:schemeClr val="accent1"/>
+            </a:effectRef>
+            <a:fontRef idx="minor">
+              <a:schemeClr val="lt1"/>
+            </a:fontRef>
+          </p:style>
+          <p:txBody>
+            <a:bodyPr rtlCol="0" anchor="ctr"/>
+            <a:lstStyle/>
+            <a:p>
+              <a:pPr algn="ctr"/>
+              <a:r>
+                <a:rPr lang="ko-KR" altLang="en-US" sz="900" b="1" dirty="0" smtClean="0">
+                  <a:solidFill>
+                    <a:schemeClr val="tx1"/>
+                  </a:solidFill>
+                </a:rPr>
+                <a:t>메인카테고리</a:t>
+              </a:r>
+              <a:endParaRPr lang="ko-KR" altLang="en-US" sz="900" b="1" dirty="0">
+                <a:solidFill>
+                  <a:schemeClr val="tx1"/>
+                </a:solidFill>
+              </a:endParaRPr>
+            </a:p>
+          </p:txBody>
+        </p:sp>
+        <p:sp>
+          <p:nvSpPr>
+            <p:cNvPr id="25" name="직사각형 24"/>
+            <p:cNvSpPr/>
+            <p:nvPr/>
+          </p:nvSpPr>
+          <p:spPr>
+            <a:xfrm>
+              <a:off x="5569525" y="1072803"/>
+              <a:ext cx="914400" cy="397168"/>
+            </a:xfrm>
+            <a:prstGeom prst="rect">
+              <a:avLst/>
+            </a:prstGeom>
+            <a:solidFill>
+              <a:schemeClr val="accent6">
+                <a:alpha val="41000"/>
+              </a:schemeClr>
+            </a:solidFill>
+            <a:ln>
+              <a:solidFill>
+                <a:schemeClr val="accent4"/>
+              </a:solidFill>
+            </a:ln>
+            <a:effectLst>
+              <a:outerShdw blurRad="1270000" sx="1000" sy="1000" algn="ctr" rotWithShape="0">
+                <a:srgbClr val="000000">
+                  <a:alpha val="43137"/>
+                </a:srgbClr>
+              </a:outerShdw>
+            </a:effectLst>
+          </p:spPr>
+          <p:style>
+            <a:lnRef idx="2">
+              <a:schemeClr val="accent1">
+                <a:shade val="50000"/>
+              </a:schemeClr>
+            </a:lnRef>
+            <a:fillRef idx="1">
+              <a:schemeClr val="accent1"/>
+            </a:fillRef>
+            <a:effectRef idx="0">
+              <a:schemeClr val="accent1"/>
+            </a:effectRef>
+            <a:fontRef idx="minor">
+              <a:schemeClr val="lt1"/>
+            </a:fontRef>
+          </p:style>
+          <p:txBody>
+            <a:bodyPr rtlCol="0" anchor="ctr"/>
+            <a:lstStyle/>
+            <a:p>
+              <a:pPr algn="ctr"/>
+              <a:r>
+                <a:rPr lang="ko-KR" altLang="en-US" sz="900" b="1" dirty="0" smtClean="0">
+                  <a:solidFill>
+                    <a:schemeClr val="tx1"/>
+                  </a:solidFill>
+                </a:rPr>
+                <a:t>메인카테고리</a:t>
+              </a:r>
+              <a:endParaRPr lang="ko-KR" altLang="en-US" sz="900" b="1" dirty="0">
+                <a:solidFill>
+                  <a:schemeClr val="tx1"/>
+                </a:solidFill>
+              </a:endParaRPr>
+            </a:p>
+          </p:txBody>
+        </p:sp>
+        <p:sp>
+          <p:nvSpPr>
+            <p:cNvPr id="26" name="직사각형 25"/>
+            <p:cNvSpPr/>
+            <p:nvPr/>
+          </p:nvSpPr>
+          <p:spPr>
+            <a:xfrm>
+              <a:off x="4408054" y="1085224"/>
+              <a:ext cx="914400" cy="397168"/>
+            </a:xfrm>
+            <a:prstGeom prst="rect">
+              <a:avLst/>
+            </a:prstGeom>
+            <a:solidFill>
+              <a:schemeClr val="accent6">
+                <a:alpha val="41000"/>
+              </a:schemeClr>
+            </a:solidFill>
+            <a:ln>
+              <a:solidFill>
+                <a:schemeClr val="accent4"/>
+              </a:solidFill>
+            </a:ln>
+            <a:effectLst>
+              <a:outerShdw blurRad="1270000" sx="1000" sy="1000" algn="ctr" rotWithShape="0">
+                <a:srgbClr val="000000">
+                  <a:alpha val="43137"/>
+                </a:srgbClr>
+              </a:outerShdw>
+            </a:effectLst>
+          </p:spPr>
+          <p:style>
+            <a:lnRef idx="2">
+              <a:schemeClr val="accent1">
+                <a:shade val="50000"/>
+              </a:schemeClr>
+            </a:lnRef>
+            <a:fillRef idx="1">
+              <a:schemeClr val="accent1"/>
+            </a:fillRef>
+            <a:effectRef idx="0">
+              <a:schemeClr val="accent1"/>
+            </a:effectRef>
+            <a:fontRef idx="minor">
+              <a:schemeClr val="lt1"/>
+            </a:fontRef>
+          </p:style>
+          <p:txBody>
+            <a:bodyPr rtlCol="0" anchor="ctr"/>
+            <a:lstStyle/>
+            <a:p>
+              <a:pPr algn="ctr"/>
+              <a:r>
+                <a:rPr lang="ko-KR" altLang="en-US" sz="900" b="1" dirty="0" smtClean="0">
+                  <a:solidFill>
+                    <a:schemeClr val="tx1"/>
+                  </a:solidFill>
+                </a:rPr>
+                <a:t>메인카테고리</a:t>
+              </a:r>
+              <a:endParaRPr lang="ko-KR" altLang="en-US" sz="900" b="1" dirty="0">
+                <a:solidFill>
+                  <a:schemeClr val="tx1"/>
+                </a:solidFill>
+              </a:endParaRPr>
+            </a:p>
+          </p:txBody>
+        </p:sp>
+        <p:sp>
+          <p:nvSpPr>
+            <p:cNvPr id="27" name="직사각형 26"/>
+            <p:cNvSpPr/>
+            <p:nvPr/>
+          </p:nvSpPr>
+          <p:spPr>
+            <a:xfrm>
+              <a:off x="7937725" y="1049378"/>
+              <a:ext cx="914400" cy="397168"/>
+            </a:xfrm>
+            <a:prstGeom prst="rect">
+              <a:avLst/>
+            </a:prstGeom>
+            <a:solidFill>
+              <a:schemeClr val="accent6">
+                <a:alpha val="41000"/>
+              </a:schemeClr>
+            </a:solidFill>
+            <a:ln>
+              <a:solidFill>
+                <a:schemeClr val="accent4"/>
+              </a:solidFill>
+            </a:ln>
+            <a:effectLst>
+              <a:outerShdw blurRad="1270000" sx="1000" sy="1000" algn="ctr" rotWithShape="0">
+                <a:srgbClr val="000000">
+                  <a:alpha val="43137"/>
+                </a:srgbClr>
+              </a:outerShdw>
+            </a:effectLst>
+          </p:spPr>
+          <p:style>
+            <a:lnRef idx="2">
+              <a:schemeClr val="accent1">
+                <a:shade val="50000"/>
+              </a:schemeClr>
+            </a:lnRef>
+            <a:fillRef idx="1">
+              <a:schemeClr val="accent1"/>
+            </a:fillRef>
+            <a:effectRef idx="0">
+              <a:schemeClr val="accent1"/>
+            </a:effectRef>
+            <a:fontRef idx="minor">
+              <a:schemeClr val="lt1"/>
+            </a:fontRef>
+          </p:style>
+          <p:txBody>
+            <a:bodyPr rtlCol="0" anchor="ctr"/>
+            <a:lstStyle/>
+            <a:p>
+              <a:pPr algn="ctr"/>
+              <a:r>
+                <a:rPr lang="ko-KR" altLang="en-US" sz="900" b="1" dirty="0" smtClean="0">
+                  <a:solidFill>
+                    <a:schemeClr val="tx1"/>
+                  </a:solidFill>
+                </a:rPr>
+                <a:t>메인카테고리</a:t>
+              </a:r>
+              <a:endParaRPr lang="ko-KR" altLang="en-US" sz="900" b="1" dirty="0">
+                <a:solidFill>
+                  <a:schemeClr val="tx1"/>
+                </a:solidFill>
+              </a:endParaRPr>
+            </a:p>
+          </p:txBody>
+        </p:sp>
+        <p:sp>
+          <p:nvSpPr>
+            <p:cNvPr id="28" name="직사각형 27"/>
+            <p:cNvSpPr/>
+            <p:nvPr/>
+          </p:nvSpPr>
+          <p:spPr>
+            <a:xfrm>
+              <a:off x="6764020" y="1075799"/>
+              <a:ext cx="914400" cy="397168"/>
+            </a:xfrm>
+            <a:prstGeom prst="rect">
+              <a:avLst/>
+            </a:prstGeom>
+            <a:solidFill>
+              <a:schemeClr val="accent6">
+                <a:alpha val="41000"/>
+              </a:schemeClr>
+            </a:solidFill>
+            <a:ln>
+              <a:solidFill>
+                <a:schemeClr val="accent4"/>
+              </a:solidFill>
+            </a:ln>
+            <a:effectLst>
+              <a:outerShdw blurRad="1270000" sx="1000" sy="1000" algn="ctr" rotWithShape="0">
+                <a:srgbClr val="000000">
+                  <a:alpha val="43137"/>
+                </a:srgbClr>
+              </a:outerShdw>
+            </a:effectLst>
+          </p:spPr>
+          <p:style>
+            <a:lnRef idx="2">
+              <a:schemeClr val="accent1">
+                <a:shade val="50000"/>
+              </a:schemeClr>
+            </a:lnRef>
+            <a:fillRef idx="1">
+              <a:schemeClr val="accent1"/>
+            </a:fillRef>
+            <a:effectRef idx="0">
+              <a:schemeClr val="accent1"/>
+            </a:effectRef>
+            <a:fontRef idx="minor">
+              <a:schemeClr val="lt1"/>
+            </a:fontRef>
+          </p:style>
+          <p:txBody>
+            <a:bodyPr rtlCol="0" anchor="ctr"/>
+            <a:lstStyle/>
+            <a:p>
+              <a:pPr algn="ctr"/>
+              <a:r>
+                <a:rPr lang="ko-KR" altLang="en-US" sz="900" b="1" dirty="0" smtClean="0">
+                  <a:solidFill>
+                    <a:schemeClr val="tx1"/>
+                  </a:solidFill>
+                </a:rPr>
+                <a:t>메인카테고리</a:t>
+              </a:r>
+              <a:endParaRPr lang="ko-KR" altLang="en-US" sz="900" b="1" dirty="0">
+                <a:solidFill>
+                  <a:schemeClr val="tx1"/>
+                </a:solidFill>
+              </a:endParaRPr>
+            </a:p>
+          </p:txBody>
+        </p:sp>
+      </p:grpSp>
+      <p:sp>
+        <p:nvSpPr>
+          <p:cNvPr id="15" name="TextBox 14"/>
+          <p:cNvSpPr txBox="1"/>
+          <p:nvPr/>
+        </p:nvSpPr>
+        <p:spPr>
+          <a:xfrm>
+            <a:off x="5781961" y="651466"/>
+            <a:ext cx="1071419" cy="369332"/>
+          </a:xfrm>
+          <a:prstGeom prst="rect">
+            <a:avLst/>
+          </a:prstGeom>
+          <a:noFill/>
+          <a:ln>
+            <a:solidFill>
+              <a:schemeClr val="tx1"/>
+            </a:solidFill>
+          </a:ln>
+        </p:spPr>
+        <p:txBody>
+          <a:bodyPr wrap="square" rtlCol="0">
+            <a:spAutoFit/>
+          </a:bodyPr>
+          <a:lstStyle/>
+          <a:p>
+            <a:pPr algn="ctr"/>
+            <a:r>
+              <a:rPr lang="ko-KR" altLang="en-US" dirty="0" smtClean="0"/>
+              <a:t>검 색 </a:t>
+            </a:r>
+            <a:endParaRPr lang="ko-KR" altLang="en-US" sz="1050" dirty="0"/>
+          </a:p>
+        </p:txBody>
+      </p:sp>
+    </p:spTree>
+    <p:extLst>
+      <p:ext uri="{BB962C8B-B14F-4D97-AF65-F5344CB8AC3E}">
+        <p14:creationId xmlns:p14="http://schemas.microsoft.com/office/powerpoint/2010/main" val="255025763"/>
+      </p:ext>
+    </p:extLst>
+  </p:cSld>
+  <p:clrMapOvr>
+    <a:masterClrMapping/>
+  </p:clrMapOvr>
+  <p:timing>
+    <p:tnLst>
+      <p:par>
+        <p:cTn id="1" dur="indefinite" restart="never" nodeType="tmRoot"/>
+      </p:par>
+    </p:tnLst>
+  </p:timing>
+</p:sld>
+</file>
+
+<file path=ppt/slides/slide12.xml><?xml version="1.0" encoding="utf-8"?>
+<p:sld xmlns:r="http://schemas.openxmlformats.org/officeDocument/2006/relationships" xmlns:c="http://schemas.openxmlformats.org/drawingml/2006/chart" xmlns:a="http://schemas.openxmlformats.org/drawingml/2006/main" xmlns:dgm="http://schemas.openxmlformats.org/drawingml/2006/diagram" xmlns:dsp="http://schemas.microsoft.com/office/drawing/2008/diagram" xmlns:p="http://schemas.openxmlformats.org/presentationml/2006/main">
+  <p:cSld>
+    <p:spTree>
+      <p:nvGrpSpPr>
+        <p:cNvPr id="1" name=""/>
+        <p:cNvGrpSpPr/>
+        <p:nvPr/>
+      </p:nvGrpSpPr>
+      <p:grpSpPr>
+        <a:xfrm>
+          <a:off x="0" y="0"/>
+          <a:ext cx="0" cy="0"/>
+          <a:chOff x="0" y="0"/>
+          <a:chExt cx="0" cy="0"/>
+        </a:xfrm>
+      </p:grpSpPr>
+      <p:sp>
+        <p:nvSpPr>
+          <p:cNvPr id="2" name="Title 1"/>
+          <p:cNvSpPr>
+            <a:spLocks noGrp="1"/>
+          </p:cNvSpPr>
+          <p:nvPr>
+            <p:ph type="title" idx="0"/>
+          </p:nvPr>
+        </p:nvSpPr>
+        <p:spPr/>
+        <p:txBody>
+          <a:bodyPr/>
+          <a:lstStyle/>
+          <a:p>
+            <a:pPr>
+              <a:defRPr/>
+            </a:pPr>
+            <a:r>
+              <a:rPr lang="ko-KR" altLang="en-US"/>
+              <a:t>메인페이지</a:t>
+            </a:r>
+            <a:endParaRPr lang="ko-KR" altLang="en-US"/>
+          </a:p>
+        </p:txBody>
+      </p:sp>
+      <p:sp>
+        <p:nvSpPr>
+          <p:cNvPr id="3" name="Content Placeholder 2"/>
+          <p:cNvSpPr>
+            <a:spLocks noGrp="1"/>
+          </p:cNvSpPr>
+          <p:nvPr>
+            <p:ph sz="half" idx="1"/>
+          </p:nvPr>
+        </p:nvSpPr>
+        <p:spPr/>
+        <p:txBody>
+          <a:bodyPr/>
+          <a:lstStyle/>
+          <a:p>
+            <a:pPr marL="0" indent="0">
+              <a:buNone/>
+              <a:defRPr/>
+            </a:pPr>
+            <a:r>
+              <a:rPr lang="ko-KR" altLang="en-US"/>
+              <a:t>상단 메인</a:t>
+            </a:r>
+            <a:endParaRPr lang="ko-KR" altLang="en-US"/>
+          </a:p>
+        </p:txBody>
+      </p:sp>
+      <p:sp>
+        <p:nvSpPr>
+          <p:cNvPr id="4" name="Content Placeholder 3"/>
+          <p:cNvSpPr>
+            <a:spLocks noGrp="1"/>
+          </p:cNvSpPr>
+          <p:nvPr>
+            <p:ph sz="half" idx="2"/>
+          </p:nvPr>
+        </p:nvSpPr>
+        <p:spPr/>
+        <p:txBody>
+          <a:bodyPr/>
+          <a:lstStyle/>
+          <a:p>
+            <a:pPr marL="0" indent="0">
+              <a:buNone/>
+              <a:defRPr/>
+            </a:pPr>
+            <a:r>
+              <a:rPr lang="ko-KR" altLang="en-US"/>
+              <a:t>코드</a:t>
+            </a:r>
+            <a:endParaRPr lang="ko-KR" altLang="en-US"/>
+          </a:p>
+        </p:txBody>
+      </p:sp>
+      <p:pic>
+        <p:nvPicPr>
+          <p:cNvPr id="5" name=""/>
+          <p:cNvPicPr>
+            <a:picLocks noChangeAspect="1"/>
+          </p:cNvPicPr>
+          <p:nvPr/>
+        </p:nvPicPr>
+        <p:blipFill rotWithShape="1">
+          <a:blip r:embed="rId2"/>
+          <a:stretch>
+            <a:fillRect/>
+          </a:stretch>
+        </p:blipFill>
+        <p:spPr>
+          <a:xfrm>
+            <a:off x="1166812" y="3160378"/>
+            <a:ext cx="4929188" cy="2697376"/>
+          </a:xfrm>
+          <a:prstGeom prst="rect">
+            <a:avLst/>
+          </a:prstGeom>
+        </p:spPr>
+      </p:pic>
+      <p:pic>
+        <p:nvPicPr>
+          <p:cNvPr id="6" name=""/>
+          <p:cNvPicPr>
+            <a:picLocks noChangeAspect="1"/>
+          </p:cNvPicPr>
+          <p:nvPr/>
+        </p:nvPicPr>
+        <p:blipFill rotWithShape="1">
+          <a:blip r:embed="rId3"/>
+          <a:stretch>
+            <a:fillRect/>
+          </a:stretch>
+        </p:blipFill>
+        <p:spPr>
+          <a:xfrm>
+            <a:off x="6096000" y="3428999"/>
+            <a:ext cx="5486400" cy="2244498"/>
+          </a:xfrm>
+          <a:prstGeom prst="rect">
+            <a:avLst/>
+          </a:prstGeom>
+        </p:spPr>
+      </p:pic>
+    </p:spTree>
+  </p:cSld>
+  <p:clrMapOvr>
+    <a:masterClrMapping/>
+  </p:clrMapOvr>
+  <mc:AlternateContent xmlns:mc="http://schemas.openxmlformats.org/markup-compatibility/2006">
+    <mc:Choice xmlns:p14="http://schemas.microsoft.com/office/powerpoint/2010/main" Requires="p14">
+      <p:transition xmlns:mc="http://schemas.openxmlformats.org/markup-compatibility/2006" xmlns:p14="http://schemas.microsoft.com/office/powerpoint/2010/main" mc:Ignorable="p14" p14:dur="500"/>
+    </mc:Choice>
+    <mc:Fallback>
+      <p:transition/>
+    </mc:Fallback>
+  </mc:AlternateContent>
+</p:sld>
+</file>
+
+<file path=ppt/slides/slide13.xml><?xml version="1.0" encoding="utf-8"?>
+<p:sld xmlns:r="http://schemas.openxmlformats.org/officeDocument/2006/relationships" xmlns:c="http://schemas.openxmlformats.org/drawingml/2006/chart" xmlns:a="http://schemas.openxmlformats.org/drawingml/2006/main" xmlns:dgm="http://schemas.openxmlformats.org/drawingml/2006/diagram" xmlns:dsp="http://schemas.microsoft.com/office/drawing/2008/diagram" xmlns:p="http://schemas.openxmlformats.org/presentationml/2006/main">
+  <p:cSld>
+    <p:spTree>
+      <p:nvGrpSpPr>
+        <p:cNvPr id="1" name=""/>
+        <p:cNvGrpSpPr/>
+        <p:nvPr/>
+      </p:nvGrpSpPr>
+      <p:grpSpPr>
+        <a:xfrm>
+          <a:off x="0" y="0"/>
+          <a:ext cx="0" cy="0"/>
+          <a:chOff x="0" y="0"/>
+          <a:chExt cx="0" cy="0"/>
+        </a:xfrm>
+      </p:grpSpPr>
+      <p:sp>
+        <p:nvSpPr>
+          <p:cNvPr id="2" name="Title 1"/>
+          <p:cNvSpPr>
+            <a:spLocks noGrp="1"/>
+          </p:cNvSpPr>
+          <p:nvPr>
+            <p:ph type="title" idx="0"/>
+          </p:nvPr>
+        </p:nvSpPr>
+        <p:spPr/>
+        <p:txBody>
+          <a:bodyPr/>
+          <a:lstStyle/>
+          <a:p>
+            <a:pPr>
+              <a:defRPr/>
+            </a:pPr>
+            <a:r>
+              <a:rPr lang="ko-KR" altLang="en-US"/>
+              <a:t>메인페이지</a:t>
+            </a:r>
+            <a:r>
+              <a:rPr lang="en-US" altLang="ko-KR"/>
+              <a:t>(2)</a:t>
+            </a:r>
+            <a:endParaRPr lang="en-US" altLang="ko-KR"/>
+          </a:p>
+        </p:txBody>
+      </p:sp>
+      <p:sp>
+        <p:nvSpPr>
+          <p:cNvPr id="3" name="Content Placeholder 2"/>
+          <p:cNvSpPr>
+            <a:spLocks noGrp="1"/>
+          </p:cNvSpPr>
+          <p:nvPr>
+            <p:ph sz="half" idx="1"/>
+          </p:nvPr>
+        </p:nvSpPr>
+        <p:spPr/>
+        <p:txBody>
+          <a:bodyPr/>
+          <a:lstStyle/>
+          <a:p>
+            <a:pPr marL="0" indent="0">
+              <a:buNone/>
+              <a:defRPr/>
+            </a:pPr>
+            <a:r>
+              <a:rPr lang="ko-KR" altLang="en-US"/>
+              <a:t>메인	</a:t>
+            </a:r>
+            <a:endParaRPr lang="ko-KR" altLang="en-US"/>
+          </a:p>
+          <a:p>
+            <a:pPr marL="0" indent="0">
+              <a:buNone/>
+              <a:defRPr/>
+            </a:pPr>
+            <a:endParaRPr lang="ko-KR" altLang="en-US"/>
+          </a:p>
+        </p:txBody>
+      </p:sp>
+      <p:sp>
+        <p:nvSpPr>
+          <p:cNvPr id="4" name="Content Placeholder 3"/>
+          <p:cNvSpPr>
+            <a:spLocks noGrp="1"/>
+          </p:cNvSpPr>
+          <p:nvPr>
+            <p:ph sz="half" idx="2"/>
+          </p:nvPr>
+        </p:nvSpPr>
+        <p:spPr/>
+        <p:txBody>
+          <a:bodyPr/>
+          <a:lstStyle/>
+          <a:p>
+            <a:pPr marL="0" indent="0">
+              <a:buNone/>
+              <a:defRPr/>
+            </a:pPr>
+            <a:r>
+              <a:rPr lang="ko-KR" altLang="en-US"/>
+              <a:t>코드</a:t>
+            </a:r>
+            <a:endParaRPr lang="ko-KR" altLang="en-US"/>
+          </a:p>
+        </p:txBody>
+      </p:sp>
+      <p:pic>
+        <p:nvPicPr>
+          <p:cNvPr id="5" name=""/>
+          <p:cNvPicPr>
+            <a:picLocks noChangeAspect="1"/>
+          </p:cNvPicPr>
+          <p:nvPr/>
+        </p:nvPicPr>
+        <p:blipFill rotWithShape="1">
+          <a:blip r:embed="rId2"/>
+          <a:stretch>
+            <a:fillRect/>
+          </a:stretch>
+        </p:blipFill>
+        <p:spPr>
+          <a:xfrm>
+            <a:off x="1371600" y="2551340"/>
+            <a:ext cx="4724400" cy="3745367"/>
+          </a:xfrm>
+          <a:prstGeom prst="rect">
+            <a:avLst/>
+          </a:prstGeom>
+        </p:spPr>
+      </p:pic>
+      <p:pic>
+        <p:nvPicPr>
+          <p:cNvPr id="6" name=""/>
+          <p:cNvPicPr>
+            <a:picLocks noChangeAspect="1"/>
+          </p:cNvPicPr>
+          <p:nvPr/>
+        </p:nvPicPr>
+        <p:blipFill rotWithShape="1">
+          <a:blip r:embed="rId3"/>
+          <a:stretch>
+            <a:fillRect/>
+          </a:stretch>
+        </p:blipFill>
+        <p:spPr>
+          <a:xfrm>
+            <a:off x="6096000" y="3122838"/>
+            <a:ext cx="5167314" cy="2993571"/>
+          </a:xfrm>
+          <a:prstGeom prst="rect">
+            <a:avLst/>
+          </a:prstGeom>
+        </p:spPr>
+      </p:pic>
+    </p:spTree>
+  </p:cSld>
+  <p:clrMapOvr>
+    <a:masterClrMapping/>
+  </p:clrMapOvr>
+  <mc:AlternateContent xmlns:mc="http://schemas.openxmlformats.org/markup-compatibility/2006">
+    <mc:Choice xmlns:p14="http://schemas.microsoft.com/office/powerpoint/2010/main" Requires="p14">
+      <p:transition xmlns:mc="http://schemas.openxmlformats.org/markup-compatibility/2006" xmlns:p14="http://schemas.microsoft.com/office/powerpoint/2010/main" mc:Ignorable="p14" p14:dur="500"/>
+    </mc:Choice>
+    <mc:Fallback>
+      <p:transition/>
+    </mc:Fallback>
+  </mc:AlternateContent>
+</p:sld>
+</file>
+
+<file path=ppt/slides/slide14.xml><?xml version="1.0" encoding="utf-8"?>
+<p:sld xmlns:a="http://schemas.openxmlformats.org/drawingml/2006/main" xmlns:r="http://schemas.openxmlformats.org/officeDocument/2006/relationships" xmlns:p="http://schemas.openxmlformats.org/presentationml/2006/main">
+  <p:cSld>
+    <p:spTree>
+      <p:nvGrpSpPr>
+        <p:cNvPr id="1" name=""/>
+        <p:cNvGrpSpPr/>
+        <p:nvPr/>
+      </p:nvGrpSpPr>
+      <p:grpSpPr>
+        <a:xfrm>
+          <a:off x="0" y="0"/>
+          <a:ext cx="0" cy="0"/>
+          <a:chOff x="0" y="0"/>
+          <a:chExt cx="0" cy="0"/>
+        </a:xfrm>
+      </p:grpSpPr>
+      <p:sp>
+        <p:nvSpPr>
+          <p:cNvPr id="9" name="직사각형 8"/>
+          <p:cNvSpPr/>
+          <p:nvPr/>
+        </p:nvSpPr>
+        <p:spPr>
+          <a:xfrm>
+            <a:off x="822036" y="711199"/>
+            <a:ext cx="1071419" cy="757383"/>
+          </a:xfrm>
+          <a:prstGeom prst="rect">
+            <a:avLst/>
+          </a:prstGeom>
+        </p:spPr>
+        <p:style>
+          <a:lnRef idx="2">
+            <a:schemeClr val="dk1"/>
+          </a:lnRef>
+          <a:fillRef idx="1">
+            <a:schemeClr val="lt1"/>
+          </a:fillRef>
+          <a:effectRef idx="0">
+            <a:schemeClr val="dk1"/>
+          </a:effectRef>
+          <a:fontRef idx="minor">
+            <a:schemeClr val="dk1"/>
+          </a:fontRef>
+        </p:style>
+        <p:txBody>
+          <a:bodyPr rtlCol="0" anchor="ctr"/>
+          <a:lstStyle/>
+          <a:p>
+            <a:r>
+              <a:rPr lang="en-US" altLang="ko-KR" b="1" dirty="0" smtClean="0">
+                <a:solidFill>
+                  <a:schemeClr val="accent4"/>
+                </a:solidFill>
+              </a:rPr>
+              <a:t> c Book</a:t>
+            </a:r>
+          </a:p>
+          <a:p>
+            <a:r>
+              <a:rPr lang="en-US" altLang="ko-KR" b="1" dirty="0" smtClean="0">
+                <a:solidFill>
+                  <a:schemeClr val="accent4"/>
+                </a:solidFill>
+              </a:rPr>
+              <a:t> (</a:t>
+            </a:r>
+            <a:r>
+              <a:rPr lang="ko-KR" altLang="en-US" b="1" dirty="0" smtClean="0">
+                <a:solidFill>
+                  <a:schemeClr val="accent4"/>
+                </a:solidFill>
+              </a:rPr>
+              <a:t>로고</a:t>
+            </a:r>
+            <a:r>
+              <a:rPr lang="en-US" altLang="ko-KR" b="1" dirty="0" smtClean="0">
+                <a:solidFill>
+                  <a:schemeClr val="accent4"/>
+                </a:solidFill>
+              </a:rPr>
+              <a:t>)</a:t>
+            </a:r>
+            <a:endParaRPr lang="ko-KR" altLang="en-US" b="1" dirty="0">
+              <a:solidFill>
+                <a:schemeClr val="accent4"/>
+              </a:solidFill>
+            </a:endParaRPr>
+          </a:p>
+        </p:txBody>
+      </p:sp>
+      <p:sp>
+        <p:nvSpPr>
+          <p:cNvPr id="10" name="직사각형 9"/>
+          <p:cNvSpPr/>
+          <p:nvPr/>
+        </p:nvSpPr>
+        <p:spPr>
+          <a:xfrm>
+            <a:off x="2004291" y="724932"/>
+            <a:ext cx="9347200" cy="757383"/>
+          </a:xfrm>
+          <a:prstGeom prst="rect">
+            <a:avLst/>
+          </a:prstGeom>
+          <a:solidFill>
+            <a:schemeClr val="accent1">
+              <a:alpha val="0"/>
+            </a:schemeClr>
+          </a:solidFill>
+          <a:ln>
+            <a:solidFill>
+              <a:schemeClr val="tx1"/>
+            </a:solidFill>
+          </a:ln>
+        </p:spPr>
+        <p:style>
+          <a:lnRef idx="2">
+            <a:schemeClr val="accent1">
+              <a:shade val="50000"/>
+            </a:schemeClr>
+          </a:lnRef>
+          <a:fillRef idx="1">
+            <a:schemeClr val="accent1"/>
+          </a:fillRef>
+          <a:effectRef idx="0">
+            <a:schemeClr val="accent1"/>
+          </a:effectRef>
+          <a:fontRef idx="minor">
+            <a:schemeClr val="lt1"/>
+          </a:fontRef>
+        </p:style>
+        <p:txBody>
+          <a:bodyPr rtlCol="0" anchor="ctr"/>
+          <a:lstStyle/>
+          <a:p>
+            <a:pPr algn="ctr"/>
+            <a:endParaRPr lang="ko-KR" altLang="en-US" dirty="0"/>
+          </a:p>
+        </p:txBody>
+      </p:sp>
+      <p:sp>
+        <p:nvSpPr>
+          <p:cNvPr id="11" name="TextBox 10"/>
+          <p:cNvSpPr txBox="1"/>
+          <p:nvPr/>
+        </p:nvSpPr>
+        <p:spPr>
+          <a:xfrm>
+            <a:off x="9125527" y="716863"/>
+            <a:ext cx="1570182" cy="276999"/>
+          </a:xfrm>
+          <a:prstGeom prst="rect">
+            <a:avLst/>
+          </a:prstGeom>
+          <a:noFill/>
+          <a:ln>
+            <a:solidFill>
+              <a:schemeClr val="tx1"/>
+            </a:solidFill>
+          </a:ln>
+        </p:spPr>
+        <p:txBody>
+          <a:bodyPr wrap="square" rtlCol="0">
+            <a:spAutoFit/>
+          </a:bodyPr>
+          <a:lstStyle/>
+          <a:p>
+            <a:r>
+              <a:rPr lang="ko-KR" altLang="en-US" sz="1200" dirty="0" smtClean="0"/>
+              <a:t>로그인 및 회원가입</a:t>
+            </a:r>
+            <a:endParaRPr lang="ko-KR" altLang="en-US" sz="1200" dirty="0"/>
+          </a:p>
+        </p:txBody>
+      </p:sp>
+      <p:sp>
+        <p:nvSpPr>
+          <p:cNvPr id="12" name="직사각형 11"/>
+          <p:cNvSpPr/>
+          <p:nvPr/>
+        </p:nvSpPr>
+        <p:spPr>
+          <a:xfrm>
+            <a:off x="10695709" y="724932"/>
+            <a:ext cx="655782" cy="471055"/>
+          </a:xfrm>
+          <a:prstGeom prst="rect">
+            <a:avLst/>
+          </a:prstGeom>
+          <a:solidFill>
+            <a:schemeClr val="tx1">
+              <a:alpha val="0"/>
+            </a:schemeClr>
+          </a:solidFill>
+        </p:spPr>
+        <p:style>
+          <a:lnRef idx="2">
+            <a:schemeClr val="accent1">
+              <a:shade val="50000"/>
+            </a:schemeClr>
+          </a:lnRef>
+          <a:fillRef idx="1">
+            <a:schemeClr val="accent1"/>
+          </a:fillRef>
+          <a:effectRef idx="0">
+            <a:schemeClr val="accent1"/>
+          </a:effectRef>
+          <a:fontRef idx="minor">
+            <a:schemeClr val="lt1"/>
+          </a:fontRef>
+        </p:style>
+        <p:txBody>
+          <a:bodyPr rtlCol="0" anchor="ctr"/>
+          <a:lstStyle/>
+          <a:p>
+            <a:pPr algn="ctr"/>
+            <a:r>
+              <a:rPr lang="ko-KR" altLang="en-US" sz="1600" b="1" dirty="0" smtClean="0">
+                <a:solidFill>
+                  <a:schemeClr val="tx1"/>
+                </a:solidFill>
+              </a:rPr>
+              <a:t>메뉴</a:t>
+            </a:r>
+            <a:endParaRPr lang="ko-KR" altLang="en-US" sz="1600" b="1" dirty="0">
+              <a:solidFill>
+                <a:schemeClr val="tx1"/>
+              </a:solidFill>
+            </a:endParaRPr>
+          </a:p>
+        </p:txBody>
+      </p:sp>
+      <p:grpSp>
+        <p:nvGrpSpPr>
+          <p:cNvPr id="29" name="그룹 28"/>
+          <p:cNvGrpSpPr/>
+          <p:nvPr/>
+        </p:nvGrpSpPr>
+        <p:grpSpPr>
+          <a:xfrm>
+            <a:off x="2826329" y="1066685"/>
+            <a:ext cx="6922652" cy="346432"/>
+            <a:chOff x="2078183" y="1066761"/>
+            <a:chExt cx="6922652" cy="415631"/>
+          </a:xfrm>
+        </p:grpSpPr>
+        <p:sp>
+          <p:nvSpPr>
+            <p:cNvPr id="17" name="직사각형 16"/>
+            <p:cNvSpPr/>
+            <p:nvPr/>
+          </p:nvSpPr>
+          <p:spPr>
+            <a:xfrm>
+              <a:off x="2078183" y="1071414"/>
+              <a:ext cx="914400" cy="397168"/>
+            </a:xfrm>
+            <a:prstGeom prst="rect">
+              <a:avLst/>
+            </a:prstGeom>
+            <a:solidFill>
+              <a:schemeClr val="accent6">
+                <a:alpha val="41000"/>
+              </a:schemeClr>
+            </a:solidFill>
+            <a:ln>
+              <a:solidFill>
+                <a:schemeClr val="accent4"/>
+              </a:solidFill>
+            </a:ln>
+          </p:spPr>
+          <p:style>
+            <a:lnRef idx="2">
+              <a:schemeClr val="accent1">
+                <a:shade val="50000"/>
+              </a:schemeClr>
+            </a:lnRef>
+            <a:fillRef idx="1">
+              <a:schemeClr val="accent1"/>
+            </a:fillRef>
+            <a:effectRef idx="0">
+              <a:schemeClr val="accent1"/>
+            </a:effectRef>
+            <a:fontRef idx="minor">
+              <a:schemeClr val="lt1"/>
+            </a:fontRef>
+          </p:style>
+          <p:txBody>
+            <a:bodyPr rtlCol="0" anchor="ctr"/>
+            <a:lstStyle/>
+            <a:p>
+              <a:pPr algn="ctr"/>
+              <a:r>
+                <a:rPr lang="ko-KR" altLang="en-US" sz="900" b="1" dirty="0" smtClean="0">
+                  <a:solidFill>
+                    <a:schemeClr val="tx1"/>
+                  </a:solidFill>
+                </a:rPr>
+                <a:t>메인카테고리</a:t>
+              </a:r>
+              <a:endParaRPr lang="ko-KR" altLang="en-US" sz="900" b="1" dirty="0">
+                <a:solidFill>
+                  <a:schemeClr val="tx1"/>
+                </a:solidFill>
+              </a:endParaRPr>
+            </a:p>
+          </p:txBody>
+        </p:sp>
+        <p:sp>
+          <p:nvSpPr>
+            <p:cNvPr id="24" name="직사각형 23"/>
+            <p:cNvSpPr/>
+            <p:nvPr/>
+          </p:nvSpPr>
+          <p:spPr>
+            <a:xfrm>
+              <a:off x="3177311" y="1066786"/>
+              <a:ext cx="914400" cy="397168"/>
+            </a:xfrm>
+            <a:prstGeom prst="rect">
+              <a:avLst/>
+            </a:prstGeom>
+            <a:solidFill>
+              <a:schemeClr val="accent6">
+                <a:alpha val="41000"/>
+              </a:schemeClr>
+            </a:solidFill>
+            <a:ln>
+              <a:solidFill>
+                <a:schemeClr val="accent4"/>
+              </a:solidFill>
+            </a:ln>
+          </p:spPr>
+          <p:style>
+            <a:lnRef idx="2">
+              <a:schemeClr val="accent1">
+                <a:shade val="50000"/>
+              </a:schemeClr>
+            </a:lnRef>
+            <a:fillRef idx="1">
+              <a:schemeClr val="accent1"/>
+            </a:fillRef>
+            <a:effectRef idx="0">
+              <a:schemeClr val="accent1"/>
+            </a:effectRef>
+            <a:fontRef idx="minor">
+              <a:schemeClr val="lt1"/>
+            </a:fontRef>
+          </p:style>
+          <p:txBody>
+            <a:bodyPr rtlCol="0" anchor="ctr"/>
+            <a:lstStyle/>
+            <a:p>
+              <a:pPr algn="ctr"/>
+              <a:r>
+                <a:rPr lang="ko-KR" altLang="en-US" sz="900" b="1" dirty="0" smtClean="0">
+                  <a:solidFill>
+                    <a:schemeClr val="tx1"/>
+                  </a:solidFill>
+                </a:rPr>
+                <a:t>메인카테고리</a:t>
+              </a:r>
+              <a:endParaRPr lang="ko-KR" altLang="en-US" sz="900" b="1" dirty="0">
+                <a:solidFill>
+                  <a:schemeClr val="tx1"/>
+                </a:solidFill>
+              </a:endParaRPr>
+            </a:p>
+          </p:txBody>
+        </p:sp>
+        <p:sp>
+          <p:nvSpPr>
+            <p:cNvPr id="25" name="직사각형 24"/>
+            <p:cNvSpPr/>
+            <p:nvPr/>
+          </p:nvSpPr>
+          <p:spPr>
+            <a:xfrm>
+              <a:off x="5624949" y="1085224"/>
+              <a:ext cx="914400" cy="397168"/>
+            </a:xfrm>
+            <a:prstGeom prst="rect">
+              <a:avLst/>
+            </a:prstGeom>
+            <a:solidFill>
+              <a:schemeClr val="accent6">
+                <a:alpha val="41000"/>
+              </a:schemeClr>
+            </a:solidFill>
+            <a:ln>
+              <a:solidFill>
+                <a:schemeClr val="accent4"/>
+              </a:solidFill>
+            </a:ln>
+          </p:spPr>
+          <p:style>
+            <a:lnRef idx="2">
+              <a:schemeClr val="accent1">
+                <a:shade val="50000"/>
+              </a:schemeClr>
+            </a:lnRef>
+            <a:fillRef idx="1">
+              <a:schemeClr val="accent1"/>
+            </a:fillRef>
+            <a:effectRef idx="0">
+              <a:schemeClr val="accent1"/>
+            </a:effectRef>
+            <a:fontRef idx="minor">
+              <a:schemeClr val="lt1"/>
+            </a:fontRef>
+          </p:style>
+          <p:txBody>
+            <a:bodyPr rtlCol="0" anchor="ctr"/>
+            <a:lstStyle/>
+            <a:p>
+              <a:pPr algn="ctr"/>
+              <a:r>
+                <a:rPr lang="ko-KR" altLang="en-US" sz="900" b="1" dirty="0" smtClean="0">
+                  <a:solidFill>
+                    <a:schemeClr val="tx1"/>
+                  </a:solidFill>
+                </a:rPr>
+                <a:t>메인카테고리</a:t>
+              </a:r>
+              <a:endParaRPr lang="ko-KR" altLang="en-US" sz="900" b="1" dirty="0">
+                <a:solidFill>
+                  <a:schemeClr val="tx1"/>
+                </a:solidFill>
+              </a:endParaRPr>
+            </a:p>
+          </p:txBody>
+        </p:sp>
+        <p:sp>
+          <p:nvSpPr>
+            <p:cNvPr id="26" name="직사각형 25"/>
+            <p:cNvSpPr/>
+            <p:nvPr/>
+          </p:nvSpPr>
+          <p:spPr>
+            <a:xfrm>
+              <a:off x="4401130" y="1066786"/>
+              <a:ext cx="914400" cy="397168"/>
+            </a:xfrm>
+            <a:prstGeom prst="rect">
+              <a:avLst/>
+            </a:prstGeom>
+            <a:solidFill>
+              <a:schemeClr val="accent6">
+                <a:alpha val="41000"/>
+              </a:schemeClr>
+            </a:solidFill>
+            <a:ln>
+              <a:solidFill>
+                <a:schemeClr val="accent4"/>
+              </a:solidFill>
+            </a:ln>
+          </p:spPr>
+          <p:style>
+            <a:lnRef idx="2">
+              <a:schemeClr val="accent1">
+                <a:shade val="50000"/>
+              </a:schemeClr>
+            </a:lnRef>
+            <a:fillRef idx="1">
+              <a:schemeClr val="accent1"/>
+            </a:fillRef>
+            <a:effectRef idx="0">
+              <a:schemeClr val="accent1"/>
+            </a:effectRef>
+            <a:fontRef idx="minor">
+              <a:schemeClr val="lt1"/>
+            </a:fontRef>
+          </p:style>
+          <p:txBody>
+            <a:bodyPr rtlCol="0" anchor="ctr"/>
+            <a:lstStyle/>
+            <a:p>
+              <a:pPr algn="ctr"/>
+              <a:r>
+                <a:rPr lang="ko-KR" altLang="en-US" sz="900" b="1" dirty="0" smtClean="0">
+                  <a:solidFill>
+                    <a:schemeClr val="tx1"/>
+                  </a:solidFill>
+                </a:rPr>
+                <a:t>메인카테고리</a:t>
+              </a:r>
+              <a:endParaRPr lang="ko-KR" altLang="en-US" sz="900" b="1" dirty="0">
+                <a:solidFill>
+                  <a:schemeClr val="tx1"/>
+                </a:solidFill>
+              </a:endParaRPr>
+            </a:p>
+          </p:txBody>
+        </p:sp>
+        <p:sp>
+          <p:nvSpPr>
+            <p:cNvPr id="27" name="직사각형 26"/>
+            <p:cNvSpPr/>
+            <p:nvPr/>
+          </p:nvSpPr>
+          <p:spPr>
+            <a:xfrm>
+              <a:off x="8086435" y="1066761"/>
+              <a:ext cx="914400" cy="397168"/>
+            </a:xfrm>
+            <a:prstGeom prst="rect">
+              <a:avLst/>
+            </a:prstGeom>
+            <a:solidFill>
+              <a:schemeClr val="accent6">
+                <a:alpha val="41000"/>
+              </a:schemeClr>
+            </a:solidFill>
+            <a:ln>
+              <a:solidFill>
+                <a:schemeClr val="accent4"/>
+              </a:solidFill>
+            </a:ln>
+          </p:spPr>
+          <p:style>
+            <a:lnRef idx="2">
+              <a:schemeClr val="accent1">
+                <a:shade val="50000"/>
+              </a:schemeClr>
+            </a:lnRef>
+            <a:fillRef idx="1">
+              <a:schemeClr val="accent1"/>
+            </a:fillRef>
+            <a:effectRef idx="0">
+              <a:schemeClr val="accent1"/>
+            </a:effectRef>
+            <a:fontRef idx="minor">
+              <a:schemeClr val="lt1"/>
+            </a:fontRef>
+          </p:style>
+          <p:txBody>
+            <a:bodyPr rtlCol="0" anchor="ctr"/>
+            <a:lstStyle/>
+            <a:p>
+              <a:pPr algn="ctr"/>
+              <a:r>
+                <a:rPr lang="ko-KR" altLang="en-US" sz="900" b="1" dirty="0" smtClean="0">
+                  <a:solidFill>
+                    <a:schemeClr val="tx1"/>
+                  </a:solidFill>
+                </a:rPr>
+                <a:t>메인카테고리</a:t>
+              </a:r>
+              <a:endParaRPr lang="ko-KR" altLang="en-US" sz="900" b="1" dirty="0">
+                <a:solidFill>
+                  <a:schemeClr val="tx1"/>
+                </a:solidFill>
+              </a:endParaRPr>
+            </a:p>
+          </p:txBody>
+        </p:sp>
+        <p:sp>
+          <p:nvSpPr>
+            <p:cNvPr id="28" name="직사각형 27"/>
+            <p:cNvSpPr/>
+            <p:nvPr/>
+          </p:nvSpPr>
+          <p:spPr>
+            <a:xfrm>
+              <a:off x="6848768" y="1073725"/>
+              <a:ext cx="914400" cy="397168"/>
+            </a:xfrm>
+            <a:prstGeom prst="rect">
+              <a:avLst/>
+            </a:prstGeom>
+            <a:solidFill>
+              <a:schemeClr val="accent6">
+                <a:alpha val="41000"/>
+              </a:schemeClr>
+            </a:solidFill>
+            <a:ln>
+              <a:solidFill>
+                <a:schemeClr val="accent4"/>
+              </a:solidFill>
+            </a:ln>
+          </p:spPr>
+          <p:style>
+            <a:lnRef idx="2">
+              <a:schemeClr val="accent1">
+                <a:shade val="50000"/>
+              </a:schemeClr>
+            </a:lnRef>
+            <a:fillRef idx="1">
+              <a:schemeClr val="accent1"/>
+            </a:fillRef>
+            <a:effectRef idx="0">
+              <a:schemeClr val="accent1"/>
+            </a:effectRef>
+            <a:fontRef idx="minor">
+              <a:schemeClr val="lt1"/>
+            </a:fontRef>
+          </p:style>
+          <p:txBody>
+            <a:bodyPr rtlCol="0" anchor="ctr"/>
+            <a:lstStyle/>
+            <a:p>
+              <a:pPr algn="ctr"/>
+              <a:r>
+                <a:rPr lang="ko-KR" altLang="en-US" sz="900" b="1" dirty="0" smtClean="0">
+                  <a:solidFill>
+                    <a:schemeClr val="tx1"/>
+                  </a:solidFill>
+                </a:rPr>
+                <a:t>메인카테고리</a:t>
+              </a:r>
+              <a:endParaRPr lang="ko-KR" altLang="en-US" sz="900" b="1" dirty="0">
+                <a:solidFill>
+                  <a:schemeClr val="tx1"/>
+                </a:solidFill>
+              </a:endParaRPr>
+            </a:p>
+          </p:txBody>
+        </p:sp>
+      </p:grpSp>
+      <p:grpSp>
+        <p:nvGrpSpPr>
+          <p:cNvPr id="15" name="그룹 14"/>
+          <p:cNvGrpSpPr/>
+          <p:nvPr/>
+        </p:nvGrpSpPr>
+        <p:grpSpPr>
+          <a:xfrm>
+            <a:off x="2826329" y="2142479"/>
+            <a:ext cx="6922652" cy="346432"/>
+            <a:chOff x="2078183" y="1066761"/>
+            <a:chExt cx="6922652" cy="415631"/>
+          </a:xfrm>
+        </p:grpSpPr>
+        <p:sp>
+          <p:nvSpPr>
+            <p:cNvPr id="16" name="직사각형 15"/>
+            <p:cNvSpPr/>
+            <p:nvPr/>
+          </p:nvSpPr>
+          <p:spPr>
+            <a:xfrm>
+              <a:off x="2078183" y="1071414"/>
+              <a:ext cx="914400" cy="397168"/>
+            </a:xfrm>
+            <a:prstGeom prst="rect">
+              <a:avLst/>
+            </a:prstGeom>
+            <a:solidFill>
+              <a:schemeClr val="accent6">
+                <a:alpha val="41000"/>
+              </a:schemeClr>
+            </a:solidFill>
+            <a:ln>
+              <a:solidFill>
+                <a:schemeClr val="accent4"/>
+              </a:solidFill>
+            </a:ln>
+          </p:spPr>
+          <p:style>
+            <a:lnRef idx="2">
+              <a:schemeClr val="accent1">
+                <a:shade val="50000"/>
+              </a:schemeClr>
+            </a:lnRef>
+            <a:fillRef idx="1">
+              <a:schemeClr val="accent1"/>
+            </a:fillRef>
+            <a:effectRef idx="0">
+              <a:schemeClr val="accent1"/>
+            </a:effectRef>
+            <a:fontRef idx="minor">
+              <a:schemeClr val="lt1"/>
+            </a:fontRef>
+          </p:style>
+          <p:txBody>
+            <a:bodyPr rtlCol="0" anchor="ctr"/>
+            <a:lstStyle/>
+            <a:p>
+              <a:pPr algn="ctr"/>
+              <a:r>
+                <a:rPr lang="ko-KR" altLang="en-US" sz="900" b="1" dirty="0">
+                  <a:solidFill>
+                    <a:schemeClr val="tx1"/>
+                  </a:solidFill>
+                </a:rPr>
+                <a:t>서브 카테고리</a:t>
+              </a:r>
+            </a:p>
+          </p:txBody>
+        </p:sp>
+        <p:sp>
+          <p:nvSpPr>
+            <p:cNvPr id="18" name="직사각형 17"/>
+            <p:cNvSpPr/>
+            <p:nvPr/>
+          </p:nvSpPr>
+          <p:spPr>
+            <a:xfrm>
+              <a:off x="3177311" y="1066786"/>
+              <a:ext cx="914400" cy="397168"/>
+            </a:xfrm>
+            <a:prstGeom prst="rect">
+              <a:avLst/>
+            </a:prstGeom>
+            <a:solidFill>
+              <a:schemeClr val="accent6">
+                <a:alpha val="41000"/>
+              </a:schemeClr>
+            </a:solidFill>
+            <a:ln>
+              <a:solidFill>
+                <a:schemeClr val="accent4"/>
+              </a:solidFill>
+            </a:ln>
+          </p:spPr>
+          <p:style>
+            <a:lnRef idx="2">
+              <a:schemeClr val="accent1">
+                <a:shade val="50000"/>
+              </a:schemeClr>
+            </a:lnRef>
+            <a:fillRef idx="1">
+              <a:schemeClr val="accent1"/>
+            </a:fillRef>
+            <a:effectRef idx="0">
+              <a:schemeClr val="accent1"/>
+            </a:effectRef>
+            <a:fontRef idx="minor">
+              <a:schemeClr val="lt1"/>
+            </a:fontRef>
+          </p:style>
+          <p:txBody>
+            <a:bodyPr rtlCol="0" anchor="ctr"/>
+            <a:lstStyle/>
+            <a:p>
+              <a:pPr algn="ctr"/>
+              <a:r>
+                <a:rPr lang="ko-KR" altLang="en-US" sz="900" b="1" dirty="0">
+                  <a:solidFill>
+                    <a:schemeClr val="tx1"/>
+                  </a:solidFill>
+                </a:rPr>
+                <a:t>서브 카테고리</a:t>
+              </a:r>
+            </a:p>
+          </p:txBody>
+        </p:sp>
+        <p:sp>
+          <p:nvSpPr>
+            <p:cNvPr id="19" name="직사각형 18"/>
+            <p:cNvSpPr/>
+            <p:nvPr/>
+          </p:nvSpPr>
+          <p:spPr>
+            <a:xfrm>
+              <a:off x="5624949" y="1085224"/>
+              <a:ext cx="914400" cy="397168"/>
+            </a:xfrm>
+            <a:prstGeom prst="rect">
+              <a:avLst/>
+            </a:prstGeom>
+            <a:solidFill>
+              <a:schemeClr val="accent6">
+                <a:alpha val="41000"/>
+              </a:schemeClr>
+            </a:solidFill>
+            <a:ln>
+              <a:solidFill>
+                <a:schemeClr val="accent4"/>
+              </a:solidFill>
+            </a:ln>
+          </p:spPr>
+          <p:style>
+            <a:lnRef idx="2">
+              <a:schemeClr val="accent1">
+                <a:shade val="50000"/>
+              </a:schemeClr>
+            </a:lnRef>
+            <a:fillRef idx="1">
+              <a:schemeClr val="accent1"/>
+            </a:fillRef>
+            <a:effectRef idx="0">
+              <a:schemeClr val="accent1"/>
+            </a:effectRef>
+            <a:fontRef idx="minor">
+              <a:schemeClr val="lt1"/>
+            </a:fontRef>
+          </p:style>
+          <p:txBody>
+            <a:bodyPr rtlCol="0" anchor="ctr"/>
+            <a:lstStyle/>
+            <a:p>
+              <a:pPr algn="ctr"/>
+              <a:r>
+                <a:rPr lang="ko-KR" altLang="en-US" sz="900" b="1" dirty="0">
+                  <a:solidFill>
+                    <a:schemeClr val="tx1"/>
+                  </a:solidFill>
+                </a:rPr>
+                <a:t>서브 카테고리</a:t>
+              </a:r>
+            </a:p>
+          </p:txBody>
+        </p:sp>
+        <p:sp>
+          <p:nvSpPr>
+            <p:cNvPr id="20" name="직사각형 19"/>
+            <p:cNvSpPr/>
+            <p:nvPr/>
+          </p:nvSpPr>
+          <p:spPr>
+            <a:xfrm>
+              <a:off x="4401130" y="1066786"/>
+              <a:ext cx="914400" cy="397168"/>
+            </a:xfrm>
+            <a:prstGeom prst="rect">
+              <a:avLst/>
+            </a:prstGeom>
+            <a:solidFill>
+              <a:schemeClr val="accent6">
+                <a:alpha val="41000"/>
+              </a:schemeClr>
+            </a:solidFill>
+            <a:ln>
+              <a:solidFill>
+                <a:schemeClr val="accent4"/>
+              </a:solidFill>
+            </a:ln>
+          </p:spPr>
+          <p:style>
+            <a:lnRef idx="2">
+              <a:schemeClr val="accent1">
+                <a:shade val="50000"/>
+              </a:schemeClr>
+            </a:lnRef>
+            <a:fillRef idx="1">
+              <a:schemeClr val="accent1"/>
+            </a:fillRef>
+            <a:effectRef idx="0">
+              <a:schemeClr val="accent1"/>
+            </a:effectRef>
+            <a:fontRef idx="minor">
+              <a:schemeClr val="lt1"/>
+            </a:fontRef>
+          </p:style>
+          <p:txBody>
+            <a:bodyPr rtlCol="0" anchor="ctr"/>
+            <a:lstStyle/>
+            <a:p>
+              <a:pPr algn="ctr"/>
+              <a:r>
+                <a:rPr lang="ko-KR" altLang="en-US" sz="900" b="1" dirty="0">
+                  <a:solidFill>
+                    <a:schemeClr val="tx1"/>
+                  </a:solidFill>
+                </a:rPr>
+                <a:t>서브 카테고리</a:t>
+              </a:r>
+            </a:p>
+          </p:txBody>
+        </p:sp>
+        <p:sp>
+          <p:nvSpPr>
+            <p:cNvPr id="21" name="직사각형 20"/>
+            <p:cNvSpPr/>
+            <p:nvPr/>
+          </p:nvSpPr>
+          <p:spPr>
+            <a:xfrm>
+              <a:off x="8086435" y="1066761"/>
+              <a:ext cx="914400" cy="397168"/>
+            </a:xfrm>
+            <a:prstGeom prst="rect">
+              <a:avLst/>
+            </a:prstGeom>
+            <a:solidFill>
+              <a:schemeClr val="accent6">
+                <a:alpha val="41000"/>
+              </a:schemeClr>
+            </a:solidFill>
+            <a:ln>
+              <a:solidFill>
+                <a:schemeClr val="accent4"/>
+              </a:solidFill>
+            </a:ln>
+          </p:spPr>
+          <p:style>
+            <a:lnRef idx="2">
+              <a:schemeClr val="accent1">
+                <a:shade val="50000"/>
+              </a:schemeClr>
+            </a:lnRef>
+            <a:fillRef idx="1">
+              <a:schemeClr val="accent1"/>
+            </a:fillRef>
+            <a:effectRef idx="0">
+              <a:schemeClr val="accent1"/>
+            </a:effectRef>
+            <a:fontRef idx="minor">
+              <a:schemeClr val="lt1"/>
+            </a:fontRef>
+          </p:style>
+          <p:txBody>
+            <a:bodyPr rtlCol="0" anchor="ctr"/>
+            <a:lstStyle/>
+            <a:p>
+              <a:pPr algn="ctr"/>
+              <a:r>
+                <a:rPr lang="ko-KR" altLang="en-US" sz="900" b="1" dirty="0">
+                  <a:solidFill>
+                    <a:schemeClr val="tx1"/>
+                  </a:solidFill>
+                </a:rPr>
+                <a:t>서브 카테고리</a:t>
+              </a:r>
+            </a:p>
+          </p:txBody>
+        </p:sp>
+        <p:sp>
+          <p:nvSpPr>
+            <p:cNvPr id="22" name="직사각형 21"/>
+            <p:cNvSpPr/>
+            <p:nvPr/>
+          </p:nvSpPr>
+          <p:spPr>
+            <a:xfrm>
+              <a:off x="6848768" y="1073725"/>
+              <a:ext cx="914400" cy="397168"/>
+            </a:xfrm>
+            <a:prstGeom prst="rect">
+              <a:avLst/>
+            </a:prstGeom>
+            <a:solidFill>
+              <a:schemeClr val="accent6">
+                <a:alpha val="41000"/>
+              </a:schemeClr>
+            </a:solidFill>
+            <a:ln>
+              <a:solidFill>
+                <a:schemeClr val="accent4"/>
+              </a:solidFill>
+            </a:ln>
+          </p:spPr>
+          <p:style>
+            <a:lnRef idx="2">
+              <a:schemeClr val="accent1">
+                <a:shade val="50000"/>
+              </a:schemeClr>
+            </a:lnRef>
+            <a:fillRef idx="1">
+              <a:schemeClr val="accent1"/>
+            </a:fillRef>
+            <a:effectRef idx="0">
+              <a:schemeClr val="accent1"/>
+            </a:effectRef>
+            <a:fontRef idx="minor">
+              <a:schemeClr val="lt1"/>
+            </a:fontRef>
+          </p:style>
+          <p:txBody>
+            <a:bodyPr rtlCol="0" anchor="ctr"/>
+            <a:lstStyle/>
+            <a:p>
+              <a:pPr algn="ctr"/>
+              <a:r>
+                <a:rPr lang="ko-KR" altLang="en-US" sz="900" b="1" dirty="0">
+                  <a:solidFill>
+                    <a:schemeClr val="tx1"/>
+                  </a:solidFill>
+                </a:rPr>
+                <a:t>서브 카테고리</a:t>
+              </a:r>
+            </a:p>
+          </p:txBody>
+        </p:sp>
+      </p:grpSp>
+      <p:grpSp>
+        <p:nvGrpSpPr>
+          <p:cNvPr id="23" name="그룹 22"/>
+          <p:cNvGrpSpPr/>
+          <p:nvPr/>
+        </p:nvGrpSpPr>
+        <p:grpSpPr>
+          <a:xfrm>
+            <a:off x="2826329" y="1629030"/>
+            <a:ext cx="6922652" cy="346432"/>
+            <a:chOff x="2078183" y="1066761"/>
+            <a:chExt cx="6922652" cy="415631"/>
+          </a:xfrm>
+        </p:grpSpPr>
+        <p:sp>
+          <p:nvSpPr>
+            <p:cNvPr id="30" name="직사각형 29"/>
+            <p:cNvSpPr/>
+            <p:nvPr/>
+          </p:nvSpPr>
+          <p:spPr>
+            <a:xfrm>
+              <a:off x="2078183" y="1071414"/>
+              <a:ext cx="914400" cy="397168"/>
+            </a:xfrm>
+            <a:prstGeom prst="rect">
+              <a:avLst/>
+            </a:prstGeom>
+            <a:solidFill>
+              <a:schemeClr val="accent6">
+                <a:alpha val="41000"/>
+              </a:schemeClr>
+            </a:solidFill>
+            <a:ln>
+              <a:solidFill>
+                <a:schemeClr val="accent4"/>
+              </a:solidFill>
+            </a:ln>
+          </p:spPr>
+          <p:style>
+            <a:lnRef idx="2">
+              <a:schemeClr val="accent1">
+                <a:shade val="50000"/>
+              </a:schemeClr>
+            </a:lnRef>
+            <a:fillRef idx="1">
+              <a:schemeClr val="accent1"/>
+            </a:fillRef>
+            <a:effectRef idx="0">
+              <a:schemeClr val="accent1"/>
+            </a:effectRef>
+            <a:fontRef idx="minor">
+              <a:schemeClr val="lt1"/>
+            </a:fontRef>
+          </p:style>
+          <p:txBody>
+            <a:bodyPr rtlCol="0" anchor="ctr"/>
+            <a:lstStyle/>
+            <a:p>
+              <a:pPr algn="ctr"/>
+              <a:r>
+                <a:rPr lang="ko-KR" altLang="en-US" sz="900" b="1" dirty="0" smtClean="0">
+                  <a:solidFill>
+                    <a:schemeClr val="tx1"/>
+                  </a:solidFill>
+                </a:rPr>
+                <a:t>서브 카테고리</a:t>
+              </a:r>
+              <a:endParaRPr lang="ko-KR" altLang="en-US" sz="900" b="1" dirty="0">
+                <a:solidFill>
+                  <a:schemeClr val="tx1"/>
+                </a:solidFill>
+              </a:endParaRPr>
+            </a:p>
+          </p:txBody>
+        </p:sp>
+        <p:sp>
+          <p:nvSpPr>
+            <p:cNvPr id="31" name="직사각형 30"/>
+            <p:cNvSpPr/>
+            <p:nvPr/>
+          </p:nvSpPr>
+          <p:spPr>
+            <a:xfrm>
+              <a:off x="3177311" y="1066786"/>
+              <a:ext cx="914400" cy="397168"/>
+            </a:xfrm>
+            <a:prstGeom prst="rect">
+              <a:avLst/>
+            </a:prstGeom>
+            <a:solidFill>
+              <a:schemeClr val="accent6">
+                <a:alpha val="41000"/>
+              </a:schemeClr>
+            </a:solidFill>
+            <a:ln>
+              <a:solidFill>
+                <a:schemeClr val="accent4"/>
+              </a:solidFill>
+            </a:ln>
+          </p:spPr>
+          <p:style>
+            <a:lnRef idx="2">
+              <a:schemeClr val="accent1">
+                <a:shade val="50000"/>
+              </a:schemeClr>
+            </a:lnRef>
+            <a:fillRef idx="1">
+              <a:schemeClr val="accent1"/>
+            </a:fillRef>
+            <a:effectRef idx="0">
+              <a:schemeClr val="accent1"/>
+            </a:effectRef>
+            <a:fontRef idx="minor">
+              <a:schemeClr val="lt1"/>
+            </a:fontRef>
+          </p:style>
+          <p:txBody>
+            <a:bodyPr rtlCol="0" anchor="ctr"/>
+            <a:lstStyle/>
+            <a:p>
+              <a:pPr algn="ctr"/>
+              <a:r>
+                <a:rPr lang="ko-KR" altLang="en-US" sz="900" b="1" dirty="0">
+                  <a:solidFill>
+                    <a:schemeClr val="tx1"/>
+                  </a:solidFill>
+                </a:rPr>
+                <a:t>서브 카테고리</a:t>
+              </a:r>
+            </a:p>
+          </p:txBody>
+        </p:sp>
+        <p:sp>
+          <p:nvSpPr>
+            <p:cNvPr id="32" name="직사각형 31"/>
+            <p:cNvSpPr/>
+            <p:nvPr/>
+          </p:nvSpPr>
+          <p:spPr>
+            <a:xfrm>
+              <a:off x="5624949" y="1085224"/>
+              <a:ext cx="914400" cy="397168"/>
+            </a:xfrm>
+            <a:prstGeom prst="rect">
+              <a:avLst/>
+            </a:prstGeom>
+            <a:solidFill>
+              <a:schemeClr val="accent6">
+                <a:alpha val="41000"/>
+              </a:schemeClr>
+            </a:solidFill>
+            <a:ln>
+              <a:solidFill>
+                <a:schemeClr val="accent4"/>
+              </a:solidFill>
+            </a:ln>
+          </p:spPr>
+          <p:style>
+            <a:lnRef idx="2">
+              <a:schemeClr val="accent1">
+                <a:shade val="50000"/>
+              </a:schemeClr>
+            </a:lnRef>
+            <a:fillRef idx="1">
+              <a:schemeClr val="accent1"/>
+            </a:fillRef>
+            <a:effectRef idx="0">
+              <a:schemeClr val="accent1"/>
+            </a:effectRef>
+            <a:fontRef idx="minor">
+              <a:schemeClr val="lt1"/>
+            </a:fontRef>
+          </p:style>
+          <p:txBody>
+            <a:bodyPr rtlCol="0" anchor="ctr"/>
+            <a:lstStyle/>
+            <a:p>
+              <a:pPr algn="ctr"/>
+              <a:r>
+                <a:rPr lang="ko-KR" altLang="en-US" sz="900" b="1" dirty="0">
+                  <a:solidFill>
+                    <a:schemeClr val="tx1"/>
+                  </a:solidFill>
+                </a:rPr>
+                <a:t>서브 카테고리</a:t>
+              </a:r>
+            </a:p>
+          </p:txBody>
+        </p:sp>
+        <p:sp>
+          <p:nvSpPr>
+            <p:cNvPr id="33" name="직사각형 32"/>
+            <p:cNvSpPr/>
+            <p:nvPr/>
+          </p:nvSpPr>
+          <p:spPr>
+            <a:xfrm>
+              <a:off x="4401130" y="1066786"/>
+              <a:ext cx="914400" cy="397168"/>
+            </a:xfrm>
+            <a:prstGeom prst="rect">
+              <a:avLst/>
+            </a:prstGeom>
+            <a:solidFill>
+              <a:schemeClr val="accent6">
+                <a:alpha val="41000"/>
+              </a:schemeClr>
+            </a:solidFill>
+            <a:ln>
+              <a:solidFill>
+                <a:schemeClr val="accent4"/>
+              </a:solidFill>
+            </a:ln>
+          </p:spPr>
+          <p:style>
+            <a:lnRef idx="2">
+              <a:schemeClr val="accent1">
+                <a:shade val="50000"/>
+              </a:schemeClr>
+            </a:lnRef>
+            <a:fillRef idx="1">
+              <a:schemeClr val="accent1"/>
+            </a:fillRef>
+            <a:effectRef idx="0">
+              <a:schemeClr val="accent1"/>
+            </a:effectRef>
+            <a:fontRef idx="minor">
+              <a:schemeClr val="lt1"/>
+            </a:fontRef>
+          </p:style>
+          <p:txBody>
+            <a:bodyPr rtlCol="0" anchor="ctr"/>
+            <a:lstStyle/>
+            <a:p>
+              <a:pPr algn="ctr"/>
+              <a:r>
+                <a:rPr lang="ko-KR" altLang="en-US" sz="900" b="1" dirty="0">
+                  <a:solidFill>
+                    <a:schemeClr val="tx1"/>
+                  </a:solidFill>
+                </a:rPr>
+                <a:t>서브 카테고리</a:t>
+              </a:r>
+            </a:p>
+          </p:txBody>
+        </p:sp>
+        <p:sp>
+          <p:nvSpPr>
+            <p:cNvPr id="34" name="직사각형 33"/>
+            <p:cNvSpPr/>
+            <p:nvPr/>
+          </p:nvSpPr>
+          <p:spPr>
+            <a:xfrm>
+              <a:off x="8086435" y="1066761"/>
+              <a:ext cx="914400" cy="397168"/>
+            </a:xfrm>
+            <a:prstGeom prst="rect">
+              <a:avLst/>
+            </a:prstGeom>
+            <a:solidFill>
+              <a:schemeClr val="accent6">
+                <a:alpha val="41000"/>
+              </a:schemeClr>
+            </a:solidFill>
+            <a:ln>
+              <a:solidFill>
+                <a:schemeClr val="accent4"/>
+              </a:solidFill>
+            </a:ln>
+          </p:spPr>
+          <p:style>
+            <a:lnRef idx="2">
+              <a:schemeClr val="accent1">
+                <a:shade val="50000"/>
+              </a:schemeClr>
+            </a:lnRef>
+            <a:fillRef idx="1">
+              <a:schemeClr val="accent1"/>
+            </a:fillRef>
+            <a:effectRef idx="0">
+              <a:schemeClr val="accent1"/>
+            </a:effectRef>
+            <a:fontRef idx="minor">
+              <a:schemeClr val="lt1"/>
+            </a:fontRef>
+          </p:style>
+          <p:txBody>
+            <a:bodyPr rtlCol="0" anchor="ctr"/>
+            <a:lstStyle/>
+            <a:p>
+              <a:pPr algn="ctr"/>
+              <a:r>
+                <a:rPr lang="ko-KR" altLang="en-US" sz="900" b="1" dirty="0">
+                  <a:solidFill>
+                    <a:schemeClr val="tx1"/>
+                  </a:solidFill>
+                </a:rPr>
+                <a:t>서브 카테고리</a:t>
+              </a:r>
+            </a:p>
+          </p:txBody>
+        </p:sp>
+        <p:sp>
+          <p:nvSpPr>
+            <p:cNvPr id="35" name="직사각형 34"/>
+            <p:cNvSpPr/>
+            <p:nvPr/>
+          </p:nvSpPr>
+          <p:spPr>
+            <a:xfrm>
+              <a:off x="6848768" y="1073725"/>
+              <a:ext cx="914400" cy="397168"/>
+            </a:xfrm>
+            <a:prstGeom prst="rect">
+              <a:avLst/>
+            </a:prstGeom>
+            <a:solidFill>
+              <a:schemeClr val="accent6">
+                <a:alpha val="41000"/>
+              </a:schemeClr>
+            </a:solidFill>
+            <a:ln>
+              <a:solidFill>
+                <a:schemeClr val="accent4"/>
+              </a:solidFill>
+            </a:ln>
+          </p:spPr>
+          <p:style>
+            <a:lnRef idx="2">
+              <a:schemeClr val="accent1">
+                <a:shade val="50000"/>
+              </a:schemeClr>
+            </a:lnRef>
+            <a:fillRef idx="1">
+              <a:schemeClr val="accent1"/>
+            </a:fillRef>
+            <a:effectRef idx="0">
+              <a:schemeClr val="accent1"/>
+            </a:effectRef>
+            <a:fontRef idx="minor">
+              <a:schemeClr val="lt1"/>
+            </a:fontRef>
+          </p:style>
+          <p:txBody>
+            <a:bodyPr rtlCol="0" anchor="ctr"/>
+            <a:lstStyle/>
+            <a:p>
+              <a:pPr algn="ctr"/>
+              <a:r>
+                <a:rPr lang="ko-KR" altLang="en-US" sz="900" b="1" dirty="0">
+                  <a:solidFill>
+                    <a:schemeClr val="tx1"/>
+                  </a:solidFill>
+                </a:rPr>
+                <a:t>서브 카테고리</a:t>
+              </a:r>
+            </a:p>
+          </p:txBody>
+        </p:sp>
+      </p:grpSp>
+      <p:sp>
+        <p:nvSpPr>
+          <p:cNvPr id="38" name="직사각형 37">
+            <a:extLst>
+              <a:ext uri="{FF2B5EF4-FFF2-40B4-BE49-F238E27FC236}">
+                <a16:creationId xmlns:a16="http://schemas.microsoft.com/office/drawing/2014/main" id="{1DCAB59E-C028-4B9A-BF7A-98F57D9D5D11}"/>
+              </a:ext>
+            </a:extLst>
+          </p:cNvPr>
+          <p:cNvSpPr/>
+          <p:nvPr/>
+        </p:nvSpPr>
+        <p:spPr>
+          <a:xfrm>
+            <a:off x="1648228" y="2808484"/>
+            <a:ext cx="8881225" cy="1586648"/>
+          </a:xfrm>
+          <a:prstGeom prst="rect">
+            <a:avLst/>
+          </a:prstGeom>
+          <a:solidFill>
+            <a:schemeClr val="bg1">
+              <a:lumMod val="95000"/>
+              <a:alpha val="35000"/>
+            </a:schemeClr>
+          </a:solidFill>
+          <a:ln w="9525">
+            <a:solidFill>
+              <a:schemeClr val="bg1">
+                <a:lumMod val="65000"/>
+              </a:schemeClr>
+            </a:solidFill>
+          </a:ln>
+        </p:spPr>
+        <p:style>
+          <a:lnRef idx="2">
+            <a:schemeClr val="accent1">
+              <a:shade val="50000"/>
+            </a:schemeClr>
+          </a:lnRef>
+          <a:fillRef idx="1">
+            <a:schemeClr val="accent1"/>
+          </a:fillRef>
+          <a:effectRef idx="0">
+            <a:schemeClr val="accent1"/>
+          </a:effectRef>
+          <a:fontRef idx="minor">
+            <a:schemeClr val="lt1"/>
+          </a:fontRef>
+        </p:style>
+        <p:txBody>
+          <a:bodyPr rtlCol="0" anchor="ctr"/>
+          <a:lstStyle/>
+          <a:p>
+            <a:pPr algn="ctr"/>
+            <a:endParaRPr lang="ko-KR" altLang="en-US">
+              <a:solidFill>
+                <a:prstClr val="white"/>
+              </a:solidFill>
+              <a:latin typeface="+mn-ea"/>
+              <a:ea typeface="+mn-ea"/>
+            </a:endParaRPr>
+          </a:p>
+        </p:txBody>
+      </p:sp>
+      <p:sp>
+        <p:nvSpPr>
+          <p:cNvPr id="39" name="직사각형 38">
+            <a:extLst>
+              <a:ext uri="{FF2B5EF4-FFF2-40B4-BE49-F238E27FC236}">
+                <a16:creationId xmlns:a16="http://schemas.microsoft.com/office/drawing/2014/main" id="{1DCAB59E-C028-4B9A-BF7A-98F57D9D5D11}"/>
+              </a:ext>
+            </a:extLst>
+          </p:cNvPr>
+          <p:cNvSpPr/>
+          <p:nvPr/>
+        </p:nvSpPr>
+        <p:spPr>
+          <a:xfrm>
+            <a:off x="1648228" y="4574825"/>
+            <a:ext cx="8881225" cy="1586648"/>
+          </a:xfrm>
+          <a:prstGeom prst="rect">
+            <a:avLst/>
+          </a:prstGeom>
+          <a:solidFill>
+            <a:schemeClr val="bg1">
+              <a:lumMod val="95000"/>
+              <a:alpha val="35000"/>
+            </a:schemeClr>
+          </a:solidFill>
+          <a:ln w="9525">
+            <a:solidFill>
+              <a:schemeClr val="bg1">
+                <a:lumMod val="65000"/>
+              </a:schemeClr>
+            </a:solidFill>
+          </a:ln>
+        </p:spPr>
+        <p:style>
+          <a:lnRef idx="2">
+            <a:schemeClr val="accent1">
+              <a:shade val="50000"/>
+            </a:schemeClr>
+          </a:lnRef>
+          <a:fillRef idx="1">
+            <a:schemeClr val="accent1"/>
+          </a:fillRef>
+          <a:effectRef idx="0">
+            <a:schemeClr val="accent1"/>
+          </a:effectRef>
+          <a:fontRef idx="minor">
+            <a:schemeClr val="lt1"/>
+          </a:fontRef>
+        </p:style>
+        <p:txBody>
+          <a:bodyPr rtlCol="0" anchor="ctr"/>
+          <a:lstStyle/>
+          <a:p>
+            <a:pPr algn="ctr"/>
+            <a:endParaRPr lang="ko-KR" altLang="en-US">
+              <a:solidFill>
+                <a:prstClr val="white"/>
+              </a:solidFill>
+              <a:latin typeface="+mn-ea"/>
+              <a:ea typeface="+mn-ea"/>
+            </a:endParaRPr>
+          </a:p>
+        </p:txBody>
+      </p:sp>
+      <p:sp>
+        <p:nvSpPr>
+          <p:cNvPr id="4" name="TextBox 3"/>
+          <p:cNvSpPr txBox="1"/>
+          <p:nvPr/>
+        </p:nvSpPr>
+        <p:spPr>
+          <a:xfrm>
+            <a:off x="5738091" y="658542"/>
+            <a:ext cx="1071419" cy="369332"/>
+          </a:xfrm>
+          <a:prstGeom prst="rect">
+            <a:avLst/>
+          </a:prstGeom>
+          <a:noFill/>
+          <a:ln>
+            <a:solidFill>
+              <a:schemeClr val="tx1"/>
+            </a:solidFill>
+          </a:ln>
+        </p:spPr>
+        <p:txBody>
+          <a:bodyPr wrap="square" rtlCol="0">
+            <a:spAutoFit/>
+          </a:bodyPr>
+          <a:lstStyle/>
+          <a:p>
+            <a:pPr algn="ctr"/>
+            <a:r>
+              <a:rPr lang="en-US" altLang="ko-KR" b="1" dirty="0" smtClean="0"/>
+              <a:t>Home</a:t>
+            </a:r>
+            <a:endParaRPr lang="ko-KR" altLang="en-US" sz="1050" dirty="0"/>
+          </a:p>
+        </p:txBody>
+      </p:sp>
+      <p:sp>
+        <p:nvSpPr>
+          <p:cNvPr id="40" name="순서도: 수행의 시작/종료 39">
+            <a:extLst>
+              <a:ext uri="{FF2B5EF4-FFF2-40B4-BE49-F238E27FC236}">
+                <a16:creationId xmlns:a16="http://schemas.microsoft.com/office/drawing/2014/main" id="{E639B3AF-08C5-43A1-822E-38A08EF556CB}"/>
+              </a:ext>
+            </a:extLst>
+          </p:cNvPr>
+          <p:cNvSpPr/>
+          <p:nvPr/>
+        </p:nvSpPr>
+        <p:spPr>
+          <a:xfrm>
+            <a:off x="10695709" y="3984568"/>
+            <a:ext cx="411480" cy="1039846"/>
+          </a:xfrm>
+          <a:prstGeom prst="flowChartTerminator">
+            <a:avLst/>
+          </a:prstGeom>
+          <a:solidFill>
+            <a:schemeClr val="accent4">
+              <a:alpha val="55000"/>
+            </a:schemeClr>
+          </a:solidFill>
+          <a:ln>
+            <a:noFill/>
+          </a:ln>
+        </p:spPr>
+        <p:style>
+          <a:lnRef idx="2">
+            <a:schemeClr val="accent1">
+              <a:shade val="50000"/>
+            </a:schemeClr>
+          </a:lnRef>
+          <a:fillRef idx="1">
+            <a:schemeClr val="accent1"/>
+          </a:fillRef>
+          <a:effectRef idx="0">
+            <a:schemeClr val="accent1"/>
+          </a:effectRef>
+          <a:fontRef idx="minor">
+            <a:schemeClr val="lt1"/>
+          </a:fontRef>
+        </p:style>
+        <p:txBody>
+          <a:bodyPr rtlCol="0" anchor="ctr"/>
+          <a:lstStyle/>
+          <a:p>
+            <a:pPr algn="ctr"/>
+            <a:endParaRPr lang="ko-KR" altLang="en-US"/>
+          </a:p>
+        </p:txBody>
+      </p:sp>
+      <p:sp>
+        <p:nvSpPr>
+          <p:cNvPr id="41" name="아래쪽 화살표 40"/>
+          <p:cNvSpPr/>
+          <p:nvPr/>
+        </p:nvSpPr>
+        <p:spPr>
+          <a:xfrm>
+            <a:off x="10765733" y="4658822"/>
+            <a:ext cx="271432" cy="253246"/>
+          </a:xfrm>
+          <a:prstGeom prst="downArrow">
+            <a:avLst>
+              <a:gd name="adj1" fmla="val 50000"/>
+              <a:gd name="adj2" fmla="val 52857"/>
+            </a:avLst>
+          </a:prstGeom>
+          <a:solidFill>
+            <a:schemeClr val="accent4"/>
+          </a:solidFill>
+          <a:ln>
+            <a:solidFill>
+              <a:schemeClr val="tx1"/>
+            </a:solidFill>
+          </a:ln>
+        </p:spPr>
+        <p:style>
+          <a:lnRef idx="2">
+            <a:schemeClr val="accent1">
+              <a:shade val="50000"/>
+            </a:schemeClr>
+          </a:lnRef>
+          <a:fillRef idx="1">
+            <a:schemeClr val="accent1"/>
+          </a:fillRef>
+          <a:effectRef idx="0">
+            <a:schemeClr val="accent1"/>
+          </a:effectRef>
+          <a:fontRef idx="minor">
+            <a:schemeClr val="lt1"/>
+          </a:fontRef>
+        </p:style>
+        <p:txBody>
+          <a:bodyPr rtlCol="0" anchor="ctr"/>
+          <a:lstStyle/>
+          <a:p>
+            <a:pPr algn="ctr"/>
+            <a:endParaRPr lang="ko-KR" altLang="en-US"/>
+          </a:p>
+        </p:txBody>
+      </p:sp>
+      <p:sp>
+        <p:nvSpPr>
+          <p:cNvPr id="42" name="아래쪽 화살표 41"/>
+          <p:cNvSpPr/>
+          <p:nvPr/>
+        </p:nvSpPr>
+        <p:spPr>
+          <a:xfrm rot="10800000">
+            <a:off x="10765733" y="4088715"/>
+            <a:ext cx="271432" cy="253246"/>
+          </a:xfrm>
+          <a:prstGeom prst="downArrow">
+            <a:avLst>
+              <a:gd name="adj1" fmla="val 50000"/>
+              <a:gd name="adj2" fmla="val 52857"/>
+            </a:avLst>
+          </a:prstGeom>
+          <a:solidFill>
+            <a:schemeClr val="accent4"/>
+          </a:solidFill>
+          <a:ln>
+            <a:solidFill>
+              <a:schemeClr val="tx1"/>
+            </a:solidFill>
+          </a:ln>
+        </p:spPr>
+        <p:style>
+          <a:lnRef idx="2">
+            <a:schemeClr val="accent1">
+              <a:shade val="50000"/>
+            </a:schemeClr>
+          </a:lnRef>
+          <a:fillRef idx="1">
+            <a:schemeClr val="accent1"/>
+          </a:fillRef>
+          <a:effectRef idx="0">
+            <a:schemeClr val="accent1"/>
+          </a:effectRef>
+          <a:fontRef idx="minor">
+            <a:schemeClr val="lt1"/>
+          </a:fontRef>
+        </p:style>
+        <p:txBody>
+          <a:bodyPr rtlCol="0" anchor="ctr"/>
+          <a:lstStyle/>
+          <a:p>
+            <a:pPr algn="ctr"/>
+            <a:endParaRPr lang="ko-KR" altLang="en-US"/>
+          </a:p>
+        </p:txBody>
+      </p:sp>
+      <p:pic>
+        <p:nvPicPr>
+          <p:cNvPr id="5" name="그림 4"/>
+          <p:cNvPicPr>
+            <a:picLocks noChangeAspect="1"/>
+          </p:cNvPicPr>
+          <p:nvPr/>
+        </p:nvPicPr>
+        <p:blipFill>
+          <a:blip r:embed="rId2">
+            <a:extLst>
+              <a:ext uri="{28A0092B-C50C-407E-A947-70E740481C1C}">
+                <a14:useLocalDpi xmlns:a14="http://schemas.microsoft.com/office/drawing/2010/main" val="0"/>
+              </a:ext>
+            </a:extLst>
+          </a:blip>
+          <a:stretch>
+            <a:fillRect/>
+          </a:stretch>
+        </p:blipFill>
+        <p:spPr>
+          <a:xfrm>
+            <a:off x="1801091" y="2909454"/>
+            <a:ext cx="8506691" cy="1348509"/>
+          </a:xfrm>
+          <a:prstGeom prst="rect">
+            <a:avLst/>
+          </a:prstGeom>
+          <a:effectLst>
+            <a:outerShdw blurRad="50800" dist="50800" dir="5400000" algn="ctr" rotWithShape="0">
+              <a:srgbClr val="000000">
+                <a:alpha val="0"/>
+              </a:srgbClr>
+            </a:outerShdw>
+          </a:effectLst>
+        </p:spPr>
+      </p:pic>
+      <p:pic>
+        <p:nvPicPr>
+          <p:cNvPr id="6" name="그림 5"/>
+          <p:cNvPicPr>
+            <a:picLocks noChangeAspect="1"/>
+          </p:cNvPicPr>
+          <p:nvPr/>
+        </p:nvPicPr>
+        <p:blipFill>
+          <a:blip r:embed="rId3">
+            <a:extLst>
+              <a:ext uri="{28A0092B-C50C-407E-A947-70E740481C1C}">
+                <a14:useLocalDpi xmlns:a14="http://schemas.microsoft.com/office/drawing/2010/main" val="0"/>
+              </a:ext>
+            </a:extLst>
+          </a:blip>
+          <a:stretch>
+            <a:fillRect/>
+          </a:stretch>
+        </p:blipFill>
+        <p:spPr>
+          <a:xfrm>
+            <a:off x="1801091" y="4724289"/>
+            <a:ext cx="8506691" cy="1297820"/>
+          </a:xfrm>
+          <a:prstGeom prst="rect">
+            <a:avLst/>
+          </a:prstGeom>
+        </p:spPr>
+      </p:pic>
+      <p:sp>
+        <p:nvSpPr>
+          <p:cNvPr id="7" name="TextBox 6"/>
+          <p:cNvSpPr txBox="1"/>
+          <p:nvPr/>
+        </p:nvSpPr>
+        <p:spPr>
+          <a:xfrm>
+            <a:off x="5523345" y="2595418"/>
+            <a:ext cx="1588655" cy="338554"/>
+          </a:xfrm>
+          <a:prstGeom prst="rect">
+            <a:avLst/>
+          </a:prstGeom>
+          <a:noFill/>
+        </p:spPr>
+        <p:txBody>
+          <a:bodyPr wrap="square" rtlCol="0">
+            <a:spAutoFit/>
+          </a:bodyPr>
+          <a:lstStyle/>
+          <a:p>
+            <a:r>
+              <a:rPr lang="ko-KR" altLang="en-US" sz="1600" b="1" dirty="0" smtClean="0"/>
+              <a:t>지금 </a:t>
+            </a:r>
+            <a:r>
+              <a:rPr lang="en-US" altLang="ko-KR" sz="1600" b="1" dirty="0" smtClean="0"/>
+              <a:t>Best seller</a:t>
+            </a:r>
+            <a:endParaRPr lang="ko-KR" altLang="en-US" sz="1600" b="1" dirty="0"/>
+          </a:p>
+        </p:txBody>
+      </p:sp>
+      <p:sp>
+        <p:nvSpPr>
+          <p:cNvPr id="44" name="TextBox 43"/>
+          <p:cNvSpPr txBox="1"/>
+          <p:nvPr/>
+        </p:nvSpPr>
+        <p:spPr>
+          <a:xfrm>
+            <a:off x="5407891" y="4311003"/>
+            <a:ext cx="1588655" cy="307777"/>
+          </a:xfrm>
+          <a:prstGeom prst="rect">
+            <a:avLst/>
+          </a:prstGeom>
+          <a:noFill/>
+        </p:spPr>
+        <p:txBody>
+          <a:bodyPr wrap="square" rtlCol="0">
+            <a:spAutoFit/>
+          </a:bodyPr>
+          <a:lstStyle/>
+          <a:p>
+            <a:r>
+              <a:rPr lang="ko-KR" altLang="en-US" sz="1400" b="1" dirty="0" smtClean="0"/>
+              <a:t>사용자 추천 도서</a:t>
+            </a:r>
+            <a:endParaRPr lang="ko-KR" altLang="en-US" sz="1400" b="1" dirty="0"/>
+          </a:p>
+        </p:txBody>
+      </p:sp>
+    </p:spTree>
+    <p:extLst>
+      <p:ext uri="{BB962C8B-B14F-4D97-AF65-F5344CB8AC3E}">
+        <p14:creationId xmlns:p14="http://schemas.microsoft.com/office/powerpoint/2010/main" val="861444202"/>
       </p:ext>
     </p:extLst>
   </p:cSld>
@@ -7229,6 +10516,334 @@
 </file>
 
 <file path=ppt/slides/slide4.xml><?xml version="1.0" encoding="utf-8"?>
+<p:sld xmlns:r="http://schemas.openxmlformats.org/officeDocument/2006/relationships" xmlns:c="http://schemas.openxmlformats.org/drawingml/2006/chart" xmlns:a="http://schemas.openxmlformats.org/drawingml/2006/main" xmlns:dgm="http://schemas.openxmlformats.org/drawingml/2006/diagram" xmlns:dsp="http://schemas.microsoft.com/office/drawing/2008/diagram" xmlns:p="http://schemas.openxmlformats.org/presentationml/2006/main">
+  <p:cSld>
+    <p:spTree>
+      <p:nvGrpSpPr>
+        <p:cNvPr id="1" name=""/>
+        <p:cNvGrpSpPr/>
+        <p:nvPr/>
+      </p:nvGrpSpPr>
+      <p:grpSpPr>
+        <a:xfrm>
+          <a:off x="0" y="0"/>
+          <a:ext cx="0" cy="0"/>
+          <a:chOff x="0" y="0"/>
+          <a:chExt cx="0" cy="0"/>
+        </a:xfrm>
+      </p:grpSpPr>
+      <p:sp>
+        <p:nvSpPr>
+          <p:cNvPr id="2" name=""/>
+          <p:cNvSpPr txBox="1"/>
+          <p:nvPr/>
+        </p:nvSpPr>
+        <p:spPr>
+          <a:xfrm>
+            <a:off x="1064506" y="875771"/>
+            <a:ext cx="1499304" cy="408198"/>
+          </a:xfrm>
+          <a:prstGeom prst="rect">
+            <a:avLst/>
+          </a:prstGeom>
+        </p:spPr>
+        <p:txBody>
+          <a:bodyPr wrap="square">
+            <a:spAutoFit/>
+          </a:bodyPr>
+          <a:p>
+            <a:pPr>
+              <a:defRPr/>
+            </a:pPr>
+            <a:r>
+              <a:rPr lang="ko-KR" altLang="en-US" sz="2100" b="1">
+                <a:latin typeface="굴림체"/>
+                <a:ea typeface="굴림체"/>
+              </a:rPr>
+              <a:t>사용 기술</a:t>
+            </a:r>
+            <a:endParaRPr lang="ko-KR" altLang="en-US" sz="2100" b="1">
+              <a:latin typeface="굴림체"/>
+              <a:ea typeface="굴림체"/>
+            </a:endParaRPr>
+          </a:p>
+        </p:txBody>
+      </p:sp>
+      <p:graphicFrame>
+        <p:nvGraphicFramePr>
+          <p:cNvPr id="3" name=""/>
+          <p:cNvGraphicFramePr>
+            <a:graphicFrameLocks noGrp="1"/>
+          </p:cNvGraphicFramePr>
+          <p:nvPr/>
+        </p:nvGraphicFramePr>
+        <p:xfrm>
+          <a:off x="1405820" y="1460499"/>
+          <a:ext cx="8128000" cy="4066611"/>
+        </p:xfrm>
+        <a:graphic>
+          <a:graphicData uri="http://schemas.openxmlformats.org/drawingml/2006/table">
+            <a:tbl>
+              <a:tblPr firstRow="1" bandRow="1">
+                <a:tableStyleId>{C69FF03A-DF0C-4845-94BB-EF2385AD676B}</a:tableStyleId>
+              </a:tblPr>
+              <a:tblGrid>
+                <a:gridCol w="1718028"/>
+                <a:gridCol w="6409972"/>
+              </a:tblGrid>
+              <a:tr h="1016652">
+                <a:tc>
+                  <a:txBody>
+                    <a:bodyPr vert="horz" wrap="square" lIns="91440" tIns="45720" rIns="91440" bIns="45720" anchor="t" anchorCtr="0">
+                      <a:spAutoFit/>
+                    </a:bodyPr>
+                    <a:p>
+                      <a:pPr algn="ctr">
+                        <a:defRPr/>
+                      </a:pPr>
+                      <a:r>
+                        <a:rPr lang="en-US" altLang="ko-KR"/>
+                        <a:t>OS</a:t>
+                      </a:r>
+                      <a:endParaRPr lang="en-US" altLang="ko-KR"/>
+                    </a:p>
+                  </a:txBody>
+                  <a:tcPr marL="91440" marR="91440"/>
+                </a:tc>
+                <a:tc>
+                  <a:txBody>
+                    <a:bodyPr vert="horz" wrap="square" lIns="91440" tIns="45720" rIns="91440" bIns="45720" anchor="t" anchorCtr="0">
+                      <a:spAutoFit/>
+                    </a:bodyPr>
+                    <a:p>
+                      <a:pPr>
+                        <a:defRPr/>
+                      </a:pPr>
+                      <a:endParaRPr lang="ko-KR" altLang="en-US"/>
+                    </a:p>
+                  </a:txBody>
+                  <a:tcPr marL="91440" marR="91440"/>
+                </a:tc>
+              </a:tr>
+              <a:tr h="1016652">
+                <a:tc>
+                  <a:txBody>
+                    <a:bodyPr vert="horz" wrap="square" lIns="91440" tIns="45720" rIns="91440" bIns="45720" anchor="t" anchorCtr="0">
+                      <a:spAutoFit/>
+                    </a:bodyPr>
+                    <a:p>
+                      <a:pPr algn="ctr">
+                        <a:defRPr/>
+                      </a:pPr>
+                      <a:r>
+                        <a:rPr lang="en-US" altLang="ko-KR"/>
+                        <a:t>Editor</a:t>
+                      </a:r>
+                      <a:endParaRPr lang="en-US" altLang="ko-KR"/>
+                    </a:p>
+                  </a:txBody>
+                  <a:tcPr marL="91440" marR="91440"/>
+                </a:tc>
+                <a:tc>
+                  <a:txBody>
+                    <a:bodyPr vert="horz" wrap="square" lIns="91440" tIns="45720" rIns="91440" bIns="45720" anchor="t" anchorCtr="0">
+                      <a:spAutoFit/>
+                    </a:bodyPr>
+                    <a:p>
+                      <a:pPr>
+                        <a:defRPr/>
+                      </a:pPr>
+                      <a:endParaRPr lang="ko-KR" altLang="en-US"/>
+                    </a:p>
+                  </a:txBody>
+                  <a:tcPr marL="91440" marR="91440"/>
+                </a:tc>
+              </a:tr>
+              <a:tr h="1016652">
+                <a:tc>
+                  <a:txBody>
+                    <a:bodyPr vert="horz" wrap="square" lIns="91440" tIns="45720" rIns="91440" bIns="45720" anchor="t" anchorCtr="0">
+                      <a:spAutoFit/>
+                    </a:bodyPr>
+                    <a:p>
+                      <a:pPr algn="ctr">
+                        <a:defRPr/>
+                      </a:pPr>
+                      <a:r>
+                        <a:rPr lang="ko-KR" altLang="en-US"/>
+                        <a:t>언어</a:t>
+                      </a:r>
+                      <a:endParaRPr lang="ko-KR" altLang="en-US"/>
+                    </a:p>
+                  </a:txBody>
+                  <a:tcPr marL="91440" marR="91440"/>
+                </a:tc>
+                <a:tc>
+                  <a:txBody>
+                    <a:bodyPr vert="horz" wrap="square" lIns="91440" tIns="45720" rIns="91440" bIns="45720" anchor="t" anchorCtr="0">
+                      <a:spAutoFit/>
+                    </a:bodyPr>
+                    <a:p>
+                      <a:pPr>
+                        <a:defRPr/>
+                      </a:pPr>
+                      <a:endParaRPr lang="ko-KR" altLang="en-US"/>
+                    </a:p>
+                  </a:txBody>
+                  <a:tcPr marL="91440" marR="91440"/>
+                </a:tc>
+              </a:tr>
+              <a:tr h="1016652">
+                <a:tc>
+                  <a:txBody>
+                    <a:bodyPr vert="horz" wrap="square" lIns="91440" tIns="45720" rIns="91440" bIns="45720" anchor="t" anchorCtr="0">
+                      <a:spAutoFit/>
+                    </a:bodyPr>
+                    <a:p>
+                      <a:pPr algn="ctr">
+                        <a:defRPr/>
+                      </a:pPr>
+                      <a:r>
+                        <a:rPr lang="en-US" altLang="ko-KR"/>
+                        <a:t>Other</a:t>
+                      </a:r>
+                      <a:endParaRPr lang="en-US" altLang="ko-KR"/>
+                    </a:p>
+                  </a:txBody>
+                  <a:tcPr marL="91440" marR="91440"/>
+                </a:tc>
+                <a:tc>
+                  <a:txBody>
+                    <a:bodyPr vert="horz" wrap="square" lIns="91440" tIns="45720" rIns="91440" bIns="45720" anchor="t" anchorCtr="0">
+                      <a:spAutoFit/>
+                    </a:bodyPr>
+                    <a:p>
+                      <a:pPr>
+                        <a:defRPr/>
+                      </a:pPr>
+                      <a:endParaRPr lang="ko-KR" altLang="en-US"/>
+                    </a:p>
+                  </a:txBody>
+                  <a:tcPr marL="91440" marR="91440"/>
+                </a:tc>
+              </a:tr>
+            </a:tbl>
+          </a:graphicData>
+        </a:graphic>
+      </p:graphicFrame>
+      <p:pic>
+        <p:nvPicPr>
+          <p:cNvPr id="4" name=""/>
+          <p:cNvPicPr>
+            <a:picLocks noChangeAspect="1"/>
+          </p:cNvPicPr>
+          <p:nvPr/>
+        </p:nvPicPr>
+        <p:blipFill rotWithShape="1">
+          <a:blip r:embed="rId2"/>
+          <a:stretch>
+            <a:fillRect/>
+          </a:stretch>
+        </p:blipFill>
+        <p:spPr>
+          <a:xfrm>
+            <a:off x="3137077" y="3526013"/>
+            <a:ext cx="3929062" cy="966963"/>
+          </a:xfrm>
+          <a:prstGeom prst="rect">
+            <a:avLst/>
+          </a:prstGeom>
+        </p:spPr>
+      </p:pic>
+      <p:pic>
+        <p:nvPicPr>
+          <p:cNvPr id="5" name=""/>
+          <p:cNvPicPr>
+            <a:picLocks noChangeAspect="1"/>
+          </p:cNvPicPr>
+          <p:nvPr/>
+        </p:nvPicPr>
+        <p:blipFill rotWithShape="1">
+          <a:blip r:embed="rId3"/>
+          <a:stretch>
+            <a:fillRect/>
+          </a:stretch>
+        </p:blipFill>
+        <p:spPr>
+          <a:xfrm>
+            <a:off x="3094315" y="1726368"/>
+            <a:ext cx="4981575" cy="659266"/>
+          </a:xfrm>
+          <a:prstGeom prst="rect">
+            <a:avLst/>
+          </a:prstGeom>
+        </p:spPr>
+      </p:pic>
+      <p:pic>
+        <p:nvPicPr>
+          <p:cNvPr id="6" name=""/>
+          <p:cNvPicPr>
+            <a:picLocks noChangeAspect="1"/>
+          </p:cNvPicPr>
+          <p:nvPr/>
+        </p:nvPicPr>
+        <p:blipFill rotWithShape="1">
+          <a:blip r:embed="rId4"/>
+          <a:stretch>
+            <a:fillRect/>
+          </a:stretch>
+        </p:blipFill>
+        <p:spPr>
+          <a:xfrm>
+            <a:off x="3311525" y="2530651"/>
+            <a:ext cx="3452283" cy="898348"/>
+          </a:xfrm>
+          <a:prstGeom prst="rect">
+            <a:avLst/>
+          </a:prstGeom>
+        </p:spPr>
+      </p:pic>
+      <p:pic>
+        <p:nvPicPr>
+          <p:cNvPr id="7" name=""/>
+          <p:cNvPicPr>
+            <a:picLocks noChangeAspect="1"/>
+          </p:cNvPicPr>
+          <p:nvPr/>
+        </p:nvPicPr>
+        <p:blipFill rotWithShape="1">
+          <a:blip r:embed="rId5"/>
+          <a:stretch>
+            <a:fillRect/>
+          </a:stretch>
+        </p:blipFill>
+        <p:spPr>
+          <a:xfrm>
+            <a:off x="3199871" y="4528784"/>
+            <a:ext cx="3305175" cy="1010707"/>
+          </a:xfrm>
+          <a:prstGeom prst="rect">
+            <a:avLst/>
+          </a:prstGeom>
+        </p:spPr>
+      </p:pic>
+    </p:spTree>
+  </p:cSld>
+  <p:clrMapOvr>
+    <a:masterClrMapping/>
+  </p:clrMapOvr>
+  <mc:AlternateContent xmlns:mc="http://schemas.openxmlformats.org/markup-compatibility/2006">
+    <mc:Choice xmlns:p14="http://schemas.microsoft.com/office/powerpoint/2010/main" Requires="p14">
+      <p:transition xmlns:mc="http://schemas.openxmlformats.org/markup-compatibility/2006" xmlns:p14="http://schemas.microsoft.com/office/powerpoint/2010/main" mc:Ignorable="p14" p14:dur="500"/>
+    </mc:Choice>
+    <mc:Fallback>
+      <p:transition/>
+    </mc:Fallback>
+  </mc:AlternateContent>
+</p:sld>
+</file>
+
+<file path=ppt/slides/slide5.xml><?xml version="1.0" encoding="utf-8"?>
 <p:sld xmlns:a="http://schemas.openxmlformats.org/drawingml/2006/main" xmlns:r="http://schemas.openxmlformats.org/officeDocument/2006/relationships" xmlns:p="http://schemas.openxmlformats.org/presentationml/2006/main">
   <p:cSld>
     <p:bg>
@@ -7617,7 +11232,7 @@
 </p:sld>
 </file>
 
-<file path=ppt/slides/slide5.xml><?xml version="1.0" encoding="utf-8"?>
+<file path=ppt/slides/slide6.xml><?xml version="1.0" encoding="utf-8"?>
 <p:sld xmlns:a="http://schemas.openxmlformats.org/drawingml/2006/main" xmlns:r="http://schemas.openxmlformats.org/officeDocument/2006/relationships" xmlns:p="http://schemas.openxmlformats.org/presentationml/2006/main">
   <p:cSld>
     <p:spTree>
@@ -7987,7 +11602,341 @@
 </p:sld>
 </file>
 
-<file path=ppt/slides/slide6.xml><?xml version="1.0" encoding="utf-8"?>
+<file path=ppt/slides/slide7.xml><?xml version="1.0" encoding="utf-8"?>
+<p:sld xmlns:r="http://schemas.openxmlformats.org/officeDocument/2006/relationships" xmlns:c="http://schemas.openxmlformats.org/drawingml/2006/chart" xmlns:a="http://schemas.openxmlformats.org/drawingml/2006/main" xmlns:dgm="http://schemas.openxmlformats.org/drawingml/2006/diagram" xmlns:dsp="http://schemas.microsoft.com/office/drawing/2008/diagram" xmlns:p="http://schemas.openxmlformats.org/presentationml/2006/main">
+  <p:cSld>
+    <p:spTree>
+      <p:nvGrpSpPr>
+        <p:cNvPr id="1" name=""/>
+        <p:cNvGrpSpPr/>
+        <p:nvPr/>
+      </p:nvGrpSpPr>
+      <p:grpSpPr>
+        <a:xfrm>
+          <a:off x="0" y="0"/>
+          <a:ext cx="0" cy="0"/>
+          <a:chOff x="0" y="0"/>
+          <a:chExt cx="0" cy="0"/>
+        </a:xfrm>
+      </p:grpSpPr>
+      <p:sp>
+        <p:nvSpPr>
+          <p:cNvPr id="2" name="Title 1"/>
+          <p:cNvSpPr>
+            <a:spLocks noGrp="1"/>
+          </p:cNvSpPr>
+          <p:nvPr>
+            <p:ph type="title" idx="0"/>
+          </p:nvPr>
+        </p:nvSpPr>
+        <p:spPr/>
+        <p:txBody>
+          <a:bodyPr/>
+          <a:lstStyle/>
+          <a:p>
+            <a:pPr>
+              <a:defRPr/>
+            </a:pPr>
+            <a:r>
+              <a:rPr lang="ko-KR" altLang="en-US"/>
+              <a:t>프로젝트 진행과정</a:t>
+            </a:r>
+            <a:endParaRPr lang="ko-KR" altLang="en-US"/>
+          </a:p>
+        </p:txBody>
+      </p:sp>
+      <p:graphicFrame>
+        <p:nvGraphicFramePr>
+          <p:cNvPr id="3" name=""/>
+          <p:cNvGraphicFramePr>
+            <a:graphicFrameLocks noGrp="1"/>
+          </p:cNvGraphicFramePr>
+          <p:nvPr/>
+        </p:nvGraphicFramePr>
+        <p:xfrm>
+          <a:off x="1802694" y="2687320"/>
+          <a:ext cx="8128000" cy="1470660"/>
+        </p:xfrm>
+        <a:graphic>
+          <a:graphicData uri="http://schemas.openxmlformats.org/drawingml/2006/table">
+            <a:tbl>
+              <a:tblPr firstRow="1" bandRow="1">
+                <a:tableStyleId>{01A66EDD-3DAB-4C5B-A090-DC80EC1FD486}</a:tableStyleId>
+              </a:tblPr>
+              <a:tblGrid>
+                <a:gridCol w="788458"/>
+                <a:gridCol w="1132416"/>
+                <a:gridCol w="6207125"/>
+              </a:tblGrid>
+              <a:tr h="185420">
+                <a:tc>
+                  <a:txBody>
+                    <a:bodyPr vert="horz" wrap="square" lIns="91440" tIns="45720" rIns="91440" bIns="45720" anchor="t" anchorCtr="0">
+                      <a:spAutoFit/>
+                    </a:bodyPr>
+                    <a:p>
+                      <a:pPr>
+                        <a:defRPr/>
+                      </a:pPr>
+                      <a:r>
+                        <a:rPr lang="en-US" altLang="ko-KR"/>
+                        <a:t>1</a:t>
+                      </a:r>
+                      <a:r>
+                        <a:rPr lang="ko-KR" altLang="en-US"/>
+                        <a:t>차</a:t>
+                      </a:r>
+                      <a:endParaRPr lang="ko-KR" altLang="en-US"/>
+                    </a:p>
+                  </a:txBody>
+                  <a:tcPr marL="91440" marR="91440"/>
+                </a:tc>
+                <a:tc>
+                  <a:txBody>
+                    <a:bodyPr vert="horz" wrap="square" lIns="91440" tIns="45720" rIns="91440" bIns="45720" anchor="t" anchorCtr="0">
+                      <a:spAutoFit/>
+                    </a:bodyPr>
+                    <a:p>
+                      <a:pPr>
+                        <a:defRPr/>
+                      </a:pPr>
+                      <a:r>
+                        <a:rPr lang="en-US" altLang="ko-KR"/>
+                        <a:t>23.05.13</a:t>
+                      </a:r>
+                      <a:endParaRPr lang="en-US" altLang="ko-KR"/>
+                    </a:p>
+                  </a:txBody>
+                  <a:tcPr marL="91440" marR="91440"/>
+                </a:tc>
+                <a:tc>
+                  <a:txBody>
+                    <a:bodyPr vert="horz" wrap="square" lIns="91440" tIns="45720" rIns="91440" bIns="45720" anchor="t" anchorCtr="0">
+                      <a:spAutoFit/>
+                    </a:bodyPr>
+                    <a:p>
+                      <a:pPr>
+                        <a:defRPr/>
+                      </a:pPr>
+                      <a:r>
+                        <a:rPr lang="ko-KR" altLang="en-US"/>
+                        <a:t>스토리 보드 초안 </a:t>
+                      </a:r>
+                      <a:endParaRPr lang="ko-KR" altLang="en-US"/>
+                    </a:p>
+                  </a:txBody>
+                  <a:tcPr marL="91440" marR="91440"/>
+                </a:tc>
+              </a:tr>
+              <a:tr h="185420">
+                <a:tc>
+                  <a:txBody>
+                    <a:bodyPr vert="horz" wrap="square" lIns="91440" tIns="45720" rIns="91440" bIns="45720" anchor="t" anchorCtr="0">
+                      <a:spAutoFit/>
+                    </a:bodyPr>
+                    <a:p>
+                      <a:pPr>
+                        <a:defRPr/>
+                      </a:pPr>
+                      <a:r>
+                        <a:rPr lang="en-US" altLang="ko-KR"/>
+                        <a:t>2</a:t>
+                      </a:r>
+                      <a:r>
+                        <a:rPr lang="ko-KR" altLang="en-US"/>
+                        <a:t>차</a:t>
+                      </a:r>
+                      <a:endParaRPr lang="ko-KR" altLang="en-US"/>
+                    </a:p>
+                  </a:txBody>
+                  <a:tcPr marL="91440" marR="91440"/>
+                </a:tc>
+                <a:tc>
+                  <a:txBody>
+                    <a:bodyPr vert="horz" wrap="square" lIns="91440" tIns="45720" rIns="91440" bIns="45720" anchor="t" anchorCtr="0">
+                      <a:spAutoFit/>
+                    </a:bodyPr>
+                    <a:p>
+                      <a:pPr>
+                        <a:defRPr/>
+                      </a:pPr>
+                      <a:r>
+                        <a:rPr lang="en-US" altLang="ko-KR"/>
+                        <a:t>23.06.10</a:t>
+                      </a:r>
+                      <a:endParaRPr lang="en-US" altLang="ko-KR"/>
+                    </a:p>
+                  </a:txBody>
+                  <a:tcPr marL="91440" marR="91440"/>
+                </a:tc>
+                <a:tc>
+                  <a:txBody>
+                    <a:bodyPr vert="horz" wrap="square" lIns="91440" tIns="45720" rIns="91440" bIns="45720" anchor="t" anchorCtr="0">
+                      <a:spAutoFit/>
+                    </a:bodyPr>
+                    <a:p>
+                      <a:pPr>
+                        <a:defRPr/>
+                      </a:pPr>
+                      <a:r>
+                        <a:rPr lang="ko-KR" altLang="en-US"/>
+                        <a:t>메인페이지 구현 및 초안</a:t>
+                      </a:r>
+                      <a:endParaRPr lang="ko-KR" altLang="en-US"/>
+                    </a:p>
+                  </a:txBody>
+                  <a:tcPr marL="91440" marR="91440"/>
+                </a:tc>
+              </a:tr>
+              <a:tr h="185420">
+                <a:tc>
+                  <a:txBody>
+                    <a:bodyPr vert="horz" wrap="square" lIns="91440" tIns="45720" rIns="91440" bIns="45720" anchor="t" anchorCtr="0">
+                      <a:spAutoFit/>
+                    </a:bodyPr>
+                    <a:p>
+                      <a:pPr>
+                        <a:defRPr/>
+                      </a:pPr>
+                      <a:r>
+                        <a:rPr lang="en-US" altLang="ko-KR"/>
+                        <a:t>3</a:t>
+                      </a:r>
+                      <a:r>
+                        <a:rPr lang="ko-KR" altLang="en-US"/>
+                        <a:t>차</a:t>
+                      </a:r>
+                      <a:endParaRPr lang="ko-KR" altLang="en-US"/>
+                    </a:p>
+                  </a:txBody>
+                  <a:tcPr marL="91440" marR="91440"/>
+                </a:tc>
+                <a:tc>
+                  <a:txBody>
+                    <a:bodyPr vert="horz" wrap="square" lIns="91440" tIns="45720" rIns="91440" bIns="45720" anchor="t" anchorCtr="0">
+                      <a:spAutoFit/>
+                    </a:bodyPr>
+                    <a:p>
+                      <a:pPr>
+                        <a:defRPr/>
+                      </a:pPr>
+                      <a:r>
+                        <a:rPr lang="en-US" altLang="ko-KR"/>
+                        <a:t>23.06.30</a:t>
+                      </a:r>
+                      <a:endParaRPr lang="en-US" altLang="ko-KR"/>
+                    </a:p>
+                  </a:txBody>
+                  <a:tcPr marL="91440" marR="91440"/>
+                </a:tc>
+                <a:tc>
+                  <a:txBody>
+                    <a:bodyPr vert="horz" wrap="square" lIns="91440" tIns="45720" rIns="91440" bIns="45720" anchor="t" anchorCtr="0">
+                      <a:spAutoFit/>
+                    </a:bodyPr>
+                    <a:p>
+                      <a:pPr>
+                        <a:defRPr/>
+                      </a:pPr>
+                      <a:r>
+                        <a:rPr lang="ko-KR" altLang="en-US"/>
+                        <a:t>메인페이지 수정 및 </a:t>
+                      </a:r>
+                      <a:r>
+                        <a:rPr lang="en-US" altLang="ko-KR"/>
+                        <a:t>1</a:t>
+                      </a:r>
+                      <a:r>
+                        <a:rPr lang="ko-KR" altLang="en-US"/>
+                        <a:t>차 완성</a:t>
+                      </a:r>
+                      <a:endParaRPr lang="ko-KR" altLang="en-US"/>
+                    </a:p>
+                  </a:txBody>
+                  <a:tcPr marL="91440" marR="91440"/>
+                </a:tc>
+              </a:tr>
+              <a:tr h="185420">
+                <a:tc>
+                  <a:txBody>
+                    <a:bodyPr vert="horz" wrap="square" lIns="91440" tIns="45720" rIns="91440" bIns="45720" anchor="t" anchorCtr="0">
+                      <a:spAutoFit/>
+                    </a:bodyPr>
+                    <a:p>
+                      <a:pPr>
+                        <a:defRPr/>
+                      </a:pPr>
+                      <a:r>
+                        <a:rPr lang="en-US" altLang="ko-KR"/>
+                        <a:t>4</a:t>
+                      </a:r>
+                      <a:r>
+                        <a:rPr lang="ko-KR" altLang="en-US"/>
+                        <a:t>차</a:t>
+                      </a:r>
+                      <a:endParaRPr lang="ko-KR" altLang="en-US"/>
+                    </a:p>
+                  </a:txBody>
+                  <a:tcPr marL="91440" marR="91440"/>
+                </a:tc>
+                <a:tc>
+                  <a:txBody>
+                    <a:bodyPr vert="horz" wrap="square" lIns="91440" tIns="45720" rIns="91440" bIns="45720" anchor="t" anchorCtr="0">
+                      <a:spAutoFit/>
+                    </a:bodyPr>
+                    <a:p>
+                      <a:pPr>
+                        <a:defRPr/>
+                      </a:pPr>
+                      <a:r>
+                        <a:rPr lang="en-US" altLang="ko-KR"/>
+                        <a:t>23.07.02</a:t>
+                      </a:r>
+                      <a:endParaRPr lang="en-US" altLang="ko-KR"/>
+                    </a:p>
+                  </a:txBody>
+                  <a:tcPr marL="91440" marR="91440"/>
+                </a:tc>
+                <a:tc>
+                  <a:txBody>
+                    <a:bodyPr vert="horz" wrap="square" lIns="91440" tIns="45720" rIns="91440" bIns="45720" anchor="t" anchorCtr="0">
+                      <a:spAutoFit/>
+                    </a:bodyPr>
+                    <a:p>
+                      <a:pPr>
+                        <a:defRPr/>
+                      </a:pPr>
+                      <a:r>
+                        <a:rPr lang="ko-KR" altLang="en-US"/>
+                        <a:t>로그인 페이지 완성</a:t>
+                      </a:r>
+                      <a:endParaRPr lang="ko-KR" altLang="en-US"/>
+                    </a:p>
+                  </a:txBody>
+                  <a:tcPr marL="91440" marR="91440"/>
+                </a:tc>
+              </a:tr>
+            </a:tbl>
+          </a:graphicData>
+        </a:graphic>
+      </p:graphicFrame>
+    </p:spTree>
+  </p:cSld>
+  <p:clrMapOvr>
+    <a:masterClrMapping/>
+  </p:clrMapOvr>
+  <mc:AlternateContent xmlns:mc="http://schemas.openxmlformats.org/markup-compatibility/2006">
+    <mc:Choice xmlns:p14="http://schemas.microsoft.com/office/powerpoint/2010/main" Requires="p14">
+      <p:transition xmlns:mc="http://schemas.openxmlformats.org/markup-compatibility/2006" xmlns:p14="http://schemas.microsoft.com/office/powerpoint/2010/main" mc:Ignorable="p14" p14:dur="500"/>
+    </mc:Choice>
+    <mc:Fallback>
+      <p:transition/>
+    </mc:Fallback>
+  </mc:AlternateContent>
+</p:sld>
+</file>
+
+<file path=ppt/slides/slide8.xml><?xml version="1.0" encoding="utf-8"?>
 <p:sld xmlns:a="http://schemas.openxmlformats.org/drawingml/2006/main" xmlns:r="http://schemas.openxmlformats.org/officeDocument/2006/relationships" xmlns:p="http://schemas.openxmlformats.org/presentationml/2006/main">
   <p:cSld>
     <p:spTree>
@@ -8889,7 +12838,7 @@
 </p:sld>
 </file>
 
-<file path=ppt/slides/slide7.xml><?xml version="1.0" encoding="utf-8"?>
+<file path=ppt/slides/slide9.xml><?xml version="1.0" encoding="utf-8"?>
 <p:sld xmlns:a="http://schemas.openxmlformats.org/drawingml/2006/main" xmlns:r="http://schemas.openxmlformats.org/officeDocument/2006/relationships" xmlns:p="http://schemas.openxmlformats.org/presentationml/2006/main">
   <p:cSld>
     <p:spTree>
@@ -11234,2744 +15183,56 @@
 </p:sld>
 </file>
 
-<file path=ppt/slides/slide8.xml><?xml version="1.0" encoding="utf-8"?>
-<p:sld xmlns:a="http://schemas.openxmlformats.org/drawingml/2006/main" xmlns:r="http://schemas.openxmlformats.org/officeDocument/2006/relationships" xmlns:p="http://schemas.openxmlformats.org/presentationml/2006/main">
-  <p:cSld>
-    <p:spTree>
-      <p:nvGrpSpPr>
-        <p:cNvPr id="1" name=""/>
-        <p:cNvGrpSpPr/>
-        <p:nvPr/>
-      </p:nvGrpSpPr>
-      <p:grpSpPr>
-        <a:xfrm>
-          <a:off x="0" y="0"/>
-          <a:ext cx="0" cy="0"/>
-          <a:chOff x="0" y="0"/>
-          <a:chExt cx="0" cy="0"/>
-        </a:xfrm>
-      </p:grpSpPr>
-      <p:sp>
-        <p:nvSpPr>
-          <p:cNvPr id="9" name="직사각형 8"/>
-          <p:cNvSpPr/>
-          <p:nvPr/>
-        </p:nvSpPr>
-        <p:spPr>
-          <a:xfrm>
-            <a:off x="822036" y="711199"/>
-            <a:ext cx="1071419" cy="757383"/>
-          </a:xfrm>
-          <a:prstGeom prst="rect">
-            <a:avLst/>
-          </a:prstGeom>
-        </p:spPr>
-        <p:style>
-          <a:lnRef idx="2">
-            <a:schemeClr val="dk1"/>
-          </a:lnRef>
-          <a:fillRef idx="1">
-            <a:schemeClr val="lt1"/>
-          </a:fillRef>
-          <a:effectRef idx="0">
-            <a:schemeClr val="dk1"/>
-          </a:effectRef>
-          <a:fontRef idx="minor">
-            <a:schemeClr val="dk1"/>
-          </a:fontRef>
-        </p:style>
-        <p:txBody>
-          <a:bodyPr rtlCol="0" anchor="ctr"/>
-          <a:lstStyle/>
-          <a:p>
-            <a:r>
-              <a:rPr lang="en-US" altLang="ko-KR" b="1" dirty="0" smtClean="0">
-                <a:solidFill>
-                  <a:schemeClr val="accent4"/>
-                </a:solidFill>
-              </a:rPr>
-              <a:t> c Book</a:t>
-            </a:r>
-          </a:p>
-          <a:p>
-            <a:r>
-              <a:rPr lang="en-US" altLang="ko-KR" b="1" dirty="0" smtClean="0">
-                <a:solidFill>
-                  <a:schemeClr val="accent4"/>
-                </a:solidFill>
-              </a:rPr>
-              <a:t> (</a:t>
-            </a:r>
-            <a:r>
-              <a:rPr lang="ko-KR" altLang="en-US" b="1" dirty="0" smtClean="0">
-                <a:solidFill>
-                  <a:schemeClr val="accent4"/>
-                </a:solidFill>
-              </a:rPr>
-              <a:t>로고</a:t>
-            </a:r>
-            <a:r>
-              <a:rPr lang="en-US" altLang="ko-KR" b="1" dirty="0" smtClean="0">
-                <a:solidFill>
-                  <a:schemeClr val="accent4"/>
-                </a:solidFill>
-              </a:rPr>
-              <a:t>)</a:t>
-            </a:r>
-            <a:endParaRPr lang="ko-KR" altLang="en-US" b="1" dirty="0">
-              <a:solidFill>
-                <a:schemeClr val="accent4"/>
-              </a:solidFill>
-            </a:endParaRPr>
-          </a:p>
-        </p:txBody>
-      </p:sp>
-      <p:sp>
-        <p:nvSpPr>
-          <p:cNvPr id="10" name="직사각형 9"/>
-          <p:cNvSpPr/>
-          <p:nvPr/>
-        </p:nvSpPr>
-        <p:spPr>
-          <a:xfrm>
-            <a:off x="2004291" y="724932"/>
-            <a:ext cx="9347200" cy="757383"/>
-          </a:xfrm>
-          <a:prstGeom prst="rect">
-            <a:avLst/>
-          </a:prstGeom>
-          <a:solidFill>
-            <a:schemeClr val="accent1">
-              <a:alpha val="0"/>
-            </a:schemeClr>
-          </a:solidFill>
-          <a:ln>
-            <a:solidFill>
-              <a:schemeClr val="tx1"/>
-            </a:solidFill>
-          </a:ln>
-        </p:spPr>
-        <p:style>
-          <a:lnRef idx="2">
-            <a:schemeClr val="accent1">
-              <a:shade val="50000"/>
-            </a:schemeClr>
-          </a:lnRef>
-          <a:fillRef idx="1">
-            <a:schemeClr val="accent1"/>
-          </a:fillRef>
-          <a:effectRef idx="0">
-            <a:schemeClr val="accent1"/>
-          </a:effectRef>
-          <a:fontRef idx="minor">
-            <a:schemeClr val="lt1"/>
-          </a:fontRef>
-        </p:style>
-        <p:txBody>
-          <a:bodyPr rtlCol="0" anchor="ctr"/>
-          <a:lstStyle/>
-          <a:p>
-            <a:pPr algn="ctr"/>
-            <a:endParaRPr lang="ko-KR" altLang="en-US" dirty="0"/>
-          </a:p>
-        </p:txBody>
-      </p:sp>
-      <p:sp>
-        <p:nvSpPr>
-          <p:cNvPr id="11" name="TextBox 10"/>
-          <p:cNvSpPr txBox="1"/>
-          <p:nvPr/>
-        </p:nvSpPr>
-        <p:spPr>
-          <a:xfrm>
-            <a:off x="9125527" y="724932"/>
-            <a:ext cx="1570182" cy="276999"/>
-          </a:xfrm>
-          <a:prstGeom prst="rect">
-            <a:avLst/>
-          </a:prstGeom>
-          <a:noFill/>
-          <a:ln>
-            <a:solidFill>
-              <a:schemeClr val="tx1"/>
-            </a:solidFill>
-          </a:ln>
-        </p:spPr>
-        <p:txBody>
-          <a:bodyPr wrap="square" rtlCol="0">
-            <a:spAutoFit/>
-          </a:bodyPr>
-          <a:lstStyle/>
-          <a:p>
-            <a:r>
-              <a:rPr lang="ko-KR" altLang="en-US" sz="1200" dirty="0" smtClean="0"/>
-              <a:t>로그인 및 회원가입</a:t>
-            </a:r>
-            <a:endParaRPr lang="ko-KR" altLang="en-US" sz="1200" dirty="0"/>
-          </a:p>
-        </p:txBody>
-      </p:sp>
-      <p:sp>
-        <p:nvSpPr>
-          <p:cNvPr id="12" name="직사각형 11"/>
-          <p:cNvSpPr/>
-          <p:nvPr/>
-        </p:nvSpPr>
-        <p:spPr>
-          <a:xfrm>
-            <a:off x="10695709" y="724932"/>
-            <a:ext cx="655782" cy="471055"/>
-          </a:xfrm>
-          <a:prstGeom prst="rect">
-            <a:avLst/>
-          </a:prstGeom>
-          <a:solidFill>
-            <a:schemeClr val="tx1">
-              <a:alpha val="0"/>
-            </a:schemeClr>
-          </a:solidFill>
-        </p:spPr>
-        <p:style>
-          <a:lnRef idx="2">
-            <a:schemeClr val="accent1">
-              <a:shade val="50000"/>
-            </a:schemeClr>
-          </a:lnRef>
-          <a:fillRef idx="1">
-            <a:schemeClr val="accent1"/>
-          </a:fillRef>
-          <a:effectRef idx="0">
-            <a:schemeClr val="accent1"/>
-          </a:effectRef>
-          <a:fontRef idx="minor">
-            <a:schemeClr val="lt1"/>
-          </a:fontRef>
-        </p:style>
-        <p:txBody>
-          <a:bodyPr rtlCol="0" anchor="ctr"/>
-          <a:lstStyle/>
-          <a:p>
-            <a:pPr algn="ctr"/>
-            <a:r>
-              <a:rPr lang="ko-KR" altLang="en-US" sz="1600" b="1" dirty="0" smtClean="0">
-                <a:solidFill>
-                  <a:schemeClr val="tx1"/>
-                </a:solidFill>
-              </a:rPr>
-              <a:t>메뉴</a:t>
-            </a:r>
-            <a:endParaRPr lang="ko-KR" altLang="en-US" sz="1600" b="1" dirty="0">
-              <a:solidFill>
-                <a:schemeClr val="tx1"/>
-              </a:solidFill>
-            </a:endParaRPr>
-          </a:p>
-        </p:txBody>
-      </p:sp>
-      <p:sp>
-        <p:nvSpPr>
-          <p:cNvPr id="13" name="모서리가 둥근 직사각형 12"/>
-          <p:cNvSpPr/>
-          <p:nvPr/>
-        </p:nvSpPr>
-        <p:spPr>
-          <a:xfrm>
-            <a:off x="1237673" y="2115127"/>
-            <a:ext cx="9809018" cy="1228436"/>
-          </a:xfrm>
-          <a:prstGeom prst="roundRect">
-            <a:avLst/>
-          </a:prstGeom>
-          <a:solidFill>
-            <a:schemeClr val="accent6">
-              <a:alpha val="63000"/>
-            </a:schemeClr>
-          </a:solidFill>
-          <a:ln>
-            <a:solidFill>
-              <a:schemeClr val="accent4"/>
-            </a:solidFill>
-          </a:ln>
-        </p:spPr>
-        <p:style>
-          <a:lnRef idx="2">
-            <a:schemeClr val="accent1">
-              <a:shade val="50000"/>
-            </a:schemeClr>
-          </a:lnRef>
-          <a:fillRef idx="1">
-            <a:schemeClr val="accent1"/>
-          </a:fillRef>
-          <a:effectRef idx="0">
-            <a:schemeClr val="accent1"/>
-          </a:effectRef>
-          <a:fontRef idx="minor">
-            <a:schemeClr val="lt1"/>
-          </a:fontRef>
-        </p:style>
-        <p:txBody>
-          <a:bodyPr rtlCol="0" anchor="ctr"/>
-          <a:lstStyle/>
-          <a:p>
-            <a:pPr algn="ctr"/>
-            <a:r>
-              <a:rPr lang="ko-KR" altLang="en-US" dirty="0" smtClean="0">
-                <a:solidFill>
-                  <a:schemeClr val="accent4"/>
-                </a:solidFill>
-              </a:rPr>
-              <a:t>베스트 셀러</a:t>
-            </a:r>
-            <a:endParaRPr lang="ko-KR" altLang="en-US" dirty="0">
-              <a:solidFill>
-                <a:schemeClr val="accent4"/>
-              </a:solidFill>
-            </a:endParaRPr>
-          </a:p>
-        </p:txBody>
-      </p:sp>
-      <p:sp>
-        <p:nvSpPr>
-          <p:cNvPr id="14" name="모서리가 둥근 직사각형 13"/>
-          <p:cNvSpPr/>
-          <p:nvPr/>
-        </p:nvSpPr>
-        <p:spPr>
-          <a:xfrm>
-            <a:off x="1237673" y="3763818"/>
-            <a:ext cx="9809018" cy="1228436"/>
-          </a:xfrm>
-          <a:prstGeom prst="roundRect">
-            <a:avLst/>
-          </a:prstGeom>
-          <a:solidFill>
-            <a:schemeClr val="accent6">
-              <a:alpha val="63000"/>
-            </a:schemeClr>
-          </a:solidFill>
-          <a:ln>
-            <a:solidFill>
-              <a:schemeClr val="accent4"/>
-            </a:solidFill>
-          </a:ln>
-        </p:spPr>
-        <p:style>
-          <a:lnRef idx="2">
-            <a:schemeClr val="accent1">
-              <a:shade val="50000"/>
-            </a:schemeClr>
-          </a:lnRef>
-          <a:fillRef idx="1">
-            <a:schemeClr val="accent1"/>
-          </a:fillRef>
-          <a:effectRef idx="0">
-            <a:schemeClr val="accent1"/>
-          </a:effectRef>
-          <a:fontRef idx="minor">
-            <a:schemeClr val="lt1"/>
-          </a:fontRef>
-        </p:style>
-        <p:txBody>
-          <a:bodyPr rtlCol="0" anchor="ctr"/>
-          <a:lstStyle/>
-          <a:p>
-            <a:pPr algn="ctr"/>
-            <a:r>
-              <a:rPr lang="ko-KR" altLang="en-US" dirty="0" smtClean="0">
-                <a:solidFill>
-                  <a:schemeClr val="accent4"/>
-                </a:solidFill>
-              </a:rPr>
-              <a:t>사용자 추천도서</a:t>
-            </a:r>
-            <a:endParaRPr lang="en-US" altLang="ko-KR" dirty="0" smtClean="0">
-              <a:solidFill>
-                <a:schemeClr val="accent4"/>
-              </a:solidFill>
-            </a:endParaRPr>
-          </a:p>
-          <a:p>
-            <a:pPr algn="ctr"/>
-            <a:r>
-              <a:rPr lang="en-US" altLang="ko-KR" sz="1000" dirty="0" smtClean="0">
-                <a:solidFill>
-                  <a:schemeClr val="accent4"/>
-                </a:solidFill>
-              </a:rPr>
-              <a:t>(</a:t>
-            </a:r>
-            <a:r>
-              <a:rPr lang="ko-KR" altLang="en-US" sz="1000" dirty="0" smtClean="0">
-                <a:solidFill>
-                  <a:schemeClr val="accent4"/>
-                </a:solidFill>
-              </a:rPr>
-              <a:t>데이터를 기반한 사용자의 취향</a:t>
-            </a:r>
-            <a:r>
-              <a:rPr lang="en-US" altLang="ko-KR" sz="1000" dirty="0" smtClean="0">
-                <a:solidFill>
-                  <a:schemeClr val="accent4"/>
-                </a:solidFill>
-              </a:rPr>
-              <a:t>)</a:t>
-            </a:r>
-            <a:endParaRPr lang="ko-KR" altLang="en-US" sz="1000" dirty="0">
-              <a:solidFill>
-                <a:schemeClr val="accent4"/>
-              </a:solidFill>
-            </a:endParaRPr>
-          </a:p>
-        </p:txBody>
-      </p:sp>
-      <p:grpSp>
-        <p:nvGrpSpPr>
-          <p:cNvPr id="29" name="그룹 28"/>
-          <p:cNvGrpSpPr/>
-          <p:nvPr/>
-        </p:nvGrpSpPr>
-        <p:grpSpPr>
-          <a:xfrm>
-            <a:off x="2880000" y="1052196"/>
-            <a:ext cx="6720271" cy="360921"/>
-            <a:chOff x="2131854" y="1049378"/>
-            <a:chExt cx="6720271" cy="433014"/>
-          </a:xfrm>
-        </p:grpSpPr>
-        <p:sp>
-          <p:nvSpPr>
-            <p:cNvPr id="17" name="직사각형 16"/>
-            <p:cNvSpPr/>
-            <p:nvPr/>
-          </p:nvSpPr>
-          <p:spPr>
-            <a:xfrm>
-              <a:off x="2131854" y="1082736"/>
-              <a:ext cx="914400" cy="397168"/>
-            </a:xfrm>
-            <a:prstGeom prst="rect">
-              <a:avLst/>
-            </a:prstGeom>
-            <a:solidFill>
-              <a:schemeClr val="accent6">
-                <a:alpha val="41000"/>
-              </a:schemeClr>
-            </a:solidFill>
-            <a:ln>
-              <a:solidFill>
-                <a:schemeClr val="accent4"/>
-              </a:solidFill>
-            </a:ln>
-            <a:effectLst>
-              <a:outerShdw blurRad="1270000" sx="1000" sy="1000" algn="ctr" rotWithShape="0">
-                <a:srgbClr val="000000">
-                  <a:alpha val="43137"/>
-                </a:srgbClr>
-              </a:outerShdw>
-            </a:effectLst>
-          </p:spPr>
-          <p:style>
-            <a:lnRef idx="2">
-              <a:schemeClr val="accent1">
-                <a:shade val="50000"/>
-              </a:schemeClr>
-            </a:lnRef>
-            <a:fillRef idx="1">
-              <a:schemeClr val="accent1"/>
-            </a:fillRef>
-            <a:effectRef idx="0">
-              <a:schemeClr val="accent1"/>
-            </a:effectRef>
-            <a:fontRef idx="minor">
-              <a:schemeClr val="lt1"/>
-            </a:fontRef>
-          </p:style>
-          <p:txBody>
-            <a:bodyPr rtlCol="0" anchor="ctr"/>
-            <a:lstStyle/>
-            <a:p>
-              <a:pPr algn="ctr"/>
-              <a:r>
-                <a:rPr lang="ko-KR" altLang="en-US" sz="900" b="1" dirty="0" smtClean="0">
-                  <a:solidFill>
-                    <a:schemeClr val="tx1"/>
-                  </a:solidFill>
-                </a:rPr>
-                <a:t>메인카테고리</a:t>
-              </a:r>
-              <a:endParaRPr lang="ko-KR" altLang="en-US" sz="900" b="1" dirty="0">
-                <a:solidFill>
-                  <a:schemeClr val="tx1"/>
-                </a:solidFill>
-              </a:endParaRPr>
-            </a:p>
-          </p:txBody>
-        </p:sp>
-        <p:sp>
-          <p:nvSpPr>
-            <p:cNvPr id="24" name="직사각형 23"/>
-            <p:cNvSpPr/>
-            <p:nvPr/>
-          </p:nvSpPr>
-          <p:spPr>
-            <a:xfrm>
-              <a:off x="3243118" y="1085224"/>
-              <a:ext cx="914400" cy="397168"/>
-            </a:xfrm>
-            <a:prstGeom prst="rect">
-              <a:avLst/>
-            </a:prstGeom>
-            <a:solidFill>
-              <a:schemeClr val="accent6">
-                <a:alpha val="41000"/>
-              </a:schemeClr>
-            </a:solidFill>
-            <a:ln>
-              <a:solidFill>
-                <a:schemeClr val="accent4"/>
-              </a:solidFill>
-            </a:ln>
-            <a:effectLst>
-              <a:outerShdw blurRad="1270000" sx="1000" sy="1000" algn="ctr" rotWithShape="0">
-                <a:srgbClr val="000000">
-                  <a:alpha val="43137"/>
-                </a:srgbClr>
-              </a:outerShdw>
-            </a:effectLst>
-          </p:spPr>
-          <p:style>
-            <a:lnRef idx="2">
-              <a:schemeClr val="accent1">
-                <a:shade val="50000"/>
-              </a:schemeClr>
-            </a:lnRef>
-            <a:fillRef idx="1">
-              <a:schemeClr val="accent1"/>
-            </a:fillRef>
-            <a:effectRef idx="0">
-              <a:schemeClr val="accent1"/>
-            </a:effectRef>
-            <a:fontRef idx="minor">
-              <a:schemeClr val="lt1"/>
-            </a:fontRef>
-          </p:style>
-          <p:txBody>
-            <a:bodyPr rtlCol="0" anchor="ctr"/>
-            <a:lstStyle/>
-            <a:p>
-              <a:pPr algn="ctr"/>
-              <a:r>
-                <a:rPr lang="ko-KR" altLang="en-US" sz="900" b="1" dirty="0" smtClean="0">
-                  <a:solidFill>
-                    <a:schemeClr val="tx1"/>
-                  </a:solidFill>
-                </a:rPr>
-                <a:t>메인카테고리</a:t>
-              </a:r>
-              <a:endParaRPr lang="ko-KR" altLang="en-US" sz="900" b="1" dirty="0">
-                <a:solidFill>
-                  <a:schemeClr val="tx1"/>
-                </a:solidFill>
-              </a:endParaRPr>
-            </a:p>
-          </p:txBody>
-        </p:sp>
-        <p:sp>
-          <p:nvSpPr>
-            <p:cNvPr id="25" name="직사각형 24"/>
-            <p:cNvSpPr/>
-            <p:nvPr/>
-          </p:nvSpPr>
-          <p:spPr>
-            <a:xfrm>
-              <a:off x="5569525" y="1072803"/>
-              <a:ext cx="914400" cy="397168"/>
-            </a:xfrm>
-            <a:prstGeom prst="rect">
-              <a:avLst/>
-            </a:prstGeom>
-            <a:solidFill>
-              <a:schemeClr val="accent6">
-                <a:alpha val="41000"/>
-              </a:schemeClr>
-            </a:solidFill>
-            <a:ln>
-              <a:solidFill>
-                <a:schemeClr val="accent4"/>
-              </a:solidFill>
-            </a:ln>
-            <a:effectLst>
-              <a:outerShdw blurRad="1270000" sx="1000" sy="1000" algn="ctr" rotWithShape="0">
-                <a:srgbClr val="000000">
-                  <a:alpha val="43137"/>
-                </a:srgbClr>
-              </a:outerShdw>
-            </a:effectLst>
-          </p:spPr>
-          <p:style>
-            <a:lnRef idx="2">
-              <a:schemeClr val="accent1">
-                <a:shade val="50000"/>
-              </a:schemeClr>
-            </a:lnRef>
-            <a:fillRef idx="1">
-              <a:schemeClr val="accent1"/>
-            </a:fillRef>
-            <a:effectRef idx="0">
-              <a:schemeClr val="accent1"/>
-            </a:effectRef>
-            <a:fontRef idx="minor">
-              <a:schemeClr val="lt1"/>
-            </a:fontRef>
-          </p:style>
-          <p:txBody>
-            <a:bodyPr rtlCol="0" anchor="ctr"/>
-            <a:lstStyle/>
-            <a:p>
-              <a:pPr algn="ctr"/>
-              <a:r>
-                <a:rPr lang="ko-KR" altLang="en-US" sz="900" b="1" dirty="0" smtClean="0">
-                  <a:solidFill>
-                    <a:schemeClr val="tx1"/>
-                  </a:solidFill>
-                </a:rPr>
-                <a:t>메인카테고리</a:t>
-              </a:r>
-              <a:endParaRPr lang="ko-KR" altLang="en-US" sz="900" b="1" dirty="0">
-                <a:solidFill>
-                  <a:schemeClr val="tx1"/>
-                </a:solidFill>
-              </a:endParaRPr>
-            </a:p>
-          </p:txBody>
-        </p:sp>
-        <p:sp>
-          <p:nvSpPr>
-            <p:cNvPr id="26" name="직사각형 25"/>
-            <p:cNvSpPr/>
-            <p:nvPr/>
-          </p:nvSpPr>
-          <p:spPr>
-            <a:xfrm>
-              <a:off x="4408054" y="1085224"/>
-              <a:ext cx="914400" cy="397168"/>
-            </a:xfrm>
-            <a:prstGeom prst="rect">
-              <a:avLst/>
-            </a:prstGeom>
-            <a:solidFill>
-              <a:schemeClr val="accent6">
-                <a:alpha val="41000"/>
-              </a:schemeClr>
-            </a:solidFill>
-            <a:ln>
-              <a:solidFill>
-                <a:schemeClr val="accent4"/>
-              </a:solidFill>
-            </a:ln>
-            <a:effectLst>
-              <a:outerShdw blurRad="1270000" sx="1000" sy="1000" algn="ctr" rotWithShape="0">
-                <a:srgbClr val="000000">
-                  <a:alpha val="43137"/>
-                </a:srgbClr>
-              </a:outerShdw>
-            </a:effectLst>
-          </p:spPr>
-          <p:style>
-            <a:lnRef idx="2">
-              <a:schemeClr val="accent1">
-                <a:shade val="50000"/>
-              </a:schemeClr>
-            </a:lnRef>
-            <a:fillRef idx="1">
-              <a:schemeClr val="accent1"/>
-            </a:fillRef>
-            <a:effectRef idx="0">
-              <a:schemeClr val="accent1"/>
-            </a:effectRef>
-            <a:fontRef idx="minor">
-              <a:schemeClr val="lt1"/>
-            </a:fontRef>
-          </p:style>
-          <p:txBody>
-            <a:bodyPr rtlCol="0" anchor="ctr"/>
-            <a:lstStyle/>
-            <a:p>
-              <a:pPr algn="ctr"/>
-              <a:r>
-                <a:rPr lang="ko-KR" altLang="en-US" sz="900" b="1" dirty="0" smtClean="0">
-                  <a:solidFill>
-                    <a:schemeClr val="tx1"/>
-                  </a:solidFill>
-                </a:rPr>
-                <a:t>메인카테고리</a:t>
-              </a:r>
-              <a:endParaRPr lang="ko-KR" altLang="en-US" sz="900" b="1" dirty="0">
-                <a:solidFill>
-                  <a:schemeClr val="tx1"/>
-                </a:solidFill>
-              </a:endParaRPr>
-            </a:p>
-          </p:txBody>
-        </p:sp>
-        <p:sp>
-          <p:nvSpPr>
-            <p:cNvPr id="27" name="직사각형 26"/>
-            <p:cNvSpPr/>
-            <p:nvPr/>
-          </p:nvSpPr>
-          <p:spPr>
-            <a:xfrm>
-              <a:off x="7937725" y="1049378"/>
-              <a:ext cx="914400" cy="397168"/>
-            </a:xfrm>
-            <a:prstGeom prst="rect">
-              <a:avLst/>
-            </a:prstGeom>
-            <a:solidFill>
-              <a:schemeClr val="accent6">
-                <a:alpha val="41000"/>
-              </a:schemeClr>
-            </a:solidFill>
-            <a:ln>
-              <a:solidFill>
-                <a:schemeClr val="accent4"/>
-              </a:solidFill>
-            </a:ln>
-            <a:effectLst>
-              <a:outerShdw blurRad="1270000" sx="1000" sy="1000" algn="ctr" rotWithShape="0">
-                <a:srgbClr val="000000">
-                  <a:alpha val="43137"/>
-                </a:srgbClr>
-              </a:outerShdw>
-            </a:effectLst>
-          </p:spPr>
-          <p:style>
-            <a:lnRef idx="2">
-              <a:schemeClr val="accent1">
-                <a:shade val="50000"/>
-              </a:schemeClr>
-            </a:lnRef>
-            <a:fillRef idx="1">
-              <a:schemeClr val="accent1"/>
-            </a:fillRef>
-            <a:effectRef idx="0">
-              <a:schemeClr val="accent1"/>
-            </a:effectRef>
-            <a:fontRef idx="minor">
-              <a:schemeClr val="lt1"/>
-            </a:fontRef>
-          </p:style>
-          <p:txBody>
-            <a:bodyPr rtlCol="0" anchor="ctr"/>
-            <a:lstStyle/>
-            <a:p>
-              <a:pPr algn="ctr"/>
-              <a:r>
-                <a:rPr lang="ko-KR" altLang="en-US" sz="900" b="1" dirty="0" smtClean="0">
-                  <a:solidFill>
-                    <a:schemeClr val="tx1"/>
-                  </a:solidFill>
-                </a:rPr>
-                <a:t>메인카테고리</a:t>
-              </a:r>
-              <a:endParaRPr lang="ko-KR" altLang="en-US" sz="900" b="1" dirty="0">
-                <a:solidFill>
-                  <a:schemeClr val="tx1"/>
-                </a:solidFill>
-              </a:endParaRPr>
-            </a:p>
-          </p:txBody>
-        </p:sp>
-        <p:sp>
-          <p:nvSpPr>
-            <p:cNvPr id="28" name="직사각형 27"/>
-            <p:cNvSpPr/>
-            <p:nvPr/>
-          </p:nvSpPr>
-          <p:spPr>
-            <a:xfrm>
-              <a:off x="6764020" y="1075799"/>
-              <a:ext cx="914400" cy="397168"/>
-            </a:xfrm>
-            <a:prstGeom prst="rect">
-              <a:avLst/>
-            </a:prstGeom>
-            <a:solidFill>
-              <a:schemeClr val="accent6">
-                <a:alpha val="41000"/>
-              </a:schemeClr>
-            </a:solidFill>
-            <a:ln>
-              <a:solidFill>
-                <a:schemeClr val="accent4"/>
-              </a:solidFill>
-            </a:ln>
-            <a:effectLst>
-              <a:outerShdw blurRad="1270000" sx="1000" sy="1000" algn="ctr" rotWithShape="0">
-                <a:srgbClr val="000000">
-                  <a:alpha val="43137"/>
-                </a:srgbClr>
-              </a:outerShdw>
-            </a:effectLst>
-          </p:spPr>
-          <p:style>
-            <a:lnRef idx="2">
-              <a:schemeClr val="accent1">
-                <a:shade val="50000"/>
-              </a:schemeClr>
-            </a:lnRef>
-            <a:fillRef idx="1">
-              <a:schemeClr val="accent1"/>
-            </a:fillRef>
-            <a:effectRef idx="0">
-              <a:schemeClr val="accent1"/>
-            </a:effectRef>
-            <a:fontRef idx="minor">
-              <a:schemeClr val="lt1"/>
-            </a:fontRef>
-          </p:style>
-          <p:txBody>
-            <a:bodyPr rtlCol="0" anchor="ctr"/>
-            <a:lstStyle/>
-            <a:p>
-              <a:pPr algn="ctr"/>
-              <a:r>
-                <a:rPr lang="ko-KR" altLang="en-US" sz="900" b="1" dirty="0" smtClean="0">
-                  <a:solidFill>
-                    <a:schemeClr val="tx1"/>
-                  </a:solidFill>
-                </a:rPr>
-                <a:t>메인카테고리</a:t>
-              </a:r>
-              <a:endParaRPr lang="ko-KR" altLang="en-US" sz="900" b="1" dirty="0">
-                <a:solidFill>
-                  <a:schemeClr val="tx1"/>
-                </a:solidFill>
-              </a:endParaRPr>
-            </a:p>
-          </p:txBody>
-        </p:sp>
-      </p:grpSp>
-      <p:sp>
-        <p:nvSpPr>
-          <p:cNvPr id="15" name="TextBox 14"/>
-          <p:cNvSpPr txBox="1"/>
-          <p:nvPr/>
-        </p:nvSpPr>
-        <p:spPr>
-          <a:xfrm>
-            <a:off x="5781961" y="651466"/>
-            <a:ext cx="1071419" cy="369332"/>
-          </a:xfrm>
-          <a:prstGeom prst="rect">
-            <a:avLst/>
-          </a:prstGeom>
-          <a:noFill/>
-          <a:ln>
-            <a:solidFill>
-              <a:schemeClr val="tx1"/>
-            </a:solidFill>
-          </a:ln>
-        </p:spPr>
-        <p:txBody>
-          <a:bodyPr wrap="square" rtlCol="0">
-            <a:spAutoFit/>
-          </a:bodyPr>
-          <a:lstStyle/>
-          <a:p>
-            <a:pPr algn="ctr"/>
-            <a:r>
-              <a:rPr lang="ko-KR" altLang="en-US" dirty="0" smtClean="0"/>
-              <a:t>검 색 </a:t>
-            </a:r>
-            <a:endParaRPr lang="ko-KR" altLang="en-US" sz="1050" dirty="0"/>
-          </a:p>
-        </p:txBody>
-      </p:sp>
-    </p:spTree>
-    <p:extLst>
-      <p:ext uri="{BB962C8B-B14F-4D97-AF65-F5344CB8AC3E}">
-        <p14:creationId xmlns:p14="http://schemas.microsoft.com/office/powerpoint/2010/main" val="255025763"/>
-      </p:ext>
-    </p:extLst>
-  </p:cSld>
-  <p:clrMapOvr>
-    <a:masterClrMapping/>
-  </p:clrMapOvr>
-  <p:timing>
-    <p:tnLst>
-      <p:par>
-        <p:cTn id="1" dur="indefinite" restart="never" nodeType="tmRoot"/>
-      </p:par>
-    </p:tnLst>
-  </p:timing>
-</p:sld>
-</file>
-
-<file path=ppt/slides/slide9.xml><?xml version="1.0" encoding="utf-8"?>
-<p:sld xmlns:a="http://schemas.openxmlformats.org/drawingml/2006/main" xmlns:r="http://schemas.openxmlformats.org/officeDocument/2006/relationships" xmlns:p="http://schemas.openxmlformats.org/presentationml/2006/main">
-  <p:cSld>
-    <p:spTree>
-      <p:nvGrpSpPr>
-        <p:cNvPr id="1" name=""/>
-        <p:cNvGrpSpPr/>
-        <p:nvPr/>
-      </p:nvGrpSpPr>
-      <p:grpSpPr>
-        <a:xfrm>
-          <a:off x="0" y="0"/>
-          <a:ext cx="0" cy="0"/>
-          <a:chOff x="0" y="0"/>
-          <a:chExt cx="0" cy="0"/>
-        </a:xfrm>
-      </p:grpSpPr>
-      <p:sp>
-        <p:nvSpPr>
-          <p:cNvPr id="9" name="직사각형 8"/>
-          <p:cNvSpPr/>
-          <p:nvPr/>
-        </p:nvSpPr>
-        <p:spPr>
-          <a:xfrm>
-            <a:off x="822036" y="711199"/>
-            <a:ext cx="1071419" cy="757383"/>
-          </a:xfrm>
-          <a:prstGeom prst="rect">
-            <a:avLst/>
-          </a:prstGeom>
-        </p:spPr>
-        <p:style>
-          <a:lnRef idx="2">
-            <a:schemeClr val="dk1"/>
-          </a:lnRef>
-          <a:fillRef idx="1">
-            <a:schemeClr val="lt1"/>
-          </a:fillRef>
-          <a:effectRef idx="0">
-            <a:schemeClr val="dk1"/>
-          </a:effectRef>
-          <a:fontRef idx="minor">
-            <a:schemeClr val="dk1"/>
-          </a:fontRef>
-        </p:style>
-        <p:txBody>
-          <a:bodyPr rtlCol="0" anchor="ctr"/>
-          <a:lstStyle/>
-          <a:p>
-            <a:r>
-              <a:rPr lang="en-US" altLang="ko-KR" b="1" dirty="0" smtClean="0">
-                <a:solidFill>
-                  <a:schemeClr val="accent4"/>
-                </a:solidFill>
-              </a:rPr>
-              <a:t> c Book</a:t>
-            </a:r>
-          </a:p>
-          <a:p>
-            <a:r>
-              <a:rPr lang="en-US" altLang="ko-KR" b="1" dirty="0" smtClean="0">
-                <a:solidFill>
-                  <a:schemeClr val="accent4"/>
-                </a:solidFill>
-              </a:rPr>
-              <a:t> (</a:t>
-            </a:r>
-            <a:r>
-              <a:rPr lang="ko-KR" altLang="en-US" b="1" dirty="0" smtClean="0">
-                <a:solidFill>
-                  <a:schemeClr val="accent4"/>
-                </a:solidFill>
-              </a:rPr>
-              <a:t>로고</a:t>
-            </a:r>
-            <a:r>
-              <a:rPr lang="en-US" altLang="ko-KR" b="1" dirty="0" smtClean="0">
-                <a:solidFill>
-                  <a:schemeClr val="accent4"/>
-                </a:solidFill>
-              </a:rPr>
-              <a:t>)</a:t>
-            </a:r>
-            <a:endParaRPr lang="ko-KR" altLang="en-US" b="1" dirty="0">
-              <a:solidFill>
-                <a:schemeClr val="accent4"/>
-              </a:solidFill>
-            </a:endParaRPr>
-          </a:p>
-        </p:txBody>
-      </p:sp>
-      <p:sp>
-        <p:nvSpPr>
-          <p:cNvPr id="10" name="직사각형 9"/>
-          <p:cNvSpPr/>
-          <p:nvPr/>
-        </p:nvSpPr>
-        <p:spPr>
-          <a:xfrm>
-            <a:off x="2004291" y="724932"/>
-            <a:ext cx="9347200" cy="757383"/>
-          </a:xfrm>
-          <a:prstGeom prst="rect">
-            <a:avLst/>
-          </a:prstGeom>
-          <a:solidFill>
-            <a:schemeClr val="accent1">
-              <a:alpha val="0"/>
-            </a:schemeClr>
-          </a:solidFill>
-          <a:ln>
-            <a:solidFill>
-              <a:schemeClr val="tx1"/>
-            </a:solidFill>
-          </a:ln>
-        </p:spPr>
-        <p:style>
-          <a:lnRef idx="2">
-            <a:schemeClr val="accent1">
-              <a:shade val="50000"/>
-            </a:schemeClr>
-          </a:lnRef>
-          <a:fillRef idx="1">
-            <a:schemeClr val="accent1"/>
-          </a:fillRef>
-          <a:effectRef idx="0">
-            <a:schemeClr val="accent1"/>
-          </a:effectRef>
-          <a:fontRef idx="minor">
-            <a:schemeClr val="lt1"/>
-          </a:fontRef>
-        </p:style>
-        <p:txBody>
-          <a:bodyPr rtlCol="0" anchor="ctr"/>
-          <a:lstStyle/>
-          <a:p>
-            <a:pPr algn="ctr"/>
-            <a:endParaRPr lang="ko-KR" altLang="en-US" dirty="0"/>
-          </a:p>
-        </p:txBody>
-      </p:sp>
-      <p:sp>
-        <p:nvSpPr>
-          <p:cNvPr id="11" name="TextBox 10"/>
-          <p:cNvSpPr txBox="1"/>
-          <p:nvPr/>
-        </p:nvSpPr>
-        <p:spPr>
-          <a:xfrm>
-            <a:off x="9125527" y="716863"/>
-            <a:ext cx="1570182" cy="276999"/>
-          </a:xfrm>
-          <a:prstGeom prst="rect">
-            <a:avLst/>
-          </a:prstGeom>
-          <a:noFill/>
-          <a:ln>
-            <a:solidFill>
-              <a:schemeClr val="tx1"/>
-            </a:solidFill>
-          </a:ln>
-        </p:spPr>
-        <p:txBody>
-          <a:bodyPr wrap="square" rtlCol="0">
-            <a:spAutoFit/>
-          </a:bodyPr>
-          <a:lstStyle/>
-          <a:p>
-            <a:r>
-              <a:rPr lang="ko-KR" altLang="en-US" sz="1200" dirty="0" smtClean="0"/>
-              <a:t>로그인 및 회원가입</a:t>
-            </a:r>
-            <a:endParaRPr lang="ko-KR" altLang="en-US" sz="1200" dirty="0"/>
-          </a:p>
-        </p:txBody>
-      </p:sp>
-      <p:sp>
-        <p:nvSpPr>
-          <p:cNvPr id="12" name="직사각형 11"/>
-          <p:cNvSpPr/>
-          <p:nvPr/>
-        </p:nvSpPr>
-        <p:spPr>
-          <a:xfrm>
-            <a:off x="10695709" y="724932"/>
-            <a:ext cx="655782" cy="471055"/>
-          </a:xfrm>
-          <a:prstGeom prst="rect">
-            <a:avLst/>
-          </a:prstGeom>
-          <a:solidFill>
-            <a:schemeClr val="tx1">
-              <a:alpha val="0"/>
-            </a:schemeClr>
-          </a:solidFill>
-        </p:spPr>
-        <p:style>
-          <a:lnRef idx="2">
-            <a:schemeClr val="accent1">
-              <a:shade val="50000"/>
-            </a:schemeClr>
-          </a:lnRef>
-          <a:fillRef idx="1">
-            <a:schemeClr val="accent1"/>
-          </a:fillRef>
-          <a:effectRef idx="0">
-            <a:schemeClr val="accent1"/>
-          </a:effectRef>
-          <a:fontRef idx="minor">
-            <a:schemeClr val="lt1"/>
-          </a:fontRef>
-        </p:style>
-        <p:txBody>
-          <a:bodyPr rtlCol="0" anchor="ctr"/>
-          <a:lstStyle/>
-          <a:p>
-            <a:pPr algn="ctr"/>
-            <a:r>
-              <a:rPr lang="ko-KR" altLang="en-US" sz="1600" b="1" dirty="0" smtClean="0">
-                <a:solidFill>
-                  <a:schemeClr val="tx1"/>
-                </a:solidFill>
-              </a:rPr>
-              <a:t>메뉴</a:t>
-            </a:r>
-            <a:endParaRPr lang="ko-KR" altLang="en-US" sz="1600" b="1" dirty="0">
-              <a:solidFill>
-                <a:schemeClr val="tx1"/>
-              </a:solidFill>
-            </a:endParaRPr>
-          </a:p>
-        </p:txBody>
-      </p:sp>
-      <p:grpSp>
-        <p:nvGrpSpPr>
-          <p:cNvPr id="29" name="그룹 28"/>
-          <p:cNvGrpSpPr/>
-          <p:nvPr/>
-        </p:nvGrpSpPr>
-        <p:grpSpPr>
-          <a:xfrm>
-            <a:off x="2826329" y="1066685"/>
-            <a:ext cx="6922652" cy="346432"/>
-            <a:chOff x="2078183" y="1066761"/>
-            <a:chExt cx="6922652" cy="415631"/>
-          </a:xfrm>
-        </p:grpSpPr>
-        <p:sp>
-          <p:nvSpPr>
-            <p:cNvPr id="17" name="직사각형 16"/>
-            <p:cNvSpPr/>
-            <p:nvPr/>
-          </p:nvSpPr>
-          <p:spPr>
-            <a:xfrm>
-              <a:off x="2078183" y="1071414"/>
-              <a:ext cx="914400" cy="397168"/>
-            </a:xfrm>
-            <a:prstGeom prst="rect">
-              <a:avLst/>
-            </a:prstGeom>
-            <a:solidFill>
-              <a:schemeClr val="accent6">
-                <a:alpha val="41000"/>
-              </a:schemeClr>
-            </a:solidFill>
-            <a:ln>
-              <a:solidFill>
-                <a:schemeClr val="accent4"/>
-              </a:solidFill>
-            </a:ln>
-          </p:spPr>
-          <p:style>
-            <a:lnRef idx="2">
-              <a:schemeClr val="accent1">
-                <a:shade val="50000"/>
-              </a:schemeClr>
-            </a:lnRef>
-            <a:fillRef idx="1">
-              <a:schemeClr val="accent1"/>
-            </a:fillRef>
-            <a:effectRef idx="0">
-              <a:schemeClr val="accent1"/>
-            </a:effectRef>
-            <a:fontRef idx="minor">
-              <a:schemeClr val="lt1"/>
-            </a:fontRef>
-          </p:style>
-          <p:txBody>
-            <a:bodyPr rtlCol="0" anchor="ctr"/>
-            <a:lstStyle/>
-            <a:p>
-              <a:pPr algn="ctr"/>
-              <a:r>
-                <a:rPr lang="ko-KR" altLang="en-US" sz="900" b="1" dirty="0" smtClean="0">
-                  <a:solidFill>
-                    <a:schemeClr val="tx1"/>
-                  </a:solidFill>
-                </a:rPr>
-                <a:t>메인카테고리</a:t>
-              </a:r>
-              <a:endParaRPr lang="ko-KR" altLang="en-US" sz="900" b="1" dirty="0">
-                <a:solidFill>
-                  <a:schemeClr val="tx1"/>
-                </a:solidFill>
-              </a:endParaRPr>
-            </a:p>
-          </p:txBody>
-        </p:sp>
-        <p:sp>
-          <p:nvSpPr>
-            <p:cNvPr id="24" name="직사각형 23"/>
-            <p:cNvSpPr/>
-            <p:nvPr/>
-          </p:nvSpPr>
-          <p:spPr>
-            <a:xfrm>
-              <a:off x="3177311" y="1066786"/>
-              <a:ext cx="914400" cy="397168"/>
-            </a:xfrm>
-            <a:prstGeom prst="rect">
-              <a:avLst/>
-            </a:prstGeom>
-            <a:solidFill>
-              <a:schemeClr val="accent6">
-                <a:alpha val="41000"/>
-              </a:schemeClr>
-            </a:solidFill>
-            <a:ln>
-              <a:solidFill>
-                <a:schemeClr val="accent4"/>
-              </a:solidFill>
-            </a:ln>
-          </p:spPr>
-          <p:style>
-            <a:lnRef idx="2">
-              <a:schemeClr val="accent1">
-                <a:shade val="50000"/>
-              </a:schemeClr>
-            </a:lnRef>
-            <a:fillRef idx="1">
-              <a:schemeClr val="accent1"/>
-            </a:fillRef>
-            <a:effectRef idx="0">
-              <a:schemeClr val="accent1"/>
-            </a:effectRef>
-            <a:fontRef idx="minor">
-              <a:schemeClr val="lt1"/>
-            </a:fontRef>
-          </p:style>
-          <p:txBody>
-            <a:bodyPr rtlCol="0" anchor="ctr"/>
-            <a:lstStyle/>
-            <a:p>
-              <a:pPr algn="ctr"/>
-              <a:r>
-                <a:rPr lang="ko-KR" altLang="en-US" sz="900" b="1" dirty="0" smtClean="0">
-                  <a:solidFill>
-                    <a:schemeClr val="tx1"/>
-                  </a:solidFill>
-                </a:rPr>
-                <a:t>메인카테고리</a:t>
-              </a:r>
-              <a:endParaRPr lang="ko-KR" altLang="en-US" sz="900" b="1" dirty="0">
-                <a:solidFill>
-                  <a:schemeClr val="tx1"/>
-                </a:solidFill>
-              </a:endParaRPr>
-            </a:p>
-          </p:txBody>
-        </p:sp>
-        <p:sp>
-          <p:nvSpPr>
-            <p:cNvPr id="25" name="직사각형 24"/>
-            <p:cNvSpPr/>
-            <p:nvPr/>
-          </p:nvSpPr>
-          <p:spPr>
-            <a:xfrm>
-              <a:off x="5624949" y="1085224"/>
-              <a:ext cx="914400" cy="397168"/>
-            </a:xfrm>
-            <a:prstGeom prst="rect">
-              <a:avLst/>
-            </a:prstGeom>
-            <a:solidFill>
-              <a:schemeClr val="accent6">
-                <a:alpha val="41000"/>
-              </a:schemeClr>
-            </a:solidFill>
-            <a:ln>
-              <a:solidFill>
-                <a:schemeClr val="accent4"/>
-              </a:solidFill>
-            </a:ln>
-          </p:spPr>
-          <p:style>
-            <a:lnRef idx="2">
-              <a:schemeClr val="accent1">
-                <a:shade val="50000"/>
-              </a:schemeClr>
-            </a:lnRef>
-            <a:fillRef idx="1">
-              <a:schemeClr val="accent1"/>
-            </a:fillRef>
-            <a:effectRef idx="0">
-              <a:schemeClr val="accent1"/>
-            </a:effectRef>
-            <a:fontRef idx="minor">
-              <a:schemeClr val="lt1"/>
-            </a:fontRef>
-          </p:style>
-          <p:txBody>
-            <a:bodyPr rtlCol="0" anchor="ctr"/>
-            <a:lstStyle/>
-            <a:p>
-              <a:pPr algn="ctr"/>
-              <a:r>
-                <a:rPr lang="ko-KR" altLang="en-US" sz="900" b="1" dirty="0" smtClean="0">
-                  <a:solidFill>
-                    <a:schemeClr val="tx1"/>
-                  </a:solidFill>
-                </a:rPr>
-                <a:t>메인카테고리</a:t>
-              </a:r>
-              <a:endParaRPr lang="ko-KR" altLang="en-US" sz="900" b="1" dirty="0">
-                <a:solidFill>
-                  <a:schemeClr val="tx1"/>
-                </a:solidFill>
-              </a:endParaRPr>
-            </a:p>
-          </p:txBody>
-        </p:sp>
-        <p:sp>
-          <p:nvSpPr>
-            <p:cNvPr id="26" name="직사각형 25"/>
-            <p:cNvSpPr/>
-            <p:nvPr/>
-          </p:nvSpPr>
-          <p:spPr>
-            <a:xfrm>
-              <a:off x="4401130" y="1066786"/>
-              <a:ext cx="914400" cy="397168"/>
-            </a:xfrm>
-            <a:prstGeom prst="rect">
-              <a:avLst/>
-            </a:prstGeom>
-            <a:solidFill>
-              <a:schemeClr val="accent6">
-                <a:alpha val="41000"/>
-              </a:schemeClr>
-            </a:solidFill>
-            <a:ln>
-              <a:solidFill>
-                <a:schemeClr val="accent4"/>
-              </a:solidFill>
-            </a:ln>
-          </p:spPr>
-          <p:style>
-            <a:lnRef idx="2">
-              <a:schemeClr val="accent1">
-                <a:shade val="50000"/>
-              </a:schemeClr>
-            </a:lnRef>
-            <a:fillRef idx="1">
-              <a:schemeClr val="accent1"/>
-            </a:fillRef>
-            <a:effectRef idx="0">
-              <a:schemeClr val="accent1"/>
-            </a:effectRef>
-            <a:fontRef idx="minor">
-              <a:schemeClr val="lt1"/>
-            </a:fontRef>
-          </p:style>
-          <p:txBody>
-            <a:bodyPr rtlCol="0" anchor="ctr"/>
-            <a:lstStyle/>
-            <a:p>
-              <a:pPr algn="ctr"/>
-              <a:r>
-                <a:rPr lang="ko-KR" altLang="en-US" sz="900" b="1" dirty="0" smtClean="0">
-                  <a:solidFill>
-                    <a:schemeClr val="tx1"/>
-                  </a:solidFill>
-                </a:rPr>
-                <a:t>메인카테고리</a:t>
-              </a:r>
-              <a:endParaRPr lang="ko-KR" altLang="en-US" sz="900" b="1" dirty="0">
-                <a:solidFill>
-                  <a:schemeClr val="tx1"/>
-                </a:solidFill>
-              </a:endParaRPr>
-            </a:p>
-          </p:txBody>
-        </p:sp>
-        <p:sp>
-          <p:nvSpPr>
-            <p:cNvPr id="27" name="직사각형 26"/>
-            <p:cNvSpPr/>
-            <p:nvPr/>
-          </p:nvSpPr>
-          <p:spPr>
-            <a:xfrm>
-              <a:off x="8086435" y="1066761"/>
-              <a:ext cx="914400" cy="397168"/>
-            </a:xfrm>
-            <a:prstGeom prst="rect">
-              <a:avLst/>
-            </a:prstGeom>
-            <a:solidFill>
-              <a:schemeClr val="accent6">
-                <a:alpha val="41000"/>
-              </a:schemeClr>
-            </a:solidFill>
-            <a:ln>
-              <a:solidFill>
-                <a:schemeClr val="accent4"/>
-              </a:solidFill>
-            </a:ln>
-          </p:spPr>
-          <p:style>
-            <a:lnRef idx="2">
-              <a:schemeClr val="accent1">
-                <a:shade val="50000"/>
-              </a:schemeClr>
-            </a:lnRef>
-            <a:fillRef idx="1">
-              <a:schemeClr val="accent1"/>
-            </a:fillRef>
-            <a:effectRef idx="0">
-              <a:schemeClr val="accent1"/>
-            </a:effectRef>
-            <a:fontRef idx="minor">
-              <a:schemeClr val="lt1"/>
-            </a:fontRef>
-          </p:style>
-          <p:txBody>
-            <a:bodyPr rtlCol="0" anchor="ctr"/>
-            <a:lstStyle/>
-            <a:p>
-              <a:pPr algn="ctr"/>
-              <a:r>
-                <a:rPr lang="ko-KR" altLang="en-US" sz="900" b="1" dirty="0" smtClean="0">
-                  <a:solidFill>
-                    <a:schemeClr val="tx1"/>
-                  </a:solidFill>
-                </a:rPr>
-                <a:t>메인카테고리</a:t>
-              </a:r>
-              <a:endParaRPr lang="ko-KR" altLang="en-US" sz="900" b="1" dirty="0">
-                <a:solidFill>
-                  <a:schemeClr val="tx1"/>
-                </a:solidFill>
-              </a:endParaRPr>
-            </a:p>
-          </p:txBody>
-        </p:sp>
-        <p:sp>
-          <p:nvSpPr>
-            <p:cNvPr id="28" name="직사각형 27"/>
-            <p:cNvSpPr/>
-            <p:nvPr/>
-          </p:nvSpPr>
-          <p:spPr>
-            <a:xfrm>
-              <a:off x="6848768" y="1073725"/>
-              <a:ext cx="914400" cy="397168"/>
-            </a:xfrm>
-            <a:prstGeom prst="rect">
-              <a:avLst/>
-            </a:prstGeom>
-            <a:solidFill>
-              <a:schemeClr val="accent6">
-                <a:alpha val="41000"/>
-              </a:schemeClr>
-            </a:solidFill>
-            <a:ln>
-              <a:solidFill>
-                <a:schemeClr val="accent4"/>
-              </a:solidFill>
-            </a:ln>
-          </p:spPr>
-          <p:style>
-            <a:lnRef idx="2">
-              <a:schemeClr val="accent1">
-                <a:shade val="50000"/>
-              </a:schemeClr>
-            </a:lnRef>
-            <a:fillRef idx="1">
-              <a:schemeClr val="accent1"/>
-            </a:fillRef>
-            <a:effectRef idx="0">
-              <a:schemeClr val="accent1"/>
-            </a:effectRef>
-            <a:fontRef idx="minor">
-              <a:schemeClr val="lt1"/>
-            </a:fontRef>
-          </p:style>
-          <p:txBody>
-            <a:bodyPr rtlCol="0" anchor="ctr"/>
-            <a:lstStyle/>
-            <a:p>
-              <a:pPr algn="ctr"/>
-              <a:r>
-                <a:rPr lang="ko-KR" altLang="en-US" sz="900" b="1" dirty="0" smtClean="0">
-                  <a:solidFill>
-                    <a:schemeClr val="tx1"/>
-                  </a:solidFill>
-                </a:rPr>
-                <a:t>메인카테고리</a:t>
-              </a:r>
-              <a:endParaRPr lang="ko-KR" altLang="en-US" sz="900" b="1" dirty="0">
-                <a:solidFill>
-                  <a:schemeClr val="tx1"/>
-                </a:solidFill>
-              </a:endParaRPr>
-            </a:p>
-          </p:txBody>
-        </p:sp>
-      </p:grpSp>
-      <p:grpSp>
-        <p:nvGrpSpPr>
-          <p:cNvPr id="15" name="그룹 14"/>
-          <p:cNvGrpSpPr/>
-          <p:nvPr/>
-        </p:nvGrpSpPr>
-        <p:grpSpPr>
-          <a:xfrm>
-            <a:off x="2826329" y="2142479"/>
-            <a:ext cx="6922652" cy="346432"/>
-            <a:chOff x="2078183" y="1066761"/>
-            <a:chExt cx="6922652" cy="415631"/>
-          </a:xfrm>
-        </p:grpSpPr>
-        <p:sp>
-          <p:nvSpPr>
-            <p:cNvPr id="16" name="직사각형 15"/>
-            <p:cNvSpPr/>
-            <p:nvPr/>
-          </p:nvSpPr>
-          <p:spPr>
-            <a:xfrm>
-              <a:off x="2078183" y="1071414"/>
-              <a:ext cx="914400" cy="397168"/>
-            </a:xfrm>
-            <a:prstGeom prst="rect">
-              <a:avLst/>
-            </a:prstGeom>
-            <a:solidFill>
-              <a:schemeClr val="accent6">
-                <a:alpha val="41000"/>
-              </a:schemeClr>
-            </a:solidFill>
-            <a:ln>
-              <a:solidFill>
-                <a:schemeClr val="accent4"/>
-              </a:solidFill>
-            </a:ln>
-          </p:spPr>
-          <p:style>
-            <a:lnRef idx="2">
-              <a:schemeClr val="accent1">
-                <a:shade val="50000"/>
-              </a:schemeClr>
-            </a:lnRef>
-            <a:fillRef idx="1">
-              <a:schemeClr val="accent1"/>
-            </a:fillRef>
-            <a:effectRef idx="0">
-              <a:schemeClr val="accent1"/>
-            </a:effectRef>
-            <a:fontRef idx="minor">
-              <a:schemeClr val="lt1"/>
-            </a:fontRef>
-          </p:style>
-          <p:txBody>
-            <a:bodyPr rtlCol="0" anchor="ctr"/>
-            <a:lstStyle/>
-            <a:p>
-              <a:pPr algn="ctr"/>
-              <a:r>
-                <a:rPr lang="ko-KR" altLang="en-US" sz="900" b="1" dirty="0">
-                  <a:solidFill>
-                    <a:schemeClr val="tx1"/>
-                  </a:solidFill>
-                </a:rPr>
-                <a:t>서브 카테고리</a:t>
-              </a:r>
-            </a:p>
-          </p:txBody>
-        </p:sp>
-        <p:sp>
-          <p:nvSpPr>
-            <p:cNvPr id="18" name="직사각형 17"/>
-            <p:cNvSpPr/>
-            <p:nvPr/>
-          </p:nvSpPr>
-          <p:spPr>
-            <a:xfrm>
-              <a:off x="3177311" y="1066786"/>
-              <a:ext cx="914400" cy="397168"/>
-            </a:xfrm>
-            <a:prstGeom prst="rect">
-              <a:avLst/>
-            </a:prstGeom>
-            <a:solidFill>
-              <a:schemeClr val="accent6">
-                <a:alpha val="41000"/>
-              </a:schemeClr>
-            </a:solidFill>
-            <a:ln>
-              <a:solidFill>
-                <a:schemeClr val="accent4"/>
-              </a:solidFill>
-            </a:ln>
-          </p:spPr>
-          <p:style>
-            <a:lnRef idx="2">
-              <a:schemeClr val="accent1">
-                <a:shade val="50000"/>
-              </a:schemeClr>
-            </a:lnRef>
-            <a:fillRef idx="1">
-              <a:schemeClr val="accent1"/>
-            </a:fillRef>
-            <a:effectRef idx="0">
-              <a:schemeClr val="accent1"/>
-            </a:effectRef>
-            <a:fontRef idx="minor">
-              <a:schemeClr val="lt1"/>
-            </a:fontRef>
-          </p:style>
-          <p:txBody>
-            <a:bodyPr rtlCol="0" anchor="ctr"/>
-            <a:lstStyle/>
-            <a:p>
-              <a:pPr algn="ctr"/>
-              <a:r>
-                <a:rPr lang="ko-KR" altLang="en-US" sz="900" b="1" dirty="0">
-                  <a:solidFill>
-                    <a:schemeClr val="tx1"/>
-                  </a:solidFill>
-                </a:rPr>
-                <a:t>서브 카테고리</a:t>
-              </a:r>
-            </a:p>
-          </p:txBody>
-        </p:sp>
-        <p:sp>
-          <p:nvSpPr>
-            <p:cNvPr id="19" name="직사각형 18"/>
-            <p:cNvSpPr/>
-            <p:nvPr/>
-          </p:nvSpPr>
-          <p:spPr>
-            <a:xfrm>
-              <a:off x="5624949" y="1085224"/>
-              <a:ext cx="914400" cy="397168"/>
-            </a:xfrm>
-            <a:prstGeom prst="rect">
-              <a:avLst/>
-            </a:prstGeom>
-            <a:solidFill>
-              <a:schemeClr val="accent6">
-                <a:alpha val="41000"/>
-              </a:schemeClr>
-            </a:solidFill>
-            <a:ln>
-              <a:solidFill>
-                <a:schemeClr val="accent4"/>
-              </a:solidFill>
-            </a:ln>
-          </p:spPr>
-          <p:style>
-            <a:lnRef idx="2">
-              <a:schemeClr val="accent1">
-                <a:shade val="50000"/>
-              </a:schemeClr>
-            </a:lnRef>
-            <a:fillRef idx="1">
-              <a:schemeClr val="accent1"/>
-            </a:fillRef>
-            <a:effectRef idx="0">
-              <a:schemeClr val="accent1"/>
-            </a:effectRef>
-            <a:fontRef idx="minor">
-              <a:schemeClr val="lt1"/>
-            </a:fontRef>
-          </p:style>
-          <p:txBody>
-            <a:bodyPr rtlCol="0" anchor="ctr"/>
-            <a:lstStyle/>
-            <a:p>
-              <a:pPr algn="ctr"/>
-              <a:r>
-                <a:rPr lang="ko-KR" altLang="en-US" sz="900" b="1" dirty="0">
-                  <a:solidFill>
-                    <a:schemeClr val="tx1"/>
-                  </a:solidFill>
-                </a:rPr>
-                <a:t>서브 카테고리</a:t>
-              </a:r>
-            </a:p>
-          </p:txBody>
-        </p:sp>
-        <p:sp>
-          <p:nvSpPr>
-            <p:cNvPr id="20" name="직사각형 19"/>
-            <p:cNvSpPr/>
-            <p:nvPr/>
-          </p:nvSpPr>
-          <p:spPr>
-            <a:xfrm>
-              <a:off x="4401130" y="1066786"/>
-              <a:ext cx="914400" cy="397168"/>
-            </a:xfrm>
-            <a:prstGeom prst="rect">
-              <a:avLst/>
-            </a:prstGeom>
-            <a:solidFill>
-              <a:schemeClr val="accent6">
-                <a:alpha val="41000"/>
-              </a:schemeClr>
-            </a:solidFill>
-            <a:ln>
-              <a:solidFill>
-                <a:schemeClr val="accent4"/>
-              </a:solidFill>
-            </a:ln>
-          </p:spPr>
-          <p:style>
-            <a:lnRef idx="2">
-              <a:schemeClr val="accent1">
-                <a:shade val="50000"/>
-              </a:schemeClr>
-            </a:lnRef>
-            <a:fillRef idx="1">
-              <a:schemeClr val="accent1"/>
-            </a:fillRef>
-            <a:effectRef idx="0">
-              <a:schemeClr val="accent1"/>
-            </a:effectRef>
-            <a:fontRef idx="minor">
-              <a:schemeClr val="lt1"/>
-            </a:fontRef>
-          </p:style>
-          <p:txBody>
-            <a:bodyPr rtlCol="0" anchor="ctr"/>
-            <a:lstStyle/>
-            <a:p>
-              <a:pPr algn="ctr"/>
-              <a:r>
-                <a:rPr lang="ko-KR" altLang="en-US" sz="900" b="1" dirty="0">
-                  <a:solidFill>
-                    <a:schemeClr val="tx1"/>
-                  </a:solidFill>
-                </a:rPr>
-                <a:t>서브 카테고리</a:t>
-              </a:r>
-            </a:p>
-          </p:txBody>
-        </p:sp>
-        <p:sp>
-          <p:nvSpPr>
-            <p:cNvPr id="21" name="직사각형 20"/>
-            <p:cNvSpPr/>
-            <p:nvPr/>
-          </p:nvSpPr>
-          <p:spPr>
-            <a:xfrm>
-              <a:off x="8086435" y="1066761"/>
-              <a:ext cx="914400" cy="397168"/>
-            </a:xfrm>
-            <a:prstGeom prst="rect">
-              <a:avLst/>
-            </a:prstGeom>
-            <a:solidFill>
-              <a:schemeClr val="accent6">
-                <a:alpha val="41000"/>
-              </a:schemeClr>
-            </a:solidFill>
-            <a:ln>
-              <a:solidFill>
-                <a:schemeClr val="accent4"/>
-              </a:solidFill>
-            </a:ln>
-          </p:spPr>
-          <p:style>
-            <a:lnRef idx="2">
-              <a:schemeClr val="accent1">
-                <a:shade val="50000"/>
-              </a:schemeClr>
-            </a:lnRef>
-            <a:fillRef idx="1">
-              <a:schemeClr val="accent1"/>
-            </a:fillRef>
-            <a:effectRef idx="0">
-              <a:schemeClr val="accent1"/>
-            </a:effectRef>
-            <a:fontRef idx="minor">
-              <a:schemeClr val="lt1"/>
-            </a:fontRef>
-          </p:style>
-          <p:txBody>
-            <a:bodyPr rtlCol="0" anchor="ctr"/>
-            <a:lstStyle/>
-            <a:p>
-              <a:pPr algn="ctr"/>
-              <a:r>
-                <a:rPr lang="ko-KR" altLang="en-US" sz="900" b="1" dirty="0">
-                  <a:solidFill>
-                    <a:schemeClr val="tx1"/>
-                  </a:solidFill>
-                </a:rPr>
-                <a:t>서브 카테고리</a:t>
-              </a:r>
-            </a:p>
-          </p:txBody>
-        </p:sp>
-        <p:sp>
-          <p:nvSpPr>
-            <p:cNvPr id="22" name="직사각형 21"/>
-            <p:cNvSpPr/>
-            <p:nvPr/>
-          </p:nvSpPr>
-          <p:spPr>
-            <a:xfrm>
-              <a:off x="6848768" y="1073725"/>
-              <a:ext cx="914400" cy="397168"/>
-            </a:xfrm>
-            <a:prstGeom prst="rect">
-              <a:avLst/>
-            </a:prstGeom>
-            <a:solidFill>
-              <a:schemeClr val="accent6">
-                <a:alpha val="41000"/>
-              </a:schemeClr>
-            </a:solidFill>
-            <a:ln>
-              <a:solidFill>
-                <a:schemeClr val="accent4"/>
-              </a:solidFill>
-            </a:ln>
-          </p:spPr>
-          <p:style>
-            <a:lnRef idx="2">
-              <a:schemeClr val="accent1">
-                <a:shade val="50000"/>
-              </a:schemeClr>
-            </a:lnRef>
-            <a:fillRef idx="1">
-              <a:schemeClr val="accent1"/>
-            </a:fillRef>
-            <a:effectRef idx="0">
-              <a:schemeClr val="accent1"/>
-            </a:effectRef>
-            <a:fontRef idx="minor">
-              <a:schemeClr val="lt1"/>
-            </a:fontRef>
-          </p:style>
-          <p:txBody>
-            <a:bodyPr rtlCol="0" anchor="ctr"/>
-            <a:lstStyle/>
-            <a:p>
-              <a:pPr algn="ctr"/>
-              <a:r>
-                <a:rPr lang="ko-KR" altLang="en-US" sz="900" b="1" dirty="0">
-                  <a:solidFill>
-                    <a:schemeClr val="tx1"/>
-                  </a:solidFill>
-                </a:rPr>
-                <a:t>서브 카테고리</a:t>
-              </a:r>
-            </a:p>
-          </p:txBody>
-        </p:sp>
-      </p:grpSp>
-      <p:grpSp>
-        <p:nvGrpSpPr>
-          <p:cNvPr id="23" name="그룹 22"/>
-          <p:cNvGrpSpPr/>
-          <p:nvPr/>
-        </p:nvGrpSpPr>
-        <p:grpSpPr>
-          <a:xfrm>
-            <a:off x="2826329" y="1629030"/>
-            <a:ext cx="6922652" cy="346432"/>
-            <a:chOff x="2078183" y="1066761"/>
-            <a:chExt cx="6922652" cy="415631"/>
-          </a:xfrm>
-        </p:grpSpPr>
-        <p:sp>
-          <p:nvSpPr>
-            <p:cNvPr id="30" name="직사각형 29"/>
-            <p:cNvSpPr/>
-            <p:nvPr/>
-          </p:nvSpPr>
-          <p:spPr>
-            <a:xfrm>
-              <a:off x="2078183" y="1071414"/>
-              <a:ext cx="914400" cy="397168"/>
-            </a:xfrm>
-            <a:prstGeom prst="rect">
-              <a:avLst/>
-            </a:prstGeom>
-            <a:solidFill>
-              <a:schemeClr val="accent6">
-                <a:alpha val="41000"/>
-              </a:schemeClr>
-            </a:solidFill>
-            <a:ln>
-              <a:solidFill>
-                <a:schemeClr val="accent4"/>
-              </a:solidFill>
-            </a:ln>
-          </p:spPr>
-          <p:style>
-            <a:lnRef idx="2">
-              <a:schemeClr val="accent1">
-                <a:shade val="50000"/>
-              </a:schemeClr>
-            </a:lnRef>
-            <a:fillRef idx="1">
-              <a:schemeClr val="accent1"/>
-            </a:fillRef>
-            <a:effectRef idx="0">
-              <a:schemeClr val="accent1"/>
-            </a:effectRef>
-            <a:fontRef idx="minor">
-              <a:schemeClr val="lt1"/>
-            </a:fontRef>
-          </p:style>
-          <p:txBody>
-            <a:bodyPr rtlCol="0" anchor="ctr"/>
-            <a:lstStyle/>
-            <a:p>
-              <a:pPr algn="ctr"/>
-              <a:r>
-                <a:rPr lang="ko-KR" altLang="en-US" sz="900" b="1" dirty="0" smtClean="0">
-                  <a:solidFill>
-                    <a:schemeClr val="tx1"/>
-                  </a:solidFill>
-                </a:rPr>
-                <a:t>서브 카테고리</a:t>
-              </a:r>
-              <a:endParaRPr lang="ko-KR" altLang="en-US" sz="900" b="1" dirty="0">
-                <a:solidFill>
-                  <a:schemeClr val="tx1"/>
-                </a:solidFill>
-              </a:endParaRPr>
-            </a:p>
-          </p:txBody>
-        </p:sp>
-        <p:sp>
-          <p:nvSpPr>
-            <p:cNvPr id="31" name="직사각형 30"/>
-            <p:cNvSpPr/>
-            <p:nvPr/>
-          </p:nvSpPr>
-          <p:spPr>
-            <a:xfrm>
-              <a:off x="3177311" y="1066786"/>
-              <a:ext cx="914400" cy="397168"/>
-            </a:xfrm>
-            <a:prstGeom prst="rect">
-              <a:avLst/>
-            </a:prstGeom>
-            <a:solidFill>
-              <a:schemeClr val="accent6">
-                <a:alpha val="41000"/>
-              </a:schemeClr>
-            </a:solidFill>
-            <a:ln>
-              <a:solidFill>
-                <a:schemeClr val="accent4"/>
-              </a:solidFill>
-            </a:ln>
-          </p:spPr>
-          <p:style>
-            <a:lnRef idx="2">
-              <a:schemeClr val="accent1">
-                <a:shade val="50000"/>
-              </a:schemeClr>
-            </a:lnRef>
-            <a:fillRef idx="1">
-              <a:schemeClr val="accent1"/>
-            </a:fillRef>
-            <a:effectRef idx="0">
-              <a:schemeClr val="accent1"/>
-            </a:effectRef>
-            <a:fontRef idx="minor">
-              <a:schemeClr val="lt1"/>
-            </a:fontRef>
-          </p:style>
-          <p:txBody>
-            <a:bodyPr rtlCol="0" anchor="ctr"/>
-            <a:lstStyle/>
-            <a:p>
-              <a:pPr algn="ctr"/>
-              <a:r>
-                <a:rPr lang="ko-KR" altLang="en-US" sz="900" b="1" dirty="0">
-                  <a:solidFill>
-                    <a:schemeClr val="tx1"/>
-                  </a:solidFill>
-                </a:rPr>
-                <a:t>서브 카테고리</a:t>
-              </a:r>
-            </a:p>
-          </p:txBody>
-        </p:sp>
-        <p:sp>
-          <p:nvSpPr>
-            <p:cNvPr id="32" name="직사각형 31"/>
-            <p:cNvSpPr/>
-            <p:nvPr/>
-          </p:nvSpPr>
-          <p:spPr>
-            <a:xfrm>
-              <a:off x="5624949" y="1085224"/>
-              <a:ext cx="914400" cy="397168"/>
-            </a:xfrm>
-            <a:prstGeom prst="rect">
-              <a:avLst/>
-            </a:prstGeom>
-            <a:solidFill>
-              <a:schemeClr val="accent6">
-                <a:alpha val="41000"/>
-              </a:schemeClr>
-            </a:solidFill>
-            <a:ln>
-              <a:solidFill>
-                <a:schemeClr val="accent4"/>
-              </a:solidFill>
-            </a:ln>
-          </p:spPr>
-          <p:style>
-            <a:lnRef idx="2">
-              <a:schemeClr val="accent1">
-                <a:shade val="50000"/>
-              </a:schemeClr>
-            </a:lnRef>
-            <a:fillRef idx="1">
-              <a:schemeClr val="accent1"/>
-            </a:fillRef>
-            <a:effectRef idx="0">
-              <a:schemeClr val="accent1"/>
-            </a:effectRef>
-            <a:fontRef idx="minor">
-              <a:schemeClr val="lt1"/>
-            </a:fontRef>
-          </p:style>
-          <p:txBody>
-            <a:bodyPr rtlCol="0" anchor="ctr"/>
-            <a:lstStyle/>
-            <a:p>
-              <a:pPr algn="ctr"/>
-              <a:r>
-                <a:rPr lang="ko-KR" altLang="en-US" sz="900" b="1" dirty="0">
-                  <a:solidFill>
-                    <a:schemeClr val="tx1"/>
-                  </a:solidFill>
-                </a:rPr>
-                <a:t>서브 카테고리</a:t>
-              </a:r>
-            </a:p>
-          </p:txBody>
-        </p:sp>
-        <p:sp>
-          <p:nvSpPr>
-            <p:cNvPr id="33" name="직사각형 32"/>
-            <p:cNvSpPr/>
-            <p:nvPr/>
-          </p:nvSpPr>
-          <p:spPr>
-            <a:xfrm>
-              <a:off x="4401130" y="1066786"/>
-              <a:ext cx="914400" cy="397168"/>
-            </a:xfrm>
-            <a:prstGeom prst="rect">
-              <a:avLst/>
-            </a:prstGeom>
-            <a:solidFill>
-              <a:schemeClr val="accent6">
-                <a:alpha val="41000"/>
-              </a:schemeClr>
-            </a:solidFill>
-            <a:ln>
-              <a:solidFill>
-                <a:schemeClr val="accent4"/>
-              </a:solidFill>
-            </a:ln>
-          </p:spPr>
-          <p:style>
-            <a:lnRef idx="2">
-              <a:schemeClr val="accent1">
-                <a:shade val="50000"/>
-              </a:schemeClr>
-            </a:lnRef>
-            <a:fillRef idx="1">
-              <a:schemeClr val="accent1"/>
-            </a:fillRef>
-            <a:effectRef idx="0">
-              <a:schemeClr val="accent1"/>
-            </a:effectRef>
-            <a:fontRef idx="minor">
-              <a:schemeClr val="lt1"/>
-            </a:fontRef>
-          </p:style>
-          <p:txBody>
-            <a:bodyPr rtlCol="0" anchor="ctr"/>
-            <a:lstStyle/>
-            <a:p>
-              <a:pPr algn="ctr"/>
-              <a:r>
-                <a:rPr lang="ko-KR" altLang="en-US" sz="900" b="1" dirty="0">
-                  <a:solidFill>
-                    <a:schemeClr val="tx1"/>
-                  </a:solidFill>
-                </a:rPr>
-                <a:t>서브 카테고리</a:t>
-              </a:r>
-            </a:p>
-          </p:txBody>
-        </p:sp>
-        <p:sp>
-          <p:nvSpPr>
-            <p:cNvPr id="34" name="직사각형 33"/>
-            <p:cNvSpPr/>
-            <p:nvPr/>
-          </p:nvSpPr>
-          <p:spPr>
-            <a:xfrm>
-              <a:off x="8086435" y="1066761"/>
-              <a:ext cx="914400" cy="397168"/>
-            </a:xfrm>
-            <a:prstGeom prst="rect">
-              <a:avLst/>
-            </a:prstGeom>
-            <a:solidFill>
-              <a:schemeClr val="accent6">
-                <a:alpha val="41000"/>
-              </a:schemeClr>
-            </a:solidFill>
-            <a:ln>
-              <a:solidFill>
-                <a:schemeClr val="accent4"/>
-              </a:solidFill>
-            </a:ln>
-          </p:spPr>
-          <p:style>
-            <a:lnRef idx="2">
-              <a:schemeClr val="accent1">
-                <a:shade val="50000"/>
-              </a:schemeClr>
-            </a:lnRef>
-            <a:fillRef idx="1">
-              <a:schemeClr val="accent1"/>
-            </a:fillRef>
-            <a:effectRef idx="0">
-              <a:schemeClr val="accent1"/>
-            </a:effectRef>
-            <a:fontRef idx="minor">
-              <a:schemeClr val="lt1"/>
-            </a:fontRef>
-          </p:style>
-          <p:txBody>
-            <a:bodyPr rtlCol="0" anchor="ctr"/>
-            <a:lstStyle/>
-            <a:p>
-              <a:pPr algn="ctr"/>
-              <a:r>
-                <a:rPr lang="ko-KR" altLang="en-US" sz="900" b="1" dirty="0">
-                  <a:solidFill>
-                    <a:schemeClr val="tx1"/>
-                  </a:solidFill>
-                </a:rPr>
-                <a:t>서브 카테고리</a:t>
-              </a:r>
-            </a:p>
-          </p:txBody>
-        </p:sp>
-        <p:sp>
-          <p:nvSpPr>
-            <p:cNvPr id="35" name="직사각형 34"/>
-            <p:cNvSpPr/>
-            <p:nvPr/>
-          </p:nvSpPr>
-          <p:spPr>
-            <a:xfrm>
-              <a:off x="6848768" y="1073725"/>
-              <a:ext cx="914400" cy="397168"/>
-            </a:xfrm>
-            <a:prstGeom prst="rect">
-              <a:avLst/>
-            </a:prstGeom>
-            <a:solidFill>
-              <a:schemeClr val="accent6">
-                <a:alpha val="41000"/>
-              </a:schemeClr>
-            </a:solidFill>
-            <a:ln>
-              <a:solidFill>
-                <a:schemeClr val="accent4"/>
-              </a:solidFill>
-            </a:ln>
-          </p:spPr>
-          <p:style>
-            <a:lnRef idx="2">
-              <a:schemeClr val="accent1">
-                <a:shade val="50000"/>
-              </a:schemeClr>
-            </a:lnRef>
-            <a:fillRef idx="1">
-              <a:schemeClr val="accent1"/>
-            </a:fillRef>
-            <a:effectRef idx="0">
-              <a:schemeClr val="accent1"/>
-            </a:effectRef>
-            <a:fontRef idx="minor">
-              <a:schemeClr val="lt1"/>
-            </a:fontRef>
-          </p:style>
-          <p:txBody>
-            <a:bodyPr rtlCol="0" anchor="ctr"/>
-            <a:lstStyle/>
-            <a:p>
-              <a:pPr algn="ctr"/>
-              <a:r>
-                <a:rPr lang="ko-KR" altLang="en-US" sz="900" b="1" dirty="0">
-                  <a:solidFill>
-                    <a:schemeClr val="tx1"/>
-                  </a:solidFill>
-                </a:rPr>
-                <a:t>서브 카테고리</a:t>
-              </a:r>
-            </a:p>
-          </p:txBody>
-        </p:sp>
-      </p:grpSp>
-      <p:sp>
-        <p:nvSpPr>
-          <p:cNvPr id="38" name="직사각형 37">
-            <a:extLst>
-              <a:ext uri="{FF2B5EF4-FFF2-40B4-BE49-F238E27FC236}">
-                <a16:creationId xmlns:a16="http://schemas.microsoft.com/office/drawing/2014/main" id="{1DCAB59E-C028-4B9A-BF7A-98F57D9D5D11}"/>
-              </a:ext>
-            </a:extLst>
-          </p:cNvPr>
-          <p:cNvSpPr/>
-          <p:nvPr/>
-        </p:nvSpPr>
-        <p:spPr>
-          <a:xfrm>
-            <a:off x="1648228" y="2808484"/>
-            <a:ext cx="8881225" cy="1586648"/>
-          </a:xfrm>
-          <a:prstGeom prst="rect">
-            <a:avLst/>
-          </a:prstGeom>
-          <a:solidFill>
-            <a:schemeClr val="bg1">
-              <a:lumMod val="95000"/>
-              <a:alpha val="35000"/>
-            </a:schemeClr>
-          </a:solidFill>
-          <a:ln w="9525">
-            <a:solidFill>
-              <a:schemeClr val="bg1">
-                <a:lumMod val="65000"/>
-              </a:schemeClr>
-            </a:solidFill>
-          </a:ln>
-        </p:spPr>
-        <p:style>
-          <a:lnRef idx="2">
-            <a:schemeClr val="accent1">
-              <a:shade val="50000"/>
-            </a:schemeClr>
-          </a:lnRef>
-          <a:fillRef idx="1">
-            <a:schemeClr val="accent1"/>
-          </a:fillRef>
-          <a:effectRef idx="0">
-            <a:schemeClr val="accent1"/>
-          </a:effectRef>
-          <a:fontRef idx="minor">
-            <a:schemeClr val="lt1"/>
-          </a:fontRef>
-        </p:style>
-        <p:txBody>
-          <a:bodyPr rtlCol="0" anchor="ctr"/>
-          <a:lstStyle/>
-          <a:p>
-            <a:pPr algn="ctr"/>
-            <a:endParaRPr lang="ko-KR" altLang="en-US">
-              <a:solidFill>
-                <a:prstClr val="white"/>
-              </a:solidFill>
-              <a:latin typeface="+mn-ea"/>
-              <a:ea typeface="+mn-ea"/>
-            </a:endParaRPr>
-          </a:p>
-        </p:txBody>
-      </p:sp>
-      <p:sp>
-        <p:nvSpPr>
-          <p:cNvPr id="39" name="직사각형 38">
-            <a:extLst>
-              <a:ext uri="{FF2B5EF4-FFF2-40B4-BE49-F238E27FC236}">
-                <a16:creationId xmlns:a16="http://schemas.microsoft.com/office/drawing/2014/main" id="{1DCAB59E-C028-4B9A-BF7A-98F57D9D5D11}"/>
-              </a:ext>
-            </a:extLst>
-          </p:cNvPr>
-          <p:cNvSpPr/>
-          <p:nvPr/>
-        </p:nvSpPr>
-        <p:spPr>
-          <a:xfrm>
-            <a:off x="1648228" y="4574825"/>
-            <a:ext cx="8881225" cy="1586648"/>
-          </a:xfrm>
-          <a:prstGeom prst="rect">
-            <a:avLst/>
-          </a:prstGeom>
-          <a:solidFill>
-            <a:schemeClr val="bg1">
-              <a:lumMod val="95000"/>
-              <a:alpha val="35000"/>
-            </a:schemeClr>
-          </a:solidFill>
-          <a:ln w="9525">
-            <a:solidFill>
-              <a:schemeClr val="bg1">
-                <a:lumMod val="65000"/>
-              </a:schemeClr>
-            </a:solidFill>
-          </a:ln>
-        </p:spPr>
-        <p:style>
-          <a:lnRef idx="2">
-            <a:schemeClr val="accent1">
-              <a:shade val="50000"/>
-            </a:schemeClr>
-          </a:lnRef>
-          <a:fillRef idx="1">
-            <a:schemeClr val="accent1"/>
-          </a:fillRef>
-          <a:effectRef idx="0">
-            <a:schemeClr val="accent1"/>
-          </a:effectRef>
-          <a:fontRef idx="minor">
-            <a:schemeClr val="lt1"/>
-          </a:fontRef>
-        </p:style>
-        <p:txBody>
-          <a:bodyPr rtlCol="0" anchor="ctr"/>
-          <a:lstStyle/>
-          <a:p>
-            <a:pPr algn="ctr"/>
-            <a:endParaRPr lang="ko-KR" altLang="en-US">
-              <a:solidFill>
-                <a:prstClr val="white"/>
-              </a:solidFill>
-              <a:latin typeface="+mn-ea"/>
-              <a:ea typeface="+mn-ea"/>
-            </a:endParaRPr>
-          </a:p>
-        </p:txBody>
-      </p:sp>
-      <p:sp>
-        <p:nvSpPr>
-          <p:cNvPr id="4" name="TextBox 3"/>
-          <p:cNvSpPr txBox="1"/>
-          <p:nvPr/>
-        </p:nvSpPr>
-        <p:spPr>
-          <a:xfrm>
-            <a:off x="5738091" y="658542"/>
-            <a:ext cx="1071419" cy="369332"/>
-          </a:xfrm>
-          <a:prstGeom prst="rect">
-            <a:avLst/>
-          </a:prstGeom>
-          <a:noFill/>
-          <a:ln>
-            <a:solidFill>
-              <a:schemeClr val="tx1"/>
-            </a:solidFill>
-          </a:ln>
-        </p:spPr>
-        <p:txBody>
-          <a:bodyPr wrap="square" rtlCol="0">
-            <a:spAutoFit/>
-          </a:bodyPr>
-          <a:lstStyle/>
-          <a:p>
-            <a:pPr algn="ctr"/>
-            <a:r>
-              <a:rPr lang="en-US" altLang="ko-KR" b="1" dirty="0" smtClean="0"/>
-              <a:t>Home</a:t>
-            </a:r>
-            <a:endParaRPr lang="ko-KR" altLang="en-US" sz="1050" dirty="0"/>
-          </a:p>
-        </p:txBody>
-      </p:sp>
-      <p:sp>
-        <p:nvSpPr>
-          <p:cNvPr id="40" name="순서도: 수행의 시작/종료 39">
-            <a:extLst>
-              <a:ext uri="{FF2B5EF4-FFF2-40B4-BE49-F238E27FC236}">
-                <a16:creationId xmlns:a16="http://schemas.microsoft.com/office/drawing/2014/main" id="{E639B3AF-08C5-43A1-822E-38A08EF556CB}"/>
-              </a:ext>
-            </a:extLst>
-          </p:cNvPr>
-          <p:cNvSpPr/>
-          <p:nvPr/>
-        </p:nvSpPr>
-        <p:spPr>
-          <a:xfrm>
-            <a:off x="10695709" y="3984568"/>
-            <a:ext cx="411480" cy="1039846"/>
-          </a:xfrm>
-          <a:prstGeom prst="flowChartTerminator">
-            <a:avLst/>
-          </a:prstGeom>
-          <a:solidFill>
-            <a:schemeClr val="accent4">
-              <a:alpha val="55000"/>
-            </a:schemeClr>
-          </a:solidFill>
-          <a:ln>
-            <a:noFill/>
-          </a:ln>
-        </p:spPr>
-        <p:style>
-          <a:lnRef idx="2">
-            <a:schemeClr val="accent1">
-              <a:shade val="50000"/>
-            </a:schemeClr>
-          </a:lnRef>
-          <a:fillRef idx="1">
-            <a:schemeClr val="accent1"/>
-          </a:fillRef>
-          <a:effectRef idx="0">
-            <a:schemeClr val="accent1"/>
-          </a:effectRef>
-          <a:fontRef idx="minor">
-            <a:schemeClr val="lt1"/>
-          </a:fontRef>
-        </p:style>
-        <p:txBody>
-          <a:bodyPr rtlCol="0" anchor="ctr"/>
-          <a:lstStyle/>
-          <a:p>
-            <a:pPr algn="ctr"/>
-            <a:endParaRPr lang="ko-KR" altLang="en-US"/>
-          </a:p>
-        </p:txBody>
-      </p:sp>
-      <p:sp>
-        <p:nvSpPr>
-          <p:cNvPr id="41" name="아래쪽 화살표 40"/>
-          <p:cNvSpPr/>
-          <p:nvPr/>
-        </p:nvSpPr>
-        <p:spPr>
-          <a:xfrm>
-            <a:off x="10765733" y="4658822"/>
-            <a:ext cx="271432" cy="253246"/>
-          </a:xfrm>
-          <a:prstGeom prst="downArrow">
-            <a:avLst>
-              <a:gd name="adj1" fmla="val 50000"/>
-              <a:gd name="adj2" fmla="val 52857"/>
-            </a:avLst>
-          </a:prstGeom>
-          <a:solidFill>
-            <a:schemeClr val="accent4"/>
-          </a:solidFill>
-          <a:ln>
-            <a:solidFill>
-              <a:schemeClr val="tx1"/>
-            </a:solidFill>
-          </a:ln>
-        </p:spPr>
-        <p:style>
-          <a:lnRef idx="2">
-            <a:schemeClr val="accent1">
-              <a:shade val="50000"/>
-            </a:schemeClr>
-          </a:lnRef>
-          <a:fillRef idx="1">
-            <a:schemeClr val="accent1"/>
-          </a:fillRef>
-          <a:effectRef idx="0">
-            <a:schemeClr val="accent1"/>
-          </a:effectRef>
-          <a:fontRef idx="minor">
-            <a:schemeClr val="lt1"/>
-          </a:fontRef>
-        </p:style>
-        <p:txBody>
-          <a:bodyPr rtlCol="0" anchor="ctr"/>
-          <a:lstStyle/>
-          <a:p>
-            <a:pPr algn="ctr"/>
-            <a:endParaRPr lang="ko-KR" altLang="en-US"/>
-          </a:p>
-        </p:txBody>
-      </p:sp>
-      <p:sp>
-        <p:nvSpPr>
-          <p:cNvPr id="42" name="아래쪽 화살표 41"/>
-          <p:cNvSpPr/>
-          <p:nvPr/>
-        </p:nvSpPr>
-        <p:spPr>
-          <a:xfrm rot="10800000">
-            <a:off x="10765733" y="4088715"/>
-            <a:ext cx="271432" cy="253246"/>
-          </a:xfrm>
-          <a:prstGeom prst="downArrow">
-            <a:avLst>
-              <a:gd name="adj1" fmla="val 50000"/>
-              <a:gd name="adj2" fmla="val 52857"/>
-            </a:avLst>
-          </a:prstGeom>
-          <a:solidFill>
-            <a:schemeClr val="accent4"/>
-          </a:solidFill>
-          <a:ln>
-            <a:solidFill>
-              <a:schemeClr val="tx1"/>
-            </a:solidFill>
-          </a:ln>
-        </p:spPr>
-        <p:style>
-          <a:lnRef idx="2">
-            <a:schemeClr val="accent1">
-              <a:shade val="50000"/>
-            </a:schemeClr>
-          </a:lnRef>
-          <a:fillRef idx="1">
-            <a:schemeClr val="accent1"/>
-          </a:fillRef>
-          <a:effectRef idx="0">
-            <a:schemeClr val="accent1"/>
-          </a:effectRef>
-          <a:fontRef idx="minor">
-            <a:schemeClr val="lt1"/>
-          </a:fontRef>
-        </p:style>
-        <p:txBody>
-          <a:bodyPr rtlCol="0" anchor="ctr"/>
-          <a:lstStyle/>
-          <a:p>
-            <a:pPr algn="ctr"/>
-            <a:endParaRPr lang="ko-KR" altLang="en-US"/>
-          </a:p>
-        </p:txBody>
-      </p:sp>
-      <p:pic>
-        <p:nvPicPr>
-          <p:cNvPr id="5" name="그림 4"/>
-          <p:cNvPicPr>
-            <a:picLocks noChangeAspect="1"/>
-          </p:cNvPicPr>
-          <p:nvPr/>
-        </p:nvPicPr>
-        <p:blipFill>
-          <a:blip r:embed="rId2">
-            <a:extLst>
-              <a:ext uri="{28A0092B-C50C-407E-A947-70E740481C1C}">
-                <a14:useLocalDpi xmlns:a14="http://schemas.microsoft.com/office/drawing/2010/main" val="0"/>
-              </a:ext>
-            </a:extLst>
-          </a:blip>
-          <a:stretch>
-            <a:fillRect/>
-          </a:stretch>
-        </p:blipFill>
-        <p:spPr>
-          <a:xfrm>
-            <a:off x="1801091" y="2909454"/>
-            <a:ext cx="8506691" cy="1348509"/>
-          </a:xfrm>
-          <a:prstGeom prst="rect">
-            <a:avLst/>
-          </a:prstGeom>
-          <a:effectLst>
-            <a:outerShdw blurRad="50800" dist="50800" dir="5400000" algn="ctr" rotWithShape="0">
-              <a:srgbClr val="000000">
-                <a:alpha val="0"/>
-              </a:srgbClr>
-            </a:outerShdw>
-          </a:effectLst>
-        </p:spPr>
-      </p:pic>
-      <p:pic>
-        <p:nvPicPr>
-          <p:cNvPr id="6" name="그림 5"/>
-          <p:cNvPicPr>
-            <a:picLocks noChangeAspect="1"/>
-          </p:cNvPicPr>
-          <p:nvPr/>
-        </p:nvPicPr>
-        <p:blipFill>
-          <a:blip r:embed="rId3">
-            <a:extLst>
-              <a:ext uri="{28A0092B-C50C-407E-A947-70E740481C1C}">
-                <a14:useLocalDpi xmlns:a14="http://schemas.microsoft.com/office/drawing/2010/main" val="0"/>
-              </a:ext>
-            </a:extLst>
-          </a:blip>
-          <a:stretch>
-            <a:fillRect/>
-          </a:stretch>
-        </p:blipFill>
-        <p:spPr>
-          <a:xfrm>
-            <a:off x="1801091" y="4724289"/>
-            <a:ext cx="8506691" cy="1297820"/>
-          </a:xfrm>
-          <a:prstGeom prst="rect">
-            <a:avLst/>
-          </a:prstGeom>
-        </p:spPr>
-      </p:pic>
-      <p:sp>
-        <p:nvSpPr>
-          <p:cNvPr id="7" name="TextBox 6"/>
-          <p:cNvSpPr txBox="1"/>
-          <p:nvPr/>
-        </p:nvSpPr>
-        <p:spPr>
-          <a:xfrm>
-            <a:off x="5523345" y="2595418"/>
-            <a:ext cx="1588655" cy="338554"/>
-          </a:xfrm>
-          <a:prstGeom prst="rect">
-            <a:avLst/>
-          </a:prstGeom>
-          <a:noFill/>
-        </p:spPr>
-        <p:txBody>
-          <a:bodyPr wrap="square" rtlCol="0">
-            <a:spAutoFit/>
-          </a:bodyPr>
-          <a:lstStyle/>
-          <a:p>
-            <a:r>
-              <a:rPr lang="ko-KR" altLang="en-US" sz="1600" b="1" dirty="0" smtClean="0"/>
-              <a:t>지금 </a:t>
-            </a:r>
-            <a:r>
-              <a:rPr lang="en-US" altLang="ko-KR" sz="1600" b="1" dirty="0" smtClean="0"/>
-              <a:t>Best seller</a:t>
-            </a:r>
-            <a:endParaRPr lang="ko-KR" altLang="en-US" sz="1600" b="1" dirty="0"/>
-          </a:p>
-        </p:txBody>
-      </p:sp>
-      <p:sp>
-        <p:nvSpPr>
-          <p:cNvPr id="44" name="TextBox 43"/>
-          <p:cNvSpPr txBox="1"/>
-          <p:nvPr/>
-        </p:nvSpPr>
-        <p:spPr>
-          <a:xfrm>
-            <a:off x="5407891" y="4311003"/>
-            <a:ext cx="1588655" cy="307777"/>
-          </a:xfrm>
-          <a:prstGeom prst="rect">
-            <a:avLst/>
-          </a:prstGeom>
-          <a:noFill/>
-        </p:spPr>
-        <p:txBody>
-          <a:bodyPr wrap="square" rtlCol="0">
-            <a:spAutoFit/>
-          </a:bodyPr>
-          <a:lstStyle/>
-          <a:p>
-            <a:r>
-              <a:rPr lang="ko-KR" altLang="en-US" sz="1400" b="1" dirty="0" smtClean="0"/>
-              <a:t>사용자 추천 도서</a:t>
-            </a:r>
-            <a:endParaRPr lang="ko-KR" altLang="en-US" sz="1400" b="1" dirty="0"/>
-          </a:p>
-        </p:txBody>
-      </p:sp>
-    </p:spTree>
-    <p:extLst>
-      <p:ext uri="{BB962C8B-B14F-4D97-AF65-F5344CB8AC3E}">
-        <p14:creationId xmlns:p14="http://schemas.microsoft.com/office/powerpoint/2010/main" val="861444202"/>
-      </p:ext>
-    </p:extLst>
-  </p:cSld>
-  <p:clrMapOvr>
-    <a:masterClrMapping/>
-  </p:clrMapOvr>
-  <p:timing>
-    <p:tnLst>
-      <p:par>
-        <p:cTn id="1" dur="indefinite" restart="never" nodeType="tmRoot"/>
-      </p:par>
-    </p:tnLst>
-  </p:timing>
-</p:sld>
-</file>
-
 <file path=ppt/theme/theme1.xml><?xml version="1.0" encoding="utf-8"?>
-<a:theme xmlns:a="http://schemas.openxmlformats.org/drawingml/2006/main" name="자연주의">
+<a:theme xmlns:r="http://schemas.openxmlformats.org/officeDocument/2006/relationships" xmlns:c="http://schemas.openxmlformats.org/drawingml/2006/chart" xmlns:dgm="http://schemas.openxmlformats.org/drawingml/2006/diagram" xmlns:dsp="http://schemas.microsoft.com/office/drawing/2008/diagram" xmlns:a="http://schemas.openxmlformats.org/drawingml/2006/main" xmlns:pic="http://schemas.openxmlformats.org/drawingml/2006/picture" xmlns:wp="http://schemas.openxmlformats.org/drawingml/2006/wordprocessingDrawing" xmlns:xdr="http://schemas.openxmlformats.org/drawingml/2006/spreadsheetDrawing" xmlns:p="http://schemas.openxmlformats.org/presentationml/2006/main" name="자연주의">
   <a:themeElements>
     <a:clrScheme name="자연주의">
       <a:dk1>
         <a:sysClr val="windowText" lastClr="000000"/>
       </a:dk1>
       <a:lt1>
-        <a:sysClr val="window" lastClr="FFFFFF"/>
+        <a:sysClr val="window" lastClr="ffffff"/>
       </a:lt1>
       <a:dk2>
         <a:srgbClr val="212121"/>
       </a:dk2>
       <a:lt2>
-        <a:srgbClr val="DADADA"/>
+        <a:srgbClr val="dadada"/>
       </a:lt2>
       <a:accent1>
-        <a:srgbClr val="83992A"/>
+        <a:srgbClr val="83992a"/>
       </a:accent1>
       <a:accent2>
-        <a:srgbClr val="3C9770"/>
+        <a:srgbClr val="3c9770"/>
       </a:accent2>
       <a:accent3>
-        <a:srgbClr val="44709D"/>
+        <a:srgbClr val="44709d"/>
       </a:accent3>
       <a:accent4>
-        <a:srgbClr val="A23C33"/>
+        <a:srgbClr val="a23c33"/>
       </a:accent4>
       <a:accent5>
-        <a:srgbClr val="D97828"/>
+        <a:srgbClr val="d97828"/>
       </a:accent5>
       <a:accent6>
-        <a:srgbClr val="DEB340"/>
+        <a:srgbClr val="deb340"/>
       </a:accent6>
       <a:hlink>
-        <a:srgbClr val="A8BF4D"/>
+        <a:srgbClr val="a8bf4d"/>
       </a:hlink>
       <a:folHlink>
-        <a:srgbClr val="B4CA80"/>
+        <a:srgbClr val="b4ca80"/>
       </a:folHlink>
     </a:clrScheme>
     <a:fontScheme name="자연주의">
       <a:majorFont>
-        <a:latin typeface="Garamond" panose="02020404030301010803"/>
+        <a:latin typeface="Garamond" panose="2147483647"/>
         <a:ea typeface=""/>
         <a:cs typeface=""/>
-        <a:font script="Jpan" typeface="ＭＳ Ｐゴシック"/>
+        <a:font script="Jpan" typeface="MS PGothic"/>
         <a:font script="Hang" typeface="돋움"/>
         <a:font script="Hans" typeface="方正舒体"/>
-        <a:font script="Hant" typeface="微軟正黑體"/>
+        <a:font script="Hant" typeface="Microsoft JhengHei"/>
         <a:font script="Arab" typeface="Arial"/>
         <a:font script="Hebr" typeface="Arial"/>
         <a:font script="Thai" typeface="Cordia New"/>
@@ -14000,7 +15261,7 @@
         <a:font script="Geor" typeface="Sylfaen"/>
       </a:majorFont>
       <a:minorFont>
-        <a:latin typeface="Garamond" panose="02020404030301010803"/>
+        <a:latin typeface="Garamond" panose="2147483647"/>
         <a:ea typeface=""/>
         <a:cs typeface=""/>
         <a:font script="Jpan" typeface="ＭＳ Ｐ明朝"/>
@@ -14056,8 +15317,8 @@
           </a:gsLst>
           <a:lin ang="5400000" scaled="0"/>
         </a:gradFill>
-        <a:blipFill>
-          <a:blip xmlns:r="http://schemas.openxmlformats.org/officeDocument/2006/relationships" r:embed="rId1">
+        <a:blipFill rotWithShape="1">
+          <a:blip r:embed="rId1">
             <a:duotone>
               <a:schemeClr val="phClr">
                 <a:shade val="74000"/>
@@ -14138,19 +15399,14 @@
           </a:gsLst>
           <a:lin ang="5400000" scaled="0"/>
         </a:gradFill>
-        <a:blipFill>
-          <a:blip xmlns:r="http://schemas.openxmlformats.org/officeDocument/2006/relationships" r:embed="rId2"/>
-          <a:stretch/>
+        <a:blipFill rotWithShape="1">
+          <a:blip r:embed="rId2"/>
+          <a:stretch>
+            <a:fillRect/>
+          </a:stretch>
         </a:blipFill>
       </a:bgFillStyleLst>
     </a:fmtScheme>
   </a:themeElements>
-  <a:objectDefaults/>
-  <a:extraClrSchemeLst/>
-  <a:extLst>
-    <a:ext uri="{05A4C25C-085E-4340-85A3-A5531E510DB2}">
-      <thm15:themeFamily xmlns:thm15="http://schemas.microsoft.com/office/thememl/2012/main" name="Organic" id="{28CDC826-8792-45C0-861B-85EB3ADEDA33}" vid="{7DAC20F1-423D-49E2-BD0B-50532748BAD0}"/>
-    </a:ext>
-  </a:extLst>
 </a:theme>
 </file>
--- a/22.최영욱Book.pptx
+++ b/22.최영욱Book.pptx
@@ -1,6 +1,6 @@
 
 <file path=ppt/presentation.xml><?xml version="1.0" encoding="utf-8"?>
-<p:presentation xmlns:r="http://schemas.openxmlformats.org/officeDocument/2006/relationships" xmlns:c="http://schemas.openxmlformats.org/drawingml/2006/chart" xmlns:a="http://schemas.openxmlformats.org/drawingml/2006/main" xmlns:dgm="http://schemas.openxmlformats.org/drawingml/2006/diagram" xmlns:dsp="http://schemas.microsoft.com/office/drawing/2008/diagram" xmlns:p="http://schemas.openxmlformats.org/presentationml/2006/main" autoCompressPictures="0">
+<p:presentation xmlns:a="http://schemas.openxmlformats.org/drawingml/2006/main" xmlns:r="http://schemas.openxmlformats.org/officeDocument/2006/relationships" xmlns:p="http://schemas.openxmlformats.org/presentationml/2006/main" autoCompressPictures="0">
   <p:sldMasterIdLst>
     <p:sldMasterId id="2147483763" r:id="rId1"/>
   </p:sldMasterIdLst>
@@ -15,8 +15,8 @@
     <p:sldId id="263" r:id="rId9"/>
     <p:sldId id="264" r:id="rId10"/>
     <p:sldId id="265" r:id="rId11"/>
-    <p:sldId id="266" r:id="rId12"/>
-    <p:sldId id="267" r:id="rId13"/>
+    <p:sldId id="267" r:id="rId12"/>
+    <p:sldId id="266" r:id="rId13"/>
     <p:sldId id="268" r:id="rId14"/>
     <p:sldId id="269" r:id="rId15"/>
   </p:sldIdLst>
@@ -120,7 +120,7 @@
   <p:extLst>
     <p:ext uri="{521415D9-36F7-43E2-AB2F-B90AF26B5E84}">
       <p14:sectionLst xmlns:p14="http://schemas.microsoft.com/office/powerpoint/2010/main">
-        <p14:section id="{5B297473-0FD7-44A4-8D12-B2776EE601DA}" name="기본 구역">
+        <p14:section name="기본 구역" id="{5B297473-0FD7-44A4-8D12-B2776EE601DA}">
           <p14:sldIdLst>
             <p14:sldId id="256"/>
             <p14:sldId id="257"/>
@@ -132,13 +132,27 @@
             <p14:sldId id="263"/>
             <p14:sldId id="264"/>
             <p14:sldId id="265"/>
+            <p14:sldId id="267"/>
             <p14:sldId id="266"/>
-            <p14:sldId id="267"/>
             <p14:sldId id="268"/>
             <p14:sldId id="269"/>
           </p14:sldIdLst>
         </p14:section>
       </p14:sectionLst>
+    </p:ext>
+    <p:ext uri="{EFAFB233-063F-42B5-8137-9DF3F51BA10A}">
+      <p15:sldGuideLst xmlns:p15="http://schemas.microsoft.com/office/powerpoint/2012/main">
+        <p15:guide id="1" orient="horz" pos="2159">
+          <p15:clr>
+            <a:srgbClr val="A4A3A4"/>
+          </p15:clr>
+        </p15:guide>
+        <p15:guide id="2" pos="3839">
+          <p15:clr>
+            <a:srgbClr val="A4A3A4"/>
+          </p15:clr>
+        </p15:guide>
+      </p15:sldGuideLst>
     </p:ext>
   </p:extLst>
 </p:presentation>
@@ -476,7 +490,7 @@
             <a:fld id="{B61BEF0D-F0BB-DE4B-95CE-6DB70DBA9567}" type="datetimeFigureOut">
               <a:rPr lang="en-US" smtClean="0"/>
               <a:pPr/>
-              <a:t>6/30/2023</a:t>
+              <a:t>7/4/2023</a:t>
             </a:fld>
             <a:endParaRPr lang="en-US" dirty="0"/>
           </a:p>
@@ -802,7 +816,7 @@
             <a:fld id="{B61BEF0D-F0BB-DE4B-95CE-6DB70DBA9567}" type="datetimeFigureOut">
               <a:rPr lang="en-US" smtClean="0"/>
               <a:pPr/>
-              <a:t>6/30/2023</a:t>
+              <a:t>7/4/2023</a:t>
             </a:fld>
             <a:endParaRPr lang="en-US" dirty="0"/>
           </a:p>
@@ -1052,7 +1066,7 @@
             <a:fld id="{B61BEF0D-F0BB-DE4B-95CE-6DB70DBA9567}" type="datetimeFigureOut">
               <a:rPr lang="en-US" smtClean="0"/>
               <a:pPr/>
-              <a:t>6/30/2023</a:t>
+              <a:t>7/4/2023</a:t>
             </a:fld>
             <a:endParaRPr lang="en-US" dirty="0"/>
           </a:p>
@@ -1393,7 +1407,7 @@
             <a:fld id="{B61BEF0D-F0BB-DE4B-95CE-6DB70DBA9567}" type="datetimeFigureOut">
               <a:rPr lang="en-US" smtClean="0"/>
               <a:pPr/>
-              <a:t>6/30/2023</a:t>
+              <a:t>7/4/2023</a:t>
             </a:fld>
             <a:endParaRPr lang="en-US" dirty="0"/>
           </a:p>
@@ -1742,7 +1756,7 @@
             <a:fld id="{B61BEF0D-F0BB-DE4B-95CE-6DB70DBA9567}" type="datetimeFigureOut">
               <a:rPr lang="en-US" smtClean="0"/>
               <a:pPr/>
-              <a:t>6/30/2023</a:t>
+              <a:t>7/4/2023</a:t>
             </a:fld>
             <a:endParaRPr lang="en-US" dirty="0"/>
           </a:p>
@@ -2118,7 +2132,7 @@
             <a:fld id="{B61BEF0D-F0BB-DE4B-95CE-6DB70DBA9567}" type="datetimeFigureOut">
               <a:rPr lang="en-US" smtClean="0"/>
               <a:pPr/>
-              <a:t>6/30/2023</a:t>
+              <a:t>7/4/2023</a:t>
             </a:fld>
             <a:endParaRPr lang="en-US" dirty="0"/>
           </a:p>
@@ -2590,7 +2604,7 @@
             <a:fld id="{B61BEF0D-F0BB-DE4B-95CE-6DB70DBA9567}" type="datetimeFigureOut">
               <a:rPr lang="en-US" smtClean="0"/>
               <a:pPr/>
-              <a:t>6/30/2023</a:t>
+              <a:t>7/4/2023</a:t>
             </a:fld>
             <a:endParaRPr lang="en-US" dirty="0"/>
           </a:p>
@@ -2797,7 +2811,7 @@
             <a:fld id="{B61BEF0D-F0BB-DE4B-95CE-6DB70DBA9567}" type="datetimeFigureOut">
               <a:rPr lang="en-US" smtClean="0"/>
               <a:pPr/>
-              <a:t>6/30/2023</a:t>
+              <a:t>7/4/2023</a:t>
             </a:fld>
             <a:endParaRPr lang="en-US" dirty="0"/>
           </a:p>
@@ -3010,7 +3024,7 @@
             <a:fld id="{B61BEF0D-F0BB-DE4B-95CE-6DB70DBA9567}" type="datetimeFigureOut">
               <a:rPr lang="en-US" smtClean="0"/>
               <a:pPr/>
-              <a:t>6/30/2023</a:t>
+              <a:t>7/4/2023</a:t>
             </a:fld>
             <a:endParaRPr lang="en-US" dirty="0"/>
           </a:p>
@@ -3244,7 +3258,7 @@
             <a:fld id="{B61BEF0D-F0BB-DE4B-95CE-6DB70DBA9567}" type="datetimeFigureOut">
               <a:rPr lang="en-US" smtClean="0"/>
               <a:pPr/>
-              <a:t>6/30/2023</a:t>
+              <a:t>7/4/2023</a:t>
             </a:fld>
             <a:endParaRPr lang="en-US" dirty="0"/>
           </a:p>
@@ -3494,7 +3508,7 @@
             <a:fld id="{B61BEF0D-F0BB-DE4B-95CE-6DB70DBA9567}" type="datetimeFigureOut">
               <a:rPr lang="en-US" smtClean="0"/>
               <a:pPr/>
-              <a:t>6/30/2023</a:t>
+              <a:t>7/4/2023</a:t>
             </a:fld>
             <a:endParaRPr lang="en-US" dirty="0"/>
           </a:p>
@@ -3794,7 +3808,7 @@
             <a:fld id="{B61BEF0D-F0BB-DE4B-95CE-6DB70DBA9567}" type="datetimeFigureOut">
               <a:rPr lang="en-US" smtClean="0"/>
               <a:pPr/>
-              <a:t>6/30/2023</a:t>
+              <a:t>7/4/2023</a:t>
             </a:fld>
             <a:endParaRPr lang="en-US" dirty="0"/>
           </a:p>
@@ -4190,7 +4204,7 @@
             <a:fld id="{B61BEF0D-F0BB-DE4B-95CE-6DB70DBA9567}" type="datetimeFigureOut">
               <a:rPr lang="en-US" smtClean="0"/>
               <a:pPr/>
-              <a:t>6/30/2023</a:t>
+              <a:t>7/4/2023</a:t>
             </a:fld>
             <a:endParaRPr lang="en-US" dirty="0"/>
           </a:p>
@@ -4341,7 +4355,7 @@
             <a:fld id="{B61BEF0D-F0BB-DE4B-95CE-6DB70DBA9567}" type="datetimeFigureOut">
               <a:rPr lang="en-US" smtClean="0"/>
               <a:pPr/>
-              <a:t>6/30/2023</a:t>
+              <a:t>7/4/2023</a:t>
             </a:fld>
             <a:endParaRPr lang="en-US" dirty="0"/>
           </a:p>
@@ -4469,7 +4483,7 @@
             <a:fld id="{B61BEF0D-F0BB-DE4B-95CE-6DB70DBA9567}" type="datetimeFigureOut">
               <a:rPr lang="en-US" smtClean="0"/>
               <a:pPr/>
-              <a:t>6/30/2023</a:t>
+              <a:t>7/4/2023</a:t>
             </a:fld>
             <a:endParaRPr lang="en-US" dirty="0"/>
           </a:p>
@@ -4726,7 +4740,7 @@
             <a:fld id="{B61BEF0D-F0BB-DE4B-95CE-6DB70DBA9567}" type="datetimeFigureOut">
               <a:rPr lang="en-US" smtClean="0"/>
               <a:pPr/>
-              <a:t>6/30/2023</a:t>
+              <a:t>7/4/2023</a:t>
             </a:fld>
             <a:endParaRPr lang="en-US" dirty="0"/>
           </a:p>
@@ -5043,7 +5057,7 @@
             <a:fld id="{B61BEF0D-F0BB-DE4B-95CE-6DB70DBA9567}" type="datetimeFigureOut">
               <a:rPr lang="en-US" smtClean="0"/>
               <a:pPr/>
-              <a:t>6/30/2023</a:t>
+              <a:t>7/4/2023</a:t>
             </a:fld>
             <a:endParaRPr lang="en-US" dirty="0"/>
           </a:p>
@@ -5396,7 +5410,7 @@
             <a:fld id="{B61BEF0D-F0BB-DE4B-95CE-6DB70DBA9567}" type="datetimeFigureOut">
               <a:rPr lang="en-US" smtClean="0"/>
               <a:pPr/>
-              <a:t>6/30/2023</a:t>
+              <a:t>7/4/2023</a:t>
             </a:fld>
             <a:endParaRPr lang="en-US" dirty="0"/>
           </a:p>
@@ -6044,7 +6058,7 @@
 </file>
 
 <file path=ppt/slides/slide10.xml><?xml version="1.0" encoding="utf-8"?>
-<p:sld xmlns:r="http://schemas.openxmlformats.org/officeDocument/2006/relationships" xmlns:c="http://schemas.openxmlformats.org/drawingml/2006/chart" xmlns:a="http://schemas.openxmlformats.org/drawingml/2006/main" xmlns:dgm="http://schemas.openxmlformats.org/drawingml/2006/diagram" xmlns:dsp="http://schemas.microsoft.com/office/drawing/2008/diagram" xmlns:p="http://schemas.openxmlformats.org/presentationml/2006/main">
+<p:sld xmlns:a="http://schemas.openxmlformats.org/drawingml/2006/main" xmlns:r="http://schemas.openxmlformats.org/officeDocument/2006/relationships" xmlns:p="http://schemas.openxmlformats.org/presentationml/2006/main">
   <p:cSld>
     <p:spTree>
       <p:nvGrpSpPr>
@@ -6067,7 +6081,7 @@
             <a:spLocks noGrp="1"/>
           </p:cNvSpPr>
           <p:nvPr>
-            <p:ph type="title" idx="0"/>
+            <p:ph type="title"/>
           </p:nvPr>
         </p:nvSpPr>
         <p:spPr>
@@ -6087,7 +6101,6 @@
               <a:rPr lang="ko-KR" altLang="en-US"/>
               <a:t>상단페이지</a:t>
             </a:r>
-            <a:endParaRPr lang="ko-KR" altLang="en-US"/>
           </a:p>
         </p:txBody>
       </p:sp>
@@ -6132,7 +6145,6 @@
               <a:rPr lang="ko-KR" altLang="en-US"/>
               <a:t>헤더</a:t>
             </a:r>
-            <a:endParaRPr lang="ko-KR" altLang="en-US"/>
           </a:p>
           <a:p>
             <a:pPr marL="0" indent="0">
@@ -6159,7 +6171,6 @@
               <a:rPr lang="ko-KR" altLang="en-US"/>
               <a:t> 로그인메뉴</a:t>
             </a:r>
-            <a:endParaRPr lang="ko-KR" altLang="en-US"/>
           </a:p>
         </p:txBody>
       </p:sp>
@@ -6186,7 +6197,6 @@
               <a:rPr lang="ko-KR" altLang="en-US"/>
               <a:t>코드</a:t>
             </a:r>
-            <a:endParaRPr lang="ko-KR" altLang="en-US"/>
           </a:p>
           <a:p>
             <a:pPr marL="0" indent="0">
@@ -6199,7 +6209,7 @@
       </p:sp>
       <p:pic>
         <p:nvPicPr>
-          <p:cNvPr id="16" name=""/>
+          <p:cNvPr id="16" name="그림 15"/>
           <p:cNvPicPr>
             <a:picLocks noChangeAspect="1"/>
           </p:cNvPicPr>
@@ -6223,7 +6233,7 @@
       </p:pic>
       <p:pic>
         <p:nvPicPr>
-          <p:cNvPr id="17" name=""/>
+          <p:cNvPr id="17" name="그림 16"/>
           <p:cNvPicPr>
             <a:picLocks noChangeAspect="1"/>
           </p:cNvPicPr>
@@ -6247,7 +6257,7 @@
       </p:pic>
       <p:pic>
         <p:nvPicPr>
-          <p:cNvPr id="18" name=""/>
+          <p:cNvPr id="18" name="그림 17"/>
           <p:cNvPicPr>
             <a:picLocks noChangeAspect="1"/>
           </p:cNvPicPr>
@@ -6274,18 +6284,190 @@
   <p:clrMapOvr>
     <a:masterClrMapping/>
   </p:clrMapOvr>
-  <mc:AlternateContent xmlns:mc="http://schemas.openxmlformats.org/markup-compatibility/2006">
-    <mc:Choice xmlns:p14="http://schemas.microsoft.com/office/powerpoint/2010/main" Requires="p14">
-      <p:transition xmlns:mc="http://schemas.openxmlformats.org/markup-compatibility/2006" xmlns:p14="http://schemas.microsoft.com/office/powerpoint/2010/main" mc:Ignorable="p14" p14:dur="500"/>
+  <mc:AlternateContent xmlns:mc="http://schemas.openxmlformats.org/markup-compatibility/2006" xmlns:p14="http://schemas.microsoft.com/office/powerpoint/2010/main">
+    <mc:Choice Requires="p14">
+      <p:transition/>
     </mc:Choice>
-    <mc:Fallback>
+    <mc:Fallback xmlns="" xmlns:c="http://schemas.openxmlformats.org/drawingml/2006/chart" xmlns:dgm="http://schemas.openxmlformats.org/drawingml/2006/diagram" xmlns:dsp="http://schemas.microsoft.com/office/drawing/2008/diagram">
       <p:transition/>
     </mc:Fallback>
   </mc:AlternateContent>
+  <p:timing>
+    <p:tnLst>
+      <p:par>
+        <p:cTn id="1" dur="indefinite" restart="never" nodeType="tmRoot"/>
+      </p:par>
+    </p:tnLst>
+  </p:timing>
 </p:sld>
 </file>
 
 <file path=ppt/slides/slide11.xml><?xml version="1.0" encoding="utf-8"?>
+<p:sld xmlns:a="http://schemas.openxmlformats.org/drawingml/2006/main" xmlns:r="http://schemas.openxmlformats.org/officeDocument/2006/relationships" xmlns:p="http://schemas.openxmlformats.org/presentationml/2006/main">
+  <p:cSld>
+    <p:spTree>
+      <p:nvGrpSpPr>
+        <p:cNvPr id="1" name=""/>
+        <p:cNvGrpSpPr/>
+        <p:nvPr/>
+      </p:nvGrpSpPr>
+      <p:grpSpPr>
+        <a:xfrm>
+          <a:off x="0" y="0"/>
+          <a:ext cx="0" cy="0"/>
+          <a:chOff x="0" y="0"/>
+          <a:chExt cx="0" cy="0"/>
+        </a:xfrm>
+      </p:grpSpPr>
+      <p:sp>
+        <p:nvSpPr>
+          <p:cNvPr id="2" name="Title 1"/>
+          <p:cNvSpPr>
+            <a:spLocks noGrp="1"/>
+          </p:cNvSpPr>
+          <p:nvPr>
+            <p:ph type="title"/>
+          </p:nvPr>
+        </p:nvSpPr>
+        <p:spPr/>
+        <p:txBody>
+          <a:bodyPr/>
+          <a:lstStyle/>
+          <a:p>
+            <a:pPr>
+              <a:defRPr/>
+            </a:pPr>
+            <a:r>
+              <a:rPr lang="ko-KR" altLang="en-US"/>
+              <a:t>메인페이지</a:t>
+            </a:r>
+          </a:p>
+        </p:txBody>
+      </p:sp>
+      <p:sp>
+        <p:nvSpPr>
+          <p:cNvPr id="3" name="Content Placeholder 2"/>
+          <p:cNvSpPr>
+            <a:spLocks noGrp="1"/>
+          </p:cNvSpPr>
+          <p:nvPr>
+            <p:ph sz="half" idx="1"/>
+          </p:nvPr>
+        </p:nvSpPr>
+        <p:spPr/>
+        <p:txBody>
+          <a:bodyPr/>
+          <a:lstStyle/>
+          <a:p>
+            <a:pPr marL="0" indent="0">
+              <a:buNone/>
+              <a:defRPr/>
+            </a:pPr>
+            <a:r>
+              <a:rPr lang="ko-KR" altLang="en-US"/>
+              <a:t>상단 메인</a:t>
+            </a:r>
+          </a:p>
+        </p:txBody>
+      </p:sp>
+      <p:sp>
+        <p:nvSpPr>
+          <p:cNvPr id="4" name="Content Placeholder 3"/>
+          <p:cNvSpPr>
+            <a:spLocks noGrp="1"/>
+          </p:cNvSpPr>
+          <p:nvPr>
+            <p:ph sz="half" idx="2"/>
+          </p:nvPr>
+        </p:nvSpPr>
+        <p:spPr/>
+        <p:txBody>
+          <a:bodyPr/>
+          <a:lstStyle/>
+          <a:p>
+            <a:pPr marL="0" indent="0">
+              <a:buNone/>
+              <a:defRPr/>
+            </a:pPr>
+            <a:r>
+              <a:rPr lang="ko-KR" altLang="en-US"/>
+              <a:t>코드</a:t>
+            </a:r>
+          </a:p>
+        </p:txBody>
+      </p:sp>
+      <p:pic>
+        <p:nvPicPr>
+          <p:cNvPr id="5" name="그림 4"/>
+          <p:cNvPicPr>
+            <a:picLocks noChangeAspect="1"/>
+          </p:cNvPicPr>
+          <p:nvPr/>
+        </p:nvPicPr>
+        <p:blipFill rotWithShape="1">
+          <a:blip r:embed="rId2"/>
+          <a:stretch>
+            <a:fillRect/>
+          </a:stretch>
+        </p:blipFill>
+        <p:spPr>
+          <a:xfrm>
+            <a:off x="1166812" y="3160378"/>
+            <a:ext cx="4929188" cy="2697376"/>
+          </a:xfrm>
+          <a:prstGeom prst="rect">
+            <a:avLst/>
+          </a:prstGeom>
+        </p:spPr>
+      </p:pic>
+      <p:pic>
+        <p:nvPicPr>
+          <p:cNvPr id="6" name="그림 5"/>
+          <p:cNvPicPr>
+            <a:picLocks noChangeAspect="1"/>
+          </p:cNvPicPr>
+          <p:nvPr/>
+        </p:nvPicPr>
+        <p:blipFill rotWithShape="1">
+          <a:blip r:embed="rId3"/>
+          <a:stretch>
+            <a:fillRect/>
+          </a:stretch>
+        </p:blipFill>
+        <p:spPr>
+          <a:xfrm>
+            <a:off x="6096000" y="3428999"/>
+            <a:ext cx="5486400" cy="2244498"/>
+          </a:xfrm>
+          <a:prstGeom prst="rect">
+            <a:avLst/>
+          </a:prstGeom>
+        </p:spPr>
+      </p:pic>
+    </p:spTree>
+  </p:cSld>
+  <p:clrMapOvr>
+    <a:masterClrMapping/>
+  </p:clrMapOvr>
+  <mc:AlternateContent xmlns:mc="http://schemas.openxmlformats.org/markup-compatibility/2006" xmlns:p14="http://schemas.microsoft.com/office/powerpoint/2010/main">
+    <mc:Choice Requires="p14">
+      <p:transition/>
+    </mc:Choice>
+    <mc:Fallback xmlns="" xmlns:c="http://schemas.openxmlformats.org/drawingml/2006/chart" xmlns:dgm="http://schemas.openxmlformats.org/drawingml/2006/diagram" xmlns:dsp="http://schemas.microsoft.com/office/drawing/2008/diagram">
+      <p:transition/>
+    </mc:Fallback>
+  </mc:AlternateContent>
+  <p:timing>
+    <p:tnLst>
+      <p:par>
+        <p:cTn id="1" dur="indefinite" restart="never" nodeType="tmRoot"/>
+      </p:par>
+    </p:tnLst>
+  </p:timing>
+</p:sld>
+</file>
+
+<file path=ppt/slides/slide12.xml><?xml version="1.0" encoding="utf-8"?>
 <p:sld xmlns:a="http://schemas.openxmlformats.org/drawingml/2006/main" xmlns:r="http://schemas.openxmlformats.org/officeDocument/2006/relationships" xmlns:p="http://schemas.openxmlformats.org/presentationml/2006/main">
   <p:cSld>
     <p:spTree>
@@ -7160,8 +7342,8 @@
 </p:sld>
 </file>
 
-<file path=ppt/slides/slide12.xml><?xml version="1.0" encoding="utf-8"?>
-<p:sld xmlns:r="http://schemas.openxmlformats.org/officeDocument/2006/relationships" xmlns:c="http://schemas.openxmlformats.org/drawingml/2006/chart" xmlns:a="http://schemas.openxmlformats.org/drawingml/2006/main" xmlns:dgm="http://schemas.openxmlformats.org/drawingml/2006/diagram" xmlns:dsp="http://schemas.microsoft.com/office/drawing/2008/diagram" xmlns:p="http://schemas.openxmlformats.org/presentationml/2006/main">
+<file path=ppt/slides/slide13.xml><?xml version="1.0" encoding="utf-8"?>
+<p:sld xmlns:a="http://schemas.openxmlformats.org/drawingml/2006/main" xmlns:r="http://schemas.openxmlformats.org/officeDocument/2006/relationships" xmlns:p="http://schemas.openxmlformats.org/presentationml/2006/main">
   <p:cSld>
     <p:spTree>
       <p:nvGrpSpPr>
@@ -7184,7 +7366,7 @@
             <a:spLocks noGrp="1"/>
           </p:cNvSpPr>
           <p:nvPr>
-            <p:ph type="title" idx="0"/>
+            <p:ph type="title"/>
           </p:nvPr>
         </p:nvSpPr>
         <p:spPr/>
@@ -7199,7 +7381,10 @@
               <a:rPr lang="ko-KR" altLang="en-US"/>
               <a:t>메인페이지</a:t>
             </a:r>
-            <a:endParaRPr lang="ko-KR" altLang="en-US"/>
+            <a:r>
+              <a:rPr lang="en-US" altLang="ko-KR"/>
+              <a:t>(2)</a:t>
+            </a:r>
           </a:p>
         </p:txBody>
       </p:sp>
@@ -7224,8 +7409,14 @@
             </a:pPr>
             <a:r>
               <a:rPr lang="ko-KR" altLang="en-US"/>
-              <a:t>상단 메인</a:t>
-            </a:r>
+              <a:t>메인	</a:t>
+            </a:r>
+          </a:p>
+          <a:p>
+            <a:pPr marL="0" indent="0">
+              <a:buNone/>
+              <a:defRPr/>
+            </a:pPr>
             <a:endParaRPr lang="ko-KR" altLang="en-US"/>
           </a:p>
         </p:txBody>
@@ -7253,185 +7444,12 @@
               <a:rPr lang="ko-KR" altLang="en-US"/>
               <a:t>코드</a:t>
             </a:r>
-            <a:endParaRPr lang="ko-KR" altLang="en-US"/>
           </a:p>
         </p:txBody>
       </p:sp>
       <p:pic>
         <p:nvPicPr>
-          <p:cNvPr id="5" name=""/>
-          <p:cNvPicPr>
-            <a:picLocks noChangeAspect="1"/>
-          </p:cNvPicPr>
-          <p:nvPr/>
-        </p:nvPicPr>
-        <p:blipFill rotWithShape="1">
-          <a:blip r:embed="rId2"/>
-          <a:stretch>
-            <a:fillRect/>
-          </a:stretch>
-        </p:blipFill>
-        <p:spPr>
-          <a:xfrm>
-            <a:off x="1166812" y="3160378"/>
-            <a:ext cx="4929188" cy="2697376"/>
-          </a:xfrm>
-          <a:prstGeom prst="rect">
-            <a:avLst/>
-          </a:prstGeom>
-        </p:spPr>
-      </p:pic>
-      <p:pic>
-        <p:nvPicPr>
-          <p:cNvPr id="6" name=""/>
-          <p:cNvPicPr>
-            <a:picLocks noChangeAspect="1"/>
-          </p:cNvPicPr>
-          <p:nvPr/>
-        </p:nvPicPr>
-        <p:blipFill rotWithShape="1">
-          <a:blip r:embed="rId3"/>
-          <a:stretch>
-            <a:fillRect/>
-          </a:stretch>
-        </p:blipFill>
-        <p:spPr>
-          <a:xfrm>
-            <a:off x="6096000" y="3428999"/>
-            <a:ext cx="5486400" cy="2244498"/>
-          </a:xfrm>
-          <a:prstGeom prst="rect">
-            <a:avLst/>
-          </a:prstGeom>
-        </p:spPr>
-      </p:pic>
-    </p:spTree>
-  </p:cSld>
-  <p:clrMapOvr>
-    <a:masterClrMapping/>
-  </p:clrMapOvr>
-  <mc:AlternateContent xmlns:mc="http://schemas.openxmlformats.org/markup-compatibility/2006">
-    <mc:Choice xmlns:p14="http://schemas.microsoft.com/office/powerpoint/2010/main" Requires="p14">
-      <p:transition xmlns:mc="http://schemas.openxmlformats.org/markup-compatibility/2006" xmlns:p14="http://schemas.microsoft.com/office/powerpoint/2010/main" mc:Ignorable="p14" p14:dur="500"/>
-    </mc:Choice>
-    <mc:Fallback>
-      <p:transition/>
-    </mc:Fallback>
-  </mc:AlternateContent>
-</p:sld>
-</file>
-
-<file path=ppt/slides/slide13.xml><?xml version="1.0" encoding="utf-8"?>
-<p:sld xmlns:r="http://schemas.openxmlformats.org/officeDocument/2006/relationships" xmlns:c="http://schemas.openxmlformats.org/drawingml/2006/chart" xmlns:a="http://schemas.openxmlformats.org/drawingml/2006/main" xmlns:dgm="http://schemas.openxmlformats.org/drawingml/2006/diagram" xmlns:dsp="http://schemas.microsoft.com/office/drawing/2008/diagram" xmlns:p="http://schemas.openxmlformats.org/presentationml/2006/main">
-  <p:cSld>
-    <p:spTree>
-      <p:nvGrpSpPr>
-        <p:cNvPr id="1" name=""/>
-        <p:cNvGrpSpPr/>
-        <p:nvPr/>
-      </p:nvGrpSpPr>
-      <p:grpSpPr>
-        <a:xfrm>
-          <a:off x="0" y="0"/>
-          <a:ext cx="0" cy="0"/>
-          <a:chOff x="0" y="0"/>
-          <a:chExt cx="0" cy="0"/>
-        </a:xfrm>
-      </p:grpSpPr>
-      <p:sp>
-        <p:nvSpPr>
-          <p:cNvPr id="2" name="Title 1"/>
-          <p:cNvSpPr>
-            <a:spLocks noGrp="1"/>
-          </p:cNvSpPr>
-          <p:nvPr>
-            <p:ph type="title" idx="0"/>
-          </p:nvPr>
-        </p:nvSpPr>
-        <p:spPr/>
-        <p:txBody>
-          <a:bodyPr/>
-          <a:lstStyle/>
-          <a:p>
-            <a:pPr>
-              <a:defRPr/>
-            </a:pPr>
-            <a:r>
-              <a:rPr lang="ko-KR" altLang="en-US"/>
-              <a:t>메인페이지</a:t>
-            </a:r>
-            <a:r>
-              <a:rPr lang="en-US" altLang="ko-KR"/>
-              <a:t>(2)</a:t>
-            </a:r>
-            <a:endParaRPr lang="en-US" altLang="ko-KR"/>
-          </a:p>
-        </p:txBody>
-      </p:sp>
-      <p:sp>
-        <p:nvSpPr>
-          <p:cNvPr id="3" name="Content Placeholder 2"/>
-          <p:cNvSpPr>
-            <a:spLocks noGrp="1"/>
-          </p:cNvSpPr>
-          <p:nvPr>
-            <p:ph sz="half" idx="1"/>
-          </p:nvPr>
-        </p:nvSpPr>
-        <p:spPr/>
-        <p:txBody>
-          <a:bodyPr/>
-          <a:lstStyle/>
-          <a:p>
-            <a:pPr marL="0" indent="0">
-              <a:buNone/>
-              <a:defRPr/>
-            </a:pPr>
-            <a:r>
-              <a:rPr lang="ko-KR" altLang="en-US"/>
-              <a:t>메인	</a:t>
-            </a:r>
-            <a:endParaRPr lang="ko-KR" altLang="en-US"/>
-          </a:p>
-          <a:p>
-            <a:pPr marL="0" indent="0">
-              <a:buNone/>
-              <a:defRPr/>
-            </a:pPr>
-            <a:endParaRPr lang="ko-KR" altLang="en-US"/>
-          </a:p>
-        </p:txBody>
-      </p:sp>
-      <p:sp>
-        <p:nvSpPr>
-          <p:cNvPr id="4" name="Content Placeholder 3"/>
-          <p:cNvSpPr>
-            <a:spLocks noGrp="1"/>
-          </p:cNvSpPr>
-          <p:nvPr>
-            <p:ph sz="half" idx="2"/>
-          </p:nvPr>
-        </p:nvSpPr>
-        <p:spPr/>
-        <p:txBody>
-          <a:bodyPr/>
-          <a:lstStyle/>
-          <a:p>
-            <a:pPr marL="0" indent="0">
-              <a:buNone/>
-              <a:defRPr/>
-            </a:pPr>
-            <a:r>
-              <a:rPr lang="ko-KR" altLang="en-US"/>
-              <a:t>코드</a:t>
-            </a:r>
-            <a:endParaRPr lang="ko-KR" altLang="en-US"/>
-          </a:p>
-        </p:txBody>
-      </p:sp>
-      <p:pic>
-        <p:nvPicPr>
-          <p:cNvPr id="5" name=""/>
+          <p:cNvPr id="5" name="그림 4"/>
           <p:cNvPicPr>
             <a:picLocks noChangeAspect="1"/>
           </p:cNvPicPr>
@@ -7455,7 +7473,7 @@
       </p:pic>
       <p:pic>
         <p:nvPicPr>
-          <p:cNvPr id="6" name=""/>
+          <p:cNvPr id="6" name="그림 5"/>
           <p:cNvPicPr>
             <a:picLocks noChangeAspect="1"/>
           </p:cNvPicPr>
@@ -7482,14 +7500,21 @@
   <p:clrMapOvr>
     <a:masterClrMapping/>
   </p:clrMapOvr>
-  <mc:AlternateContent xmlns:mc="http://schemas.openxmlformats.org/markup-compatibility/2006">
-    <mc:Choice xmlns:p14="http://schemas.microsoft.com/office/powerpoint/2010/main" Requires="p14">
-      <p:transition xmlns:mc="http://schemas.openxmlformats.org/markup-compatibility/2006" xmlns:p14="http://schemas.microsoft.com/office/powerpoint/2010/main" mc:Ignorable="p14" p14:dur="500"/>
+  <mc:AlternateContent xmlns:mc="http://schemas.openxmlformats.org/markup-compatibility/2006" xmlns:p14="http://schemas.microsoft.com/office/powerpoint/2010/main">
+    <mc:Choice Requires="p14">
+      <p:transition/>
     </mc:Choice>
-    <mc:Fallback>
+    <mc:Fallback xmlns="" xmlns:c="http://schemas.openxmlformats.org/drawingml/2006/chart" xmlns:dgm="http://schemas.openxmlformats.org/drawingml/2006/diagram" xmlns:dsp="http://schemas.microsoft.com/office/drawing/2008/diagram">
       <p:transition/>
     </mc:Fallback>
   </mc:AlternateContent>
+  <p:timing>
+    <p:tnLst>
+      <p:par>
+        <p:cTn id="1" dur="indefinite" restart="never" nodeType="tmRoot"/>
+      </p:par>
+    </p:tnLst>
+  </p:timing>
 </p:sld>
 </file>
 
@@ -8992,10 +9017,9 @@
           <a:p>
             <a:pPr algn="ctr"/>
             <a:r>
-              <a:rPr lang="en-US" altLang="ko-KR" b="1" dirty="0" smtClean="0"/>
-              <a:t>Home</a:t>
-            </a:r>
-            <a:endParaRPr lang="ko-KR" altLang="en-US" sz="1050" dirty="0"/>
+              <a:rPr lang="en-US" altLang="ko-KR" dirty="0" smtClean="0"/>
+              <a:t>Search</a:t>
+            </a:r>
           </a:p>
         </p:txBody>
       </p:sp>
@@ -10516,7 +10540,7 @@
 </file>
 
 <file path=ppt/slides/slide4.xml><?xml version="1.0" encoding="utf-8"?>
-<p:sld xmlns:r="http://schemas.openxmlformats.org/officeDocument/2006/relationships" xmlns:c="http://schemas.openxmlformats.org/drawingml/2006/chart" xmlns:a="http://schemas.openxmlformats.org/drawingml/2006/main" xmlns:dgm="http://schemas.openxmlformats.org/drawingml/2006/diagram" xmlns:dsp="http://schemas.microsoft.com/office/drawing/2008/diagram" xmlns:p="http://schemas.openxmlformats.org/presentationml/2006/main">
+<p:sld xmlns:a="http://schemas.openxmlformats.org/drawingml/2006/main" xmlns:r="http://schemas.openxmlformats.org/officeDocument/2006/relationships" xmlns:p="http://schemas.openxmlformats.org/presentationml/2006/main">
   <p:cSld>
     <p:spTree>
       <p:nvGrpSpPr>
@@ -10534,7 +10558,7 @@
       </p:grpSpPr>
       <p:sp>
         <p:nvSpPr>
-          <p:cNvPr id="2" name=""/>
+          <p:cNvPr id="2" name="TextBox 1"/>
           <p:cNvSpPr txBox="1"/>
           <p:nvPr/>
         </p:nvSpPr>
@@ -10551,6 +10575,7 @@
           <a:bodyPr wrap="square">
             <a:spAutoFit/>
           </a:bodyPr>
+          <a:lstStyle/>
           <a:p>
             <a:pPr>
               <a:defRPr/>
@@ -10562,16 +10587,12 @@
               </a:rPr>
               <a:t>사용 기술</a:t>
             </a:r>
-            <a:endParaRPr lang="ko-KR" altLang="en-US" sz="2100" b="1">
-              <a:latin typeface="굴림체"/>
-              <a:ea typeface="굴림체"/>
-            </a:endParaRPr>
           </a:p>
         </p:txBody>
       </p:sp>
       <p:graphicFrame>
         <p:nvGraphicFramePr>
-          <p:cNvPr id="3" name=""/>
+          <p:cNvPr id="3" name="표 2"/>
           <p:cNvGraphicFramePr>
             <a:graphicFrameLocks noGrp="1"/>
           </p:cNvGraphicFramePr>
@@ -10579,7 +10600,7 @@
         </p:nvGraphicFramePr>
         <p:xfrm>
           <a:off x="1405820" y="1460499"/>
-          <a:ext cx="8128000" cy="4066611"/>
+          <a:ext cx="8128000" cy="4066608"/>
         </p:xfrm>
         <a:graphic>
           <a:graphicData uri="http://schemas.openxmlformats.org/drawingml/2006/table">
@@ -10588,15 +10609,26 @@
                 <a:tableStyleId>{C69FF03A-DF0C-4845-94BB-EF2385AD676B}</a:tableStyleId>
               </a:tblPr>
               <a:tblGrid>
-                <a:gridCol w="1718028"/>
-                <a:gridCol w="6409972"/>
+                <a:gridCol w="1718028">
+                  <a:extLst>
+                    <a:ext uri="{9D8B030D-6E8A-4147-A177-3AD203B41FA5}">
+                      <a16:colId xmlns:a16="http://schemas.microsoft.com/office/drawing/2014/main" val="20000"/>
+                    </a:ext>
+                  </a:extLst>
+                </a:gridCol>
+                <a:gridCol w="6409972">
+                  <a:extLst>
+                    <a:ext uri="{9D8B030D-6E8A-4147-A177-3AD203B41FA5}">
+                      <a16:colId xmlns:a16="http://schemas.microsoft.com/office/drawing/2014/main" val="20001"/>
+                    </a:ext>
+                  </a:extLst>
+                </a:gridCol>
               </a:tblGrid>
               <a:tr h="1016652">
                 <a:tc>
                   <a:txBody>
-                    <a:bodyPr vert="horz" wrap="square" lIns="91440" tIns="45720" rIns="91440" bIns="45720" anchor="t" anchorCtr="0">
-                      <a:spAutoFit/>
-                    </a:bodyPr>
+                    <a:bodyPr/>
+                    <a:lstStyle/>
                     <a:p>
                       <a:pPr algn="ctr">
                         <a:defRPr/>
@@ -10605,16 +10637,14 @@
                         <a:rPr lang="en-US" altLang="ko-KR"/>
                         <a:t>OS</a:t>
                       </a:r>
-                      <a:endParaRPr lang="en-US" altLang="ko-KR"/>
                     </a:p>
                   </a:txBody>
-                  <a:tcPr marL="91440" marR="91440"/>
+                  <a:tcPr/>
                 </a:tc>
                 <a:tc>
                   <a:txBody>
-                    <a:bodyPr vert="horz" wrap="square" lIns="91440" tIns="45720" rIns="91440" bIns="45720" anchor="t" anchorCtr="0">
-                      <a:spAutoFit/>
-                    </a:bodyPr>
+                    <a:bodyPr/>
+                    <a:lstStyle/>
                     <a:p>
                       <a:pPr>
                         <a:defRPr/>
@@ -10622,15 +10652,19 @@
                       <a:endParaRPr lang="ko-KR" altLang="en-US"/>
                     </a:p>
                   </a:txBody>
-                  <a:tcPr marL="91440" marR="91440"/>
+                  <a:tcPr/>
                 </a:tc>
+                <a:extLst>
+                  <a:ext uri="{0D108BD9-81ED-4DB2-BD59-A6C34878D82A}">
+                    <a16:rowId xmlns:a16="http://schemas.microsoft.com/office/drawing/2014/main" val="10000"/>
+                  </a:ext>
+                </a:extLst>
               </a:tr>
               <a:tr h="1016652">
                 <a:tc>
                   <a:txBody>
-                    <a:bodyPr vert="horz" wrap="square" lIns="91440" tIns="45720" rIns="91440" bIns="45720" anchor="t" anchorCtr="0">
-                      <a:spAutoFit/>
-                    </a:bodyPr>
+                    <a:bodyPr/>
+                    <a:lstStyle/>
                     <a:p>
                       <a:pPr algn="ctr">
                         <a:defRPr/>
@@ -10639,16 +10673,14 @@
                         <a:rPr lang="en-US" altLang="ko-KR"/>
                         <a:t>Editor</a:t>
                       </a:r>
-                      <a:endParaRPr lang="en-US" altLang="ko-KR"/>
                     </a:p>
                   </a:txBody>
-                  <a:tcPr marL="91440" marR="91440"/>
+                  <a:tcPr/>
                 </a:tc>
                 <a:tc>
                   <a:txBody>
-                    <a:bodyPr vert="horz" wrap="square" lIns="91440" tIns="45720" rIns="91440" bIns="45720" anchor="t" anchorCtr="0">
-                      <a:spAutoFit/>
-                    </a:bodyPr>
+                    <a:bodyPr/>
+                    <a:lstStyle/>
                     <a:p>
                       <a:pPr>
                         <a:defRPr/>
@@ -10656,15 +10688,19 @@
                       <a:endParaRPr lang="ko-KR" altLang="en-US"/>
                     </a:p>
                   </a:txBody>
-                  <a:tcPr marL="91440" marR="91440"/>
+                  <a:tcPr/>
                 </a:tc>
+                <a:extLst>
+                  <a:ext uri="{0D108BD9-81ED-4DB2-BD59-A6C34878D82A}">
+                    <a16:rowId xmlns:a16="http://schemas.microsoft.com/office/drawing/2014/main" val="10001"/>
+                  </a:ext>
+                </a:extLst>
               </a:tr>
               <a:tr h="1016652">
                 <a:tc>
                   <a:txBody>
-                    <a:bodyPr vert="horz" wrap="square" lIns="91440" tIns="45720" rIns="91440" bIns="45720" anchor="t" anchorCtr="0">
-                      <a:spAutoFit/>
-                    </a:bodyPr>
+                    <a:bodyPr/>
+                    <a:lstStyle/>
                     <a:p>
                       <a:pPr algn="ctr">
                         <a:defRPr/>
@@ -10673,16 +10709,14 @@
                         <a:rPr lang="ko-KR" altLang="en-US"/>
                         <a:t>언어</a:t>
                       </a:r>
-                      <a:endParaRPr lang="ko-KR" altLang="en-US"/>
                     </a:p>
                   </a:txBody>
-                  <a:tcPr marL="91440" marR="91440"/>
+                  <a:tcPr/>
                 </a:tc>
                 <a:tc>
                   <a:txBody>
-                    <a:bodyPr vert="horz" wrap="square" lIns="91440" tIns="45720" rIns="91440" bIns="45720" anchor="t" anchorCtr="0">
-                      <a:spAutoFit/>
-                    </a:bodyPr>
+                    <a:bodyPr/>
+                    <a:lstStyle/>
                     <a:p>
                       <a:pPr>
                         <a:defRPr/>
@@ -10690,15 +10724,19 @@
                       <a:endParaRPr lang="ko-KR" altLang="en-US"/>
                     </a:p>
                   </a:txBody>
-                  <a:tcPr marL="91440" marR="91440"/>
+                  <a:tcPr/>
                 </a:tc>
+                <a:extLst>
+                  <a:ext uri="{0D108BD9-81ED-4DB2-BD59-A6C34878D82A}">
+                    <a16:rowId xmlns:a16="http://schemas.microsoft.com/office/drawing/2014/main" val="10002"/>
+                  </a:ext>
+                </a:extLst>
               </a:tr>
               <a:tr h="1016652">
                 <a:tc>
                   <a:txBody>
-                    <a:bodyPr vert="horz" wrap="square" lIns="91440" tIns="45720" rIns="91440" bIns="45720" anchor="t" anchorCtr="0">
-                      <a:spAutoFit/>
-                    </a:bodyPr>
+                    <a:bodyPr/>
+                    <a:lstStyle/>
                     <a:p>
                       <a:pPr algn="ctr">
                         <a:defRPr/>
@@ -10707,16 +10745,14 @@
                         <a:rPr lang="en-US" altLang="ko-KR"/>
                         <a:t>Other</a:t>
                       </a:r>
-                      <a:endParaRPr lang="en-US" altLang="ko-KR"/>
                     </a:p>
                   </a:txBody>
-                  <a:tcPr marL="91440" marR="91440"/>
+                  <a:tcPr/>
                 </a:tc>
                 <a:tc>
                   <a:txBody>
-                    <a:bodyPr vert="horz" wrap="square" lIns="91440" tIns="45720" rIns="91440" bIns="45720" anchor="t" anchorCtr="0">
-                      <a:spAutoFit/>
-                    </a:bodyPr>
+                    <a:bodyPr/>
+                    <a:lstStyle/>
                     <a:p>
                       <a:pPr>
                         <a:defRPr/>
@@ -10724,8 +10760,13 @@
                       <a:endParaRPr lang="ko-KR" altLang="en-US"/>
                     </a:p>
                   </a:txBody>
-                  <a:tcPr marL="91440" marR="91440"/>
+                  <a:tcPr/>
                 </a:tc>
+                <a:extLst>
+                  <a:ext uri="{0D108BD9-81ED-4DB2-BD59-A6C34878D82A}">
+                    <a16:rowId xmlns:a16="http://schemas.microsoft.com/office/drawing/2014/main" val="10003"/>
+                  </a:ext>
+                </a:extLst>
               </a:tr>
             </a:tbl>
           </a:graphicData>
@@ -10733,7 +10774,7 @@
       </p:graphicFrame>
       <p:pic>
         <p:nvPicPr>
-          <p:cNvPr id="4" name=""/>
+          <p:cNvPr id="4" name="그림 3"/>
           <p:cNvPicPr>
             <a:picLocks noChangeAspect="1"/>
           </p:cNvPicPr>
@@ -10757,7 +10798,7 @@
       </p:pic>
       <p:pic>
         <p:nvPicPr>
-          <p:cNvPr id="5" name=""/>
+          <p:cNvPr id="5" name="그림 4"/>
           <p:cNvPicPr>
             <a:picLocks noChangeAspect="1"/>
           </p:cNvPicPr>
@@ -10781,7 +10822,7 @@
       </p:pic>
       <p:pic>
         <p:nvPicPr>
-          <p:cNvPr id="6" name=""/>
+          <p:cNvPr id="6" name="그림 5"/>
           <p:cNvPicPr>
             <a:picLocks noChangeAspect="1"/>
           </p:cNvPicPr>
@@ -10805,7 +10846,7 @@
       </p:pic>
       <p:pic>
         <p:nvPicPr>
-          <p:cNvPr id="7" name=""/>
+          <p:cNvPr id="7" name="그림 6"/>
           <p:cNvPicPr>
             <a:picLocks noChangeAspect="1"/>
           </p:cNvPicPr>
@@ -10832,14 +10873,21 @@
   <p:clrMapOvr>
     <a:masterClrMapping/>
   </p:clrMapOvr>
-  <mc:AlternateContent xmlns:mc="http://schemas.openxmlformats.org/markup-compatibility/2006">
-    <mc:Choice xmlns:p14="http://schemas.microsoft.com/office/powerpoint/2010/main" Requires="p14">
-      <p:transition xmlns:mc="http://schemas.openxmlformats.org/markup-compatibility/2006" xmlns:p14="http://schemas.microsoft.com/office/powerpoint/2010/main" mc:Ignorable="p14" p14:dur="500"/>
+  <mc:AlternateContent xmlns:mc="http://schemas.openxmlformats.org/markup-compatibility/2006" xmlns:p14="http://schemas.microsoft.com/office/powerpoint/2010/main">
+    <mc:Choice Requires="p14">
+      <p:transition/>
     </mc:Choice>
-    <mc:Fallback>
+    <mc:Fallback xmlns="" xmlns:c="http://schemas.openxmlformats.org/drawingml/2006/chart" xmlns:dgm="http://schemas.openxmlformats.org/drawingml/2006/diagram" xmlns:dsp="http://schemas.microsoft.com/office/drawing/2008/diagram">
       <p:transition/>
     </mc:Fallback>
   </mc:AlternateContent>
+  <p:timing>
+    <p:tnLst>
+      <p:par>
+        <p:cTn id="1" dur="indefinite" restart="never" nodeType="tmRoot"/>
+      </p:par>
+    </p:tnLst>
+  </p:timing>
 </p:sld>
 </file>
 
@@ -11296,7 +11344,7 @@
         <p:spPr/>
         <p:txBody>
           <a:bodyPr>
-            <a:normAutofit/>
+            <a:normAutofit fontScale="92500" lnSpcReduction="10000"/>
           </a:bodyPr>
           <a:lstStyle/>
           <a:p>
@@ -11309,15 +11357,68 @@
                 <a:latin typeface="HY엽서L" panose="02030600000101010101" pitchFamily="18" charset="-127"/>
                 <a:ea typeface="HY엽서L" panose="02030600000101010101" pitchFamily="18" charset="-127"/>
               </a:rPr>
-              <a:t>구름 같이 언제 어디서든 책을 읽을 수 있다</a:t>
+              <a:t>구름 같이 언제 어디서든 책을 읽을 수 </a:t>
+            </a:r>
+            <a:r>
+              <a:rPr lang="ko-KR" altLang="en-US" sz="1400" b="1" dirty="0" smtClean="0">
+                <a:latin typeface="HY엽서L" panose="02030600000101010101" pitchFamily="18" charset="-127"/>
+                <a:ea typeface="HY엽서L" panose="02030600000101010101" pitchFamily="18" charset="-127"/>
+              </a:rPr>
+              <a:t>있다</a:t>
             </a:r>
             <a:r>
               <a:rPr lang="en-US" altLang="ko-KR" sz="1400" b="1" dirty="0" smtClean="0">
                 <a:latin typeface="HY엽서L" panose="02030600000101010101" pitchFamily="18" charset="-127"/>
                 <a:ea typeface="HY엽서L" panose="02030600000101010101" pitchFamily="18" charset="-127"/>
               </a:rPr>
-              <a:t>.</a:t>
-            </a:r>
+              <a:t>, </a:t>
+            </a:r>
+            <a:r>
+              <a:rPr lang="ko-KR" altLang="en-US" sz="1400" b="1" dirty="0" smtClean="0">
+                <a:latin typeface="HY엽서L" panose="02030600000101010101" pitchFamily="18" charset="-127"/>
+                <a:ea typeface="HY엽서L" panose="02030600000101010101" pitchFamily="18" charset="-127"/>
+              </a:rPr>
+              <a:t>누구나 작가가 </a:t>
+            </a:r>
+            <a:r>
+              <a:rPr lang="ko-KR" altLang="en-US" sz="1400" b="1" dirty="0" err="1" smtClean="0">
+                <a:latin typeface="HY엽서L" panose="02030600000101010101" pitchFamily="18" charset="-127"/>
+                <a:ea typeface="HY엽서L" panose="02030600000101010101" pitchFamily="18" charset="-127"/>
+              </a:rPr>
+              <a:t>될수</a:t>
+            </a:r>
+            <a:r>
+              <a:rPr lang="ko-KR" altLang="en-US" sz="1400" b="1" dirty="0" smtClean="0">
+                <a:latin typeface="HY엽서L" panose="02030600000101010101" pitchFamily="18" charset="-127"/>
+                <a:ea typeface="HY엽서L" panose="02030600000101010101" pitchFamily="18" charset="-127"/>
+              </a:rPr>
+              <a:t> 있다</a:t>
+            </a:r>
+            <a:r>
+              <a:rPr lang="en-US" altLang="ko-KR" sz="1400" b="1" dirty="0" smtClean="0">
+                <a:latin typeface="HY엽서L" panose="02030600000101010101" pitchFamily="18" charset="-127"/>
+                <a:ea typeface="HY엽서L" panose="02030600000101010101" pitchFamily="18" charset="-127"/>
+              </a:rPr>
+              <a:t>. (</a:t>
+            </a:r>
+            <a:r>
+              <a:rPr lang="ko-KR" altLang="en-US" sz="1400" b="1" dirty="0" smtClean="0">
+                <a:latin typeface="HY엽서L" panose="02030600000101010101" pitchFamily="18" charset="-127"/>
+                <a:ea typeface="HY엽서L" panose="02030600000101010101" pitchFamily="18" charset="-127"/>
+              </a:rPr>
+              <a:t>상업화</a:t>
+            </a:r>
+            <a:r>
+              <a:rPr lang="en-US" altLang="ko-KR" sz="1400" b="1" dirty="0" smtClean="0">
+                <a:latin typeface="HY엽서L" panose="02030600000101010101" pitchFamily="18" charset="-127"/>
+                <a:ea typeface="HY엽서L" panose="02030600000101010101" pitchFamily="18" charset="-127"/>
+              </a:rPr>
+              <a:t>)</a:t>
+            </a:r>
+            <a:endParaRPr lang="en-US" altLang="ko-KR" sz="1400" b="1" dirty="0" smtClean="0">
+              <a:latin typeface="HY엽서L" panose="02030600000101010101" pitchFamily="18" charset="-127"/>
+              <a:ea typeface="HY엽서L" panose="02030600000101010101" pitchFamily="18" charset="-127"/>
+            </a:endParaRPr>
           </a:p>
           <a:p>
             <a:pPr>
@@ -11346,7 +11447,35 @@
                 <a:latin typeface="HY엽서L" panose="02030600000101010101" pitchFamily="18" charset="-127"/>
                 <a:ea typeface="HY엽서L" panose="02030600000101010101" pitchFamily="18" charset="-127"/>
               </a:rPr>
-              <a:t>.</a:t>
+              <a:t>.(</a:t>
+            </a:r>
+            <a:r>
+              <a:rPr lang="ko-KR" altLang="en-US" sz="1400" b="1" dirty="0" smtClean="0">
+                <a:latin typeface="HY엽서L" panose="02030600000101010101" pitchFamily="18" charset="-127"/>
+                <a:ea typeface="HY엽서L" panose="02030600000101010101" pitchFamily="18" charset="-127"/>
+              </a:rPr>
+              <a:t>라이브러리 </a:t>
+            </a:r>
+            <a:r>
+              <a:rPr lang="en-US" altLang="ko-KR" sz="1400" b="1" dirty="0" smtClean="0">
+                <a:latin typeface="HY엽서L" panose="02030600000101010101" pitchFamily="18" charset="-127"/>
+                <a:ea typeface="HY엽서L" panose="02030600000101010101" pitchFamily="18" charset="-127"/>
+              </a:rPr>
+              <a:t>–</a:t>
+            </a:r>
+            <a:r>
+              <a:rPr lang="ko-KR" altLang="en-US" sz="1400" b="1" dirty="0" smtClean="0">
+                <a:latin typeface="HY엽서L" panose="02030600000101010101" pitchFamily="18" charset="-127"/>
+                <a:ea typeface="HY엽서L" panose="02030600000101010101" pitchFamily="18" charset="-127"/>
+              </a:rPr>
+              <a:t>서재 기능</a:t>
+            </a:r>
+            <a:r>
+              <a:rPr lang="en-US" altLang="ko-KR" sz="1400" b="1" dirty="0" smtClean="0">
+                <a:latin typeface="HY엽서L" panose="02030600000101010101" pitchFamily="18" charset="-127"/>
+                <a:ea typeface="HY엽서L" panose="02030600000101010101" pitchFamily="18" charset="-127"/>
+              </a:rPr>
+              <a:t>)</a:t>
             </a:r>
             <a:endParaRPr lang="en-US" altLang="ko-KR" sz="1400" b="1" dirty="0">
               <a:latin typeface="HY엽서L" panose="02030600000101010101" pitchFamily="18" charset="-127"/>
@@ -11404,26 +11533,44 @@
               <a:t> </a:t>
             </a:r>
             <a:r>
+              <a:rPr lang="ko-KR" altLang="en-US" sz="1400" b="1" dirty="0" smtClean="0">
+                <a:latin typeface="HY엽서L" panose="02030600000101010101" pitchFamily="18" charset="-127"/>
+                <a:ea typeface="HY엽서L" panose="02030600000101010101" pitchFamily="18" charset="-127"/>
+              </a:rPr>
+              <a:t>메모할 수 </a:t>
+            </a:r>
+            <a:r>
+              <a:rPr lang="ko-KR" altLang="en-US" sz="1400" b="1" dirty="0" smtClean="0">
+                <a:latin typeface="HY엽서L" panose="02030600000101010101" pitchFamily="18" charset="-127"/>
+                <a:ea typeface="HY엽서L" panose="02030600000101010101" pitchFamily="18" charset="-127"/>
+              </a:rPr>
+              <a:t>있다</a:t>
+            </a:r>
+            <a:r>
+              <a:rPr lang="en-US" altLang="ko-KR" sz="1400" b="1" dirty="0" smtClean="0">
+                <a:latin typeface="HY엽서L" panose="02030600000101010101" pitchFamily="18" charset="-127"/>
+                <a:ea typeface="HY엽서L" panose="02030600000101010101" pitchFamily="18" charset="-127"/>
+              </a:rPr>
+              <a:t>.(</a:t>
+            </a:r>
+            <a:r>
               <a:rPr lang="ko-KR" altLang="en-US" sz="1400" b="1" dirty="0" err="1" smtClean="0">
                 <a:latin typeface="HY엽서L" panose="02030600000101010101" pitchFamily="18" charset="-127"/>
                 <a:ea typeface="HY엽서L" panose="02030600000101010101" pitchFamily="18" charset="-127"/>
               </a:rPr>
-              <a:t>적을수</a:t>
-            </a:r>
-            <a:r>
-              <a:rPr lang="ko-KR" altLang="en-US" sz="1400" b="1" dirty="0" smtClean="0">
-                <a:latin typeface="HY엽서L" panose="02030600000101010101" pitchFamily="18" charset="-127"/>
-                <a:ea typeface="HY엽서L" panose="02030600000101010101" pitchFamily="18" charset="-127"/>
-              </a:rPr>
-              <a:t> 있다</a:t>
+              <a:t>메모기능</a:t>
             </a:r>
             <a:r>
               <a:rPr lang="en-US" altLang="ko-KR" sz="1400" b="1" dirty="0" smtClean="0">
                 <a:latin typeface="HY엽서L" panose="02030600000101010101" pitchFamily="18" charset="-127"/>
                 <a:ea typeface="HY엽서L" panose="02030600000101010101" pitchFamily="18" charset="-127"/>
               </a:rPr>
-              <a:t>.</a:t>
-            </a:r>
+              <a:t>)</a:t>
+            </a:r>
+            <a:endParaRPr lang="en-US" altLang="ko-KR" sz="1400" b="1" dirty="0" smtClean="0">
+              <a:latin typeface="HY엽서L" panose="02030600000101010101" pitchFamily="18" charset="-127"/>
+              <a:ea typeface="HY엽서L" panose="02030600000101010101" pitchFamily="18" charset="-127"/>
+            </a:endParaRPr>
           </a:p>
           <a:p>
             <a:pPr>
@@ -11452,7 +11599,28 @@
                 <a:latin typeface="HY엽서L" panose="02030600000101010101" pitchFamily="18" charset="-127"/>
                 <a:ea typeface="HY엽서L" panose="02030600000101010101" pitchFamily="18" charset="-127"/>
               </a:rPr>
-              <a:t> 감상문이나 독후감 등 기록할 수 있고 </a:t>
+              <a:t> 독후감 </a:t>
+            </a:r>
+            <a:r>
+              <a:rPr lang="en-US" altLang="ko-KR" sz="1400" b="1" dirty="0" smtClean="0">
+                <a:latin typeface="HY엽서L" panose="02030600000101010101" pitchFamily="18" charset="-127"/>
+                <a:ea typeface="HY엽서L" panose="02030600000101010101" pitchFamily="18" charset="-127"/>
+              </a:rPr>
+              <a:t>, </a:t>
+            </a:r>
+            <a:r>
+              <a:rPr lang="ko-KR" altLang="en-US" sz="1400" b="1" dirty="0" smtClean="0">
+                <a:latin typeface="HY엽서L" panose="02030600000101010101" pitchFamily="18" charset="-127"/>
+                <a:ea typeface="HY엽서L" panose="02030600000101010101" pitchFamily="18" charset="-127"/>
+              </a:rPr>
+              <a:t>리뷰 </a:t>
+            </a:r>
+            <a:r>
+              <a:rPr lang="ko-KR" altLang="en-US" sz="1400" b="1" dirty="0" smtClean="0">
+                <a:latin typeface="HY엽서L" panose="02030600000101010101" pitchFamily="18" charset="-127"/>
+                <a:ea typeface="HY엽서L" panose="02030600000101010101" pitchFamily="18" charset="-127"/>
+              </a:rPr>
+              <a:t>등 기록할 수 있고 </a:t>
             </a:r>
             <a:r>
               <a:rPr lang="ko-KR" altLang="en-US" sz="1400" b="1" dirty="0" err="1" smtClean="0">
@@ -11473,8 +11641,47 @@
                 <a:latin typeface="HY엽서L" panose="02030600000101010101" pitchFamily="18" charset="-127"/>
                 <a:ea typeface="HY엽서L" panose="02030600000101010101" pitchFamily="18" charset="-127"/>
               </a:rPr>
-              <a:t>.</a:t>
-            </a:r>
+              <a:t>. (</a:t>
+            </a:r>
+            <a:r>
+              <a:rPr lang="ko-KR" altLang="en-US" sz="1400" b="1" dirty="0" err="1" smtClean="0">
+                <a:latin typeface="HY엽서L" panose="02030600000101010101" pitchFamily="18" charset="-127"/>
+                <a:ea typeface="HY엽서L" panose="02030600000101010101" pitchFamily="18" charset="-127"/>
+              </a:rPr>
+              <a:t>리뷰기능</a:t>
+            </a:r>
+            <a:r>
+              <a:rPr lang="ko-KR" altLang="en-US" sz="1400" b="1" dirty="0" smtClean="0">
+                <a:latin typeface="HY엽서L" panose="02030600000101010101" pitchFamily="18" charset="-127"/>
+                <a:ea typeface="HY엽서L" panose="02030600000101010101" pitchFamily="18" charset="-127"/>
+              </a:rPr>
+              <a:t> </a:t>
+            </a:r>
+            <a:r>
+              <a:rPr lang="en-US" altLang="ko-KR" sz="1400" b="1" dirty="0" smtClean="0">
+                <a:latin typeface="HY엽서L" panose="02030600000101010101" pitchFamily="18" charset="-127"/>
+                <a:ea typeface="HY엽서L" panose="02030600000101010101" pitchFamily="18" charset="-127"/>
+              </a:rPr>
+              <a:t>, </a:t>
+            </a:r>
+            <a:r>
+              <a:rPr lang="ko-KR" altLang="en-US" sz="1400" b="1" dirty="0" err="1" smtClean="0">
+                <a:latin typeface="HY엽서L" panose="02030600000101010101" pitchFamily="18" charset="-127"/>
+                <a:ea typeface="HY엽서L" panose="02030600000101010101" pitchFamily="18" charset="-127"/>
+              </a:rPr>
+              <a:t>공유기능</a:t>
+            </a:r>
+            <a:r>
+              <a:rPr lang="en-US" altLang="ko-KR" sz="1400" b="1" dirty="0" smtClean="0">
+                <a:latin typeface="HY엽서L" panose="02030600000101010101" pitchFamily="18" charset="-127"/>
+                <a:ea typeface="HY엽서L" panose="02030600000101010101" pitchFamily="18" charset="-127"/>
+              </a:rPr>
+              <a:t>)</a:t>
+            </a:r>
+            <a:endParaRPr lang="en-US" altLang="ko-KR" sz="1400" b="1" dirty="0" smtClean="0">
+              <a:latin typeface="HY엽서L" panose="02030600000101010101" pitchFamily="18" charset="-127"/>
+              <a:ea typeface="HY엽서L" panose="02030600000101010101" pitchFamily="18" charset="-127"/>
+            </a:endParaRPr>
           </a:p>
           <a:p>
             <a:pPr>
@@ -11503,8 +11710,26 @@
                 <a:latin typeface="HY엽서L" panose="02030600000101010101" pitchFamily="18" charset="-127"/>
                 <a:ea typeface="HY엽서L" panose="02030600000101010101" pitchFamily="18" charset="-127"/>
               </a:rPr>
-              <a:t>.</a:t>
-            </a:r>
+              <a:t>. (</a:t>
+            </a:r>
+            <a:r>
+              <a:rPr lang="ko-KR" altLang="en-US" sz="1400" b="1" dirty="0" err="1" smtClean="0">
+                <a:latin typeface="HY엽서L" panose="02030600000101010101" pitchFamily="18" charset="-127"/>
+                <a:ea typeface="HY엽서L" panose="02030600000101010101" pitchFamily="18" charset="-127"/>
+              </a:rPr>
+              <a:t>지필기능</a:t>
+            </a:r>
+            <a:r>
+              <a:rPr lang="en-US" altLang="ko-KR" sz="1400" b="1" dirty="0" smtClean="0">
+                <a:latin typeface="HY엽서L" panose="02030600000101010101" pitchFamily="18" charset="-127"/>
+                <a:ea typeface="HY엽서L" panose="02030600000101010101" pitchFamily="18" charset="-127"/>
+              </a:rPr>
+              <a:t>)</a:t>
+            </a:r>
+            <a:endParaRPr lang="en-US" altLang="ko-KR" sz="1400" b="1" dirty="0" smtClean="0">
+              <a:latin typeface="HY엽서L" panose="02030600000101010101" pitchFamily="18" charset="-127"/>
+              <a:ea typeface="HY엽서L" panose="02030600000101010101" pitchFamily="18" charset="-127"/>
+            </a:endParaRPr>
           </a:p>
           <a:p>
             <a:pPr>
@@ -11529,26 +11754,95 @@
               <a:t> 베스트 </a:t>
             </a:r>
             <a:r>
+              <a:rPr lang="ko-KR" altLang="en-US" sz="1400" b="1" dirty="0" smtClean="0">
+                <a:latin typeface="HY엽서L" panose="02030600000101010101" pitchFamily="18" charset="-127"/>
+                <a:ea typeface="HY엽서L" panose="02030600000101010101" pitchFamily="18" charset="-127"/>
+              </a:rPr>
+              <a:t>셀러 등 </a:t>
+            </a:r>
+            <a:r>
+              <a:rPr lang="ko-KR" altLang="en-US" sz="1400" b="1" dirty="0" smtClean="0">
+                <a:latin typeface="HY엽서L" panose="02030600000101010101" pitchFamily="18" charset="-127"/>
+                <a:ea typeface="HY엽서L" panose="02030600000101010101" pitchFamily="18" charset="-127"/>
+              </a:rPr>
+              <a:t>사용자들의 데이터를 기반으로 사용자마다 취향에 맞는 책들을 추천이 가능하다</a:t>
+            </a:r>
+            <a:r>
+              <a:rPr lang="en-US" altLang="ko-KR" sz="1400" b="1" dirty="0" smtClean="0">
+                <a:latin typeface="HY엽서L" panose="02030600000101010101" pitchFamily="18" charset="-127"/>
+                <a:ea typeface="HY엽서L" panose="02030600000101010101" pitchFamily="18" charset="-127"/>
+              </a:rPr>
+              <a:t>.(</a:t>
+            </a:r>
+            <a:r>
               <a:rPr lang="ko-KR" altLang="en-US" sz="1400" b="1" dirty="0" err="1" smtClean="0">
                 <a:latin typeface="HY엽서L" panose="02030600000101010101" pitchFamily="18" charset="-127"/>
                 <a:ea typeface="HY엽서L" panose="02030600000101010101" pitchFamily="18" charset="-127"/>
               </a:rPr>
-              <a:t>셀러등</a:t>
-            </a:r>
+              <a:t>추천기능</a:t>
+            </a:r>
+            <a:r>
+              <a:rPr lang="en-US" altLang="ko-KR" sz="1400" b="1" dirty="0" smtClean="0">
+                <a:latin typeface="HY엽서L" panose="02030600000101010101" pitchFamily="18" charset="-127"/>
+                <a:ea typeface="HY엽서L" panose="02030600000101010101" pitchFamily="18" charset="-127"/>
+              </a:rPr>
+              <a:t>)</a:t>
+            </a:r>
+          </a:p>
+          <a:p>
+            <a:pPr>
+              <a:buFont typeface="Wingdings" panose="05000000000000000000" pitchFamily="2" charset="2"/>
+              <a:buChar char="§"/>
+            </a:pPr>
+            <a:endParaRPr lang="en-US" altLang="ko-KR" sz="1400" b="1" dirty="0">
+              <a:latin typeface="HY엽서L" panose="02030600000101010101" pitchFamily="18" charset="-127"/>
+              <a:ea typeface="HY엽서L" panose="02030600000101010101" pitchFamily="18" charset="-127"/>
+            </a:endParaRPr>
+          </a:p>
+          <a:p>
+            <a:pPr>
+              <a:buFont typeface="Wingdings" panose="05000000000000000000" pitchFamily="2" charset="2"/>
+              <a:buChar char="§"/>
+            </a:pPr>
             <a:r>
               <a:rPr lang="ko-KR" altLang="en-US" sz="1400" b="1" dirty="0" smtClean="0">
                 <a:latin typeface="HY엽서L" panose="02030600000101010101" pitchFamily="18" charset="-127"/>
                 <a:ea typeface="HY엽서L" panose="02030600000101010101" pitchFamily="18" charset="-127"/>
               </a:rPr>
-              <a:t> 사용자들의 데이터를 기반으로 사용자마다 취향에 맞는 책들을 추천이 가능하다</a:t>
+              <a:t>작가님과 쉽게 소통이 가능하고 작가님 이벤트 </a:t>
             </a:r>
             <a:r>
               <a:rPr lang="en-US" altLang="ko-KR" sz="1400" b="1" dirty="0" smtClean="0">
                 <a:latin typeface="HY엽서L" panose="02030600000101010101" pitchFamily="18" charset="-127"/>
                 <a:ea typeface="HY엽서L" panose="02030600000101010101" pitchFamily="18" charset="-127"/>
               </a:rPr>
-              <a:t>.</a:t>
-            </a:r>
+              <a:t>, </a:t>
+            </a:r>
+            <a:r>
+              <a:rPr lang="ko-KR" altLang="en-US" sz="1400" b="1" dirty="0" err="1" smtClean="0">
+                <a:latin typeface="HY엽서L" panose="02030600000101010101" pitchFamily="18" charset="-127"/>
+                <a:ea typeface="HY엽서L" panose="02030600000101010101" pitchFamily="18" charset="-127"/>
+              </a:rPr>
+              <a:t>굿즈</a:t>
+            </a:r>
+            <a:r>
+              <a:rPr lang="ko-KR" altLang="en-US" sz="1400" b="1" dirty="0" smtClean="0">
+                <a:latin typeface="HY엽서L" panose="02030600000101010101" pitchFamily="18" charset="-127"/>
+                <a:ea typeface="HY엽서L" panose="02030600000101010101" pitchFamily="18" charset="-127"/>
+              </a:rPr>
+              <a:t> </a:t>
+            </a:r>
+            <a:r>
+              <a:rPr lang="ko-KR" altLang="en-US" sz="1400" b="1" dirty="0" err="1" smtClean="0">
+                <a:latin typeface="HY엽서L" panose="02030600000101010101" pitchFamily="18" charset="-127"/>
+                <a:ea typeface="HY엽서L" panose="02030600000101010101" pitchFamily="18" charset="-127"/>
+              </a:rPr>
+              <a:t>이벤트기능</a:t>
+            </a:r>
+            <a:endParaRPr lang="en-US" altLang="ko-KR" sz="1400" b="1" dirty="0" smtClean="0">
+              <a:latin typeface="HY엽서L" panose="02030600000101010101" pitchFamily="18" charset="-127"/>
+              <a:ea typeface="HY엽서L" panose="02030600000101010101" pitchFamily="18" charset="-127"/>
+            </a:endParaRPr>
           </a:p>
         </p:txBody>
       </p:sp>
@@ -11603,7 +11897,7 @@
 </file>
 
 <file path=ppt/slides/slide7.xml><?xml version="1.0" encoding="utf-8"?>
-<p:sld xmlns:r="http://schemas.openxmlformats.org/officeDocument/2006/relationships" xmlns:c="http://schemas.openxmlformats.org/drawingml/2006/chart" xmlns:a="http://schemas.openxmlformats.org/drawingml/2006/main" xmlns:dgm="http://schemas.openxmlformats.org/drawingml/2006/diagram" xmlns:dsp="http://schemas.microsoft.com/office/drawing/2008/diagram" xmlns:p="http://schemas.openxmlformats.org/presentationml/2006/main">
+<p:sld xmlns:a="http://schemas.openxmlformats.org/drawingml/2006/main" xmlns:r="http://schemas.openxmlformats.org/officeDocument/2006/relationships" xmlns:p="http://schemas.openxmlformats.org/presentationml/2006/main">
   <p:cSld>
     <p:spTree>
       <p:nvGrpSpPr>
@@ -11626,7 +11920,7 @@
             <a:spLocks noGrp="1"/>
           </p:cNvSpPr>
           <p:nvPr>
-            <p:ph type="title" idx="0"/>
+            <p:ph type="title"/>
           </p:nvPr>
         </p:nvSpPr>
         <p:spPr/>
@@ -11641,21 +11935,26 @@
               <a:rPr lang="ko-KR" altLang="en-US"/>
               <a:t>프로젝트 진행과정</a:t>
             </a:r>
-            <a:endParaRPr lang="ko-KR" altLang="en-US"/>
           </a:p>
         </p:txBody>
       </p:sp>
       <p:graphicFrame>
         <p:nvGraphicFramePr>
-          <p:cNvPr id="3" name=""/>
+          <p:cNvPr id="3" name="표 2"/>
           <p:cNvGraphicFramePr>
             <a:graphicFrameLocks noGrp="1"/>
           </p:cNvGraphicFramePr>
-          <p:nvPr/>
+          <p:nvPr>
+            <p:extLst>
+              <p:ext uri="{D42A27DB-BD31-4B8C-83A1-F6EECF244321}">
+                <p14:modId xmlns:p14="http://schemas.microsoft.com/office/powerpoint/2010/main" val="3095332916"/>
+              </p:ext>
+            </p:extLst>
+          </p:nvPr>
         </p:nvGraphicFramePr>
         <p:xfrm>
           <a:off x="1802694" y="2687320"/>
-          <a:ext cx="8128000" cy="1470660"/>
+          <a:ext cx="8127999" cy="1932808"/>
         </p:xfrm>
         <a:graphic>
           <a:graphicData uri="http://schemas.openxmlformats.org/drawingml/2006/table">
@@ -11664,257 +11963,275 @@
                 <a:tableStyleId>{01A66EDD-3DAB-4C5B-A090-DC80EC1FD486}</a:tableStyleId>
               </a:tblPr>
               <a:tblGrid>
-                <a:gridCol w="788458"/>
-                <a:gridCol w="1132416"/>
-                <a:gridCol w="6207125"/>
+                <a:gridCol w="788458">
+                  <a:extLst>
+                    <a:ext uri="{9D8B030D-6E8A-4147-A177-3AD203B41FA5}">
+                      <a16:colId xmlns:a16="http://schemas.microsoft.com/office/drawing/2014/main" val="20000"/>
+                    </a:ext>
+                  </a:extLst>
+                </a:gridCol>
+                <a:gridCol w="1132416">
+                  <a:extLst>
+                    <a:ext uri="{9D8B030D-6E8A-4147-A177-3AD203B41FA5}">
+                      <a16:colId xmlns:a16="http://schemas.microsoft.com/office/drawing/2014/main" val="20001"/>
+                    </a:ext>
+                  </a:extLst>
+                </a:gridCol>
+                <a:gridCol w="6207125">
+                  <a:extLst>
+                    <a:ext uri="{9D8B030D-6E8A-4147-A177-3AD203B41FA5}">
+                      <a16:colId xmlns:a16="http://schemas.microsoft.com/office/drawing/2014/main" val="20002"/>
+                    </a:ext>
+                  </a:extLst>
+                </a:gridCol>
               </a:tblGrid>
-              <a:tr h="185420">
+              <a:tr h="483202">
                 <a:tc>
                   <a:txBody>
-                    <a:bodyPr vert="horz" wrap="square" lIns="91440" tIns="45720" rIns="91440" bIns="45720" anchor="t" anchorCtr="0">
-                      <a:spAutoFit/>
-                    </a:bodyPr>
+                    <a:bodyPr/>
+                    <a:lstStyle/>
                     <a:p>
                       <a:pPr>
                         <a:defRPr/>
                       </a:pPr>
                       <a:r>
-                        <a:rPr lang="en-US" altLang="ko-KR"/>
+                        <a:rPr lang="en-US" altLang="ko-KR" smtClean="0"/>
                         <a:t>1</a:t>
                       </a:r>
                       <a:r>
-                        <a:rPr lang="ko-KR" altLang="en-US"/>
+                        <a:rPr lang="ko-KR" altLang="en-US" smtClean="0"/>
+                        <a:t>차</a:t>
+                      </a:r>
+                      <a:endParaRPr lang="ko-KR" altLang="en-US" dirty="0"/>
+                    </a:p>
+                  </a:txBody>
+                  <a:tcPr/>
+                </a:tc>
+                <a:tc>
+                  <a:txBody>
+                    <a:bodyPr/>
+                    <a:lstStyle/>
+                    <a:p>
+                      <a:pPr>
+                        <a:defRPr/>
+                      </a:pPr>
+                      <a:r>
+                        <a:rPr lang="en-US" altLang="ko-KR" smtClean="0"/>
+                        <a:t>23.05.13</a:t>
+                      </a:r>
+                      <a:endParaRPr lang="en-US" altLang="ko-KR"/>
+                    </a:p>
+                  </a:txBody>
+                  <a:tcPr/>
+                </a:tc>
+                <a:tc>
+                  <a:txBody>
+                    <a:bodyPr/>
+                    <a:lstStyle/>
+                    <a:p>
+                      <a:pPr>
+                        <a:defRPr/>
+                      </a:pPr>
+                      <a:r>
+                        <a:rPr lang="ko-KR" altLang="en-US" smtClean="0"/>
+                        <a:t>스토리 보드 초안 </a:t>
+                      </a:r>
+                      <a:endParaRPr lang="ko-KR" altLang="en-US"/>
+                    </a:p>
+                  </a:txBody>
+                  <a:tcPr/>
+                </a:tc>
+                <a:extLst>
+                  <a:ext uri="{0D108BD9-81ED-4DB2-BD59-A6C34878D82A}">
+                    <a16:rowId xmlns:a16="http://schemas.microsoft.com/office/drawing/2014/main" val="10000"/>
+                  </a:ext>
+                </a:extLst>
+              </a:tr>
+              <a:tr h="483202">
+                <a:tc>
+                  <a:txBody>
+                    <a:bodyPr/>
+                    <a:lstStyle/>
+                    <a:p>
+                      <a:pPr>
+                        <a:defRPr/>
+                      </a:pPr>
+                      <a:r>
+                        <a:rPr lang="en-US" altLang="ko-KR" smtClean="0"/>
+                        <a:t>2</a:t>
+                      </a:r>
+                      <a:r>
+                        <a:rPr lang="ko-KR" altLang="en-US" smtClean="0"/>
                         <a:t>차</a:t>
                       </a:r>
                       <a:endParaRPr lang="ko-KR" altLang="en-US"/>
                     </a:p>
                   </a:txBody>
-                  <a:tcPr marL="91440" marR="91440"/>
+                  <a:tcPr/>
                 </a:tc>
                 <a:tc>
                   <a:txBody>
-                    <a:bodyPr vert="horz" wrap="square" lIns="91440" tIns="45720" rIns="91440" bIns="45720" anchor="t" anchorCtr="0">
-                      <a:spAutoFit/>
-                    </a:bodyPr>
+                    <a:bodyPr/>
+                    <a:lstStyle/>
                     <a:p>
                       <a:pPr>
                         <a:defRPr/>
                       </a:pPr>
                       <a:r>
-                        <a:rPr lang="en-US" altLang="ko-KR"/>
-                        <a:t>23.05.13</a:t>
+                        <a:rPr lang="en-US" altLang="ko-KR" smtClean="0"/>
+                        <a:t>23.06.10</a:t>
                       </a:r>
-                      <a:endParaRPr lang="en-US" altLang="ko-KR"/>
+                      <a:endParaRPr lang="en-US" altLang="ko-KR" dirty="0"/>
                     </a:p>
                   </a:txBody>
-                  <a:tcPr marL="91440" marR="91440"/>
+                  <a:tcPr/>
                 </a:tc>
                 <a:tc>
                   <a:txBody>
-                    <a:bodyPr vert="horz" wrap="square" lIns="91440" tIns="45720" rIns="91440" bIns="45720" anchor="t" anchorCtr="0">
-                      <a:spAutoFit/>
-                    </a:bodyPr>
+                    <a:bodyPr/>
+                    <a:lstStyle/>
                     <a:p>
                       <a:pPr>
                         <a:defRPr/>
                       </a:pPr>
                       <a:r>
-                        <a:rPr lang="ko-KR" altLang="en-US"/>
-                        <a:t>스토리 보드 초안 </a:t>
+                        <a:rPr lang="ko-KR" altLang="en-US" smtClean="0"/>
+                        <a:t>메인페이지 구현 및 초안</a:t>
                       </a:r>
-                      <a:endParaRPr lang="ko-KR" altLang="en-US"/>
+                      <a:endParaRPr lang="ko-KR" altLang="en-US" dirty="0"/>
                     </a:p>
                   </a:txBody>
-                  <a:tcPr marL="91440" marR="91440"/>
+                  <a:tcPr/>
                 </a:tc>
+                <a:extLst>
+                  <a:ext uri="{0D108BD9-81ED-4DB2-BD59-A6C34878D82A}">
+                    <a16:rowId xmlns:a16="http://schemas.microsoft.com/office/drawing/2014/main" val="10001"/>
+                  </a:ext>
+                </a:extLst>
               </a:tr>
-              <a:tr h="185420">
+              <a:tr h="483202">
                 <a:tc>
                   <a:txBody>
-                    <a:bodyPr vert="horz" wrap="square" lIns="91440" tIns="45720" rIns="91440" bIns="45720" anchor="t" anchorCtr="0">
-                      <a:spAutoFit/>
-                    </a:bodyPr>
+                    <a:bodyPr/>
+                    <a:lstStyle/>
                     <a:p>
                       <a:pPr>
                         <a:defRPr/>
                       </a:pPr>
                       <a:r>
-                        <a:rPr lang="en-US" altLang="ko-KR"/>
-                        <a:t>2</a:t>
+                        <a:rPr lang="en-US" altLang="ko-KR" smtClean="0"/>
+                        <a:t>3</a:t>
                       </a:r>
                       <a:r>
-                        <a:rPr lang="ko-KR" altLang="en-US"/>
+                        <a:rPr lang="ko-KR" altLang="en-US" smtClean="0"/>
                         <a:t>차</a:t>
                       </a:r>
                       <a:endParaRPr lang="ko-KR" altLang="en-US"/>
                     </a:p>
                   </a:txBody>
-                  <a:tcPr marL="91440" marR="91440"/>
+                  <a:tcPr/>
                 </a:tc>
                 <a:tc>
                   <a:txBody>
-                    <a:bodyPr vert="horz" wrap="square" lIns="91440" tIns="45720" rIns="91440" bIns="45720" anchor="t" anchorCtr="0">
-                      <a:spAutoFit/>
-                    </a:bodyPr>
+                    <a:bodyPr/>
+                    <a:lstStyle/>
                     <a:p>
                       <a:pPr>
                         <a:defRPr/>
                       </a:pPr>
                       <a:r>
-                        <a:rPr lang="en-US" altLang="ko-KR"/>
-                        <a:t>23.06.10</a:t>
+                        <a:rPr lang="en-US" altLang="ko-KR" smtClean="0"/>
+                        <a:t>23.06.30</a:t>
                       </a:r>
                       <a:endParaRPr lang="en-US" altLang="ko-KR"/>
                     </a:p>
                   </a:txBody>
-                  <a:tcPr marL="91440" marR="91440"/>
+                  <a:tcPr/>
                 </a:tc>
                 <a:tc>
                   <a:txBody>
-                    <a:bodyPr vert="horz" wrap="square" lIns="91440" tIns="45720" rIns="91440" bIns="45720" anchor="t" anchorCtr="0">
-                      <a:spAutoFit/>
-                    </a:bodyPr>
+                    <a:bodyPr/>
+                    <a:lstStyle/>
                     <a:p>
                       <a:pPr>
                         <a:defRPr/>
                       </a:pPr>
                       <a:r>
-                        <a:rPr lang="ko-KR" altLang="en-US"/>
-                        <a:t>메인페이지 구현 및 초안</a:t>
+                        <a:rPr lang="ko-KR" altLang="en-US" smtClean="0"/>
+                        <a:t>메인페이지 수정 및 이미지 클릭시 상세페이지 완성 </a:t>
                       </a:r>
-                      <a:endParaRPr lang="ko-KR" altLang="en-US"/>
+                      <a:endParaRPr lang="ko-KR" altLang="en-US" dirty="0"/>
                     </a:p>
                   </a:txBody>
-                  <a:tcPr marL="91440" marR="91440"/>
+                  <a:tcPr/>
                 </a:tc>
+                <a:extLst>
+                  <a:ext uri="{0D108BD9-81ED-4DB2-BD59-A6C34878D82A}">
+                    <a16:rowId xmlns:a16="http://schemas.microsoft.com/office/drawing/2014/main" val="10002"/>
+                  </a:ext>
+                </a:extLst>
               </a:tr>
-              <a:tr h="185420">
+              <a:tr h="483202">
                 <a:tc>
                   <a:txBody>
-                    <a:bodyPr vert="horz" wrap="square" lIns="91440" tIns="45720" rIns="91440" bIns="45720" anchor="t" anchorCtr="0">
-                      <a:spAutoFit/>
-                    </a:bodyPr>
+                    <a:bodyPr/>
+                    <a:lstStyle/>
                     <a:p>
                       <a:pPr>
                         <a:defRPr/>
                       </a:pPr>
                       <a:r>
-                        <a:rPr lang="en-US" altLang="ko-KR"/>
-                        <a:t>3</a:t>
+                        <a:rPr lang="en-US" altLang="ko-KR" smtClean="0"/>
+                        <a:t>4</a:t>
                       </a:r>
                       <a:r>
-                        <a:rPr lang="ko-KR" altLang="en-US"/>
+                        <a:rPr lang="ko-KR" altLang="en-US" smtClean="0"/>
                         <a:t>차</a:t>
                       </a:r>
                       <a:endParaRPr lang="ko-KR" altLang="en-US"/>
                     </a:p>
                   </a:txBody>
-                  <a:tcPr marL="91440" marR="91440"/>
+                  <a:tcPr/>
                 </a:tc>
                 <a:tc>
                   <a:txBody>
-                    <a:bodyPr vert="horz" wrap="square" lIns="91440" tIns="45720" rIns="91440" bIns="45720" anchor="t" anchorCtr="0">
-                      <a:spAutoFit/>
-                    </a:bodyPr>
+                    <a:bodyPr/>
+                    <a:lstStyle/>
                     <a:p>
                       <a:pPr>
                         <a:defRPr/>
                       </a:pPr>
                       <a:r>
-                        <a:rPr lang="en-US" altLang="ko-KR"/>
-                        <a:t>23.06.30</a:t>
+                        <a:rPr lang="en-US" altLang="ko-KR" smtClean="0"/>
+                        <a:t>23.07.02</a:t>
                       </a:r>
                       <a:endParaRPr lang="en-US" altLang="ko-KR"/>
                     </a:p>
                   </a:txBody>
-                  <a:tcPr marL="91440" marR="91440"/>
+                  <a:tcPr/>
                 </a:tc>
                 <a:tc>
                   <a:txBody>
-                    <a:bodyPr vert="horz" wrap="square" lIns="91440" tIns="45720" rIns="91440" bIns="45720" anchor="t" anchorCtr="0">
-                      <a:spAutoFit/>
-                    </a:bodyPr>
+                    <a:bodyPr/>
+                    <a:lstStyle/>
                     <a:p>
                       <a:pPr>
                         <a:defRPr/>
                       </a:pPr>
                       <a:r>
-                        <a:rPr lang="ko-KR" altLang="en-US"/>
-                        <a:t>메인페이지 수정 및 </a:t>
+                        <a:rPr lang="ko-KR" altLang="en-US" dirty="0" smtClean="0"/>
+                        <a:t>로그인 페이지 완성</a:t>
                       </a:r>
-                      <a:r>
-                        <a:rPr lang="en-US" altLang="ko-KR"/>
-                        <a:t>1</a:t>
-                      </a:r>
-                      <a:r>
-                        <a:rPr lang="ko-KR" altLang="en-US"/>
-                        <a:t>차 완성</a:t>
-                      </a:r>
-                      <a:endParaRPr lang="ko-KR" altLang="en-US"/>
+                      <a:endParaRPr lang="ko-KR" altLang="en-US" dirty="0"/>
                     </a:p>
                   </a:txBody>
-                  <a:tcPr marL="91440" marR="91440"/>
+                  <a:tcPr/>
                 </a:tc>
-              </a:tr>
-              <a:tr h="185420">
-                <a:tc>
-                  <a:txBody>
-                    <a:bodyPr vert="horz" wrap="square" lIns="91440" tIns="45720" rIns="91440" bIns="45720" anchor="t" anchorCtr="0">
-                      <a:spAutoFit/>
-                    </a:bodyPr>
-                    <a:p>
-                      <a:pPr>
-                        <a:defRPr/>
-                      </a:pPr>
-                      <a:r>
-                        <a:rPr lang="en-US" altLang="ko-KR"/>
-                        <a:t>4</a:t>
-                      </a:r>
-                      <a:r>
-                        <a:rPr lang="ko-KR" altLang="en-US"/>
-                        <a:t>차</a:t>
-                      </a:r>
-                      <a:endParaRPr lang="ko-KR" altLang="en-US"/>
-                    </a:p>
-                  </a:txBody>
-                  <a:tcPr marL="91440" marR="91440"/>
-                </a:tc>
-                <a:tc>
-                  <a:txBody>
-                    <a:bodyPr vert="horz" wrap="square" lIns="91440" tIns="45720" rIns="91440" bIns="45720" anchor="t" anchorCtr="0">
-                      <a:spAutoFit/>
-                    </a:bodyPr>
-                    <a:p>
-                      <a:pPr>
-                        <a:defRPr/>
-                      </a:pPr>
-                      <a:r>
-                        <a:rPr lang="en-US" altLang="ko-KR"/>
-                        <a:t>23.07.02</a:t>
-                      </a:r>
-                      <a:endParaRPr lang="en-US" altLang="ko-KR"/>
-                    </a:p>
-                  </a:txBody>
-                  <a:tcPr marL="91440" marR="91440"/>
-                </a:tc>
-                <a:tc>
-                  <a:txBody>
-                    <a:bodyPr vert="horz" wrap="square" lIns="91440" tIns="45720" rIns="91440" bIns="45720" anchor="t" anchorCtr="0">
-                      <a:spAutoFit/>
-                    </a:bodyPr>
-                    <a:p>
-                      <a:pPr>
-                        <a:defRPr/>
-                      </a:pPr>
-                      <a:r>
-                        <a:rPr lang="ko-KR" altLang="en-US"/>
-                        <a:t>로그인 페이지 완성</a:t>
-                      </a:r>
-                      <a:endParaRPr lang="ko-KR" altLang="en-US"/>
-                    </a:p>
-                  </a:txBody>
-                  <a:tcPr marL="91440" marR="91440"/>
-                </a:tc>
+                <a:extLst>
+                  <a:ext uri="{0D108BD9-81ED-4DB2-BD59-A6C34878D82A}">
+                    <a16:rowId xmlns:a16="http://schemas.microsoft.com/office/drawing/2014/main" val="10003"/>
+                  </a:ext>
+                </a:extLst>
               </a:tr>
             </a:tbl>
           </a:graphicData>
@@ -11925,14 +12242,21 @@
   <p:clrMapOvr>
     <a:masterClrMapping/>
   </p:clrMapOvr>
-  <mc:AlternateContent xmlns:mc="http://schemas.openxmlformats.org/markup-compatibility/2006">
-    <mc:Choice xmlns:p14="http://schemas.microsoft.com/office/powerpoint/2010/main" Requires="p14">
-      <p:transition xmlns:mc="http://schemas.openxmlformats.org/markup-compatibility/2006" xmlns:p14="http://schemas.microsoft.com/office/powerpoint/2010/main" mc:Ignorable="p14" p14:dur="500"/>
+  <mc:AlternateContent xmlns:mc="http://schemas.openxmlformats.org/markup-compatibility/2006" xmlns:p14="http://schemas.microsoft.com/office/powerpoint/2010/main">
+    <mc:Choice Requires="p14">
+      <p:transition/>
     </mc:Choice>
-    <mc:Fallback>
+    <mc:Fallback xmlns="" xmlns:c="http://schemas.openxmlformats.org/drawingml/2006/chart" xmlns:dgm="http://schemas.openxmlformats.org/drawingml/2006/diagram" xmlns:dsp="http://schemas.microsoft.com/office/drawing/2008/diagram">
       <p:transition/>
     </mc:Fallback>
   </mc:AlternateContent>
+  <p:timing>
+    <p:tnLst>
+      <p:par>
+        <p:cTn id="1" dur="indefinite" restart="never" nodeType="tmRoot"/>
+      </p:par>
+    </p:tnLst>
+  </p:timing>
 </p:sld>
 </file>
 
@@ -12918,9 +13242,9 @@
         <p:grpSpPr>
           <a:xfrm>
             <a:off x="2512291" y="1182254"/>
-            <a:ext cx="7948161" cy="4109638"/>
+            <a:ext cx="7948166" cy="5095487"/>
             <a:chOff x="2477454" y="778710"/>
-            <a:chExt cx="9409092" cy="5061307"/>
+            <a:chExt cx="9409097" cy="5632852"/>
           </a:xfrm>
         </p:grpSpPr>
         <p:sp>
@@ -13230,9 +13554,9 @@
           <p:grpSpPr>
             <a:xfrm>
               <a:off x="2477454" y="3242603"/>
-              <a:ext cx="1289667" cy="2597414"/>
+              <a:ext cx="9409097" cy="3168959"/>
               <a:chOff x="439583" y="2859860"/>
-              <a:chExt cx="1428645" cy="2812760"/>
+              <a:chExt cx="10423045" cy="3431690"/>
             </a:xfrm>
             <a:solidFill>
               <a:srgbClr val="CDDEE9"/>
@@ -13349,12 +13673,12 @@
               <a:p>
                 <a:pPr algn="ctr"/>
                 <a:r>
-                  <a:rPr lang="en-US" altLang="ko-KR" sz="1400" dirty="0">
+                  <a:rPr lang="en-US" altLang="ko-KR" sz="1400" dirty="0" smtClean="0">
                     <a:solidFill>
                       <a:schemeClr val="tx1"/>
                     </a:solidFill>
                   </a:rPr>
-                  <a:t>All</a:t>
+                  <a:t>ALL</a:t>
                 </a:r>
                 <a:endParaRPr lang="ko-KR" altLang="en-US" sz="1400" dirty="0">
                   <a:solidFill>
@@ -13412,12 +13736,12 @@
               <a:p>
                 <a:pPr algn="ctr"/>
                 <a:r>
-                  <a:rPr lang="ko-KR" altLang="en-US" sz="1400" dirty="0" smtClean="0">
+                  <a:rPr lang="ko-KR" altLang="en-US" sz="1400" dirty="0" err="1" smtClean="0">
                     <a:solidFill>
                       <a:schemeClr val="tx1"/>
                     </a:solidFill>
                   </a:rPr>
-                  <a:t>신간</a:t>
+                  <a:t>국내도서</a:t>
                 </a:r>
                 <a:endParaRPr lang="ko-KR" altLang="en-US" sz="1400" dirty="0">
                   <a:solidFill>
@@ -13475,12 +13799,12 @@
               <a:p>
                 <a:pPr algn="ctr"/>
                 <a:r>
-                  <a:rPr lang="ko-KR" altLang="en-US" sz="1400" dirty="0" smtClean="0">
+                  <a:rPr lang="ko-KR" altLang="en-US" sz="1400" dirty="0" err="1" smtClean="0">
                     <a:solidFill>
                       <a:schemeClr val="tx1"/>
                     </a:solidFill>
                   </a:rPr>
-                  <a:t>관심분야</a:t>
+                  <a:t>해외도서</a:t>
                 </a:r>
                 <a:endParaRPr lang="ko-KR" altLang="en-US" sz="1400" dirty="0">
                   <a:solidFill>
@@ -13538,12 +13862,12 @@
               <a:p>
                 <a:pPr algn="ctr"/>
                 <a:r>
-                  <a:rPr lang="ko-KR" altLang="en-US" sz="1400" dirty="0" err="1" smtClean="0">
+                  <a:rPr lang="ko-KR" altLang="en-US" sz="1400" dirty="0" smtClean="0">
                     <a:solidFill>
                       <a:schemeClr val="tx1"/>
                     </a:solidFill>
                   </a:rPr>
-                  <a:t>오디오북</a:t>
+                  <a:t>신간도서</a:t>
                 </a:r>
                 <a:endParaRPr lang="ko-KR" altLang="en-US" sz="1400" dirty="0">
                   <a:solidFill>
@@ -13553,36 +13877,12 @@
               </a:p>
             </p:txBody>
           </p:sp>
-        </p:grpSp>
-        <p:grpSp>
-          <p:nvGrpSpPr>
-            <p:cNvPr id="16" name="그룹 15">
-              <a:extLst>
-                <a:ext uri="{FF2B5EF4-FFF2-40B4-BE49-F238E27FC236}">
-                  <a16:creationId xmlns:a16="http://schemas.microsoft.com/office/drawing/2014/main" id="{B1DF5731-6B24-4A1E-8EB5-7A9097951815}"/>
-                </a:ext>
-              </a:extLst>
-            </p:cNvPr>
-            <p:cNvGrpSpPr/>
-            <p:nvPr/>
-          </p:nvGrpSpPr>
-          <p:grpSpPr>
-            <a:xfrm>
-              <a:off x="4103611" y="3242603"/>
-              <a:ext cx="1302525" cy="2184090"/>
-              <a:chOff x="2240978" y="2859861"/>
-              <a:chExt cx="1442888" cy="2365168"/>
-            </a:xfrm>
-            <a:solidFill>
-              <a:srgbClr val="CDDEE9"/>
-            </a:solidFill>
-          </p:grpSpPr>
           <p:sp>
             <p:nvSpPr>
-              <p:cNvPr id="43" name="사각형: 둥근 모서리 5">
+              <p:cNvPr id="51" name="사각형: 둥근 모서리 30">
                 <a:extLst>
                   <a:ext uri="{FF2B5EF4-FFF2-40B4-BE49-F238E27FC236}">
-                    <a16:creationId xmlns:a16="http://schemas.microsoft.com/office/drawing/2014/main" id="{407A66EA-9826-4E00-883D-3E911A064A0B}"/>
+                    <a16:creationId xmlns:a16="http://schemas.microsoft.com/office/drawing/2014/main" id="{52830688-1547-4EA1-BDB7-CD6FD21E7139}"/>
                   </a:ext>
                 </a:extLst>
               </p:cNvPr>
@@ -13591,71 +13891,8 @@
             </p:nvSpPr>
             <p:spPr>
               <a:xfrm>
-                <a:off x="2240979" y="2859861"/>
-                <a:ext cx="1426128" cy="427838"/>
-              </a:xfrm>
-              <a:prstGeom prst="roundRect">
-                <a:avLst/>
-              </a:prstGeom>
-              <a:ln>
-                <a:solidFill>
-                  <a:schemeClr val="accent4"/>
-                </a:solidFill>
-              </a:ln>
-            </p:spPr>
-            <p:style>
-              <a:lnRef idx="2">
-                <a:schemeClr val="accent1">
-                  <a:shade val="50000"/>
-                </a:schemeClr>
-              </a:lnRef>
-              <a:fillRef idx="1003">
-                <a:schemeClr val="dk1"/>
-              </a:fillRef>
-              <a:effectRef idx="0">
-                <a:schemeClr val="accent1"/>
-              </a:effectRef>
-              <a:fontRef idx="minor">
-                <a:schemeClr val="lt1"/>
-              </a:fontRef>
-            </p:style>
-            <p:txBody>
-              <a:bodyPr rtlCol="0" anchor="ctr"/>
-              <a:lstStyle/>
-              <a:p>
-                <a:pPr algn="ctr"/>
-                <a:r>
-                  <a:rPr lang="en-US" altLang="ko-KR" sz="1500" b="1" dirty="0" smtClean="0">
-                    <a:solidFill>
-                      <a:schemeClr val="tx1"/>
-                    </a:solidFill>
-                  </a:rPr>
-                  <a:t>Best seller</a:t>
-                </a:r>
-                <a:endParaRPr lang="ko-KR" altLang="en-US" sz="1500" b="1" dirty="0">
-                  <a:solidFill>
-                    <a:schemeClr val="tx1"/>
-                  </a:solidFill>
-                </a:endParaRPr>
-              </a:p>
-            </p:txBody>
-          </p:sp>
-          <p:sp>
-            <p:nvSpPr>
-              <p:cNvPr id="44" name="사각형: 둥근 모서리 32">
-                <a:extLst>
-                  <a:ext uri="{FF2B5EF4-FFF2-40B4-BE49-F238E27FC236}">
-                    <a16:creationId xmlns:a16="http://schemas.microsoft.com/office/drawing/2014/main" id="{85F7E9D7-587C-4B5D-925B-9DE52E20B6CA}"/>
-                  </a:ext>
-                </a:extLst>
-              </p:cNvPr>
-              <p:cNvSpPr/>
-              <p:nvPr/>
-            </p:nvSpPr>
-            <p:spPr>
-              <a:xfrm>
-                <a:off x="2240978" y="3495111"/>
-                <a:ext cx="1426128" cy="794562"/>
+                <a:off x="439583" y="5832626"/>
+                <a:ext cx="1426128" cy="430068"/>
               </a:xfrm>
               <a:prstGeom prst="roundRect">
                 <a:avLst/>
@@ -13693,23 +13930,7 @@
                       <a:schemeClr val="tx1"/>
                     </a:solidFill>
                   </a:rPr>
-                  <a:t>요번 달</a:t>
-                </a:r>
-                <a:endParaRPr lang="en-US" altLang="ko-KR" sz="1400" dirty="0" smtClean="0">
-                  <a:solidFill>
-                    <a:schemeClr val="tx1"/>
-                  </a:solidFill>
-                </a:endParaRPr>
-              </a:p>
-              <a:p>
-                <a:pPr algn="ctr"/>
-                <a:r>
-                  <a:rPr lang="en-US" altLang="ko-KR" sz="1400" dirty="0" smtClean="0">
-                    <a:solidFill>
-                      <a:schemeClr val="tx1"/>
-                    </a:solidFill>
-                  </a:rPr>
-                  <a:t>Best seller</a:t>
+                  <a:t>추천도서</a:t>
                 </a:r>
                 <a:endParaRPr lang="ko-KR" altLang="en-US" sz="1400" dirty="0">
                   <a:solidFill>
@@ -13721,10 +13942,10 @@
           </p:sp>
           <p:sp>
             <p:nvSpPr>
-              <p:cNvPr id="45" name="사각형: 둥근 모서리 33">
+              <p:cNvPr id="52" name="사각형: 둥근 모서리 27">
                 <a:extLst>
                   <a:ext uri="{FF2B5EF4-FFF2-40B4-BE49-F238E27FC236}">
-                    <a16:creationId xmlns:a16="http://schemas.microsoft.com/office/drawing/2014/main" id="{E49C835F-1207-4B6F-84FF-FBA70BEC590D}"/>
+                    <a16:creationId xmlns:a16="http://schemas.microsoft.com/office/drawing/2014/main" id="{F9D1BF57-B7E1-4C6E-8D32-BE3A6CFEC485}"/>
                   </a:ext>
                 </a:extLst>
               </p:cNvPr>
@@ -13733,8 +13954,8 @@
             </p:nvSpPr>
             <p:spPr>
               <a:xfrm>
-                <a:off x="2257738" y="4462874"/>
-                <a:ext cx="1426128" cy="762155"/>
+                <a:off x="2240978" y="3458437"/>
+                <a:ext cx="1426128" cy="430068"/>
               </a:xfrm>
               <a:prstGeom prst="roundRect">
                 <a:avLst/>
@@ -13772,23 +13993,15 @@
                       <a:schemeClr val="tx1"/>
                     </a:solidFill>
                   </a:rPr>
-                  <a:t>올해</a:t>
+                  <a:t>현재</a:t>
                 </a:r>
-                <a:endParaRPr lang="en-US" altLang="ko-KR" sz="1400" dirty="0" smtClean="0">
-                  <a:solidFill>
-                    <a:schemeClr val="tx1"/>
-                  </a:solidFill>
-                </a:endParaRPr>
-              </a:p>
-              <a:p>
-                <a:pPr algn="ctr"/>
                 <a:r>
                   <a:rPr lang="en-US" altLang="ko-KR" sz="1400" dirty="0" smtClean="0">
                     <a:solidFill>
                       <a:schemeClr val="tx1"/>
                     </a:solidFill>
                   </a:rPr>
-                  <a:t>Best seller</a:t>
+                  <a:t>best seller</a:t>
                 </a:r>
                 <a:endParaRPr lang="ko-KR" altLang="en-US" sz="1400" dirty="0">
                   <a:solidFill>
@@ -13798,36 +14011,12 @@
               </a:p>
             </p:txBody>
           </p:sp>
-        </p:grpSp>
-        <p:grpSp>
-          <p:nvGrpSpPr>
-            <p:cNvPr id="17" name="그룹 16">
-              <a:extLst>
-                <a:ext uri="{FF2B5EF4-FFF2-40B4-BE49-F238E27FC236}">
-                  <a16:creationId xmlns:a16="http://schemas.microsoft.com/office/drawing/2014/main" id="{48C21F78-3B1E-4BCA-9046-8D812620A352}"/>
-                </a:ext>
-              </a:extLst>
-            </p:cNvPr>
-            <p:cNvGrpSpPr/>
-            <p:nvPr/>
-          </p:nvGrpSpPr>
-          <p:grpSpPr>
-            <a:xfrm>
-              <a:off x="5727496" y="3242603"/>
-              <a:ext cx="1287396" cy="1458711"/>
-              <a:chOff x="4039858" y="2859861"/>
-              <a:chExt cx="1426129" cy="1579650"/>
-            </a:xfrm>
-            <a:solidFill>
-              <a:srgbClr val="CDDEE9"/>
-            </a:solidFill>
-          </p:grpSpPr>
           <p:sp>
             <p:nvSpPr>
-              <p:cNvPr id="39" name="사각형: 둥근 모서리 6">
+              <p:cNvPr id="54" name="사각형: 둥근 모서리 28">
                 <a:extLst>
                   <a:ext uri="{FF2B5EF4-FFF2-40B4-BE49-F238E27FC236}">
-                    <a16:creationId xmlns:a16="http://schemas.microsoft.com/office/drawing/2014/main" id="{828BB059-A10E-4F2E-9EC9-57D36BD4A8FB}"/>
+                    <a16:creationId xmlns:a16="http://schemas.microsoft.com/office/drawing/2014/main" id="{B83B3EC6-161F-405A-B6B7-6B5F3F62F42E}"/>
                   </a:ext>
                 </a:extLst>
               </p:cNvPr>
@@ -13836,134 +14025,8 @@
             </p:nvSpPr>
             <p:spPr>
               <a:xfrm>
-                <a:off x="4039858" y="2859861"/>
-                <a:ext cx="1426128" cy="427838"/>
-              </a:xfrm>
-              <a:prstGeom prst="roundRect">
-                <a:avLst/>
-              </a:prstGeom>
-              <a:ln>
-                <a:solidFill>
-                  <a:schemeClr val="accent4"/>
-                </a:solidFill>
-              </a:ln>
-            </p:spPr>
-            <p:style>
-              <a:lnRef idx="2">
-                <a:schemeClr val="accent1">
-                  <a:shade val="50000"/>
-                </a:schemeClr>
-              </a:lnRef>
-              <a:fillRef idx="1003">
-                <a:schemeClr val="dk1"/>
-              </a:fillRef>
-              <a:effectRef idx="0">
-                <a:schemeClr val="accent1"/>
-              </a:effectRef>
-              <a:fontRef idx="minor">
-                <a:schemeClr val="lt1"/>
-              </a:fontRef>
-            </p:style>
-            <p:txBody>
-              <a:bodyPr rtlCol="0" anchor="ctr"/>
-              <a:lstStyle/>
-              <a:p>
-                <a:pPr algn="ctr"/>
-                <a:r>
-                  <a:rPr lang="en-US" altLang="ko-KR" sz="1400" b="1" dirty="0" smtClean="0">
-                    <a:solidFill>
-                      <a:schemeClr val="tx1"/>
-                    </a:solidFill>
-                  </a:rPr>
-                  <a:t>My library</a:t>
-                </a:r>
-                <a:endParaRPr lang="ko-KR" altLang="en-US" sz="1400" b="1" dirty="0">
-                  <a:solidFill>
-                    <a:schemeClr val="tx1"/>
-                  </a:solidFill>
-                </a:endParaRPr>
-              </a:p>
-            </p:txBody>
-          </p:sp>
-          <p:sp>
-            <p:nvSpPr>
-              <p:cNvPr id="40" name="사각형: 둥근 모서리 37">
-                <a:extLst>
-                  <a:ext uri="{FF2B5EF4-FFF2-40B4-BE49-F238E27FC236}">
-                    <a16:creationId xmlns:a16="http://schemas.microsoft.com/office/drawing/2014/main" id="{041BD469-A48E-4CB9-8850-8014163B8911}"/>
-                  </a:ext>
-                </a:extLst>
-              </p:cNvPr>
-              <p:cNvSpPr/>
-              <p:nvPr/>
-            </p:nvSpPr>
-            <p:spPr>
-              <a:xfrm>
-                <a:off x="4039859" y="3405119"/>
+                <a:off x="2240978" y="4062761"/>
                 <a:ext cx="1426128" cy="430068"/>
-              </a:xfrm>
-              <a:prstGeom prst="roundRect">
-                <a:avLst/>
-              </a:prstGeom>
-              <a:ln>
-                <a:solidFill>
-                  <a:schemeClr val="accent4"/>
-                </a:solidFill>
-              </a:ln>
-            </p:spPr>
-            <p:style>
-              <a:lnRef idx="2">
-                <a:schemeClr val="accent1">
-                  <a:shade val="50000"/>
-                </a:schemeClr>
-              </a:lnRef>
-              <a:fillRef idx="1003">
-                <a:schemeClr val="dk1"/>
-              </a:fillRef>
-              <a:effectRef idx="0">
-                <a:schemeClr val="accent1"/>
-              </a:effectRef>
-              <a:fontRef idx="minor">
-                <a:schemeClr val="lt1"/>
-              </a:fontRef>
-            </p:style>
-            <p:txBody>
-              <a:bodyPr rtlCol="0" anchor="ctr"/>
-              <a:lstStyle/>
-              <a:p>
-                <a:pPr algn="ctr"/>
-                <a:r>
-                  <a:rPr lang="ko-KR" altLang="en-US" sz="1200" dirty="0" smtClean="0">
-                    <a:solidFill>
-                      <a:schemeClr val="tx1"/>
-                    </a:solidFill>
-                  </a:rPr>
-                  <a:t>서재 관리</a:t>
-                </a:r>
-                <a:endParaRPr lang="ko-KR" altLang="en-US" sz="1200" dirty="0">
-                  <a:solidFill>
-                    <a:schemeClr val="tx1"/>
-                  </a:solidFill>
-                </a:endParaRPr>
-              </a:p>
-            </p:txBody>
-          </p:sp>
-          <p:sp>
-            <p:nvSpPr>
-              <p:cNvPr id="41" name="사각형: 둥근 모서리 38">
-                <a:extLst>
-                  <a:ext uri="{FF2B5EF4-FFF2-40B4-BE49-F238E27FC236}">
-                    <a16:creationId xmlns:a16="http://schemas.microsoft.com/office/drawing/2014/main" id="{19FDBA4F-65A5-4696-8521-53E12B7DEFB0}"/>
-                  </a:ext>
-                </a:extLst>
-              </p:cNvPr>
-              <p:cNvSpPr/>
-              <p:nvPr/>
-            </p:nvSpPr>
-            <p:spPr>
-              <a:xfrm>
-                <a:off x="4039858" y="4009443"/>
-                <a:ext cx="1426129" cy="430068"/>
               </a:xfrm>
               <a:prstGeom prst="roundRect">
                 <a:avLst/>
@@ -14001,7 +14064,15 @@
                       <a:schemeClr val="tx1"/>
                     </a:solidFill>
                   </a:rPr>
-                  <a:t>책 추가</a:t>
+                  <a:t>주간 </a:t>
+                </a:r>
+                <a:r>
+                  <a:rPr lang="en-US" altLang="ko-KR" sz="1400" dirty="0" smtClean="0">
+                    <a:solidFill>
+                      <a:schemeClr val="tx1"/>
+                    </a:solidFill>
+                  </a:rPr>
+                  <a:t>best seller</a:t>
                 </a:r>
                 <a:endParaRPr lang="ko-KR" altLang="en-US" sz="1400" dirty="0">
                   <a:solidFill>
@@ -14011,83 +14082,12 @@
               </a:p>
             </p:txBody>
           </p:sp>
-        </p:grpSp>
-        <p:cxnSp>
-          <p:nvCxnSpPr>
-            <p:cNvPr id="18" name="연결선: 꺾임 17">
-              <a:extLst>
-                <a:ext uri="{FF2B5EF4-FFF2-40B4-BE49-F238E27FC236}">
-                  <a16:creationId xmlns:a16="http://schemas.microsoft.com/office/drawing/2014/main" id="{0EBC41A6-042D-440E-BC85-524E70FFBC34}"/>
-                </a:ext>
-              </a:extLst>
-            </p:cNvPr>
-            <p:cNvCxnSpPr>
-              <a:cxnSpLocks/>
-              <a:stCxn id="9" idx="2"/>
-              <a:endCxn id="36" idx="0"/>
-            </p:cNvCxnSpPr>
-            <p:nvPr/>
-          </p:nvCxnSpPr>
-          <p:spPr>
-            <a:xfrm rot="16200000" flipH="1">
-              <a:off x="6505156" y="1752681"/>
-              <a:ext cx="1386220" cy="1593626"/>
-            </a:xfrm>
-            <a:prstGeom prst="bentConnector3">
-              <a:avLst>
-                <a:gd name="adj1" fmla="val 50000"/>
-              </a:avLst>
-            </a:prstGeom>
-            <a:ln>
-              <a:solidFill>
-                <a:schemeClr val="accent4"/>
-              </a:solidFill>
-            </a:ln>
-          </p:spPr>
-          <p:style>
-            <a:lnRef idx="1">
-              <a:schemeClr val="accent2"/>
-            </a:lnRef>
-            <a:fillRef idx="1003">
-              <a:schemeClr val="dk1"/>
-            </a:fillRef>
-            <a:effectRef idx="0">
-              <a:schemeClr val="accent2"/>
-            </a:effectRef>
-            <a:fontRef idx="minor">
-              <a:schemeClr val="tx1"/>
-            </a:fontRef>
-          </p:style>
-        </p:cxnSp>
-        <p:grpSp>
-          <p:nvGrpSpPr>
-            <p:cNvPr id="19" name="그룹 18">
-              <a:extLst>
-                <a:ext uri="{FF2B5EF4-FFF2-40B4-BE49-F238E27FC236}">
-                  <a16:creationId xmlns:a16="http://schemas.microsoft.com/office/drawing/2014/main" id="{0CE67FC2-802E-4A72-B503-7D59B87E272D}"/>
-                </a:ext>
-              </a:extLst>
-            </p:cNvPr>
-            <p:cNvGrpSpPr/>
-            <p:nvPr/>
-          </p:nvGrpSpPr>
-          <p:grpSpPr>
-            <a:xfrm>
-              <a:off x="7351381" y="3242604"/>
-              <a:ext cx="1287396" cy="1479241"/>
-              <a:chOff x="5838737" y="2859861"/>
-              <a:chExt cx="1426129" cy="1601881"/>
-            </a:xfrm>
-            <a:solidFill>
-              <a:srgbClr val="CDDEE9"/>
-            </a:solidFill>
-          </p:grpSpPr>
           <p:sp>
             <p:nvSpPr>
-              <p:cNvPr id="36" name="사각형: 둥근 모서리 7">
+              <p:cNvPr id="55" name="사각형: 둥근 모서리 29">
                 <a:extLst>
                   <a:ext uri="{FF2B5EF4-FFF2-40B4-BE49-F238E27FC236}">
-                    <a16:creationId xmlns:a16="http://schemas.microsoft.com/office/drawing/2014/main" id="{9A6D509C-6A16-4544-B133-6A750A66DEDE}"/>
+                    <a16:creationId xmlns:a16="http://schemas.microsoft.com/office/drawing/2014/main" id="{168A3818-AF8E-40C8-8473-F394DD2D3B9C}"/>
                   </a:ext>
                 </a:extLst>
               </p:cNvPr>
@@ -14096,70 +14096,7 @@
             </p:nvSpPr>
             <p:spPr>
               <a:xfrm>
-                <a:off x="5838737" y="2859861"/>
-                <a:ext cx="1426128" cy="427838"/>
-              </a:xfrm>
-              <a:prstGeom prst="roundRect">
-                <a:avLst/>
-              </a:prstGeom>
-              <a:ln>
-                <a:solidFill>
-                  <a:schemeClr val="accent4"/>
-                </a:solidFill>
-              </a:ln>
-            </p:spPr>
-            <p:style>
-              <a:lnRef idx="2">
-                <a:schemeClr val="accent1">
-                  <a:shade val="50000"/>
-                </a:schemeClr>
-              </a:lnRef>
-              <a:fillRef idx="1003">
-                <a:schemeClr val="dk1"/>
-              </a:fillRef>
-              <a:effectRef idx="0">
-                <a:schemeClr val="accent1"/>
-              </a:effectRef>
-              <a:fontRef idx="minor">
-                <a:schemeClr val="lt1"/>
-              </a:fontRef>
-            </p:style>
-            <p:txBody>
-              <a:bodyPr rtlCol="0" anchor="ctr"/>
-              <a:lstStyle/>
-              <a:p>
-                <a:pPr algn="ctr"/>
-                <a:r>
-                  <a:rPr lang="en-US" altLang="ko-KR" sz="1600" b="1" dirty="0" smtClean="0">
-                    <a:solidFill>
-                      <a:schemeClr val="tx1"/>
-                    </a:solidFill>
-                  </a:rPr>
-                  <a:t>My book</a:t>
-                </a:r>
-                <a:endParaRPr lang="ko-KR" altLang="en-US" sz="1600" b="1" dirty="0">
-                  <a:solidFill>
-                    <a:schemeClr val="tx1"/>
-                  </a:solidFill>
-                </a:endParaRPr>
-              </a:p>
-            </p:txBody>
-          </p:sp>
-          <p:sp>
-            <p:nvSpPr>
-              <p:cNvPr id="37" name="사각형: 둥근 모서리 42">
-                <a:extLst>
-                  <a:ext uri="{FF2B5EF4-FFF2-40B4-BE49-F238E27FC236}">
-                    <a16:creationId xmlns:a16="http://schemas.microsoft.com/office/drawing/2014/main" id="{1D6695EE-3477-4E00-AE44-F89D3ACECE6F}"/>
-                  </a:ext>
-                </a:extLst>
-              </p:cNvPr>
-              <p:cNvSpPr/>
-              <p:nvPr/>
-            </p:nvSpPr>
-            <p:spPr>
-              <a:xfrm>
-                <a:off x="5838738" y="3427350"/>
+                <a:off x="2240978" y="4667085"/>
                 <a:ext cx="1426128" cy="430068"/>
               </a:xfrm>
               <a:prstGeom prst="roundRect">
@@ -14198,7 +14135,15 @@
                       <a:schemeClr val="tx1"/>
                     </a:solidFill>
                   </a:rPr>
-                  <a:t>책 읽기</a:t>
+                  <a:t>월간 </a:t>
+                </a:r>
+                <a:r>
+                  <a:rPr lang="en-US" altLang="ko-KR" sz="1400" dirty="0" smtClean="0">
+                    <a:solidFill>
+                      <a:schemeClr val="tx1"/>
+                    </a:solidFill>
+                  </a:rPr>
+                  <a:t>best seller</a:t>
                 </a:r>
                 <a:endParaRPr lang="ko-KR" altLang="en-US" sz="1400" dirty="0">
                   <a:solidFill>
@@ -14210,10 +14155,10 @@
           </p:sp>
           <p:sp>
             <p:nvSpPr>
-              <p:cNvPr id="38" name="사각형: 둥근 모서리 43">
+              <p:cNvPr id="57" name="사각형: 둥근 모서리 30">
                 <a:extLst>
                   <a:ext uri="{FF2B5EF4-FFF2-40B4-BE49-F238E27FC236}">
-                    <a16:creationId xmlns:a16="http://schemas.microsoft.com/office/drawing/2014/main" id="{96AA3F10-F2E4-43BB-A897-5451C3F9D5DD}"/>
+                    <a16:creationId xmlns:a16="http://schemas.microsoft.com/office/drawing/2014/main" id="{52830688-1547-4EA1-BDB7-CD6FD21E7139}"/>
                   </a:ext>
                 </a:extLst>
               </p:cNvPr>
@@ -14222,173 +14167,7 @@
             </p:nvSpPr>
             <p:spPr>
               <a:xfrm>
-                <a:off x="5838738" y="4031674"/>
-                <a:ext cx="1426128" cy="430068"/>
-              </a:xfrm>
-              <a:prstGeom prst="roundRect">
-                <a:avLst/>
-              </a:prstGeom>
-              <a:ln>
-                <a:solidFill>
-                  <a:schemeClr val="accent4"/>
-                </a:solidFill>
-              </a:ln>
-            </p:spPr>
-            <p:style>
-              <a:lnRef idx="2">
-                <a:schemeClr val="accent1">
-                  <a:shade val="50000"/>
-                </a:schemeClr>
-              </a:lnRef>
-              <a:fillRef idx="1003">
-                <a:schemeClr val="dk1"/>
-              </a:fillRef>
-              <a:effectRef idx="0">
-                <a:schemeClr val="accent1"/>
-              </a:effectRef>
-              <a:fontRef idx="minor">
-                <a:schemeClr val="lt1"/>
-              </a:fontRef>
-            </p:style>
-            <p:txBody>
-              <a:bodyPr rtlCol="0" anchor="ctr"/>
-              <a:lstStyle/>
-              <a:p>
-                <a:pPr algn="ctr"/>
-                <a:r>
-                  <a:rPr lang="ko-KR" altLang="en-US" sz="1050" dirty="0" smtClean="0">
-                    <a:solidFill>
-                      <a:schemeClr val="tx1"/>
-                    </a:solidFill>
-                  </a:rPr>
-                  <a:t>독후감</a:t>
-                </a:r>
-                <a:r>
-                  <a:rPr lang="en-US" altLang="ko-KR" sz="1050" dirty="0" smtClean="0">
-                    <a:solidFill>
-                      <a:schemeClr val="tx1"/>
-                    </a:solidFill>
-                  </a:rPr>
-                  <a:t>/</a:t>
-                </a:r>
-                <a:r>
-                  <a:rPr lang="ko-KR" altLang="en-US" sz="1050" dirty="0" err="1" smtClean="0">
-                    <a:solidFill>
-                      <a:schemeClr val="tx1"/>
-                    </a:solidFill>
-                  </a:rPr>
-                  <a:t>감상평</a:t>
-                </a:r>
-                <a:endParaRPr lang="ko-KR" altLang="en-US" sz="1050" dirty="0">
-                  <a:solidFill>
-                    <a:schemeClr val="tx1"/>
-                  </a:solidFill>
-                </a:endParaRPr>
-              </a:p>
-            </p:txBody>
-          </p:sp>
-        </p:grpSp>
-        <p:grpSp>
-          <p:nvGrpSpPr>
-            <p:cNvPr id="20" name="그룹 19">
-              <a:extLst>
-                <a:ext uri="{FF2B5EF4-FFF2-40B4-BE49-F238E27FC236}">
-                  <a16:creationId xmlns:a16="http://schemas.microsoft.com/office/drawing/2014/main" id="{016561EE-BD31-46BC-B10F-FFDB96A0AC42}"/>
-                </a:ext>
-              </a:extLst>
-            </p:cNvPr>
-            <p:cNvGrpSpPr/>
-            <p:nvPr/>
-          </p:nvGrpSpPr>
-          <p:grpSpPr>
-            <a:xfrm>
-              <a:off x="8975265" y="3242604"/>
-              <a:ext cx="1287395" cy="921184"/>
-              <a:chOff x="7637616" y="2859861"/>
-              <a:chExt cx="1426128" cy="997557"/>
-            </a:xfrm>
-            <a:solidFill>
-              <a:srgbClr val="CDDEE9"/>
-            </a:solidFill>
-          </p:grpSpPr>
-          <p:sp>
-            <p:nvSpPr>
-              <p:cNvPr id="34" name="사각형: 둥근 모서리 8">
-                <a:extLst>
-                  <a:ext uri="{FF2B5EF4-FFF2-40B4-BE49-F238E27FC236}">
-                    <a16:creationId xmlns:a16="http://schemas.microsoft.com/office/drawing/2014/main" id="{5E7AD2B2-D96F-453F-9332-6AFD07B36C5E}"/>
-                  </a:ext>
-                </a:extLst>
-              </p:cNvPr>
-              <p:cNvSpPr/>
-              <p:nvPr/>
-            </p:nvSpPr>
-            <p:spPr>
-              <a:xfrm>
-                <a:off x="7637616" y="2859861"/>
-                <a:ext cx="1426128" cy="427838"/>
-              </a:xfrm>
-              <a:prstGeom prst="roundRect">
-                <a:avLst/>
-              </a:prstGeom>
-              <a:ln>
-                <a:solidFill>
-                  <a:schemeClr val="accent4"/>
-                </a:solidFill>
-              </a:ln>
-            </p:spPr>
-            <p:style>
-              <a:lnRef idx="2">
-                <a:schemeClr val="accent1">
-                  <a:shade val="50000"/>
-                </a:schemeClr>
-              </a:lnRef>
-              <a:fillRef idx="1003">
-                <a:schemeClr val="dk1"/>
-              </a:fillRef>
-              <a:effectRef idx="0">
-                <a:schemeClr val="accent1"/>
-              </a:effectRef>
-              <a:fontRef idx="minor">
-                <a:schemeClr val="lt1"/>
-              </a:fontRef>
-            </p:style>
-            <p:txBody>
-              <a:bodyPr rtlCol="0" anchor="ctr"/>
-              <a:lstStyle/>
-              <a:p>
-                <a:pPr algn="ctr"/>
-                <a:r>
-                  <a:rPr lang="ko-KR" altLang="en-US" sz="1600" b="1" dirty="0" smtClean="0">
-                    <a:solidFill>
-                      <a:schemeClr val="tx1"/>
-                    </a:solidFill>
-                  </a:rPr>
-                  <a:t>커뮤니티</a:t>
-                </a:r>
-                <a:endParaRPr lang="ko-KR" altLang="en-US" sz="1600" b="1" dirty="0">
-                  <a:solidFill>
-                    <a:schemeClr val="tx1"/>
-                  </a:solidFill>
-                </a:endParaRPr>
-              </a:p>
-            </p:txBody>
-          </p:sp>
-          <p:sp>
-            <p:nvSpPr>
-              <p:cNvPr id="35" name="사각형: 둥근 모서리 47">
-                <a:extLst>
-                  <a:ext uri="{FF2B5EF4-FFF2-40B4-BE49-F238E27FC236}">
-                    <a16:creationId xmlns:a16="http://schemas.microsoft.com/office/drawing/2014/main" id="{7585D39B-E109-4B92-9933-4D212601219C}"/>
-                  </a:ext>
-                </a:extLst>
-              </p:cNvPr>
-              <p:cNvSpPr/>
-              <p:nvPr/>
-            </p:nvSpPr>
-            <p:spPr>
-              <a:xfrm>
-                <a:off x="7637616" y="3427350"/>
+                <a:off x="2240978" y="5271409"/>
                 <a:ext cx="1426128" cy="430068"/>
               </a:xfrm>
               <a:prstGeom prst="roundRect">
@@ -14427,7 +14206,15 @@
                       <a:schemeClr val="tx1"/>
                     </a:solidFill>
                   </a:rPr>
-                  <a:t>책 추천</a:t>
+                  <a:t>연간 </a:t>
+                </a:r>
+                <a:r>
+                  <a:rPr lang="en-US" altLang="ko-KR" sz="1400" dirty="0" smtClean="0">
+                    <a:solidFill>
+                      <a:schemeClr val="tx1"/>
+                    </a:solidFill>
+                  </a:rPr>
+                  <a:t>best seller</a:t>
                 </a:r>
                 <a:endParaRPr lang="ko-KR" altLang="en-US" sz="1400" dirty="0">
                   <a:solidFill>
@@ -14437,36 +14224,12 @@
               </a:p>
             </p:txBody>
           </p:sp>
-        </p:grpSp>
-        <p:grpSp>
-          <p:nvGrpSpPr>
-            <p:cNvPr id="21" name="그룹 20">
-              <a:extLst>
-                <a:ext uri="{FF2B5EF4-FFF2-40B4-BE49-F238E27FC236}">
-                  <a16:creationId xmlns:a16="http://schemas.microsoft.com/office/drawing/2014/main" id="{1B995E2C-7763-4323-AF07-BA965B5EEBA8}"/>
-                </a:ext>
-              </a:extLst>
-            </p:cNvPr>
-            <p:cNvGrpSpPr/>
-            <p:nvPr/>
-          </p:nvGrpSpPr>
-          <p:grpSpPr>
-            <a:xfrm>
-              <a:off x="10599151" y="3242604"/>
-              <a:ext cx="1287395" cy="2086098"/>
-              <a:chOff x="9436496" y="2859861"/>
-              <a:chExt cx="1426128" cy="2259051"/>
-            </a:xfrm>
-            <a:solidFill>
-              <a:srgbClr val="CDDEE9"/>
-            </a:solidFill>
-          </p:grpSpPr>
           <p:sp>
             <p:nvSpPr>
-              <p:cNvPr id="29" name="사각형: 둥근 모서리 9">
+              <p:cNvPr id="58" name="사각형: 둥근 모서리 30">
                 <a:extLst>
                   <a:ext uri="{FF2B5EF4-FFF2-40B4-BE49-F238E27FC236}">
-                    <a16:creationId xmlns:a16="http://schemas.microsoft.com/office/drawing/2014/main" id="{30F83CF7-5E95-4D5F-98B7-78827DFA4A6F}"/>
+                    <a16:creationId xmlns:a16="http://schemas.microsoft.com/office/drawing/2014/main" id="{52830688-1547-4EA1-BDB7-CD6FD21E7139}"/>
                   </a:ext>
                 </a:extLst>
               </p:cNvPr>
@@ -14475,70 +14238,7 @@
             </p:nvSpPr>
             <p:spPr>
               <a:xfrm>
-                <a:off x="9436496" y="2859861"/>
-                <a:ext cx="1426128" cy="427838"/>
-              </a:xfrm>
-              <a:prstGeom prst="roundRect">
-                <a:avLst/>
-              </a:prstGeom>
-              <a:ln>
-                <a:solidFill>
-                  <a:schemeClr val="accent4"/>
-                </a:solidFill>
-              </a:ln>
-            </p:spPr>
-            <p:style>
-              <a:lnRef idx="2">
-                <a:schemeClr val="accent1">
-                  <a:shade val="50000"/>
-                </a:schemeClr>
-              </a:lnRef>
-              <a:fillRef idx="1003">
-                <a:schemeClr val="dk1"/>
-              </a:fillRef>
-              <a:effectRef idx="0">
-                <a:schemeClr val="accent1"/>
-              </a:effectRef>
-              <a:fontRef idx="minor">
-                <a:schemeClr val="lt1"/>
-              </a:fontRef>
-            </p:style>
-            <p:txBody>
-              <a:bodyPr rtlCol="0" anchor="ctr"/>
-              <a:lstStyle/>
-              <a:p>
-                <a:pPr algn="ctr"/>
-                <a:r>
-                  <a:rPr lang="en-US" altLang="ko-KR" sz="1600" b="1" dirty="0">
-                    <a:solidFill>
-                      <a:schemeClr val="tx1"/>
-                    </a:solidFill>
-                  </a:rPr>
-                  <a:t>About</a:t>
-                </a:r>
-                <a:endParaRPr lang="ko-KR" altLang="en-US" sz="1600" b="1" dirty="0">
-                  <a:solidFill>
-                    <a:schemeClr val="tx1"/>
-                  </a:solidFill>
-                </a:endParaRPr>
-              </a:p>
-            </p:txBody>
-          </p:sp>
-          <p:sp>
-            <p:nvSpPr>
-              <p:cNvPr id="30" name="사각형: 둥근 모서리 52">
-                <a:extLst>
-                  <a:ext uri="{FF2B5EF4-FFF2-40B4-BE49-F238E27FC236}">
-                    <a16:creationId xmlns:a16="http://schemas.microsoft.com/office/drawing/2014/main" id="{D21FB362-CFF6-4641-96E8-D8E485CEDC99}"/>
-                  </a:ext>
-                </a:extLst>
-              </p:cNvPr>
-              <p:cNvSpPr/>
-              <p:nvPr/>
-            </p:nvSpPr>
-            <p:spPr>
-              <a:xfrm>
-                <a:off x="9436496" y="3462323"/>
+                <a:off x="2240978" y="5861482"/>
                 <a:ext cx="1426128" cy="430068"/>
               </a:xfrm>
               <a:prstGeom prst="roundRect">
@@ -14577,7 +14277,15 @@
                       <a:schemeClr val="tx1"/>
                     </a:solidFill>
                   </a:rPr>
-                  <a:t>이벤트</a:t>
+                  <a:t>추천 </a:t>
+                </a:r>
+                <a:r>
+                  <a:rPr lang="en-US" altLang="ko-KR" sz="1400" dirty="0" smtClean="0">
+                    <a:solidFill>
+                      <a:schemeClr val="tx1"/>
+                    </a:solidFill>
+                  </a:rPr>
+                  <a:t>best seller</a:t>
                 </a:r>
                 <a:endParaRPr lang="ko-KR" altLang="en-US" sz="1400" dirty="0">
                   <a:solidFill>
@@ -14589,10 +14297,10 @@
           </p:sp>
           <p:sp>
             <p:nvSpPr>
-              <p:cNvPr id="32" name="사각형: 둥근 모서리 54">
+              <p:cNvPr id="59" name="사각형: 둥근 모서리 27">
                 <a:extLst>
                   <a:ext uri="{FF2B5EF4-FFF2-40B4-BE49-F238E27FC236}">
-                    <a16:creationId xmlns:a16="http://schemas.microsoft.com/office/drawing/2014/main" id="{516E39DA-996F-4F9A-BF48-D710C133FE48}"/>
+                    <a16:creationId xmlns:a16="http://schemas.microsoft.com/office/drawing/2014/main" id="{F9D1BF57-B7E1-4C6E-8D32-BE3A6CFEC485}"/>
                   </a:ext>
                 </a:extLst>
               </p:cNvPr>
@@ -14601,7 +14309,133 @@
             </p:nvSpPr>
             <p:spPr>
               <a:xfrm>
-                <a:off x="9436496" y="4016802"/>
+                <a:off x="4039857" y="3419630"/>
+                <a:ext cx="1426128" cy="430068"/>
+              </a:xfrm>
+              <a:prstGeom prst="roundRect">
+                <a:avLst/>
+              </a:prstGeom>
+              <a:ln>
+                <a:solidFill>
+                  <a:schemeClr val="accent4"/>
+                </a:solidFill>
+              </a:ln>
+            </p:spPr>
+            <p:style>
+              <a:lnRef idx="2">
+                <a:schemeClr val="accent1">
+                  <a:shade val="50000"/>
+                </a:schemeClr>
+              </a:lnRef>
+              <a:fillRef idx="1003">
+                <a:schemeClr val="dk1"/>
+              </a:fillRef>
+              <a:effectRef idx="0">
+                <a:schemeClr val="accent1"/>
+              </a:effectRef>
+              <a:fontRef idx="minor">
+                <a:schemeClr val="lt1"/>
+              </a:fontRef>
+            </p:style>
+            <p:txBody>
+              <a:bodyPr rtlCol="0" anchor="ctr"/>
+              <a:lstStyle/>
+              <a:p>
+                <a:pPr algn="ctr"/>
+                <a:r>
+                  <a:rPr lang="ko-KR" altLang="en-US" sz="1400" dirty="0" err="1" smtClean="0">
+                    <a:solidFill>
+                      <a:schemeClr val="tx1"/>
+                    </a:solidFill>
+                  </a:rPr>
+                  <a:t>내서재</a:t>
+                </a:r>
+                <a:endParaRPr lang="ko-KR" altLang="en-US" sz="1400" dirty="0">
+                  <a:solidFill>
+                    <a:schemeClr val="tx1"/>
+                  </a:solidFill>
+                </a:endParaRPr>
+              </a:p>
+            </p:txBody>
+          </p:sp>
+          <p:sp>
+            <p:nvSpPr>
+              <p:cNvPr id="60" name="사각형: 둥근 모서리 28">
+                <a:extLst>
+                  <a:ext uri="{FF2B5EF4-FFF2-40B4-BE49-F238E27FC236}">
+                    <a16:creationId xmlns:a16="http://schemas.microsoft.com/office/drawing/2014/main" id="{B83B3EC6-161F-405A-B6B7-6B5F3F62F42E}"/>
+                  </a:ext>
+                </a:extLst>
+              </p:cNvPr>
+              <p:cNvSpPr/>
+              <p:nvPr/>
+            </p:nvSpPr>
+            <p:spPr>
+              <a:xfrm>
+                <a:off x="4039858" y="4023954"/>
+                <a:ext cx="1426129" cy="430068"/>
+              </a:xfrm>
+              <a:prstGeom prst="roundRect">
+                <a:avLst/>
+              </a:prstGeom>
+              <a:ln>
+                <a:solidFill>
+                  <a:schemeClr val="accent4"/>
+                </a:solidFill>
+              </a:ln>
+            </p:spPr>
+            <p:style>
+              <a:lnRef idx="2">
+                <a:schemeClr val="accent1">
+                  <a:shade val="50000"/>
+                </a:schemeClr>
+              </a:lnRef>
+              <a:fillRef idx="1003">
+                <a:schemeClr val="dk1"/>
+              </a:fillRef>
+              <a:effectRef idx="0">
+                <a:schemeClr val="accent1"/>
+              </a:effectRef>
+              <a:fontRef idx="minor">
+                <a:schemeClr val="lt1"/>
+              </a:fontRef>
+            </p:style>
+            <p:txBody>
+              <a:bodyPr rtlCol="0" anchor="ctr"/>
+              <a:lstStyle/>
+              <a:p>
+                <a:pPr algn="ctr"/>
+                <a:r>
+                  <a:rPr lang="ko-KR" altLang="en-US" sz="1400" dirty="0" err="1" smtClean="0">
+                    <a:solidFill>
+                      <a:schemeClr val="tx1"/>
+                    </a:solidFill>
+                  </a:rPr>
+                  <a:t>서재관리</a:t>
+                </a:r>
+                <a:endParaRPr lang="ko-KR" altLang="en-US" sz="1400" dirty="0">
+                  <a:solidFill>
+                    <a:schemeClr val="tx1"/>
+                  </a:solidFill>
+                </a:endParaRPr>
+              </a:p>
+            </p:txBody>
+          </p:sp>
+          <p:sp>
+            <p:nvSpPr>
+              <p:cNvPr id="61" name="사각형: 둥근 모서리 29">
+                <a:extLst>
+                  <a:ext uri="{FF2B5EF4-FFF2-40B4-BE49-F238E27FC236}">
+                    <a16:creationId xmlns:a16="http://schemas.microsoft.com/office/drawing/2014/main" id="{168A3818-AF8E-40C8-8473-F394DD2D3B9C}"/>
+                  </a:ext>
+                </a:extLst>
+              </p:cNvPr>
+              <p:cNvSpPr/>
+              <p:nvPr/>
+            </p:nvSpPr>
+            <p:spPr>
+              <a:xfrm>
+                <a:off x="4039857" y="4628278"/>
                 <a:ext cx="1426128" cy="430068"/>
               </a:xfrm>
               <a:prstGeom prst="roundRect">
@@ -14640,7 +14474,7 @@
                       <a:schemeClr val="tx1"/>
                     </a:solidFill>
                   </a:rPr>
-                  <a:t>고객센터</a:t>
+                  <a:t>서재 추가</a:t>
                 </a:r>
                 <a:endParaRPr lang="ko-KR" altLang="en-US" sz="1400" dirty="0">
                   <a:solidFill>
@@ -14652,10 +14486,10 @@
           </p:sp>
           <p:sp>
             <p:nvSpPr>
-              <p:cNvPr id="33" name="사각형: 둥근 모서리 55">
+              <p:cNvPr id="62" name="사각형: 둥근 모서리 30">
                 <a:extLst>
                   <a:ext uri="{FF2B5EF4-FFF2-40B4-BE49-F238E27FC236}">
-                    <a16:creationId xmlns:a16="http://schemas.microsoft.com/office/drawing/2014/main" id="{7FF17EC5-2EDE-4ADA-AD12-95245696B4C5}"/>
+                    <a16:creationId xmlns:a16="http://schemas.microsoft.com/office/drawing/2014/main" id="{52830688-1547-4EA1-BDB7-CD6FD21E7139}"/>
                   </a:ext>
                 </a:extLst>
               </p:cNvPr>
@@ -14664,8 +14498,8 @@
             </p:nvSpPr>
             <p:spPr>
               <a:xfrm>
-                <a:off x="9436496" y="4638577"/>
-                <a:ext cx="1426128" cy="480335"/>
+                <a:off x="4039857" y="5232602"/>
+                <a:ext cx="1426128" cy="430068"/>
               </a:xfrm>
               <a:prstGeom prst="roundRect">
                 <a:avLst/>
@@ -14698,17 +14532,1408 @@
               <a:p>
                 <a:pPr algn="ctr"/>
                 <a:r>
-                  <a:rPr lang="ko-KR" altLang="en-US" sz="1400" dirty="0">
+                  <a:rPr lang="ko-KR" altLang="en-US" sz="1400" dirty="0" err="1" smtClean="0">
                     <a:solidFill>
                       <a:schemeClr val="tx1"/>
                     </a:solidFill>
                   </a:rPr>
-                  <a:t>문의사항</a:t>
+                  <a:t>서재공유</a:t>
                 </a:r>
+                <a:endParaRPr lang="ko-KR" altLang="en-US" sz="1400" dirty="0">
+                  <a:solidFill>
+                    <a:schemeClr val="tx1"/>
+                  </a:solidFill>
+                </a:endParaRPr>
+              </a:p>
+            </p:txBody>
+          </p:sp>
+          <p:sp>
+            <p:nvSpPr>
+              <p:cNvPr id="63" name="사각형: 둥근 모서리 30">
+                <a:extLst>
+                  <a:ext uri="{FF2B5EF4-FFF2-40B4-BE49-F238E27FC236}">
+                    <a16:creationId xmlns:a16="http://schemas.microsoft.com/office/drawing/2014/main" id="{52830688-1547-4EA1-BDB7-CD6FD21E7139}"/>
+                  </a:ext>
+                </a:extLst>
+              </p:cNvPr>
+              <p:cNvSpPr/>
+              <p:nvPr/>
+            </p:nvSpPr>
+            <p:spPr>
+              <a:xfrm>
+                <a:off x="4039857" y="5822675"/>
+                <a:ext cx="1426128" cy="430068"/>
+              </a:xfrm>
+              <a:prstGeom prst="roundRect">
+                <a:avLst/>
+              </a:prstGeom>
+              <a:ln>
+                <a:solidFill>
+                  <a:schemeClr val="accent4"/>
+                </a:solidFill>
+              </a:ln>
+            </p:spPr>
+            <p:style>
+              <a:lnRef idx="2">
+                <a:schemeClr val="accent1">
+                  <a:shade val="50000"/>
+                </a:schemeClr>
+              </a:lnRef>
+              <a:fillRef idx="1003">
+                <a:schemeClr val="dk1"/>
+              </a:fillRef>
+              <a:effectRef idx="0">
+                <a:schemeClr val="accent1"/>
+              </a:effectRef>
+              <a:fontRef idx="minor">
+                <a:schemeClr val="lt1"/>
+              </a:fontRef>
+            </p:style>
+            <p:txBody>
+              <a:bodyPr rtlCol="0" anchor="ctr"/>
+              <a:lstStyle/>
+              <a:p>
+                <a:pPr algn="ctr"/>
+                <a:r>
+                  <a:rPr lang="ko-KR" altLang="en-US" sz="1400" dirty="0" err="1" smtClean="0">
+                    <a:solidFill>
+                      <a:schemeClr val="tx1"/>
+                    </a:solidFill>
+                  </a:rPr>
+                  <a:t>지필하기</a:t>
+                </a:r>
+                <a:endParaRPr lang="ko-KR" altLang="en-US" sz="1400" dirty="0">
+                  <a:solidFill>
+                    <a:schemeClr val="tx1"/>
+                  </a:solidFill>
+                </a:endParaRPr>
+              </a:p>
+            </p:txBody>
+          </p:sp>
+          <p:sp>
+            <p:nvSpPr>
+              <p:cNvPr id="64" name="사각형: 둥근 모서리 27">
+                <a:extLst>
+                  <a:ext uri="{FF2B5EF4-FFF2-40B4-BE49-F238E27FC236}">
+                    <a16:creationId xmlns:a16="http://schemas.microsoft.com/office/drawing/2014/main" id="{F9D1BF57-B7E1-4C6E-8D32-BE3A6CFEC485}"/>
+                  </a:ext>
+                </a:extLst>
+              </p:cNvPr>
+              <p:cNvSpPr/>
+              <p:nvPr/>
+            </p:nvSpPr>
+            <p:spPr>
+              <a:xfrm>
+                <a:off x="5838737" y="3429580"/>
+                <a:ext cx="1426128" cy="430068"/>
+              </a:xfrm>
+              <a:prstGeom prst="roundRect">
+                <a:avLst/>
+              </a:prstGeom>
+              <a:ln>
+                <a:solidFill>
+                  <a:schemeClr val="accent4"/>
+                </a:solidFill>
+              </a:ln>
+            </p:spPr>
+            <p:style>
+              <a:lnRef idx="2">
+                <a:schemeClr val="accent1">
+                  <a:shade val="50000"/>
+                </a:schemeClr>
+              </a:lnRef>
+              <a:fillRef idx="1003">
+                <a:schemeClr val="dk1"/>
+              </a:fillRef>
+              <a:effectRef idx="0">
+                <a:schemeClr val="accent1"/>
+              </a:effectRef>
+              <a:fontRef idx="minor">
+                <a:schemeClr val="lt1"/>
+              </a:fontRef>
+            </p:style>
+            <p:txBody>
+              <a:bodyPr rtlCol="0" anchor="ctr"/>
+              <a:lstStyle/>
+              <a:p>
+                <a:pPr algn="ctr"/>
+                <a:r>
+                  <a:rPr lang="en-US" altLang="ko-KR" sz="1400" dirty="0" smtClean="0">
+                    <a:solidFill>
+                      <a:schemeClr val="tx1"/>
+                    </a:solidFill>
+                  </a:rPr>
+                  <a:t>ALL</a:t>
+                </a:r>
+                <a:endParaRPr lang="ko-KR" altLang="en-US" sz="1400" dirty="0">
+                  <a:solidFill>
+                    <a:schemeClr val="tx1"/>
+                  </a:solidFill>
+                </a:endParaRPr>
+              </a:p>
+            </p:txBody>
+          </p:sp>
+          <p:sp>
+            <p:nvSpPr>
+              <p:cNvPr id="65" name="사각형: 둥근 모서리 28">
+                <a:extLst>
+                  <a:ext uri="{FF2B5EF4-FFF2-40B4-BE49-F238E27FC236}">
+                    <a16:creationId xmlns:a16="http://schemas.microsoft.com/office/drawing/2014/main" id="{B83B3EC6-161F-405A-B6B7-6B5F3F62F42E}"/>
+                  </a:ext>
+                </a:extLst>
+              </p:cNvPr>
+              <p:cNvSpPr/>
+              <p:nvPr/>
+            </p:nvSpPr>
+            <p:spPr>
+              <a:xfrm>
+                <a:off x="5838738" y="4033904"/>
+                <a:ext cx="1426130" cy="430068"/>
+              </a:xfrm>
+              <a:prstGeom prst="roundRect">
+                <a:avLst/>
+              </a:prstGeom>
+              <a:ln>
+                <a:solidFill>
+                  <a:schemeClr val="accent4"/>
+                </a:solidFill>
+              </a:ln>
+            </p:spPr>
+            <p:style>
+              <a:lnRef idx="2">
+                <a:schemeClr val="accent1">
+                  <a:shade val="50000"/>
+                </a:schemeClr>
+              </a:lnRef>
+              <a:fillRef idx="1003">
+                <a:schemeClr val="dk1"/>
+              </a:fillRef>
+              <a:effectRef idx="0">
+                <a:schemeClr val="accent1"/>
+              </a:effectRef>
+              <a:fontRef idx="minor">
+                <a:schemeClr val="lt1"/>
+              </a:fontRef>
+            </p:style>
+            <p:txBody>
+              <a:bodyPr rtlCol="0" anchor="ctr"/>
+              <a:lstStyle/>
+              <a:p>
+                <a:pPr algn="ctr"/>
+                <a:r>
+                  <a:rPr lang="ko-KR" altLang="en-US" sz="1400" dirty="0" err="1" smtClean="0">
+                    <a:solidFill>
+                      <a:schemeClr val="tx1"/>
+                    </a:solidFill>
+                  </a:rPr>
+                  <a:t>국내도서</a:t>
+                </a:r>
+                <a:endParaRPr lang="ko-KR" altLang="en-US" sz="1400" dirty="0">
+                  <a:solidFill>
+                    <a:schemeClr val="tx1"/>
+                  </a:solidFill>
+                </a:endParaRPr>
+              </a:p>
+            </p:txBody>
+          </p:sp>
+          <p:sp>
+            <p:nvSpPr>
+              <p:cNvPr id="66" name="사각형: 둥근 모서리 29">
+                <a:extLst>
+                  <a:ext uri="{FF2B5EF4-FFF2-40B4-BE49-F238E27FC236}">
+                    <a16:creationId xmlns:a16="http://schemas.microsoft.com/office/drawing/2014/main" id="{168A3818-AF8E-40C8-8473-F394DD2D3B9C}"/>
+                  </a:ext>
+                </a:extLst>
+              </p:cNvPr>
+              <p:cNvSpPr/>
+              <p:nvPr/>
+            </p:nvSpPr>
+            <p:spPr>
+              <a:xfrm>
+                <a:off x="5838737" y="4638228"/>
+                <a:ext cx="1426128" cy="430068"/>
+              </a:xfrm>
+              <a:prstGeom prst="roundRect">
+                <a:avLst/>
+              </a:prstGeom>
+              <a:ln>
+                <a:solidFill>
+                  <a:schemeClr val="accent4"/>
+                </a:solidFill>
+              </a:ln>
+            </p:spPr>
+            <p:style>
+              <a:lnRef idx="2">
+                <a:schemeClr val="accent1">
+                  <a:shade val="50000"/>
+                </a:schemeClr>
+              </a:lnRef>
+              <a:fillRef idx="1003">
+                <a:schemeClr val="dk1"/>
+              </a:fillRef>
+              <a:effectRef idx="0">
+                <a:schemeClr val="accent1"/>
+              </a:effectRef>
+              <a:fontRef idx="minor">
+                <a:schemeClr val="lt1"/>
+              </a:fontRef>
+            </p:style>
+            <p:txBody>
+              <a:bodyPr rtlCol="0" anchor="ctr"/>
+              <a:lstStyle/>
+              <a:p>
+                <a:pPr algn="ctr"/>
+                <a:r>
+                  <a:rPr lang="ko-KR" altLang="en-US" sz="1400" dirty="0" err="1" smtClean="0">
+                    <a:solidFill>
+                      <a:schemeClr val="tx1"/>
+                    </a:solidFill>
+                  </a:rPr>
+                  <a:t>해외도서</a:t>
+                </a:r>
+                <a:endParaRPr lang="ko-KR" altLang="en-US" sz="1400" dirty="0">
+                  <a:solidFill>
+                    <a:schemeClr val="tx1"/>
+                  </a:solidFill>
+                </a:endParaRPr>
+              </a:p>
+            </p:txBody>
+          </p:sp>
+          <p:sp>
+            <p:nvSpPr>
+              <p:cNvPr id="67" name="사각형: 둥근 모서리 30">
+                <a:extLst>
+                  <a:ext uri="{FF2B5EF4-FFF2-40B4-BE49-F238E27FC236}">
+                    <a16:creationId xmlns:a16="http://schemas.microsoft.com/office/drawing/2014/main" id="{52830688-1547-4EA1-BDB7-CD6FD21E7139}"/>
+                  </a:ext>
+                </a:extLst>
+              </p:cNvPr>
+              <p:cNvSpPr/>
+              <p:nvPr/>
+            </p:nvSpPr>
+            <p:spPr>
+              <a:xfrm>
+                <a:off x="5838737" y="5242552"/>
+                <a:ext cx="1426128" cy="430068"/>
+              </a:xfrm>
+              <a:prstGeom prst="roundRect">
+                <a:avLst/>
+              </a:prstGeom>
+              <a:ln>
+                <a:solidFill>
+                  <a:schemeClr val="accent4"/>
+                </a:solidFill>
+              </a:ln>
+            </p:spPr>
+            <p:style>
+              <a:lnRef idx="2">
+                <a:schemeClr val="accent1">
+                  <a:shade val="50000"/>
+                </a:schemeClr>
+              </a:lnRef>
+              <a:fillRef idx="1003">
+                <a:schemeClr val="dk1"/>
+              </a:fillRef>
+              <a:effectRef idx="0">
+                <a:schemeClr val="accent1"/>
+              </a:effectRef>
+              <a:fontRef idx="minor">
+                <a:schemeClr val="lt1"/>
+              </a:fontRef>
+            </p:style>
+            <p:txBody>
+              <a:bodyPr rtlCol="0" anchor="ctr"/>
+              <a:lstStyle/>
+              <a:p>
+                <a:pPr algn="ctr"/>
+                <a:r>
+                  <a:rPr lang="ko-KR" altLang="en-US" sz="1400" dirty="0" smtClean="0">
+                    <a:solidFill>
+                      <a:schemeClr val="tx1"/>
+                    </a:solidFill>
+                  </a:rPr>
+                  <a:t>신간도서</a:t>
+                </a:r>
+                <a:endParaRPr lang="ko-KR" altLang="en-US" sz="1400" dirty="0">
+                  <a:solidFill>
+                    <a:schemeClr val="tx1"/>
+                  </a:solidFill>
+                </a:endParaRPr>
+              </a:p>
+            </p:txBody>
+          </p:sp>
+          <p:sp>
+            <p:nvSpPr>
+              <p:cNvPr id="68" name="사각형: 둥근 모서리 30">
+                <a:extLst>
+                  <a:ext uri="{FF2B5EF4-FFF2-40B4-BE49-F238E27FC236}">
+                    <a16:creationId xmlns:a16="http://schemas.microsoft.com/office/drawing/2014/main" id="{52830688-1547-4EA1-BDB7-CD6FD21E7139}"/>
+                  </a:ext>
+                </a:extLst>
+              </p:cNvPr>
+              <p:cNvSpPr/>
+              <p:nvPr/>
+            </p:nvSpPr>
+            <p:spPr>
+              <a:xfrm>
+                <a:off x="5838737" y="5832626"/>
+                <a:ext cx="1426128" cy="430068"/>
+              </a:xfrm>
+              <a:prstGeom prst="roundRect">
+                <a:avLst/>
+              </a:prstGeom>
+              <a:ln>
+                <a:solidFill>
+                  <a:schemeClr val="accent4"/>
+                </a:solidFill>
+              </a:ln>
+            </p:spPr>
+            <p:style>
+              <a:lnRef idx="2">
+                <a:schemeClr val="accent1">
+                  <a:shade val="50000"/>
+                </a:schemeClr>
+              </a:lnRef>
+              <a:fillRef idx="1003">
+                <a:schemeClr val="dk1"/>
+              </a:fillRef>
+              <a:effectRef idx="0">
+                <a:schemeClr val="accent1"/>
+              </a:effectRef>
+              <a:fontRef idx="minor">
+                <a:schemeClr val="lt1"/>
+              </a:fontRef>
+            </p:style>
+            <p:txBody>
+              <a:bodyPr rtlCol="0" anchor="ctr"/>
+              <a:lstStyle/>
+              <a:p>
+                <a:pPr algn="ctr"/>
+                <a:r>
+                  <a:rPr lang="ko-KR" altLang="en-US" sz="1400" dirty="0" smtClean="0">
+                    <a:solidFill>
+                      <a:schemeClr val="tx1"/>
+                    </a:solidFill>
+                  </a:rPr>
+                  <a:t>추천도서</a:t>
+                </a:r>
+                <a:endParaRPr lang="ko-KR" altLang="en-US" sz="1400" dirty="0">
+                  <a:solidFill>
+                    <a:schemeClr val="tx1"/>
+                  </a:solidFill>
+                </a:endParaRPr>
+              </a:p>
+            </p:txBody>
+          </p:sp>
+          <p:sp>
+            <p:nvSpPr>
+              <p:cNvPr id="69" name="사각형: 둥근 모서리 27">
+                <a:extLst>
+                  <a:ext uri="{FF2B5EF4-FFF2-40B4-BE49-F238E27FC236}">
+                    <a16:creationId xmlns:a16="http://schemas.microsoft.com/office/drawing/2014/main" id="{F9D1BF57-B7E1-4C6E-8D32-BE3A6CFEC485}"/>
+                  </a:ext>
+                </a:extLst>
+              </p:cNvPr>
+              <p:cNvSpPr/>
+              <p:nvPr/>
+            </p:nvSpPr>
+            <p:spPr>
+              <a:xfrm>
+                <a:off x="7637617" y="3419630"/>
+                <a:ext cx="1426128" cy="430068"/>
+              </a:xfrm>
+              <a:prstGeom prst="roundRect">
+                <a:avLst/>
+              </a:prstGeom>
+              <a:ln>
+                <a:solidFill>
+                  <a:schemeClr val="accent4"/>
+                </a:solidFill>
+              </a:ln>
+            </p:spPr>
+            <p:style>
+              <a:lnRef idx="2">
+                <a:schemeClr val="accent1">
+                  <a:shade val="50000"/>
+                </a:schemeClr>
+              </a:lnRef>
+              <a:fillRef idx="1003">
+                <a:schemeClr val="dk1"/>
+              </a:fillRef>
+              <a:effectRef idx="0">
+                <a:schemeClr val="accent1"/>
+              </a:effectRef>
+              <a:fontRef idx="minor">
+                <a:schemeClr val="lt1"/>
+              </a:fontRef>
+            </p:style>
+            <p:txBody>
+              <a:bodyPr rtlCol="0" anchor="ctr"/>
+              <a:lstStyle/>
+              <a:p>
+                <a:pPr algn="ctr"/>
+                <a:r>
+                  <a:rPr lang="ko-KR" altLang="en-US" sz="1400" dirty="0" err="1" smtClean="0">
+                    <a:solidFill>
+                      <a:schemeClr val="tx1"/>
+                    </a:solidFill>
+                  </a:rPr>
+                  <a:t>한줄평가</a:t>
+                </a:r>
+                <a:endParaRPr lang="ko-KR" altLang="en-US" sz="1400" dirty="0">
+                  <a:solidFill>
+                    <a:schemeClr val="tx1"/>
+                  </a:solidFill>
+                </a:endParaRPr>
+              </a:p>
+            </p:txBody>
+          </p:sp>
+          <p:sp>
+            <p:nvSpPr>
+              <p:cNvPr id="70" name="사각형: 둥근 모서리 28">
+                <a:extLst>
+                  <a:ext uri="{FF2B5EF4-FFF2-40B4-BE49-F238E27FC236}">
+                    <a16:creationId xmlns:a16="http://schemas.microsoft.com/office/drawing/2014/main" id="{B83B3EC6-161F-405A-B6B7-6B5F3F62F42E}"/>
+                  </a:ext>
+                </a:extLst>
+              </p:cNvPr>
+              <p:cNvSpPr/>
+              <p:nvPr/>
+            </p:nvSpPr>
+            <p:spPr>
+              <a:xfrm>
+                <a:off x="7637618" y="4023954"/>
+                <a:ext cx="1426130" cy="430068"/>
+              </a:xfrm>
+              <a:prstGeom prst="roundRect">
+                <a:avLst/>
+              </a:prstGeom>
+              <a:ln>
+                <a:solidFill>
+                  <a:schemeClr val="accent4"/>
+                </a:solidFill>
+              </a:ln>
+            </p:spPr>
+            <p:style>
+              <a:lnRef idx="2">
+                <a:schemeClr val="accent1">
+                  <a:shade val="50000"/>
+                </a:schemeClr>
+              </a:lnRef>
+              <a:fillRef idx="1003">
+                <a:schemeClr val="dk1"/>
+              </a:fillRef>
+              <a:effectRef idx="0">
+                <a:schemeClr val="accent1"/>
+              </a:effectRef>
+              <a:fontRef idx="minor">
+                <a:schemeClr val="lt1"/>
+              </a:fontRef>
+            </p:style>
+            <p:txBody>
+              <a:bodyPr rtlCol="0" anchor="ctr"/>
+              <a:lstStyle/>
+              <a:p>
+                <a:pPr algn="ctr"/>
+                <a:r>
+                  <a:rPr lang="ko-KR" altLang="en-US" sz="1400" dirty="0" smtClean="0">
+                    <a:solidFill>
+                      <a:schemeClr val="tx1"/>
+                    </a:solidFill>
+                  </a:rPr>
+                  <a:t>독후감</a:t>
+                </a:r>
+                <a:endParaRPr lang="ko-KR" altLang="en-US" sz="1400" dirty="0">
+                  <a:solidFill>
+                    <a:schemeClr val="tx1"/>
+                  </a:solidFill>
+                </a:endParaRPr>
+              </a:p>
+            </p:txBody>
+          </p:sp>
+          <p:sp>
+            <p:nvSpPr>
+              <p:cNvPr id="71" name="사각형: 둥근 모서리 29">
+                <a:extLst>
+                  <a:ext uri="{FF2B5EF4-FFF2-40B4-BE49-F238E27FC236}">
+                    <a16:creationId xmlns:a16="http://schemas.microsoft.com/office/drawing/2014/main" id="{168A3818-AF8E-40C8-8473-F394DD2D3B9C}"/>
+                  </a:ext>
+                </a:extLst>
+              </p:cNvPr>
+              <p:cNvSpPr/>
+              <p:nvPr/>
+            </p:nvSpPr>
+            <p:spPr>
+              <a:xfrm>
+                <a:off x="7637616" y="4628278"/>
+                <a:ext cx="1426128" cy="430068"/>
+              </a:xfrm>
+              <a:prstGeom prst="roundRect">
+                <a:avLst/>
+              </a:prstGeom>
+              <a:ln>
+                <a:solidFill>
+                  <a:schemeClr val="accent4"/>
+                </a:solidFill>
+              </a:ln>
+            </p:spPr>
+            <p:style>
+              <a:lnRef idx="2">
+                <a:schemeClr val="accent1">
+                  <a:shade val="50000"/>
+                </a:schemeClr>
+              </a:lnRef>
+              <a:fillRef idx="1003">
+                <a:schemeClr val="dk1"/>
+              </a:fillRef>
+              <a:effectRef idx="0">
+                <a:schemeClr val="accent1"/>
+              </a:effectRef>
+              <a:fontRef idx="minor">
+                <a:schemeClr val="lt1"/>
+              </a:fontRef>
+            </p:style>
+            <p:txBody>
+              <a:bodyPr rtlCol="0" anchor="ctr"/>
+              <a:lstStyle/>
+              <a:p>
+                <a:pPr algn="ctr"/>
+                <a:r>
+                  <a:rPr lang="ko-KR" altLang="en-US" sz="1400" dirty="0" smtClean="0">
+                    <a:solidFill>
+                      <a:schemeClr val="tx1"/>
+                    </a:solidFill>
+                  </a:rPr>
+                  <a:t>공유하기</a:t>
+                </a:r>
+                <a:endParaRPr lang="ko-KR" altLang="en-US" sz="1400" dirty="0">
+                  <a:solidFill>
+                    <a:schemeClr val="tx1"/>
+                  </a:solidFill>
+                </a:endParaRPr>
+              </a:p>
+            </p:txBody>
+          </p:sp>
+          <p:sp>
+            <p:nvSpPr>
+              <p:cNvPr id="72" name="사각형: 둥근 모서리 30">
+                <a:extLst>
+                  <a:ext uri="{FF2B5EF4-FFF2-40B4-BE49-F238E27FC236}">
+                    <a16:creationId xmlns:a16="http://schemas.microsoft.com/office/drawing/2014/main" id="{52830688-1547-4EA1-BDB7-CD6FD21E7139}"/>
+                  </a:ext>
+                </a:extLst>
+              </p:cNvPr>
+              <p:cNvSpPr/>
+              <p:nvPr/>
+            </p:nvSpPr>
+            <p:spPr>
+              <a:xfrm>
+                <a:off x="7637616" y="5232602"/>
+                <a:ext cx="1426128" cy="430068"/>
+              </a:xfrm>
+              <a:prstGeom prst="roundRect">
+                <a:avLst/>
+              </a:prstGeom>
+              <a:ln>
+                <a:solidFill>
+                  <a:schemeClr val="accent4"/>
+                </a:solidFill>
+              </a:ln>
+            </p:spPr>
+            <p:style>
+              <a:lnRef idx="2">
+                <a:schemeClr val="accent1">
+                  <a:shade val="50000"/>
+                </a:schemeClr>
+              </a:lnRef>
+              <a:fillRef idx="1003">
+                <a:schemeClr val="dk1"/>
+              </a:fillRef>
+              <a:effectRef idx="0">
+                <a:schemeClr val="accent1"/>
+              </a:effectRef>
+              <a:fontRef idx="minor">
+                <a:schemeClr val="lt1"/>
+              </a:fontRef>
+            </p:style>
+            <p:txBody>
+              <a:bodyPr rtlCol="0" anchor="ctr"/>
+              <a:lstStyle/>
+              <a:p>
+                <a:pPr algn="ctr"/>
+                <a:r>
+                  <a:rPr lang="ko-KR" altLang="en-US" sz="1400" dirty="0" err="1" smtClean="0">
+                    <a:solidFill>
+                      <a:schemeClr val="tx1"/>
+                    </a:solidFill>
+                  </a:rPr>
+                  <a:t>이책어떄</a:t>
+                </a:r>
+                <a:r>
+                  <a:rPr lang="en-US" altLang="ko-KR" sz="1400" dirty="0" smtClean="0">
+                    <a:solidFill>
+                      <a:schemeClr val="tx1"/>
+                    </a:solidFill>
+                  </a:rPr>
+                  <a:t>?</a:t>
+                </a:r>
+                <a:endParaRPr lang="ko-KR" altLang="en-US" sz="1400" dirty="0">
+                  <a:solidFill>
+                    <a:schemeClr val="tx1"/>
+                  </a:solidFill>
+                </a:endParaRPr>
+              </a:p>
+            </p:txBody>
+          </p:sp>
+          <p:sp>
+            <p:nvSpPr>
+              <p:cNvPr id="73" name="사각형: 둥근 모서리 30">
+                <a:extLst>
+                  <a:ext uri="{FF2B5EF4-FFF2-40B4-BE49-F238E27FC236}">
+                    <a16:creationId xmlns:a16="http://schemas.microsoft.com/office/drawing/2014/main" id="{52830688-1547-4EA1-BDB7-CD6FD21E7139}"/>
+                  </a:ext>
+                </a:extLst>
+              </p:cNvPr>
+              <p:cNvSpPr/>
+              <p:nvPr/>
+            </p:nvSpPr>
+            <p:spPr>
+              <a:xfrm>
+                <a:off x="7637616" y="5822675"/>
+                <a:ext cx="1426128" cy="430068"/>
+              </a:xfrm>
+              <a:prstGeom prst="roundRect">
+                <a:avLst/>
+              </a:prstGeom>
+              <a:ln>
+                <a:solidFill>
+                  <a:schemeClr val="accent4"/>
+                </a:solidFill>
+              </a:ln>
+            </p:spPr>
+            <p:style>
+              <a:lnRef idx="2">
+                <a:schemeClr val="accent1">
+                  <a:shade val="50000"/>
+                </a:schemeClr>
+              </a:lnRef>
+              <a:fillRef idx="1003">
+                <a:schemeClr val="dk1"/>
+              </a:fillRef>
+              <a:effectRef idx="0">
+                <a:schemeClr val="accent1"/>
+              </a:effectRef>
+              <a:fontRef idx="minor">
+                <a:schemeClr val="lt1"/>
+              </a:fontRef>
+            </p:style>
+            <p:txBody>
+              <a:bodyPr rtlCol="0" anchor="ctr"/>
+              <a:lstStyle/>
+              <a:p>
+                <a:pPr algn="ctr"/>
+                <a:r>
+                  <a:rPr lang="ko-KR" altLang="en-US" sz="1400" dirty="0" err="1" smtClean="0">
+                    <a:solidFill>
+                      <a:schemeClr val="tx1"/>
+                    </a:solidFill>
+                  </a:rPr>
+                  <a:t>작가에게한마디</a:t>
+                </a:r>
+                <a:endParaRPr lang="ko-KR" altLang="en-US" sz="1400" dirty="0">
+                  <a:solidFill>
+                    <a:schemeClr val="tx1"/>
+                  </a:solidFill>
+                </a:endParaRPr>
+              </a:p>
+            </p:txBody>
+          </p:sp>
+          <p:sp>
+            <p:nvSpPr>
+              <p:cNvPr id="74" name="사각형: 둥근 모서리 27">
+                <a:extLst>
+                  <a:ext uri="{FF2B5EF4-FFF2-40B4-BE49-F238E27FC236}">
+                    <a16:creationId xmlns:a16="http://schemas.microsoft.com/office/drawing/2014/main" id="{F9D1BF57-B7E1-4C6E-8D32-BE3A6CFEC485}"/>
+                  </a:ext>
+                </a:extLst>
+              </p:cNvPr>
+              <p:cNvSpPr/>
+              <p:nvPr/>
+            </p:nvSpPr>
+            <p:spPr>
+              <a:xfrm>
+                <a:off x="9436497" y="3419630"/>
+                <a:ext cx="1426128" cy="430068"/>
+              </a:xfrm>
+              <a:prstGeom prst="roundRect">
+                <a:avLst/>
+              </a:prstGeom>
+              <a:ln>
+                <a:solidFill>
+                  <a:schemeClr val="accent4"/>
+                </a:solidFill>
+              </a:ln>
+            </p:spPr>
+            <p:style>
+              <a:lnRef idx="2">
+                <a:schemeClr val="accent1">
+                  <a:shade val="50000"/>
+                </a:schemeClr>
+              </a:lnRef>
+              <a:fillRef idx="1003">
+                <a:schemeClr val="dk1"/>
+              </a:fillRef>
+              <a:effectRef idx="0">
+                <a:schemeClr val="accent1"/>
+              </a:effectRef>
+              <a:fontRef idx="minor">
+                <a:schemeClr val="lt1"/>
+              </a:fontRef>
+            </p:style>
+            <p:txBody>
+              <a:bodyPr rtlCol="0" anchor="ctr"/>
+              <a:lstStyle/>
+              <a:p>
+                <a:pPr algn="ctr"/>
+                <a:r>
+                  <a:rPr lang="en-US" altLang="ko-KR" sz="1400" dirty="0" smtClean="0">
+                    <a:solidFill>
+                      <a:schemeClr val="tx1"/>
+                    </a:solidFill>
+                  </a:rPr>
+                  <a:t>C-</a:t>
+                </a:r>
+                <a:r>
+                  <a:rPr lang="ko-KR" altLang="en-US" sz="1400" dirty="0" smtClean="0">
+                    <a:solidFill>
+                      <a:schemeClr val="tx1"/>
+                    </a:solidFill>
+                  </a:rPr>
+                  <a:t>이벤트</a:t>
+                </a:r>
+                <a:endParaRPr lang="ko-KR" altLang="en-US" sz="1400" dirty="0">
+                  <a:solidFill>
+                    <a:schemeClr val="tx1"/>
+                  </a:solidFill>
+                </a:endParaRPr>
+              </a:p>
+            </p:txBody>
+          </p:sp>
+          <p:sp>
+            <p:nvSpPr>
+              <p:cNvPr id="75" name="사각형: 둥근 모서리 28">
+                <a:extLst>
+                  <a:ext uri="{FF2B5EF4-FFF2-40B4-BE49-F238E27FC236}">
+                    <a16:creationId xmlns:a16="http://schemas.microsoft.com/office/drawing/2014/main" id="{B83B3EC6-161F-405A-B6B7-6B5F3F62F42E}"/>
+                  </a:ext>
+                </a:extLst>
+              </p:cNvPr>
+              <p:cNvSpPr/>
+              <p:nvPr/>
+            </p:nvSpPr>
+            <p:spPr>
+              <a:xfrm>
+                <a:off x="9436498" y="4023954"/>
+                <a:ext cx="1426130" cy="430068"/>
+              </a:xfrm>
+              <a:prstGeom prst="roundRect">
+                <a:avLst/>
+              </a:prstGeom>
+              <a:ln>
+                <a:solidFill>
+                  <a:schemeClr val="accent4"/>
+                </a:solidFill>
+              </a:ln>
+            </p:spPr>
+            <p:style>
+              <a:lnRef idx="2">
+                <a:schemeClr val="accent1">
+                  <a:shade val="50000"/>
+                </a:schemeClr>
+              </a:lnRef>
+              <a:fillRef idx="1003">
+                <a:schemeClr val="dk1"/>
+              </a:fillRef>
+              <a:effectRef idx="0">
+                <a:schemeClr val="accent1"/>
+              </a:effectRef>
+              <a:fontRef idx="minor">
+                <a:schemeClr val="lt1"/>
+              </a:fontRef>
+            </p:style>
+            <p:txBody>
+              <a:bodyPr rtlCol="0" anchor="ctr"/>
+              <a:lstStyle/>
+              <a:p>
+                <a:pPr algn="ctr"/>
+                <a:r>
+                  <a:rPr lang="ko-KR" altLang="en-US" sz="1400" dirty="0" err="1" smtClean="0">
+                    <a:solidFill>
+                      <a:schemeClr val="tx1"/>
+                    </a:solidFill>
+                  </a:rPr>
+                  <a:t>인기이벤트</a:t>
+                </a:r>
+                <a:endParaRPr lang="ko-KR" altLang="en-US" sz="1400" dirty="0">
+                  <a:solidFill>
+                    <a:schemeClr val="tx1"/>
+                  </a:solidFill>
+                </a:endParaRPr>
+              </a:p>
+            </p:txBody>
+          </p:sp>
+          <p:sp>
+            <p:nvSpPr>
+              <p:cNvPr id="76" name="사각형: 둥근 모서리 29">
+                <a:extLst>
+                  <a:ext uri="{FF2B5EF4-FFF2-40B4-BE49-F238E27FC236}">
+                    <a16:creationId xmlns:a16="http://schemas.microsoft.com/office/drawing/2014/main" id="{168A3818-AF8E-40C8-8473-F394DD2D3B9C}"/>
+                  </a:ext>
+                </a:extLst>
+              </p:cNvPr>
+              <p:cNvSpPr/>
+              <p:nvPr/>
+            </p:nvSpPr>
+            <p:spPr>
+              <a:xfrm>
+                <a:off x="9436496" y="4628278"/>
+                <a:ext cx="1426128" cy="430068"/>
+              </a:xfrm>
+              <a:prstGeom prst="roundRect">
+                <a:avLst/>
+              </a:prstGeom>
+              <a:ln>
+                <a:solidFill>
+                  <a:schemeClr val="accent4"/>
+                </a:solidFill>
+              </a:ln>
+            </p:spPr>
+            <p:style>
+              <a:lnRef idx="2">
+                <a:schemeClr val="accent1">
+                  <a:shade val="50000"/>
+                </a:schemeClr>
+              </a:lnRef>
+              <a:fillRef idx="1003">
+                <a:schemeClr val="dk1"/>
+              </a:fillRef>
+              <a:effectRef idx="0">
+                <a:schemeClr val="accent1"/>
+              </a:effectRef>
+              <a:fontRef idx="minor">
+                <a:schemeClr val="lt1"/>
+              </a:fontRef>
+            </p:style>
+            <p:txBody>
+              <a:bodyPr rtlCol="0" anchor="ctr"/>
+              <a:lstStyle/>
+              <a:p>
+                <a:pPr algn="ctr"/>
+                <a:r>
+                  <a:rPr lang="ko-KR" altLang="en-US" sz="1400" dirty="0" smtClean="0">
+                    <a:solidFill>
+                      <a:schemeClr val="tx1"/>
+                    </a:solidFill>
+                  </a:rPr>
+                  <a:t>작가님 이벤트</a:t>
+                </a:r>
+                <a:endParaRPr lang="ko-KR" altLang="en-US" sz="1400" dirty="0">
+                  <a:solidFill>
+                    <a:schemeClr val="tx1"/>
+                  </a:solidFill>
+                </a:endParaRPr>
+              </a:p>
+            </p:txBody>
+          </p:sp>
+          <p:sp>
+            <p:nvSpPr>
+              <p:cNvPr id="77" name="사각형: 둥근 모서리 30">
+                <a:extLst>
+                  <a:ext uri="{FF2B5EF4-FFF2-40B4-BE49-F238E27FC236}">
+                    <a16:creationId xmlns:a16="http://schemas.microsoft.com/office/drawing/2014/main" id="{52830688-1547-4EA1-BDB7-CD6FD21E7139}"/>
+                  </a:ext>
+                </a:extLst>
+              </p:cNvPr>
+              <p:cNvSpPr/>
+              <p:nvPr/>
+            </p:nvSpPr>
+            <p:spPr>
+              <a:xfrm>
+                <a:off x="9436496" y="5232602"/>
+                <a:ext cx="1426128" cy="430068"/>
+              </a:xfrm>
+              <a:prstGeom prst="roundRect">
+                <a:avLst/>
+              </a:prstGeom>
+              <a:ln>
+                <a:solidFill>
+                  <a:schemeClr val="accent4"/>
+                </a:solidFill>
+              </a:ln>
+            </p:spPr>
+            <p:style>
+              <a:lnRef idx="2">
+                <a:schemeClr val="accent1">
+                  <a:shade val="50000"/>
+                </a:schemeClr>
+              </a:lnRef>
+              <a:fillRef idx="1003">
+                <a:schemeClr val="dk1"/>
+              </a:fillRef>
+              <a:effectRef idx="0">
+                <a:schemeClr val="accent1"/>
+              </a:effectRef>
+              <a:fontRef idx="minor">
+                <a:schemeClr val="lt1"/>
+              </a:fontRef>
+            </p:style>
+            <p:txBody>
+              <a:bodyPr rtlCol="0" anchor="ctr"/>
+              <a:lstStyle/>
+              <a:p>
+                <a:pPr algn="ctr"/>
+                <a:r>
+                  <a:rPr lang="ko-KR" altLang="en-US" sz="1400" dirty="0" err="1" smtClean="0">
+                    <a:solidFill>
+                      <a:schemeClr val="tx1"/>
+                    </a:solidFill>
+                  </a:rPr>
+                  <a:t>굿즈</a:t>
+                </a:r>
+                <a:endParaRPr lang="ko-KR" altLang="en-US" sz="1400" dirty="0">
+                  <a:solidFill>
+                    <a:schemeClr val="tx1"/>
+                  </a:solidFill>
+                </a:endParaRPr>
+              </a:p>
+            </p:txBody>
+          </p:sp>
+          <p:sp>
+            <p:nvSpPr>
+              <p:cNvPr id="78" name="사각형: 둥근 모서리 30">
+                <a:extLst>
+                  <a:ext uri="{FF2B5EF4-FFF2-40B4-BE49-F238E27FC236}">
+                    <a16:creationId xmlns:a16="http://schemas.microsoft.com/office/drawing/2014/main" id="{52830688-1547-4EA1-BDB7-CD6FD21E7139}"/>
+                  </a:ext>
+                </a:extLst>
+              </p:cNvPr>
+              <p:cNvSpPr/>
+              <p:nvPr/>
+            </p:nvSpPr>
+            <p:spPr>
+              <a:xfrm>
+                <a:off x="9436496" y="5822675"/>
+                <a:ext cx="1426128" cy="430068"/>
+              </a:xfrm>
+              <a:prstGeom prst="roundRect">
+                <a:avLst/>
+              </a:prstGeom>
+              <a:ln>
+                <a:solidFill>
+                  <a:schemeClr val="accent4"/>
+                </a:solidFill>
+              </a:ln>
+            </p:spPr>
+            <p:style>
+              <a:lnRef idx="2">
+                <a:schemeClr val="accent1">
+                  <a:shade val="50000"/>
+                </a:schemeClr>
+              </a:lnRef>
+              <a:fillRef idx="1003">
+                <a:schemeClr val="dk1"/>
+              </a:fillRef>
+              <a:effectRef idx="0">
+                <a:schemeClr val="accent1"/>
+              </a:effectRef>
+              <a:fontRef idx="minor">
+                <a:schemeClr val="lt1"/>
+              </a:fontRef>
+            </p:style>
+            <p:txBody>
+              <a:bodyPr rtlCol="0" anchor="ctr"/>
+              <a:lstStyle/>
+              <a:p>
+                <a:pPr algn="ctr"/>
+                <a:r>
+                  <a:rPr lang="ko-KR" altLang="en-US" sz="1400" dirty="0" smtClean="0">
+                    <a:solidFill>
+                      <a:schemeClr val="tx1"/>
+                    </a:solidFill>
+                  </a:rPr>
+                  <a:t>오프라인 이벤트</a:t>
+                </a:r>
+                <a:endParaRPr lang="ko-KR" altLang="en-US" sz="1400" dirty="0">
+                  <a:solidFill>
+                    <a:schemeClr val="tx1"/>
+                  </a:solidFill>
+                </a:endParaRPr>
               </a:p>
             </p:txBody>
           </p:sp>
         </p:grpSp>
+        <p:sp>
+          <p:nvSpPr>
+            <p:cNvPr id="43" name="사각형: 둥근 모서리 5">
+              <a:extLst>
+                <a:ext uri="{FF2B5EF4-FFF2-40B4-BE49-F238E27FC236}">
+                  <a16:creationId xmlns:a16="http://schemas.microsoft.com/office/drawing/2014/main" id="{407A66EA-9826-4E00-883D-3E911A064A0B}"/>
+                </a:ext>
+              </a:extLst>
+            </p:cNvPr>
+            <p:cNvSpPr/>
+            <p:nvPr/>
+          </p:nvSpPr>
+          <p:spPr>
+            <a:xfrm>
+              <a:off x="4103612" y="3242605"/>
+              <a:ext cx="1287395" cy="395083"/>
+            </a:xfrm>
+            <a:prstGeom prst="roundRect">
+              <a:avLst/>
+            </a:prstGeom>
+            <a:ln>
+              <a:solidFill>
+                <a:schemeClr val="accent4"/>
+              </a:solidFill>
+            </a:ln>
+          </p:spPr>
+          <p:style>
+            <a:lnRef idx="2">
+              <a:schemeClr val="accent1">
+                <a:shade val="50000"/>
+              </a:schemeClr>
+            </a:lnRef>
+            <a:fillRef idx="1003">
+              <a:schemeClr val="dk1"/>
+            </a:fillRef>
+            <a:effectRef idx="0">
+              <a:schemeClr val="accent1"/>
+            </a:effectRef>
+            <a:fontRef idx="minor">
+              <a:schemeClr val="lt1"/>
+            </a:fontRef>
+          </p:style>
+          <p:txBody>
+            <a:bodyPr rtlCol="0" anchor="ctr"/>
+            <a:lstStyle/>
+            <a:p>
+              <a:pPr algn="ctr"/>
+              <a:r>
+                <a:rPr lang="en-US" altLang="ko-KR" sz="1500" b="1" dirty="0" smtClean="0">
+                  <a:solidFill>
+                    <a:schemeClr val="tx1"/>
+                  </a:solidFill>
+                </a:rPr>
+                <a:t>Best seller</a:t>
+              </a:r>
+              <a:endParaRPr lang="ko-KR" altLang="en-US" sz="1500" b="1" dirty="0">
+                <a:solidFill>
+                  <a:schemeClr val="tx1"/>
+                </a:solidFill>
+              </a:endParaRPr>
+            </a:p>
+          </p:txBody>
+        </p:sp>
+        <p:sp>
+          <p:nvSpPr>
+            <p:cNvPr id="39" name="사각형: 둥근 모서리 6">
+              <a:extLst>
+                <a:ext uri="{FF2B5EF4-FFF2-40B4-BE49-F238E27FC236}">
+                  <a16:creationId xmlns:a16="http://schemas.microsoft.com/office/drawing/2014/main" id="{828BB059-A10E-4F2E-9EC9-57D36BD4A8FB}"/>
+                </a:ext>
+              </a:extLst>
+            </p:cNvPr>
+            <p:cNvSpPr/>
+            <p:nvPr/>
+          </p:nvSpPr>
+          <p:spPr>
+            <a:xfrm>
+              <a:off x="5727495" y="3242600"/>
+              <a:ext cx="1287395" cy="395082"/>
+            </a:xfrm>
+            <a:prstGeom prst="roundRect">
+              <a:avLst/>
+            </a:prstGeom>
+            <a:ln>
+              <a:solidFill>
+                <a:schemeClr val="accent4"/>
+              </a:solidFill>
+            </a:ln>
+          </p:spPr>
+          <p:style>
+            <a:lnRef idx="2">
+              <a:schemeClr val="accent1">
+                <a:shade val="50000"/>
+              </a:schemeClr>
+            </a:lnRef>
+            <a:fillRef idx="1003">
+              <a:schemeClr val="dk1"/>
+            </a:fillRef>
+            <a:effectRef idx="0">
+              <a:schemeClr val="accent1"/>
+            </a:effectRef>
+            <a:fontRef idx="minor">
+              <a:schemeClr val="lt1"/>
+            </a:fontRef>
+          </p:style>
+          <p:txBody>
+            <a:bodyPr rtlCol="0" anchor="ctr"/>
+            <a:lstStyle/>
+            <a:p>
+              <a:pPr algn="ctr"/>
+              <a:r>
+                <a:rPr lang="en-US" altLang="ko-KR" sz="1400" b="1" dirty="0" smtClean="0">
+                  <a:solidFill>
+                    <a:schemeClr val="tx1"/>
+                  </a:solidFill>
+                </a:rPr>
+                <a:t>My library</a:t>
+              </a:r>
+              <a:endParaRPr lang="ko-KR" altLang="en-US" sz="1400" b="1" dirty="0">
+                <a:solidFill>
+                  <a:schemeClr val="tx1"/>
+                </a:solidFill>
+              </a:endParaRPr>
+            </a:p>
+          </p:txBody>
+        </p:sp>
+        <p:cxnSp>
+          <p:nvCxnSpPr>
+            <p:cNvPr id="18" name="연결선: 꺾임 17">
+              <a:extLst>
+                <a:ext uri="{FF2B5EF4-FFF2-40B4-BE49-F238E27FC236}">
+                  <a16:creationId xmlns:a16="http://schemas.microsoft.com/office/drawing/2014/main" id="{0EBC41A6-042D-440E-BC85-524E70FFBC34}"/>
+                </a:ext>
+              </a:extLst>
+            </p:cNvPr>
+            <p:cNvCxnSpPr>
+              <a:cxnSpLocks/>
+              <a:stCxn id="9" idx="2"/>
+              <a:endCxn id="36" idx="0"/>
+            </p:cNvCxnSpPr>
+            <p:nvPr/>
+          </p:nvCxnSpPr>
+          <p:spPr>
+            <a:xfrm rot="16200000" flipH="1">
+              <a:off x="6505155" y="1752681"/>
+              <a:ext cx="1386220" cy="1593626"/>
+            </a:xfrm>
+            <a:prstGeom prst="bentConnector3">
+              <a:avLst>
+                <a:gd name="adj1" fmla="val 50000"/>
+              </a:avLst>
+            </a:prstGeom>
+            <a:ln>
+              <a:solidFill>
+                <a:schemeClr val="accent4"/>
+              </a:solidFill>
+            </a:ln>
+          </p:spPr>
+          <p:style>
+            <a:lnRef idx="1">
+              <a:schemeClr val="accent2"/>
+            </a:lnRef>
+            <a:fillRef idx="1003">
+              <a:schemeClr val="dk1"/>
+            </a:fillRef>
+            <a:effectRef idx="0">
+              <a:schemeClr val="accent2"/>
+            </a:effectRef>
+            <a:fontRef idx="minor">
+              <a:schemeClr val="tx1"/>
+            </a:fontRef>
+          </p:style>
+        </p:cxnSp>
+        <p:sp>
+          <p:nvSpPr>
+            <p:cNvPr id="36" name="사각형: 둥근 모서리 7">
+              <a:extLst>
+                <a:ext uri="{FF2B5EF4-FFF2-40B4-BE49-F238E27FC236}">
+                  <a16:creationId xmlns:a16="http://schemas.microsoft.com/office/drawing/2014/main" id="{9A6D509C-6A16-4544-B133-6A750A66DEDE}"/>
+                </a:ext>
+              </a:extLst>
+            </p:cNvPr>
+            <p:cNvSpPr/>
+            <p:nvPr/>
+          </p:nvSpPr>
+          <p:spPr>
+            <a:xfrm>
+              <a:off x="7351381" y="3242606"/>
+              <a:ext cx="1287395" cy="395083"/>
+            </a:xfrm>
+            <a:prstGeom prst="roundRect">
+              <a:avLst/>
+            </a:prstGeom>
+            <a:ln>
+              <a:solidFill>
+                <a:schemeClr val="accent4"/>
+              </a:solidFill>
+            </a:ln>
+          </p:spPr>
+          <p:style>
+            <a:lnRef idx="2">
+              <a:schemeClr val="accent1">
+                <a:shade val="50000"/>
+              </a:schemeClr>
+            </a:lnRef>
+            <a:fillRef idx="1003">
+              <a:schemeClr val="dk1"/>
+            </a:fillRef>
+            <a:effectRef idx="0">
+              <a:schemeClr val="accent1"/>
+            </a:effectRef>
+            <a:fontRef idx="minor">
+              <a:schemeClr val="lt1"/>
+            </a:fontRef>
+          </p:style>
+          <p:txBody>
+            <a:bodyPr rtlCol="0" anchor="ctr"/>
+            <a:lstStyle/>
+            <a:p>
+              <a:pPr algn="ctr"/>
+              <a:r>
+                <a:rPr lang="en-US" altLang="ko-KR" sz="1600" b="1" dirty="0" smtClean="0">
+                  <a:solidFill>
+                    <a:schemeClr val="tx1"/>
+                  </a:solidFill>
+                </a:rPr>
+                <a:t>E-book</a:t>
+              </a:r>
+              <a:endParaRPr lang="ko-KR" altLang="en-US" sz="1600" b="1" dirty="0">
+                <a:solidFill>
+                  <a:schemeClr val="tx1"/>
+                </a:solidFill>
+              </a:endParaRPr>
+            </a:p>
+          </p:txBody>
+        </p:sp>
+        <p:sp>
+          <p:nvSpPr>
+            <p:cNvPr id="34" name="사각형: 둥근 모서리 8">
+              <a:extLst>
+                <a:ext uri="{FF2B5EF4-FFF2-40B4-BE49-F238E27FC236}">
+                  <a16:creationId xmlns:a16="http://schemas.microsoft.com/office/drawing/2014/main" id="{5E7AD2B2-D96F-453F-9332-6AFD07B36C5E}"/>
+                </a:ext>
+              </a:extLst>
+            </p:cNvPr>
+            <p:cNvSpPr/>
+            <p:nvPr/>
+          </p:nvSpPr>
+          <p:spPr>
+            <a:xfrm>
+              <a:off x="8975265" y="3242606"/>
+              <a:ext cx="1287395" cy="395083"/>
+            </a:xfrm>
+            <a:prstGeom prst="roundRect">
+              <a:avLst/>
+            </a:prstGeom>
+            <a:ln>
+              <a:solidFill>
+                <a:schemeClr val="accent4"/>
+              </a:solidFill>
+            </a:ln>
+          </p:spPr>
+          <p:style>
+            <a:lnRef idx="2">
+              <a:schemeClr val="accent1">
+                <a:shade val="50000"/>
+              </a:schemeClr>
+            </a:lnRef>
+            <a:fillRef idx="1003">
+              <a:schemeClr val="dk1"/>
+            </a:fillRef>
+            <a:effectRef idx="0">
+              <a:schemeClr val="accent1"/>
+            </a:effectRef>
+            <a:fontRef idx="minor">
+              <a:schemeClr val="lt1"/>
+            </a:fontRef>
+          </p:style>
+          <p:txBody>
+            <a:bodyPr rtlCol="0" anchor="ctr"/>
+            <a:lstStyle/>
+            <a:p>
+              <a:pPr algn="ctr"/>
+              <a:r>
+                <a:rPr lang="en-US" altLang="ko-KR" sz="1600" b="1" dirty="0" smtClean="0">
+                  <a:solidFill>
+                    <a:schemeClr val="tx1"/>
+                  </a:solidFill>
+                </a:rPr>
+                <a:t>Review</a:t>
+              </a:r>
+              <a:endParaRPr lang="ko-KR" altLang="en-US" sz="1600" b="1" dirty="0">
+                <a:solidFill>
+                  <a:schemeClr val="tx1"/>
+                </a:solidFill>
+              </a:endParaRPr>
+            </a:p>
+          </p:txBody>
+        </p:sp>
+        <p:sp>
+          <p:nvSpPr>
+            <p:cNvPr id="29" name="사각형: 둥근 모서리 9">
+              <a:extLst>
+                <a:ext uri="{FF2B5EF4-FFF2-40B4-BE49-F238E27FC236}">
+                  <a16:creationId xmlns:a16="http://schemas.microsoft.com/office/drawing/2014/main" id="{30F83CF7-5E95-4D5F-98B7-78827DFA4A6F}"/>
+                </a:ext>
+              </a:extLst>
+            </p:cNvPr>
+            <p:cNvSpPr/>
+            <p:nvPr/>
+          </p:nvSpPr>
+          <p:spPr>
+            <a:xfrm>
+              <a:off x="10599151" y="3242606"/>
+              <a:ext cx="1287395" cy="395083"/>
+            </a:xfrm>
+            <a:prstGeom prst="roundRect">
+              <a:avLst/>
+            </a:prstGeom>
+            <a:ln>
+              <a:solidFill>
+                <a:schemeClr val="accent4"/>
+              </a:solidFill>
+            </a:ln>
+          </p:spPr>
+          <p:style>
+            <a:lnRef idx="2">
+              <a:schemeClr val="accent1">
+                <a:shade val="50000"/>
+              </a:schemeClr>
+            </a:lnRef>
+            <a:fillRef idx="1003">
+              <a:schemeClr val="dk1"/>
+            </a:fillRef>
+            <a:effectRef idx="0">
+              <a:schemeClr val="accent1"/>
+            </a:effectRef>
+            <a:fontRef idx="minor">
+              <a:schemeClr val="lt1"/>
+            </a:fontRef>
+          </p:style>
+          <p:txBody>
+            <a:bodyPr rtlCol="0" anchor="ctr"/>
+            <a:lstStyle/>
+            <a:p>
+              <a:pPr algn="ctr"/>
+              <a:r>
+                <a:rPr lang="en-US" altLang="ko-KR" sz="1600" b="1" dirty="0" smtClean="0">
+                  <a:solidFill>
+                    <a:schemeClr val="tx1"/>
+                  </a:solidFill>
+                </a:rPr>
+                <a:t>Event</a:t>
+              </a:r>
+              <a:endParaRPr lang="ko-KR" altLang="en-US" sz="1600" b="1" dirty="0">
+                <a:solidFill>
+                  <a:schemeClr val="tx1"/>
+                </a:solidFill>
+              </a:endParaRPr>
+            </a:p>
+          </p:txBody>
+        </p:sp>
         <p:cxnSp>
           <p:nvCxnSpPr>
             <p:cNvPr id="22" name="연결선: 꺾임 77">
@@ -14825,12 +16050,12 @@
               <a:p>
                 <a:pPr algn="ctr"/>
                 <a:r>
-                  <a:rPr lang="en-US" altLang="ko-KR" sz="1600" b="1" dirty="0">
+                  <a:rPr lang="en-US" altLang="ko-KR" sz="1600" b="1" dirty="0" smtClean="0">
                     <a:solidFill>
                       <a:schemeClr val="tx1"/>
                     </a:solidFill>
                   </a:rPr>
-                  <a:t>Login</a:t>
+                  <a:t>Logo</a:t>
                 </a:r>
                 <a:endParaRPr lang="ko-KR" altLang="en-US" sz="1600" b="1" dirty="0">
                   <a:solidFill>
@@ -14956,7 +16181,7 @@
                       <a:schemeClr val="tx1"/>
                     </a:solidFill>
                   </a:rPr>
-                  <a:t>회원가입</a:t>
+                  <a:t>상단메뉴</a:t>
                 </a:r>
                 <a:endParaRPr lang="ko-KR" altLang="en-US" sz="1600" b="1" dirty="0">
                   <a:solidFill>
@@ -15184,49 +16409,49 @@
 </file>
 
 <file path=ppt/theme/theme1.xml><?xml version="1.0" encoding="utf-8"?>
-<a:theme xmlns:r="http://schemas.openxmlformats.org/officeDocument/2006/relationships" xmlns:c="http://schemas.openxmlformats.org/drawingml/2006/chart" xmlns:dgm="http://schemas.openxmlformats.org/drawingml/2006/diagram" xmlns:dsp="http://schemas.microsoft.com/office/drawing/2008/diagram" xmlns:a="http://schemas.openxmlformats.org/drawingml/2006/main" xmlns:pic="http://schemas.openxmlformats.org/drawingml/2006/picture" xmlns:wp="http://schemas.openxmlformats.org/drawingml/2006/wordprocessingDrawing" xmlns:xdr="http://schemas.openxmlformats.org/drawingml/2006/spreadsheetDrawing" xmlns:p="http://schemas.openxmlformats.org/presentationml/2006/main" name="자연주의">
+<a:theme xmlns:a="http://schemas.openxmlformats.org/drawingml/2006/main" name="자연주의">
   <a:themeElements>
     <a:clrScheme name="자연주의">
       <a:dk1>
         <a:sysClr val="windowText" lastClr="000000"/>
       </a:dk1>
       <a:lt1>
-        <a:sysClr val="window" lastClr="ffffff"/>
+        <a:sysClr val="window" lastClr="FFFFFF"/>
       </a:lt1>
       <a:dk2>
         <a:srgbClr val="212121"/>
       </a:dk2>
       <a:lt2>
-        <a:srgbClr val="dadada"/>
+        <a:srgbClr val="DADADA"/>
       </a:lt2>
       <a:accent1>
-        <a:srgbClr val="83992a"/>
+        <a:srgbClr val="83992A"/>
       </a:accent1>
       <a:accent2>
-        <a:srgbClr val="3c9770"/>
+        <a:srgbClr val="3C9770"/>
       </a:accent2>
       <a:accent3>
-        <a:srgbClr val="44709d"/>
+        <a:srgbClr val="44709D"/>
       </a:accent3>
       <a:accent4>
-        <a:srgbClr val="a23c33"/>
+        <a:srgbClr val="A23C33"/>
       </a:accent4>
       <a:accent5>
-        <a:srgbClr val="d97828"/>
+        <a:srgbClr val="D97828"/>
       </a:accent5>
       <a:accent6>
-        <a:srgbClr val="deb340"/>
+        <a:srgbClr val="DEB340"/>
       </a:accent6>
       <a:hlink>
-        <a:srgbClr val="a8bf4d"/>
+        <a:srgbClr val="A8BF4D"/>
       </a:hlink>
       <a:folHlink>
-        <a:srgbClr val="b4ca80"/>
+        <a:srgbClr val="B4CA80"/>
       </a:folHlink>
     </a:clrScheme>
     <a:fontScheme name="자연주의">
       <a:majorFont>
-        <a:latin typeface="Garamond" panose="2147483647"/>
+        <a:latin typeface="Garamond" panose="21474836470000000000"/>
         <a:ea typeface=""/>
         <a:cs typeface=""/>
         <a:font script="Jpan" typeface="MS PGothic"/>
@@ -15261,7 +16486,7 @@
         <a:font script="Geor" typeface="Sylfaen"/>
       </a:majorFont>
       <a:minorFont>
-        <a:latin typeface="Garamond" panose="2147483647"/>
+        <a:latin typeface="Garamond" panose="21474836470000000000"/>
         <a:ea typeface=""/>
         <a:cs typeface=""/>
         <a:font script="Jpan" typeface="ＭＳ Ｐ明朝"/>
@@ -15318,7 +16543,7 @@
           <a:lin ang="5400000" scaled="0"/>
         </a:gradFill>
         <a:blipFill rotWithShape="1">
-          <a:blip r:embed="rId1">
+          <a:blip xmlns:r="http://schemas.openxmlformats.org/officeDocument/2006/relationships" r:embed="rId1">
             <a:duotone>
               <a:schemeClr val="phClr">
                 <a:shade val="74000"/>
@@ -15400,7 +16625,7 @@
           <a:lin ang="5400000" scaled="0"/>
         </a:gradFill>
         <a:blipFill rotWithShape="1">
-          <a:blip r:embed="rId2"/>
+          <a:blip xmlns:r="http://schemas.openxmlformats.org/officeDocument/2006/relationships" r:embed="rId2"/>
           <a:stretch>
             <a:fillRect/>
           </a:stretch>
@@ -15408,5 +16633,7 @@
       </a:bgFillStyleLst>
     </a:fmtScheme>
   </a:themeElements>
+  <a:objectDefaults/>
+  <a:extraClrSchemeLst/>
 </a:theme>
 </file>